--- a/doc/history/presentations/template.pptx
+++ b/doc/history/presentations/template.pptx
@@ -351,11 +351,15 @@
           <a:bodyPr/>
           <a:lstStyle/>
           <a:p>
-            <a:fld id="{C1FF6DA9-008F-8B48-92A6-B652298478BF}" type="slidenum">
-              <a:rPr lang="en-US" smtClean="0"/>
-              <a:t>‹#›</a:t>
-            </a:fld>
-            <a:endParaRPr lang="en-US"/>
+            <a:r>
+              <a:rPr lang="en-US" sz="900">
+                <a:solidFill>
+                  <a:srgbClr val="808080"/>
+                </a:solidFill>
+                <a:latin typeface="Calibri"/>
+              </a:rPr>
+              <a:t>&lt;#&gt;</a:t>
+            </a:r>
           </a:p>
         </p:txBody>
       </p:sp>
@@ -500,11 +504,15 @@
           <a:bodyPr/>
           <a:lstStyle/>
           <a:p>
-            <a:fld id="{C1FF6DA9-008F-8B48-92A6-B652298478BF}" type="slidenum">
-              <a:rPr lang="en-US" smtClean="0"/>
-              <a:t>‹#›</a:t>
-            </a:fld>
-            <a:endParaRPr lang="en-US"/>
+            <a:r>
+              <a:rPr lang="en-US" sz="900">
+                <a:solidFill>
+                  <a:srgbClr val="808080"/>
+                </a:solidFill>
+                <a:latin typeface="Calibri"/>
+              </a:rPr>
+              <a:t>&lt;#&gt;</a:t>
+            </a:r>
           </a:p>
         </p:txBody>
       </p:sp>
@@ -649,11 +657,15 @@
           <a:bodyPr/>
           <a:lstStyle/>
           <a:p>
-            <a:fld id="{C1FF6DA9-008F-8B48-92A6-B652298478BF}" type="slidenum">
-              <a:rPr lang="en-US" smtClean="0"/>
-              <a:t>‹#›</a:t>
-            </a:fld>
-            <a:endParaRPr lang="en-US"/>
+            <a:r>
+              <a:rPr lang="en-US" sz="900">
+                <a:solidFill>
+                  <a:srgbClr val="808080"/>
+                </a:solidFill>
+                <a:latin typeface="Calibri"/>
+              </a:rPr>
+              <a:t>&lt;#&gt;</a:t>
+            </a:r>
           </a:p>
         </p:txBody>
       </p:sp>
@@ -832,11 +844,15 @@
           <a:bodyPr/>
           <a:lstStyle/>
           <a:p>
-            <a:fld id="{C1FF6DA9-008F-8B48-92A6-B652298478BF}" type="slidenum">
-              <a:rPr lang="en-US" smtClean="0"/>
-              <a:t>‹#›</a:t>
-            </a:fld>
-            <a:endParaRPr lang="en-US"/>
+            <a:r>
+              <a:rPr lang="en-US" sz="900">
+                <a:solidFill>
+                  <a:srgbClr val="808080"/>
+                </a:solidFill>
+                <a:latin typeface="Calibri"/>
+              </a:rPr>
+              <a:t>&lt;#&gt;</a:t>
+            </a:r>
           </a:p>
         </p:txBody>
       </p:sp>
@@ -1076,11 +1092,15 @@
           <a:bodyPr/>
           <a:lstStyle/>
           <a:p>
-            <a:fld id="{C1FF6DA9-008F-8B48-92A6-B652298478BF}" type="slidenum">
-              <a:rPr lang="en-US" smtClean="0"/>
-              <a:t>‹#›</a:t>
-            </a:fld>
-            <a:endParaRPr lang="en-US"/>
+            <a:r>
+              <a:rPr lang="en-US" sz="900">
+                <a:solidFill>
+                  <a:srgbClr val="808080"/>
+                </a:solidFill>
+                <a:latin typeface="Calibri"/>
+              </a:rPr>
+              <a:t>&lt;#&gt;</a:t>
+            </a:r>
           </a:p>
         </p:txBody>
       </p:sp>
@@ -1366,11 +1386,15 @@
           <a:bodyPr/>
           <a:lstStyle/>
           <a:p>
-            <a:fld id="{C1FF6DA9-008F-8B48-92A6-B652298478BF}" type="slidenum">
-              <a:rPr lang="en-US" smtClean="0"/>
-              <a:t>‹#›</a:t>
-            </a:fld>
-            <a:endParaRPr lang="en-US"/>
+            <a:r>
+              <a:rPr lang="en-US" sz="900">
+                <a:solidFill>
+                  <a:srgbClr val="808080"/>
+                </a:solidFill>
+                <a:latin typeface="Calibri"/>
+              </a:rPr>
+              <a:t>&lt;#&gt;</a:t>
+            </a:r>
           </a:p>
         </p:txBody>
       </p:sp>
@@ -1788,11 +1812,15 @@
           <a:bodyPr/>
           <a:lstStyle/>
           <a:p>
-            <a:fld id="{C1FF6DA9-008F-8B48-92A6-B652298478BF}" type="slidenum">
-              <a:rPr lang="en-US" smtClean="0"/>
-              <a:t>‹#›</a:t>
-            </a:fld>
-            <a:endParaRPr lang="en-US"/>
+            <a:r>
+              <a:rPr lang="en-US" sz="900">
+                <a:solidFill>
+                  <a:srgbClr val="808080"/>
+                </a:solidFill>
+                <a:latin typeface="Calibri"/>
+              </a:rPr>
+              <a:t>&lt;#&gt;</a:t>
+            </a:r>
           </a:p>
         </p:txBody>
       </p:sp>
@@ -1915,11 +1943,15 @@
           <a:bodyPr/>
           <a:lstStyle/>
           <a:p>
-            <a:fld id="{C1FF6DA9-008F-8B48-92A6-B652298478BF}" type="slidenum">
-              <a:rPr lang="en-US" smtClean="0"/>
-              <a:t>‹#›</a:t>
-            </a:fld>
-            <a:endParaRPr lang="en-US"/>
+            <a:r>
+              <a:rPr lang="en-US" sz="900">
+                <a:solidFill>
+                  <a:srgbClr val="808080"/>
+                </a:solidFill>
+                <a:latin typeface="Calibri"/>
+              </a:rPr>
+              <a:t>&lt;#&gt;</a:t>
+            </a:r>
           </a:p>
         </p:txBody>
       </p:sp>
@@ -2015,11 +2047,15 @@
           <a:bodyPr/>
           <a:lstStyle/>
           <a:p>
-            <a:fld id="{C1FF6DA9-008F-8B48-92A6-B652298478BF}" type="slidenum">
-              <a:rPr lang="en-US" smtClean="0"/>
-              <a:t>‹#›</a:t>
-            </a:fld>
-            <a:endParaRPr lang="en-US"/>
+            <a:r>
+              <a:rPr lang="en-US" sz="900">
+                <a:solidFill>
+                  <a:srgbClr val="808080"/>
+                </a:solidFill>
+                <a:latin typeface="Calibri"/>
+              </a:rPr>
+              <a:t>&lt;#&gt;</a:t>
+            </a:r>
           </a:p>
         </p:txBody>
       </p:sp>
@@ -2289,11 +2325,15 @@
           <a:bodyPr/>
           <a:lstStyle/>
           <a:p>
-            <a:fld id="{C1FF6DA9-008F-8B48-92A6-B652298478BF}" type="slidenum">
-              <a:rPr lang="en-US" smtClean="0"/>
-              <a:t>‹#›</a:t>
-            </a:fld>
-            <a:endParaRPr lang="en-US"/>
+            <a:r>
+              <a:rPr lang="en-US" sz="900">
+                <a:solidFill>
+                  <a:srgbClr val="808080"/>
+                </a:solidFill>
+                <a:latin typeface="Calibri"/>
+              </a:rPr>
+              <a:t>&lt;#&gt;</a:t>
+            </a:r>
           </a:p>
         </p:txBody>
       </p:sp>
@@ -2540,11 +2580,15 @@
           <a:bodyPr/>
           <a:lstStyle/>
           <a:p>
-            <a:fld id="{C1FF6DA9-008F-8B48-92A6-B652298478BF}" type="slidenum">
-              <a:rPr lang="en-US" smtClean="0"/>
-              <a:t>‹#›</a:t>
-            </a:fld>
-            <a:endParaRPr lang="en-US"/>
+            <a:r>
+              <a:rPr lang="en-US" sz="900">
+                <a:solidFill>
+                  <a:srgbClr val="808080"/>
+                </a:solidFill>
+                <a:latin typeface="Calibri"/>
+              </a:rPr>
+              <a:t>&lt;#&gt;</a:t>
+            </a:r>
           </a:p>
         </p:txBody>
       </p:sp>
@@ -2787,11 +2831,180 @@
             </a:lvl1pPr>
           </a:lstStyle>
           <a:p>
-            <a:fld id="{C1FF6DA9-008F-8B48-92A6-B652298478BF}" type="slidenum">
-              <a:rPr lang="en-US" smtClean="0"/>
-              <a:t>‹#›</a:t>
-            </a:fld>
-            <a:endParaRPr lang="en-US"/>
+            <a:r>
+              <a:rPr lang="en-US" sz="900">
+                <a:solidFill>
+                  <a:srgbClr val="808080"/>
+                </a:solidFill>
+                <a:latin typeface="Calibri"/>
+              </a:rPr>
+              <a:t>&lt;#&gt;</a:t>
+            </a:r>
+          </a:p>
+        </p:txBody>
+      </p:sp>
+      <p:sp>
+        <p:nvSpPr>
+          <p:cNvPr name="TextBox 7" id="7"/>
+          <p:cNvSpPr txBox="true"/>
+          <p:nvPr/>
+        </p:nvSpPr>
+        <p:spPr>
+          <a:xfrm>
+            <a:off x="8255000" y="6350000"/>
+            <a:ext cx="635000" cy="381000"/>
+          </a:xfrm>
+          <a:prstGeom prst="rect">
+            <a:avLst/>
+          </a:prstGeom>
+        </p:spPr>
+        <p:txBody>
+          <a:bodyPr anchor="t" rtlCol="false"/>
+          <a:lstStyle/>
+          <a:p>
+            <a:pPr algn="l">
+              <a:defRPr/>
+            </a:pPr>
+            <a:r>
+              <a:rPr lang="en-US"/>
+              <a:t/>
+            </a:r>
+            <a:endParaRPr lang="en-US" sz="1100"/>
+          </a:p>
+          <a:p>
+            <a:r>
+              <a:rPr lang="en-US" sz="1000">
+                <a:solidFill>
+                  <a:srgbClr val="808080"/>
+                </a:solidFill>
+                <a:latin typeface="Arial"/>
+              </a:rPr>
+              <a:t>&lt;#&gt;</a:t>
+            </a:r>
+          </a:p>
+        </p:txBody>
+      </p:sp>
+      <p:sp>
+        <p:nvSpPr>
+          <p:cNvPr name="TextBox 8" id="8"/>
+          <p:cNvSpPr txBox="true"/>
+          <p:nvPr/>
+        </p:nvSpPr>
+        <p:spPr>
+          <a:xfrm>
+            <a:off x="635000" y="6350000"/>
+            <a:ext cx="5080000" cy="381000"/>
+          </a:xfrm>
+          <a:prstGeom prst="rect">
+            <a:avLst/>
+          </a:prstGeom>
+        </p:spPr>
+        <p:txBody>
+          <a:bodyPr anchor="t" rtlCol="false"/>
+          <a:lstStyle/>
+          <a:p>
+            <a:pPr algn="l">
+              <a:defRPr/>
+            </a:pPr>
+            <a:r>
+              <a:rPr lang="en-US"/>
+              <a:t/>
+            </a:r>
+            <a:endParaRPr lang="en-US" sz="1100"/>
+          </a:p>
+          <a:p>
+            <a:r>
+              <a:rPr lang="en-US" sz="1000">
+                <a:solidFill>
+                  <a:srgbClr val="808080"/>
+                </a:solidFill>
+                <a:latin typeface="Arial"/>
+              </a:rPr>
+              <a:t>AngularAI Project</a:t>
+            </a:r>
+          </a:p>
+        </p:txBody>
+      </p:sp>
+      <p:sp>
+        <p:nvSpPr>
+          <p:cNvPr name="TextBox 9" id="9"/>
+          <p:cNvSpPr txBox="true"/>
+          <p:nvPr/>
+        </p:nvSpPr>
+        <p:spPr>
+          <a:xfrm>
+            <a:off x="8255000" y="6477000"/>
+            <a:ext cx="635000" cy="254000"/>
+          </a:xfrm>
+          <a:prstGeom prst="rect">
+            <a:avLst/>
+          </a:prstGeom>
+        </p:spPr>
+        <p:txBody>
+          <a:bodyPr anchor="t" rtlCol="false"/>
+          <a:lstStyle/>
+          <a:p>
+            <a:pPr algn="l">
+              <a:defRPr/>
+            </a:pPr>
+            <a:r>
+              <a:rPr lang="en-US"/>
+              <a:t/>
+            </a:r>
+            <a:endParaRPr lang="en-US" sz="1100"/>
+          </a:p>
+          <a:p>
+            <a:pPr algn="r"/>
+            <a:r>
+              <a:rPr lang="en-US" sz="900">
+                <a:solidFill>
+                  <a:srgbClr val="808080"/>
+                </a:solidFill>
+                <a:latin typeface="Calibri"/>
+              </a:rPr>
+              <a:t>&lt;#&gt;</a:t>
+            </a:r>
+          </a:p>
+        </p:txBody>
+      </p:sp>
+      <p:sp>
+        <p:nvSpPr>
+          <p:cNvPr name="TextBox 10" id="10"/>
+          <p:cNvSpPr txBox="true"/>
+          <p:nvPr/>
+        </p:nvSpPr>
+        <p:spPr>
+          <a:xfrm>
+            <a:off x="508000" y="6477000"/>
+            <a:ext cx="5080000" cy="254000"/>
+          </a:xfrm>
+          <a:prstGeom prst="rect">
+            <a:avLst/>
+          </a:prstGeom>
+        </p:spPr>
+        <p:txBody>
+          <a:bodyPr anchor="t" rtlCol="false"/>
+          <a:lstStyle/>
+          <a:p>
+            <a:pPr algn="l">
+              <a:defRPr/>
+            </a:pPr>
+            <a:r>
+              <a:rPr lang="en-US"/>
+              <a:t/>
+            </a:r>
+            <a:endParaRPr lang="en-US" sz="1100"/>
+          </a:p>
+          <a:p>
+            <a:r>
+              <a:rPr lang="en-US" sz="900">
+                <a:solidFill>
+                  <a:srgbClr val="808080"/>
+                </a:solidFill>
+                <a:latin typeface="Calibri"/>
+              </a:rPr>
+              <a:t>AngularAI - Softwareentwicklung mit AI</a:t>
+            </a:r>
           </a:p>
         </p:txBody>
       </p:sp>
@@ -3070,7 +3283,7 @@
 </file>
 
 <file path=ppt/slides/slide1.xml><?xml version="1.0" encoding="utf-8"?>
-<p:sld xmlns:a="http://schemas.openxmlformats.org/drawingml/2006/main" xmlns:r="http://schemas.openxmlformats.org/officeDocument/2006/relationships" xmlns:p="http://schemas.openxmlformats.org/presentationml/2006/main">
+<p:sld xmlns:a="http://schemas.openxmlformats.org/drawingml/2006/main" xmlns:p="http://schemas.openxmlformats.org/presentationml/2006/main" xmlns:r="http://schemas.openxmlformats.org/officeDocument/2006/relationships">
   <p:cSld name="Title Slide">
     <p:spTree>
       <p:nvGrpSpPr>
@@ -3086,6 +3299,37 @@
           <a:chExt cx="0" cy="0"/>
         </a:xfrm>
       </p:grpSpPr>
+      <p:sp>
+        <p:nvSpPr>
+          <p:cNvPr id="2" name="AutoShape 2"/>
+          <p:cNvSpPr/>
+          <p:nvPr>
+            <p:ph type="sldNum"/>
+          </p:nvPr>
+        </p:nvSpPr>
+        <p:spPr>
+          <a:xfrm>
+            <a:off x="7620000" y="6350000"/>
+            <a:ext cx="1270000" cy="381000"/>
+          </a:xfrm>
+          <a:prstGeom prst="rect">
+            <a:avLst/>
+          </a:prstGeom>
+        </p:spPr>
+        <p:txBody>
+          <a:p>
+            <a:r>
+              <a:rPr lang="en-US" sz="900">
+                <a:solidFill>
+                  <a:srgbClr val="808080"/>
+                </a:solidFill>
+                <a:latin typeface="Calibri"/>
+              </a:rPr>
+              <a:t>&lt;#&gt;</a:t>
+            </a:r>
+          </a:p>
+        </p:txBody>
+      </p:sp>
     </p:spTree>
   </p:cSld>
   <p:clrMapOvr>
@@ -3095,7 +3339,7 @@
 </file>
 
 <file path=ppt/slides/slide10.xml><?xml version="1.0" encoding="utf-8"?>
-<p:sld xmlns:a="http://schemas.openxmlformats.org/drawingml/2006/main" xmlns:r="http://schemas.openxmlformats.org/officeDocument/2006/relationships" xmlns:p="http://schemas.openxmlformats.org/presentationml/2006/main">
+<p:sld xmlns:a="http://schemas.openxmlformats.org/drawingml/2006/main" xmlns:p="http://schemas.openxmlformats.org/presentationml/2006/main" xmlns:r="http://schemas.openxmlformats.org/officeDocument/2006/relationships">
   <p:cSld name="Appendix">
     <p:spTree>
       <p:nvGrpSpPr>
@@ -3137,6 +3381,37 @@
           </a:p>
         </p:txBody>
       </p:sp>
+      <p:sp>
+        <p:nvSpPr>
+          <p:cNvPr id="3" name="AutoShape 3"/>
+          <p:cNvSpPr/>
+          <p:nvPr>
+            <p:ph type="sldNum"/>
+          </p:nvPr>
+        </p:nvSpPr>
+        <p:spPr>
+          <a:xfrm>
+            <a:off x="7620000" y="6350000"/>
+            <a:ext cx="1270000" cy="381000"/>
+          </a:xfrm>
+          <a:prstGeom prst="rect">
+            <a:avLst/>
+          </a:prstGeom>
+        </p:spPr>
+        <p:txBody>
+          <a:p>
+            <a:r>
+              <a:rPr lang="en-US" sz="900">
+                <a:solidFill>
+                  <a:srgbClr val="808080"/>
+                </a:solidFill>
+                <a:latin typeface="Calibri"/>
+              </a:rPr>
+              <a:t>&lt;#&gt;</a:t>
+            </a:r>
+          </a:p>
+        </p:txBody>
+      </p:sp>
     </p:spTree>
   </p:cSld>
   <p:clrMapOvr>
@@ -3146,7 +3421,7 @@
 </file>
 
 <file path=ppt/slides/slide2.xml><?xml version="1.0" encoding="utf-8"?>
-<p:sld xmlns:a="http://schemas.openxmlformats.org/drawingml/2006/main" xmlns:r="http://schemas.openxmlformats.org/officeDocument/2006/relationships" xmlns:p="http://schemas.openxmlformats.org/presentationml/2006/main">
+<p:sld xmlns:a="http://schemas.openxmlformats.org/drawingml/2006/main" xmlns:p="http://schemas.openxmlformats.org/presentationml/2006/main" xmlns:r="http://schemas.openxmlformats.org/officeDocument/2006/relationships">
   <p:cSld name="Section Header">
     <p:spTree>
       <p:nvGrpSpPr>
@@ -3162,6 +3437,37 @@
           <a:chExt cx="0" cy="0"/>
         </a:xfrm>
       </p:grpSpPr>
+      <p:sp>
+        <p:nvSpPr>
+          <p:cNvPr id="2" name="AutoShape 2"/>
+          <p:cNvSpPr/>
+          <p:nvPr>
+            <p:ph type="sldNum"/>
+          </p:nvPr>
+        </p:nvSpPr>
+        <p:spPr>
+          <a:xfrm>
+            <a:off x="7620000" y="6350000"/>
+            <a:ext cx="1270000" cy="381000"/>
+          </a:xfrm>
+          <a:prstGeom prst="rect">
+            <a:avLst/>
+          </a:prstGeom>
+        </p:spPr>
+        <p:txBody>
+          <a:p>
+            <a:r>
+              <a:rPr lang="en-US" sz="900">
+                <a:solidFill>
+                  <a:srgbClr val="808080"/>
+                </a:solidFill>
+                <a:latin typeface="Calibri"/>
+              </a:rPr>
+              <a:t>&lt;#&gt;</a:t>
+            </a:r>
+          </a:p>
+        </p:txBody>
+      </p:sp>
     </p:spTree>
   </p:cSld>
   <p:clrMapOvr>
@@ -3171,7 +3477,7 @@
 </file>
 
 <file path=ppt/slides/slide3.xml><?xml version="1.0" encoding="utf-8"?>
-<p:sld xmlns:a="http://schemas.openxmlformats.org/drawingml/2006/main" xmlns:r="http://schemas.openxmlformats.org/officeDocument/2006/relationships" xmlns:p="http://schemas.openxmlformats.org/presentationml/2006/main">
+<p:sld xmlns:a="http://schemas.openxmlformats.org/drawingml/2006/main" xmlns:p="http://schemas.openxmlformats.org/presentationml/2006/main" xmlns:r="http://schemas.openxmlformats.org/officeDocument/2006/relationships">
   <p:cSld name="Title and Content">
     <p:spTree>
       <p:nvGrpSpPr>
@@ -3213,6 +3519,37 @@
           </a:p>
         </p:txBody>
       </p:sp>
+      <p:sp>
+        <p:nvSpPr>
+          <p:cNvPr id="3" name="AutoShape 3"/>
+          <p:cNvSpPr/>
+          <p:nvPr>
+            <p:ph type="sldNum"/>
+          </p:nvPr>
+        </p:nvSpPr>
+        <p:spPr>
+          <a:xfrm>
+            <a:off x="7620000" y="6350000"/>
+            <a:ext cx="1270000" cy="381000"/>
+          </a:xfrm>
+          <a:prstGeom prst="rect">
+            <a:avLst/>
+          </a:prstGeom>
+        </p:spPr>
+        <p:txBody>
+          <a:p>
+            <a:r>
+              <a:rPr lang="en-US" sz="900">
+                <a:solidFill>
+                  <a:srgbClr val="808080"/>
+                </a:solidFill>
+                <a:latin typeface="Calibri"/>
+              </a:rPr>
+              <a:t>&lt;#&gt;</a:t>
+            </a:r>
+          </a:p>
+        </p:txBody>
+      </p:sp>
     </p:spTree>
   </p:cSld>
   <p:clrMapOvr>
@@ -3222,7 +3559,7 @@
 </file>
 
 <file path=ppt/slides/slide4.xml><?xml version="1.0" encoding="utf-8"?>
-<p:sld xmlns:a="http://schemas.openxmlformats.org/drawingml/2006/main" xmlns:r="http://schemas.openxmlformats.org/officeDocument/2006/relationships" xmlns:p="http://schemas.openxmlformats.org/presentationml/2006/main">
+<p:sld xmlns:a="http://schemas.openxmlformats.org/drawingml/2006/main" xmlns:p="http://schemas.openxmlformats.org/presentationml/2006/main" xmlns:r="http://schemas.openxmlformats.org/officeDocument/2006/relationships">
   <p:cSld name="Title and Two Content">
     <p:spTree>
       <p:nvGrpSpPr>
@@ -3290,6 +3627,37 @@
           </a:p>
         </p:txBody>
       </p:sp>
+      <p:sp>
+        <p:nvSpPr>
+          <p:cNvPr id="4" name="AutoShape 4"/>
+          <p:cNvSpPr/>
+          <p:nvPr>
+            <p:ph type="sldNum"/>
+          </p:nvPr>
+        </p:nvSpPr>
+        <p:spPr>
+          <a:xfrm>
+            <a:off x="7620000" y="6350000"/>
+            <a:ext cx="1270000" cy="381000"/>
+          </a:xfrm>
+          <a:prstGeom prst="rect">
+            <a:avLst/>
+          </a:prstGeom>
+        </p:spPr>
+        <p:txBody>
+          <a:p>
+            <a:r>
+              <a:rPr lang="en-US" sz="900">
+                <a:solidFill>
+                  <a:srgbClr val="808080"/>
+                </a:solidFill>
+                <a:latin typeface="Calibri"/>
+              </a:rPr>
+              <a:t>&lt;#&gt;</a:t>
+            </a:r>
+          </a:p>
+        </p:txBody>
+      </p:sp>
     </p:spTree>
   </p:cSld>
   <p:clrMapOvr>
@@ -3299,7 +3667,7 @@
 </file>
 
 <file path=ppt/slides/slide5.xml><?xml version="1.0" encoding="utf-8"?>
-<p:sld xmlns:a="http://schemas.openxmlformats.org/drawingml/2006/main" xmlns:r="http://schemas.openxmlformats.org/officeDocument/2006/relationships" xmlns:p="http://schemas.openxmlformats.org/presentationml/2006/main">
+<p:sld xmlns:a="http://schemas.openxmlformats.org/drawingml/2006/main" xmlns:p="http://schemas.openxmlformats.org/presentationml/2006/main" xmlns:r="http://schemas.openxmlformats.org/officeDocument/2006/relationships">
   <p:cSld name="Title and Table">
     <p:spTree>
       <p:nvGrpSpPr>
@@ -3341,6 +3709,37 @@
           </a:p>
         </p:txBody>
       </p:sp>
+      <p:sp>
+        <p:nvSpPr>
+          <p:cNvPr id="3" name="AutoShape 3"/>
+          <p:cNvSpPr/>
+          <p:nvPr>
+            <p:ph type="sldNum"/>
+          </p:nvPr>
+        </p:nvSpPr>
+        <p:spPr>
+          <a:xfrm>
+            <a:off x="7620000" y="6350000"/>
+            <a:ext cx="1270000" cy="381000"/>
+          </a:xfrm>
+          <a:prstGeom prst="rect">
+            <a:avLst/>
+          </a:prstGeom>
+        </p:spPr>
+        <p:txBody>
+          <a:p>
+            <a:r>
+              <a:rPr lang="en-US" sz="900">
+                <a:solidFill>
+                  <a:srgbClr val="808080"/>
+                </a:solidFill>
+                <a:latin typeface="Calibri"/>
+              </a:rPr>
+              <a:t>&lt;#&gt;</a:t>
+            </a:r>
+          </a:p>
+        </p:txBody>
+      </p:sp>
     </p:spTree>
   </p:cSld>
   <p:clrMapOvr>
@@ -3350,7 +3749,7 @@
 </file>
 
 <file path=ppt/slides/slide6.xml><?xml version="1.0" encoding="utf-8"?>
-<p:sld xmlns:a="http://schemas.openxmlformats.org/drawingml/2006/main" xmlns:r="http://schemas.openxmlformats.org/officeDocument/2006/relationships" xmlns:p="http://schemas.openxmlformats.org/presentationml/2006/main">
+<p:sld xmlns:a="http://schemas.openxmlformats.org/drawingml/2006/main" xmlns:p="http://schemas.openxmlformats.org/presentationml/2006/main" xmlns:r="http://schemas.openxmlformats.org/officeDocument/2006/relationships">
   <p:cSld name="Two Content">
     <p:spTree>
       <p:nvGrpSpPr>
@@ -3418,6 +3817,37 @@
           </a:p>
         </p:txBody>
       </p:sp>
+      <p:sp>
+        <p:nvSpPr>
+          <p:cNvPr id="4" name="AutoShape 4"/>
+          <p:cNvSpPr/>
+          <p:nvPr>
+            <p:ph type="sldNum"/>
+          </p:nvPr>
+        </p:nvSpPr>
+        <p:spPr>
+          <a:xfrm>
+            <a:off x="7620000" y="6350000"/>
+            <a:ext cx="1270000" cy="381000"/>
+          </a:xfrm>
+          <a:prstGeom prst="rect">
+            <a:avLst/>
+          </a:prstGeom>
+        </p:spPr>
+        <p:txBody>
+          <a:p>
+            <a:r>
+              <a:rPr lang="en-US" sz="900">
+                <a:solidFill>
+                  <a:srgbClr val="808080"/>
+                </a:solidFill>
+                <a:latin typeface="Calibri"/>
+              </a:rPr>
+              <a:t>&lt;#&gt;</a:t>
+            </a:r>
+          </a:p>
+        </p:txBody>
+      </p:sp>
     </p:spTree>
   </p:cSld>
   <p:clrMapOvr>
@@ -3427,7 +3857,7 @@
 </file>
 
 <file path=ppt/slides/slide7.xml><?xml version="1.0" encoding="utf-8"?>
-<p:sld xmlns:a="http://schemas.openxmlformats.org/drawingml/2006/main" xmlns:r="http://schemas.openxmlformats.org/officeDocument/2006/relationships" xmlns:p="http://schemas.openxmlformats.org/presentationml/2006/main">
+<p:sld xmlns:a="http://schemas.openxmlformats.org/drawingml/2006/main" xmlns:p="http://schemas.openxmlformats.org/presentationml/2006/main" xmlns:r="http://schemas.openxmlformats.org/officeDocument/2006/relationships">
   <p:cSld name="Comparison">
     <p:spTree>
       <p:nvGrpSpPr>
@@ -3495,6 +3925,37 @@
           </a:p>
         </p:txBody>
       </p:sp>
+      <p:sp>
+        <p:nvSpPr>
+          <p:cNvPr id="4" name="AutoShape 4"/>
+          <p:cNvSpPr/>
+          <p:nvPr>
+            <p:ph type="sldNum"/>
+          </p:nvPr>
+        </p:nvSpPr>
+        <p:spPr>
+          <a:xfrm>
+            <a:off x="7620000" y="6350000"/>
+            <a:ext cx="1270000" cy="381000"/>
+          </a:xfrm>
+          <a:prstGeom prst="rect">
+            <a:avLst/>
+          </a:prstGeom>
+        </p:spPr>
+        <p:txBody>
+          <a:p>
+            <a:r>
+              <a:rPr lang="en-US" sz="900">
+                <a:solidFill>
+                  <a:srgbClr val="808080"/>
+                </a:solidFill>
+                <a:latin typeface="Calibri"/>
+              </a:rPr>
+              <a:t>&lt;#&gt;</a:t>
+            </a:r>
+          </a:p>
+        </p:txBody>
+      </p:sp>
     </p:spTree>
   </p:cSld>
   <p:clrMapOvr>
@@ -3504,7 +3965,7 @@
 </file>
 
 <file path=ppt/slides/slide8.xml><?xml version="1.0" encoding="utf-8"?>
-<p:sld xmlns:a="http://schemas.openxmlformats.org/drawingml/2006/main" xmlns:r="http://schemas.openxmlformats.org/officeDocument/2006/relationships" xmlns:p="http://schemas.openxmlformats.org/presentationml/2006/main">
+<p:sld xmlns:a="http://schemas.openxmlformats.org/drawingml/2006/main" xmlns:p="http://schemas.openxmlformats.org/presentationml/2006/main" xmlns:r="http://schemas.openxmlformats.org/officeDocument/2006/relationships">
   <p:cSld name="Content with Caption">
     <p:spTree>
       <p:nvGrpSpPr>
@@ -3546,6 +4007,37 @@
           </a:p>
         </p:txBody>
       </p:sp>
+      <p:sp>
+        <p:nvSpPr>
+          <p:cNvPr id="3" name="AutoShape 3"/>
+          <p:cNvSpPr/>
+          <p:nvPr>
+            <p:ph type="sldNum"/>
+          </p:nvPr>
+        </p:nvSpPr>
+        <p:spPr>
+          <a:xfrm>
+            <a:off x="7620000" y="6350000"/>
+            <a:ext cx="1270000" cy="381000"/>
+          </a:xfrm>
+          <a:prstGeom prst="rect">
+            <a:avLst/>
+          </a:prstGeom>
+        </p:spPr>
+        <p:txBody>
+          <a:p>
+            <a:r>
+              <a:rPr lang="en-US" sz="900">
+                <a:solidFill>
+                  <a:srgbClr val="808080"/>
+                </a:solidFill>
+                <a:latin typeface="Calibri"/>
+              </a:rPr>
+              <a:t>&lt;#&gt;</a:t>
+            </a:r>
+          </a:p>
+        </p:txBody>
+      </p:sp>
     </p:spTree>
   </p:cSld>
   <p:clrMapOvr>
@@ -3555,7 +4047,7 @@
 </file>
 
 <file path=ppt/slides/slide9.xml><?xml version="1.0" encoding="utf-8"?>
-<p:sld xmlns:a="http://schemas.openxmlformats.org/drawingml/2006/main" xmlns:r="http://schemas.openxmlformats.org/officeDocument/2006/relationships" xmlns:p="http://schemas.openxmlformats.org/presentationml/2006/main">
+<p:sld xmlns:a="http://schemas.openxmlformats.org/drawingml/2006/main" xmlns:p="http://schemas.openxmlformats.org/presentationml/2006/main" xmlns:r="http://schemas.openxmlformats.org/officeDocument/2006/relationships">
   <p:cSld name="Blank">
     <p:spTree>
       <p:nvGrpSpPr>
@@ -3571,6 +4063,37 @@
           <a:chExt cx="0" cy="0"/>
         </a:xfrm>
       </p:grpSpPr>
+      <p:sp>
+        <p:nvSpPr>
+          <p:cNvPr id="2" name="AutoShape 2"/>
+          <p:cNvSpPr/>
+          <p:nvPr>
+            <p:ph type="sldNum"/>
+          </p:nvPr>
+        </p:nvSpPr>
+        <p:spPr>
+          <a:xfrm>
+            <a:off x="7620000" y="6350000"/>
+            <a:ext cx="1270000" cy="381000"/>
+          </a:xfrm>
+          <a:prstGeom prst="rect">
+            <a:avLst/>
+          </a:prstGeom>
+        </p:spPr>
+        <p:txBody>
+          <a:p>
+            <a:r>
+              <a:rPr lang="en-US" sz="900">
+                <a:solidFill>
+                  <a:srgbClr val="808080"/>
+                </a:solidFill>
+                <a:latin typeface="Calibri"/>
+              </a:rPr>
+              <a:t>&lt;#&gt;</a:t>
+            </a:r>
+          </a:p>
+        </p:txBody>
+      </p:sp>
     </p:spTree>
   </p:cSld>
   <p:clrMapOvr>

--- a/doc/history/presentations/template.pptx
+++ b/doc/history/presentations/template.pptx
@@ -4,19 +4,16 @@
   <p:sldMasterIdLst>
     <p:sldMasterId id="2147483648" r:id="rId1"/>
   </p:sldMasterIdLst>
+  <p:notesMasterIdLst>
+    <p:notesMasterId r:id="rId6"/>
+  </p:notesMasterIdLst>
   <p:sldIdLst>
     <p:sldId id="256" r:id="rId2"/>
     <p:sldId id="257" r:id="rId3"/>
     <p:sldId id="258" r:id="rId4"/>
     <p:sldId id="259" r:id="rId5"/>
-    <p:sldId id="260" r:id="rId6"/>
-    <p:sldId id="261" r:id="rId7"/>
-    <p:sldId id="262" r:id="rId8"/>
-    <p:sldId id="263" r:id="rId9"/>
-    <p:sldId id="264" r:id="rId10"/>
-    <p:sldId id="265" r:id="rId11"/>
   </p:sldIdLst>
-  <p:sldSz cx="12188825" cy="6858000"/>
+  <p:sldSz cx="9144000" cy="5143500" type="screen16x9"/>
   <p:notesSz cx="6858000" cy="9144000"/>
   <p:defaultTextStyle>
     <a:defPPr>
@@ -116,12 +113,12 @@
   <p:extLst>
     <p:ext uri="{EFAFB233-063F-42B5-8137-9DF3F51BA10A}">
       <p15:sldGuideLst xmlns:p15="http://schemas.microsoft.com/office/powerpoint/2012/main">
-        <p15:guide id="1" orient="horz" pos="2160">
+        <p15:guide id="1" orient="horz" pos="1620" userDrawn="1">
           <p15:clr>
             <a:srgbClr val="A4A3A4"/>
           </p15:clr>
         </p15:guide>
-        <p15:guide id="2" pos="2880">
+        <p15:guide id="2" pos="2880" userDrawn="1">
           <p15:clr>
             <a:srgbClr val="A4A3A4"/>
           </p15:clr>
@@ -130,6 +127,562 @@
     </p:ext>
   </p:extLst>
 </p:presentation>
+</file>
+
+<file path=ppt/notesMasters/notesMaster1.xml><?xml version="1.0" encoding="utf-8"?>
+<p:notesMaster xmlns:a="http://schemas.openxmlformats.org/drawingml/2006/main" xmlns:r="http://schemas.openxmlformats.org/officeDocument/2006/relationships" xmlns:p="http://schemas.openxmlformats.org/presentationml/2006/main">
+  <p:cSld>
+    <p:bg>
+      <p:bgRef idx="1001">
+        <a:schemeClr val="bg1"/>
+      </p:bgRef>
+    </p:bg>
+    <p:spTree>
+      <p:nvGrpSpPr>
+        <p:cNvPr id="1" name=""/>
+        <p:cNvGrpSpPr/>
+        <p:nvPr/>
+      </p:nvGrpSpPr>
+      <p:grpSpPr>
+        <a:xfrm>
+          <a:off x="0" y="0"/>
+          <a:ext cx="0" cy="0"/>
+          <a:chOff x="0" y="0"/>
+          <a:chExt cx="0" cy="0"/>
+        </a:xfrm>
+      </p:grpSpPr>
+      <p:sp>
+        <p:nvSpPr>
+          <p:cNvPr id="2" name="Header Placeholder 1"/>
+          <p:cNvSpPr>
+            <a:spLocks noGrp="1"/>
+          </p:cNvSpPr>
+          <p:nvPr>
+            <p:ph type="hdr" sz="quarter"/>
+          </p:nvPr>
+        </p:nvSpPr>
+        <p:spPr>
+          <a:xfrm>
+            <a:off x="0" y="0"/>
+            <a:ext cx="2971800" cy="458788"/>
+          </a:xfrm>
+          <a:prstGeom prst="rect">
+            <a:avLst/>
+          </a:prstGeom>
+        </p:spPr>
+        <p:txBody>
+          <a:bodyPr vert="horz" lIns="91440" tIns="45720" rIns="91440" bIns="45720" rtlCol="0"/>
+          <a:lstStyle>
+            <a:lvl1pPr algn="l">
+              <a:defRPr sz="1200"/>
+            </a:lvl1pPr>
+          </a:lstStyle>
+          <a:p>
+            <a:endParaRPr lang="en-US"/>
+          </a:p>
+        </p:txBody>
+      </p:sp>
+      <p:sp>
+        <p:nvSpPr>
+          <p:cNvPr id="3" name="Date Placeholder 2"/>
+          <p:cNvSpPr>
+            <a:spLocks noGrp="1"/>
+          </p:cNvSpPr>
+          <p:nvPr>
+            <p:ph type="dt" idx="1"/>
+          </p:nvPr>
+        </p:nvSpPr>
+        <p:spPr>
+          <a:xfrm>
+            <a:off x="3884613" y="0"/>
+            <a:ext cx="2971800" cy="458788"/>
+          </a:xfrm>
+          <a:prstGeom prst="rect">
+            <a:avLst/>
+          </a:prstGeom>
+        </p:spPr>
+        <p:txBody>
+          <a:bodyPr vert="horz" lIns="91440" tIns="45720" rIns="91440" bIns="45720" rtlCol="0"/>
+          <a:lstStyle>
+            <a:lvl1pPr algn="r">
+              <a:defRPr sz="1200"/>
+            </a:lvl1pPr>
+          </a:lstStyle>
+          <a:p>
+            <a:fld id="{0F9C1CCF-B725-44A7-AA57-5E433BD85C9F}" type="datetimeFigureOut">
+              <a:rPr lang="en-US" smtClean="0"/>
+              <a:t>1/2/22</a:t>
+            </a:fld>
+            <a:endParaRPr lang="en-US"/>
+          </a:p>
+        </p:txBody>
+      </p:sp>
+      <p:sp>
+        <p:nvSpPr>
+          <p:cNvPr id="4" name="Slide Image Placeholder 3"/>
+          <p:cNvSpPr>
+            <a:spLocks noGrp="1" noRot="1" noChangeAspect="1"/>
+          </p:cNvSpPr>
+          <p:nvPr>
+            <p:ph type="sldImg" idx="2"/>
+          </p:nvPr>
+        </p:nvSpPr>
+        <p:spPr>
+          <a:xfrm>
+            <a:off x="685800" y="1143000"/>
+            <a:ext cx="5486400" cy="3086100"/>
+          </a:xfrm>
+          <a:prstGeom prst="rect">
+            <a:avLst/>
+          </a:prstGeom>
+          <a:noFill/>
+          <a:ln w="12700">
+            <a:solidFill>
+              <a:prstClr val="black"/>
+            </a:solidFill>
+          </a:ln>
+        </p:spPr>
+        <p:txBody>
+          <a:bodyPr vert="horz" lIns="91440" tIns="45720" rIns="91440" bIns="45720" rtlCol="0" anchor="ctr"/>
+          <a:lstStyle/>
+          <a:p>
+            <a:endParaRPr lang="en-US"/>
+          </a:p>
+        </p:txBody>
+      </p:sp>
+      <p:sp>
+        <p:nvSpPr>
+          <p:cNvPr id="5" name="Notes Placeholder 4"/>
+          <p:cNvSpPr>
+            <a:spLocks noGrp="1"/>
+          </p:cNvSpPr>
+          <p:nvPr>
+            <p:ph type="body" sz="quarter" idx="3"/>
+          </p:nvPr>
+        </p:nvSpPr>
+        <p:spPr>
+          <a:xfrm>
+            <a:off x="685800" y="4400550"/>
+            <a:ext cx="5486400" cy="3600450"/>
+          </a:xfrm>
+          <a:prstGeom prst="rect">
+            <a:avLst/>
+          </a:prstGeom>
+        </p:spPr>
+        <p:txBody>
+          <a:bodyPr vert="horz" lIns="91440" tIns="45720" rIns="91440" bIns="45720" rtlCol="0"/>
+          <a:lstStyle/>
+          <a:p>
+            <a:pPr lvl="0"/>
+            <a:r>
+              <a:rPr lang="en-US"/>
+              <a:t>Click to edit Master text styles</a:t>
+            </a:r>
+          </a:p>
+          <a:p>
+            <a:pPr lvl="1"/>
+            <a:r>
+              <a:rPr lang="en-US"/>
+              <a:t>Second level</a:t>
+            </a:r>
+          </a:p>
+          <a:p>
+            <a:pPr lvl="2"/>
+            <a:r>
+              <a:rPr lang="en-US"/>
+              <a:t>Third level</a:t>
+            </a:r>
+          </a:p>
+          <a:p>
+            <a:pPr lvl="3"/>
+            <a:r>
+              <a:rPr lang="en-US"/>
+              <a:t>Fourth level</a:t>
+            </a:r>
+          </a:p>
+          <a:p>
+            <a:pPr lvl="4"/>
+            <a:r>
+              <a:rPr lang="en-US"/>
+              <a:t>Fifth level</a:t>
+            </a:r>
+          </a:p>
+        </p:txBody>
+      </p:sp>
+      <p:sp>
+        <p:nvSpPr>
+          <p:cNvPr id="6" name="Footer Placeholder 5"/>
+          <p:cNvSpPr>
+            <a:spLocks noGrp="1"/>
+          </p:cNvSpPr>
+          <p:nvPr>
+            <p:ph type="ftr" sz="quarter" idx="4"/>
+          </p:nvPr>
+        </p:nvSpPr>
+        <p:spPr>
+          <a:xfrm>
+            <a:off x="0" y="8685213"/>
+            <a:ext cx="2971800" cy="458787"/>
+          </a:xfrm>
+          <a:prstGeom prst="rect">
+            <a:avLst/>
+          </a:prstGeom>
+        </p:spPr>
+        <p:txBody>
+          <a:bodyPr vert="horz" lIns="91440" tIns="45720" rIns="91440" bIns="45720" rtlCol="0" anchor="b"/>
+          <a:lstStyle>
+            <a:lvl1pPr algn="l">
+              <a:defRPr sz="1200"/>
+            </a:lvl1pPr>
+          </a:lstStyle>
+          <a:p>
+            <a:endParaRPr lang="en-US"/>
+          </a:p>
+        </p:txBody>
+      </p:sp>
+      <p:sp>
+        <p:nvSpPr>
+          <p:cNvPr id="7" name="Slide Number Placeholder 6"/>
+          <p:cNvSpPr>
+            <a:spLocks noGrp="1"/>
+          </p:cNvSpPr>
+          <p:nvPr>
+            <p:ph type="sldNum" sz="quarter" idx="5"/>
+          </p:nvPr>
+        </p:nvSpPr>
+        <p:spPr>
+          <a:xfrm>
+            <a:off x="3884613" y="8685213"/>
+            <a:ext cx="2971800" cy="458787"/>
+          </a:xfrm>
+          <a:prstGeom prst="rect">
+            <a:avLst/>
+          </a:prstGeom>
+        </p:spPr>
+        <p:txBody>
+          <a:bodyPr vert="horz" lIns="91440" tIns="45720" rIns="91440" bIns="45720" rtlCol="0" anchor="b"/>
+          <a:lstStyle>
+            <a:lvl1pPr algn="r">
+              <a:defRPr sz="1200"/>
+            </a:lvl1pPr>
+          </a:lstStyle>
+          <a:p>
+            <a:fld id="{18BDFEC3-8487-43E8-A154-7C12CBC1FFF2}" type="slidenum">
+              <a:rPr lang="en-US" smtClean="0"/>
+              <a:t>‹#›</a:t>
+            </a:fld>
+            <a:endParaRPr lang="en-US"/>
+          </a:p>
+        </p:txBody>
+      </p:sp>
+    </p:spTree>
+    <p:extLst>
+      <p:ext uri="{BB962C8B-B14F-4D97-AF65-F5344CB8AC3E}">
+        <p14:creationId xmlns:p14="http://schemas.microsoft.com/office/powerpoint/2010/main" val="3782709779"/>
+      </p:ext>
+    </p:extLst>
+  </p:cSld>
+  <p:clrMap bg1="lt1" tx1="dk1" bg2="lt2" tx2="dk2" accent1="accent1" accent2="accent2" accent3="accent3" accent4="accent4" accent5="accent5" accent6="accent6" hlink="hlink" folHlink="folHlink"/>
+  <p:notesStyle>
+    <a:lvl1pPr marL="0" algn="l" defTabSz="914400" rtl="0" eaLnBrk="1" latinLnBrk="0" hangingPunct="1">
+      <a:defRPr sz="1200" kern="1200">
+        <a:solidFill>
+          <a:schemeClr val="tx1"/>
+        </a:solidFill>
+        <a:latin typeface="+mn-lt"/>
+        <a:ea typeface="+mn-ea"/>
+        <a:cs typeface="+mn-cs"/>
+      </a:defRPr>
+    </a:lvl1pPr>
+    <a:lvl2pPr marL="457200" algn="l" defTabSz="914400" rtl="0" eaLnBrk="1" latinLnBrk="0" hangingPunct="1">
+      <a:defRPr sz="1200" kern="1200">
+        <a:solidFill>
+          <a:schemeClr val="tx1"/>
+        </a:solidFill>
+        <a:latin typeface="+mn-lt"/>
+        <a:ea typeface="+mn-ea"/>
+        <a:cs typeface="+mn-cs"/>
+      </a:defRPr>
+    </a:lvl2pPr>
+    <a:lvl3pPr marL="914400" algn="l" defTabSz="914400" rtl="0" eaLnBrk="1" latinLnBrk="0" hangingPunct="1">
+      <a:defRPr sz="1200" kern="1200">
+        <a:solidFill>
+          <a:schemeClr val="tx1"/>
+        </a:solidFill>
+        <a:latin typeface="+mn-lt"/>
+        <a:ea typeface="+mn-ea"/>
+        <a:cs typeface="+mn-cs"/>
+      </a:defRPr>
+    </a:lvl3pPr>
+    <a:lvl4pPr marL="1371600" algn="l" defTabSz="914400" rtl="0" eaLnBrk="1" latinLnBrk="0" hangingPunct="1">
+      <a:defRPr sz="1200" kern="1200">
+        <a:solidFill>
+          <a:schemeClr val="tx1"/>
+        </a:solidFill>
+        <a:latin typeface="+mn-lt"/>
+        <a:ea typeface="+mn-ea"/>
+        <a:cs typeface="+mn-cs"/>
+      </a:defRPr>
+    </a:lvl4pPr>
+    <a:lvl5pPr marL="1828800" algn="l" defTabSz="914400" rtl="0" eaLnBrk="1" latinLnBrk="0" hangingPunct="1">
+      <a:defRPr sz="1200" kern="1200">
+        <a:solidFill>
+          <a:schemeClr val="tx1"/>
+        </a:solidFill>
+        <a:latin typeface="+mn-lt"/>
+        <a:ea typeface="+mn-ea"/>
+        <a:cs typeface="+mn-cs"/>
+      </a:defRPr>
+    </a:lvl5pPr>
+    <a:lvl6pPr marL="2286000" algn="l" defTabSz="914400" rtl="0" eaLnBrk="1" latinLnBrk="0" hangingPunct="1">
+      <a:defRPr sz="1200" kern="1200">
+        <a:solidFill>
+          <a:schemeClr val="tx1"/>
+        </a:solidFill>
+        <a:latin typeface="+mn-lt"/>
+        <a:ea typeface="+mn-ea"/>
+        <a:cs typeface="+mn-cs"/>
+      </a:defRPr>
+    </a:lvl6pPr>
+    <a:lvl7pPr marL="2743200" algn="l" defTabSz="914400" rtl="0" eaLnBrk="1" latinLnBrk="0" hangingPunct="1">
+      <a:defRPr sz="1200" kern="1200">
+        <a:solidFill>
+          <a:schemeClr val="tx1"/>
+        </a:solidFill>
+        <a:latin typeface="+mn-lt"/>
+        <a:ea typeface="+mn-ea"/>
+        <a:cs typeface="+mn-cs"/>
+      </a:defRPr>
+    </a:lvl7pPr>
+    <a:lvl8pPr marL="3200400" algn="l" defTabSz="914400" rtl="0" eaLnBrk="1" latinLnBrk="0" hangingPunct="1">
+      <a:defRPr sz="1200" kern="1200">
+        <a:solidFill>
+          <a:schemeClr val="tx1"/>
+        </a:solidFill>
+        <a:latin typeface="+mn-lt"/>
+        <a:ea typeface="+mn-ea"/>
+        <a:cs typeface="+mn-cs"/>
+      </a:defRPr>
+    </a:lvl8pPr>
+    <a:lvl9pPr marL="3657600" algn="l" defTabSz="914400" rtl="0" eaLnBrk="1" latinLnBrk="0" hangingPunct="1">
+      <a:defRPr sz="1200" kern="1200">
+        <a:solidFill>
+          <a:schemeClr val="tx1"/>
+        </a:solidFill>
+        <a:latin typeface="+mn-lt"/>
+        <a:ea typeface="+mn-ea"/>
+        <a:cs typeface="+mn-cs"/>
+      </a:defRPr>
+    </a:lvl9pPr>
+  </p:notesStyle>
+</p:notesMaster>
+</file>
+
+<file path=ppt/notesSlides/notesSlide1.xml><?xml version="1.0" encoding="utf-8"?>
+<p:notes xmlns:a="http://schemas.openxmlformats.org/drawingml/2006/main" xmlns:r="http://schemas.openxmlformats.org/officeDocument/2006/relationships" xmlns:p="http://schemas.openxmlformats.org/presentationml/2006/main">
+  <p:cSld>
+    <p:spTree>
+      <p:nvGrpSpPr>
+        <p:cNvPr id="1" name=""/>
+        <p:cNvGrpSpPr/>
+        <p:nvPr/>
+      </p:nvGrpSpPr>
+      <p:grpSpPr>
+        <a:xfrm>
+          <a:off x="0" y="0"/>
+          <a:ext cx="0" cy="0"/>
+          <a:chOff x="0" y="0"/>
+          <a:chExt cx="0" cy="0"/>
+        </a:xfrm>
+      </p:grpSpPr>
+      <p:sp>
+        <p:nvSpPr>
+          <p:cNvPr id="2" name="Slide Image Placeholder 1"/>
+          <p:cNvSpPr>
+            <a:spLocks noGrp="1" noRot="1" noChangeAspect="1"/>
+          </p:cNvSpPr>
+          <p:nvPr>
+            <p:ph type="sldImg"/>
+          </p:nvPr>
+        </p:nvSpPr>
+        <p:spPr>
+          <a:xfrm>
+            <a:off x="685800" y="1143000"/>
+            <a:ext cx="5486400" cy="3086100"/>
+          </a:xfrm>
+        </p:spPr>
+      </p:sp>
+      <p:sp>
+        <p:nvSpPr>
+          <p:cNvPr id="3" name="Notes Placeholder 2"/>
+          <p:cNvSpPr>
+            <a:spLocks noGrp="1"/>
+          </p:cNvSpPr>
+          <p:nvPr>
+            <p:ph type="body" idx="1"/>
+          </p:nvPr>
+        </p:nvSpPr>
+        <p:spPr/>
+        <p:txBody>
+          <a:bodyPr/>
+          <a:lstStyle/>
+          <a:p>
+            <a:r>
+              <a:rPr lang="en-US" dirty="0"/>
+              <a:t>Here</a:t>
+            </a:r>
+            <a:r>
+              <a:rPr lang="en-US" baseline="0" dirty="0"/>
+              <a:t> is a note</a:t>
+            </a:r>
+          </a:p>
+          <a:p>
+            <a:endParaRPr lang="en-US" baseline="0" dirty="0"/>
+          </a:p>
+          <a:p>
+            <a:r>
+              <a:rPr lang="en-US" baseline="0" dirty="0"/>
+              <a:t>With another paragraph.</a:t>
+            </a:r>
+            <a:endParaRPr lang="en-US" dirty="0"/>
+          </a:p>
+        </p:txBody>
+      </p:sp>
+      <p:sp>
+        <p:nvSpPr>
+          <p:cNvPr id="4" name="Slide Number Placeholder 3"/>
+          <p:cNvSpPr>
+            <a:spLocks noGrp="1"/>
+          </p:cNvSpPr>
+          <p:nvPr>
+            <p:ph type="sldNum" sz="quarter" idx="10"/>
+          </p:nvPr>
+        </p:nvSpPr>
+        <p:spPr/>
+        <p:txBody>
+          <a:bodyPr/>
+          <a:lstStyle/>
+          <a:p>
+            <a:fld id="{18BDFEC3-8487-43E8-A154-7C12CBC1FFF2}" type="slidenum">
+              <a:rPr lang="en-US" smtClean="0"/>
+              <a:t>1</a:t>
+            </a:fld>
+            <a:endParaRPr lang="en-US"/>
+          </a:p>
+        </p:txBody>
+      </p:sp>
+    </p:spTree>
+    <p:extLst>
+      <p:ext uri="{BB962C8B-B14F-4D97-AF65-F5344CB8AC3E}">
+        <p14:creationId xmlns:p14="http://schemas.microsoft.com/office/powerpoint/2010/main" val="3171319170"/>
+      </p:ext>
+    </p:extLst>
+  </p:cSld>
+  <p:clrMapOvr>
+    <a:masterClrMapping/>
+  </p:clrMapOvr>
+</p:notes>
+</file>
+
+<file path=ppt/notesSlides/notesSlide2.xml><?xml version="1.0" encoding="utf-8"?>
+<p:notes xmlns:a="http://schemas.openxmlformats.org/drawingml/2006/main" xmlns:r="http://schemas.openxmlformats.org/officeDocument/2006/relationships" xmlns:p="http://schemas.openxmlformats.org/presentationml/2006/main">
+  <p:cSld>
+    <p:spTree>
+      <p:nvGrpSpPr>
+        <p:cNvPr id="1" name=""/>
+        <p:cNvGrpSpPr/>
+        <p:nvPr/>
+      </p:nvGrpSpPr>
+      <p:grpSpPr>
+        <a:xfrm>
+          <a:off x="0" y="0"/>
+          <a:ext cx="0" cy="0"/>
+          <a:chOff x="0" y="0"/>
+          <a:chExt cx="0" cy="0"/>
+        </a:xfrm>
+      </p:grpSpPr>
+      <p:sp>
+        <p:nvSpPr>
+          <p:cNvPr id="2" name="Slide Image Placeholder 1"/>
+          <p:cNvSpPr>
+            <a:spLocks noGrp="1" noRot="1" noChangeAspect="1"/>
+          </p:cNvSpPr>
+          <p:nvPr>
+            <p:ph type="sldImg"/>
+          </p:nvPr>
+        </p:nvSpPr>
+        <p:spPr>
+          <a:xfrm>
+            <a:off x="685800" y="1143000"/>
+            <a:ext cx="5486400" cy="3086100"/>
+          </a:xfrm>
+        </p:spPr>
+      </p:sp>
+      <p:sp>
+        <p:nvSpPr>
+          <p:cNvPr id="3" name="Notes Placeholder 2"/>
+          <p:cNvSpPr>
+            <a:spLocks noGrp="1"/>
+          </p:cNvSpPr>
+          <p:nvPr>
+            <p:ph type="body" idx="1"/>
+          </p:nvPr>
+        </p:nvSpPr>
+        <p:spPr/>
+        <p:txBody>
+          <a:bodyPr/>
+          <a:lstStyle/>
+          <a:p>
+            <a:r>
+              <a:rPr lang="en-US" dirty="0"/>
+              <a:t>A</a:t>
+            </a:r>
+            <a:r>
+              <a:rPr lang="en-US" baseline="0" dirty="0"/>
+              <a:t> speaker note on </a:t>
+            </a:r>
+            <a:r>
+              <a:rPr lang="en-US" baseline="0"/>
+              <a:t>this slide too.</a:t>
+            </a:r>
+            <a:endParaRPr lang="en-US"/>
+          </a:p>
+        </p:txBody>
+      </p:sp>
+      <p:sp>
+        <p:nvSpPr>
+          <p:cNvPr id="4" name="Slide Number Placeholder 3"/>
+          <p:cNvSpPr>
+            <a:spLocks noGrp="1"/>
+          </p:cNvSpPr>
+          <p:nvPr>
+            <p:ph type="sldNum" sz="quarter" idx="10"/>
+          </p:nvPr>
+        </p:nvSpPr>
+        <p:spPr/>
+        <p:txBody>
+          <a:bodyPr/>
+          <a:lstStyle/>
+          <a:p>
+            <a:fld id="{18BDFEC3-8487-43E8-A154-7C12CBC1FFF2}" type="slidenum">
+              <a:rPr lang="en-US" smtClean="0"/>
+              <a:t>2</a:t>
+            </a:fld>
+            <a:endParaRPr lang="en-US"/>
+          </a:p>
+        </p:txBody>
+      </p:sp>
+    </p:spTree>
+    <p:extLst>
+      <p:ext uri="{BB962C8B-B14F-4D97-AF65-F5344CB8AC3E}">
+        <p14:creationId xmlns:p14="http://schemas.microsoft.com/office/powerpoint/2010/main" val="3016900036"/>
+      </p:ext>
+    </p:extLst>
+  </p:cSld>
+  <p:clrMapOvr>
+    <a:masterClrMapping/>
+  </p:clrMapOvr>
+</p:notes>
 </file>
 
 <file path=ppt/slideLayouts/slideLayout1.xml><?xml version="1.0" encoding="utf-8"?>
@@ -151,7 +704,7 @@
       </p:grpSpPr>
       <p:sp>
         <p:nvSpPr>
-          <p:cNvPr id="2" name="Title 1"/>
+          <p:cNvPr id="10005" name="Title 1"/>
           <p:cNvSpPr>
             <a:spLocks noGrp="1"/>
           </p:cNvSpPr>
@@ -161,8 +714,8 @@
         </p:nvSpPr>
         <p:spPr>
           <a:xfrm>
-            <a:off x="837210" y="484188"/>
-            <a:ext cx="9642764" cy="863662"/>
+            <a:off x="304800" y="1879600"/>
+            <a:ext cx="9080500" cy="4749800"/>
           </a:xfrm>
         </p:spPr>
         <p:txBody>
@@ -170,15 +723,19 @@
           <a:lstStyle/>
           <a:p>
             <a:r>
-              <a:rPr lang="en-US" dirty="0"/>
-              <a:t>Click to edit Master title style</a:t>
-            </a:r>
-          </a:p>
-        </p:txBody>
-      </p:sp>
-      <p:sp>
-        <p:nvSpPr>
-          <p:cNvPr id="3" name="Subtitle 2"/>
+              <a:rPr lang="en-US" sz="3600" b="true">
+                <a:solidFill>
+                  <a:srgbClr val="003CD3"/>
+                </a:solidFill>
+                <a:latin typeface="Frutiger for ZKB Light"/>
+              </a:rPr>
+            </a:r>
+          </a:p>
+        </p:txBody>
+      </p:sp>
+      <p:sp>
+        <p:nvSpPr>
+          <p:cNvPr id="10006" name="Subtitle 2"/>
           <p:cNvSpPr>
             <a:spLocks noGrp="1"/>
           </p:cNvSpPr>
@@ -188,8 +745,8 @@
         </p:nvSpPr>
         <p:spPr>
           <a:xfrm>
-            <a:off x="1223158" y="1528948"/>
-            <a:ext cx="8550233" cy="644237"/>
+            <a:off x="304800" y="292100"/>
+            <a:ext cx="9080500" cy="254000"/>
           </a:xfrm>
         </p:spPr>
         <p:txBody>
@@ -205,7 +762,7 @@
                 </a:solidFill>
               </a:defRPr>
             </a:lvl1pPr>
-            <a:lvl2pPr marL="457200" indent="0" algn="ctr">
+            <a:lvl2pPr marL="342900" indent="0" algn="ctr">
               <a:buNone/>
               <a:defRPr>
                 <a:solidFill>
@@ -215,7 +772,7 @@
                 </a:solidFill>
               </a:defRPr>
             </a:lvl2pPr>
-            <a:lvl3pPr marL="914400" indent="0" algn="ctr">
+            <a:lvl3pPr marL="685800" indent="0" algn="ctr">
               <a:buNone/>
               <a:defRPr>
                 <a:solidFill>
@@ -225,7 +782,7 @@
                 </a:solidFill>
               </a:defRPr>
             </a:lvl3pPr>
-            <a:lvl4pPr marL="1371600" indent="0" algn="ctr">
+            <a:lvl4pPr marL="1028700" indent="0" algn="ctr">
               <a:buNone/>
               <a:defRPr>
                 <a:solidFill>
@@ -235,7 +792,7 @@
                 </a:solidFill>
               </a:defRPr>
             </a:lvl4pPr>
-            <a:lvl5pPr marL="1828800" indent="0" algn="ctr">
+            <a:lvl5pPr marL="1371600" indent="0" algn="ctr">
               <a:buNone/>
               <a:defRPr>
                 <a:solidFill>
@@ -245,7 +802,7 @@
                 </a:solidFill>
               </a:defRPr>
             </a:lvl5pPr>
-            <a:lvl6pPr marL="2286000" indent="0" algn="ctr">
+            <a:lvl6pPr marL="1714500" indent="0" algn="ctr">
               <a:buNone/>
               <a:defRPr>
                 <a:solidFill>
@@ -255,7 +812,7 @@
                 </a:solidFill>
               </a:defRPr>
             </a:lvl6pPr>
-            <a:lvl7pPr marL="2743200" indent="0" algn="ctr">
+            <a:lvl7pPr marL="2057400" indent="0" algn="ctr">
               <a:buNone/>
               <a:defRPr>
                 <a:solidFill>
@@ -265,7 +822,7 @@
                 </a:solidFill>
               </a:defRPr>
             </a:lvl7pPr>
-            <a:lvl8pPr marL="3200400" indent="0" algn="ctr">
+            <a:lvl8pPr marL="2400300" indent="0" algn="ctr">
               <a:buNone/>
               <a:defRPr>
                 <a:solidFill>
@@ -275,7 +832,7 @@
                 </a:solidFill>
               </a:defRPr>
             </a:lvl8pPr>
-            <a:lvl9pPr marL="3657600" indent="0" algn="ctr">
+            <a:lvl9pPr marL="2743200" indent="0" algn="ctr">
               <a:buNone/>
               <a:defRPr>
                 <a:solidFill>
@@ -288,15 +845,19 @@
           </a:lstStyle>
           <a:p>
             <a:r>
-              <a:rPr lang="en-US"/>
-              <a:t>Click to edit Master subtitle style</a:t>
-            </a:r>
-          </a:p>
-        </p:txBody>
-      </p:sp>
-      <p:sp>
-        <p:nvSpPr>
-          <p:cNvPr id="4" name="Date Placeholder 3"/>
+              <a:rPr lang="en-US" sz="1400" b="false">
+                <a:solidFill>
+                  <a:srgbClr val="003CD3"/>
+                </a:solidFill>
+                <a:latin typeface="Frutiger for ZKB Light"/>
+              </a:rPr>
+            </a:r>
+          </a:p>
+        </p:txBody>
+      </p:sp>
+      <p:sp>
+        <p:nvSpPr>
+          <p:cNvPr id="10007" name="Date Placeholder 3"/>
           <p:cNvSpPr>
             <a:spLocks noGrp="1"/>
           </p:cNvSpPr>
@@ -309,9 +870,9 @@
           <a:bodyPr/>
           <a:lstStyle/>
           <a:p>
-            <a:fld id="{5BCAD085-E8A6-8845-BD4E-CB4CCA059FC4}" type="datetimeFigureOut">
+            <a:fld id="{241EB5C9-1307-BA42-ABA2-0BC069CD8E7F}" type="datetimeFigureOut">
               <a:rPr lang="en-US" smtClean="0"/>
-              <a:t>1/19/2026</a:t>
+              <a:t>1/2/22</a:t>
             </a:fld>
             <a:endParaRPr lang="en-US"/>
           </a:p>
@@ -319,7 +880,7 @@
       </p:sp>
       <p:sp>
         <p:nvSpPr>
-          <p:cNvPr id="5" name="Footer Placeholder 4"/>
+          <p:cNvPr id="10008" name="Footer Placeholder 4"/>
           <p:cNvSpPr>
             <a:spLocks noGrp="1"/>
           </p:cNvSpPr>
@@ -338,7 +899,7 @@
       </p:sp>
       <p:sp>
         <p:nvSpPr>
-          <p:cNvPr id="6" name="Slide Number Placeholder 5"/>
+          <p:cNvPr id="10009" name="Slide Number Placeholder 5"/>
           <p:cNvSpPr>
             <a:spLocks noGrp="1"/>
           </p:cNvSpPr>
@@ -351,22 +912,18 @@
           <a:bodyPr/>
           <a:lstStyle/>
           <a:p>
-            <a:r>
-              <a:rPr lang="en-US" sz="900">
-                <a:solidFill>
-                  <a:srgbClr val="808080"/>
-                </a:solidFill>
-                <a:latin typeface="Calibri"/>
-              </a:rPr>
-              <a:t>&lt;#&gt;</a:t>
-            </a:r>
+            <a:fld id="{C5EF2332-01BF-834F-8236-50238282D533}" type="slidenum">
+              <a:rPr lang="en-US" smtClean="0"/>
+              <a:t>‹#›</a:t>
+            </a:fld>
+            <a:endParaRPr lang="en-US"/>
           </a:p>
         </p:txBody>
       </p:sp>
     </p:spTree>
     <p:extLst>
       <p:ext uri="{BB962C8B-B14F-4D97-AF65-F5344CB8AC3E}">
-        <p14:creationId xmlns:p14="http://schemas.microsoft.com/office/powerpoint/2010/main" val="3168075583"/>
+        <p14:creationId xmlns:p14="http://schemas.microsoft.com/office/powerpoint/2010/main" val="1444357513"/>
       </p:ext>
     </p:extLst>
   </p:cSld>
@@ -395,7 +952,7 @@
       </p:grpSpPr>
       <p:sp>
         <p:nvSpPr>
-          <p:cNvPr id="2" name="Title 1"/>
+          <p:cNvPr id="10016" name="Title 1"/>
           <p:cNvSpPr>
             <a:spLocks noGrp="1"/>
           </p:cNvSpPr>
@@ -403,26 +960,21 @@
             <p:ph type="title"/>
           </p:nvPr>
         </p:nvSpPr>
-        <p:spPr>
-          <a:xfrm>
-            <a:off x="1371600" y="548640"/>
-            <a:ext cx="9418320" cy="0"/>
-          </a:xfrm>
-        </p:spPr>
-        <p:txBody>
-          <a:bodyPr/>
-          <a:lstStyle/>
-          <a:p>
-            <a:pPr>
-              <a:defRPr sz="2800"/>
-            </a:pPr>
-            <a:endParaRPr lang="en-US"/>
-          </a:p>
-        </p:txBody>
-      </p:sp>
-      <p:sp>
-        <p:nvSpPr>
-          <p:cNvPr id="3" name="Vertical Text Placeholder 2"/>
+        <p:spPr/>
+        <p:txBody>
+          <a:bodyPr/>
+          <a:lstStyle/>
+          <a:p>
+            <a:r>
+              <a:rPr lang="en-US"/>
+              <a:t>Click to edit Master title style</a:t>
+            </a:r>
+          </a:p>
+        </p:txBody>
+      </p:sp>
+      <p:sp>
+        <p:nvSpPr>
+          <p:cNvPr id="10017" name="Vertical Text Placeholder 2"/>
           <p:cNvSpPr>
             <a:spLocks noGrp="1"/>
           </p:cNvSpPr>
@@ -430,26 +982,50 @@
             <p:ph type="body" orient="vert" idx="1"/>
           </p:nvPr>
         </p:nvSpPr>
-        <p:spPr>
-          <a:xfrm>
-            <a:off x="1371600" y="1645920"/>
-            <a:ext cx="9418320" cy="4389120"/>
-          </a:xfrm>
-        </p:spPr>
-        <p:txBody>
-          <a:bodyPr vert="eaVert" wrap="square"/>
-          <a:lstStyle/>
-          <a:p>
-            <a:pPr lvl="0">
-              <a:defRPr sz="1800"/>
-            </a:pPr>
-            <a:endParaRPr/>
-          </a:p>
-        </p:txBody>
-      </p:sp>
-      <p:sp>
-        <p:nvSpPr>
-          <p:cNvPr id="4" name="Date Placeholder 3"/>
+        <p:spPr/>
+        <p:txBody>
+          <a:bodyPr vert="eaVert"/>
+          <a:lstStyle/>
+          <a:p>
+            <a:pPr lvl="0"/>
+            <a:r>
+              <a:rPr lang="en-US"/>
+              <a:t>Click to edit Master text styles</a:t>
+            </a:r>
+          </a:p>
+          <a:p>
+            <a:pPr lvl="1"/>
+            <a:r>
+              <a:rPr lang="en-US"/>
+              <a:t>Second level</a:t>
+            </a:r>
+          </a:p>
+          <a:p>
+            <a:pPr lvl="2"/>
+            <a:r>
+              <a:rPr lang="en-US"/>
+              <a:t>Third level</a:t>
+            </a:r>
+          </a:p>
+          <a:p>
+            <a:pPr lvl="3"/>
+            <a:r>
+              <a:rPr lang="en-US"/>
+              <a:t>Fourth level</a:t>
+            </a:r>
+          </a:p>
+          <a:p>
+            <a:pPr lvl="4"/>
+            <a:r>
+              <a:rPr lang="en-US"/>
+              <a:t>Fifth level</a:t>
+            </a:r>
+          </a:p>
+        </p:txBody>
+      </p:sp>
+      <p:sp>
+        <p:nvSpPr>
+          <p:cNvPr id="10018" name="Date Placeholder 3"/>
           <p:cNvSpPr>
             <a:spLocks noGrp="1"/>
           </p:cNvSpPr>
@@ -462,9 +1038,9 @@
           <a:bodyPr/>
           <a:lstStyle/>
           <a:p>
-            <a:fld id="{5BCAD085-E8A6-8845-BD4E-CB4CCA059FC4}" type="datetimeFigureOut">
+            <a:fld id="{241EB5C9-1307-BA42-ABA2-0BC069CD8E7F}" type="datetimeFigureOut">
               <a:rPr lang="en-US" smtClean="0"/>
-              <a:t>1/19/2026</a:t>
+              <a:t>1/2/22</a:t>
             </a:fld>
             <a:endParaRPr lang="en-US"/>
           </a:p>
@@ -472,7 +1048,7 @@
       </p:sp>
       <p:sp>
         <p:nvSpPr>
-          <p:cNvPr id="5" name="Footer Placeholder 4"/>
+          <p:cNvPr id="10019" name="Footer Placeholder 4"/>
           <p:cNvSpPr>
             <a:spLocks noGrp="1"/>
           </p:cNvSpPr>
@@ -491,7 +1067,7 @@
       </p:sp>
       <p:sp>
         <p:nvSpPr>
-          <p:cNvPr id="6" name="Slide Number Placeholder 5"/>
+          <p:cNvPr id="10020" name="Slide Number Placeholder 5"/>
           <p:cNvSpPr>
             <a:spLocks noGrp="1"/>
           </p:cNvSpPr>
@@ -504,22 +1080,18 @@
           <a:bodyPr/>
           <a:lstStyle/>
           <a:p>
-            <a:r>
-              <a:rPr lang="en-US" sz="900">
-                <a:solidFill>
-                  <a:srgbClr val="808080"/>
-                </a:solidFill>
-                <a:latin typeface="Calibri"/>
-              </a:rPr>
-              <a:t>&lt;#&gt;</a:t>
-            </a:r>
+            <a:fld id="{C5EF2332-01BF-834F-8236-50238282D533}" type="slidenum">
+              <a:rPr lang="en-US" smtClean="0"/>
+              <a:t>‹#›</a:t>
+            </a:fld>
+            <a:endParaRPr lang="en-US"/>
           </a:p>
         </p:txBody>
       </p:sp>
     </p:spTree>
     <p:extLst>
       <p:ext uri="{BB962C8B-B14F-4D97-AF65-F5344CB8AC3E}">
-        <p14:creationId xmlns:p14="http://schemas.microsoft.com/office/powerpoint/2010/main" val="2910927964"/>
+        <p14:creationId xmlns:p14="http://schemas.microsoft.com/office/powerpoint/2010/main" val="313914798"/>
       </p:ext>
     </p:extLst>
   </p:cSld>
@@ -548,7 +1120,7 @@
       </p:grpSpPr>
       <p:sp>
         <p:nvSpPr>
-          <p:cNvPr id="2" name="Vertical Title 1"/>
+          <p:cNvPr id="10032" name="Vertical Title 1"/>
           <p:cNvSpPr>
             <a:spLocks noGrp="1"/>
           </p:cNvSpPr>
@@ -558,24 +1130,24 @@
         </p:nvSpPr>
         <p:spPr>
           <a:xfrm>
-            <a:off x="1371600" y="548640"/>
-            <a:ext cx="9418320" cy="5851525"/>
+            <a:off x="6629400" y="205979"/>
+            <a:ext cx="2057400" cy="4388644"/>
           </a:xfrm>
         </p:spPr>
         <p:txBody>
           <a:bodyPr vert="eaVert"/>
           <a:lstStyle/>
           <a:p>
-            <a:pPr>
-              <a:defRPr sz="2800"/>
-            </a:pPr>
-            <a:endParaRPr lang="en-US"/>
-          </a:p>
-        </p:txBody>
-      </p:sp>
-      <p:sp>
-        <p:nvSpPr>
-          <p:cNvPr id="3" name="Vertical Text Placeholder 2"/>
+            <a:r>
+              <a:rPr lang="en-US"/>
+              <a:t>Click to edit Master title style</a:t>
+            </a:r>
+          </a:p>
+        </p:txBody>
+      </p:sp>
+      <p:sp>
+        <p:nvSpPr>
+          <p:cNvPr id="10033" name="Vertical Text Placeholder 2"/>
           <p:cNvSpPr>
             <a:spLocks noGrp="1"/>
           </p:cNvSpPr>
@@ -585,24 +1157,53 @@
         </p:nvSpPr>
         <p:spPr>
           <a:xfrm>
-            <a:off x="1371600" y="1645920"/>
-            <a:ext cx="9418320" cy="4389120"/>
+            <a:off x="457200" y="205979"/>
+            <a:ext cx="6019800" cy="4388644"/>
           </a:xfrm>
         </p:spPr>
         <p:txBody>
-          <a:bodyPr vert="eaVert" wrap="square"/>
-          <a:lstStyle/>
-          <a:p>
-            <a:pPr lvl="0">
-              <a:defRPr sz="1800"/>
-            </a:pPr>
-            <a:endParaRPr/>
-          </a:p>
-        </p:txBody>
-      </p:sp>
-      <p:sp>
-        <p:nvSpPr>
-          <p:cNvPr id="4" name="Date Placeholder 3"/>
+          <a:bodyPr vert="eaVert"/>
+          <a:lstStyle/>
+          <a:p>
+            <a:pPr lvl="0"/>
+            <a:r>
+              <a:rPr lang="en-US"/>
+              <a:t>Click to edit Master text styles</a:t>
+            </a:r>
+          </a:p>
+          <a:p>
+            <a:pPr lvl="1"/>
+            <a:r>
+              <a:rPr lang="en-US"/>
+              <a:t>Second level</a:t>
+            </a:r>
+          </a:p>
+          <a:p>
+            <a:pPr lvl="2"/>
+            <a:r>
+              <a:rPr lang="en-US"/>
+              <a:t>Third level</a:t>
+            </a:r>
+          </a:p>
+          <a:p>
+            <a:pPr lvl="3"/>
+            <a:r>
+              <a:rPr lang="en-US"/>
+              <a:t>Fourth level</a:t>
+            </a:r>
+          </a:p>
+          <a:p>
+            <a:pPr lvl="4"/>
+            <a:r>
+              <a:rPr lang="en-US"/>
+              <a:t>Fifth level</a:t>
+            </a:r>
+          </a:p>
+        </p:txBody>
+      </p:sp>
+      <p:sp>
+        <p:nvSpPr>
+          <p:cNvPr id="10034" name="Date Placeholder 3"/>
           <p:cNvSpPr>
             <a:spLocks noGrp="1"/>
           </p:cNvSpPr>
@@ -615,9 +1216,9 @@
           <a:bodyPr/>
           <a:lstStyle/>
           <a:p>
-            <a:fld id="{5BCAD085-E8A6-8845-BD4E-CB4CCA059FC4}" type="datetimeFigureOut">
+            <a:fld id="{241EB5C9-1307-BA42-ABA2-0BC069CD8E7F}" type="datetimeFigureOut">
               <a:rPr lang="en-US" smtClean="0"/>
-              <a:t>1/19/2026</a:t>
+              <a:t>1/2/22</a:t>
             </a:fld>
             <a:endParaRPr lang="en-US"/>
           </a:p>
@@ -625,7 +1226,7 @@
       </p:sp>
       <p:sp>
         <p:nvSpPr>
-          <p:cNvPr id="5" name="Footer Placeholder 4"/>
+          <p:cNvPr id="10035" name="Footer Placeholder 4"/>
           <p:cNvSpPr>
             <a:spLocks noGrp="1"/>
           </p:cNvSpPr>
@@ -644,7 +1245,7 @@
       </p:sp>
       <p:sp>
         <p:nvSpPr>
-          <p:cNvPr id="6" name="Slide Number Placeholder 5"/>
+          <p:cNvPr id="10036" name="Slide Number Placeholder 5"/>
           <p:cNvSpPr>
             <a:spLocks noGrp="1"/>
           </p:cNvSpPr>
@@ -657,22 +1258,18 @@
           <a:bodyPr/>
           <a:lstStyle/>
           <a:p>
-            <a:r>
-              <a:rPr lang="en-US" sz="900">
-                <a:solidFill>
-                  <a:srgbClr val="808080"/>
-                </a:solidFill>
-                <a:latin typeface="Calibri"/>
-              </a:rPr>
-              <a:t>&lt;#&gt;</a:t>
-            </a:r>
+            <a:fld id="{C5EF2332-01BF-834F-8236-50238282D533}" type="slidenum">
+              <a:rPr lang="en-US" smtClean="0"/>
+              <a:t>‹#›</a:t>
+            </a:fld>
+            <a:endParaRPr lang="en-US"/>
           </a:p>
         </p:txBody>
       </p:sp>
     </p:spTree>
     <p:extLst>
       <p:ext uri="{BB962C8B-B14F-4D97-AF65-F5344CB8AC3E}">
-        <p14:creationId xmlns:p14="http://schemas.microsoft.com/office/powerpoint/2010/main" val="3612223792"/>
+        <p14:creationId xmlns:p14="http://schemas.microsoft.com/office/powerpoint/2010/main" val="2581529045"/>
       </p:ext>
     </p:extLst>
   </p:cSld>
@@ -701,7 +1298,7 @@
       </p:grpSpPr>
       <p:sp>
         <p:nvSpPr>
-          <p:cNvPr id="2" name="Title 1"/>
+          <p:cNvPr id="10037" name="Title 1"/>
           <p:cNvSpPr>
             <a:spLocks noGrp="1"/>
           </p:cNvSpPr>
@@ -709,26 +1306,25 @@
             <p:ph type="title"/>
           </p:nvPr>
         </p:nvSpPr>
-        <p:spPr>
-          <a:xfrm>
-            <a:off x="1371600" y="548640"/>
-            <a:ext cx="9418320" cy="0"/>
-          </a:xfrm>
-        </p:spPr>
-        <p:txBody>
-          <a:bodyPr/>
-          <a:lstStyle/>
-          <a:p>
-            <a:pPr>
-              <a:defRPr sz="2800"/>
-            </a:pPr>
-            <a:endParaRPr lang="en-US"/>
-          </a:p>
-        </p:txBody>
-      </p:sp>
-      <p:sp>
-        <p:nvSpPr>
-          <p:cNvPr id="3" name="Content Placeholder 2"/>
+        <p:spPr/>
+        <p:txBody>
+          <a:bodyPr/>
+          <a:lstStyle/>
+          <a:p>
+            <a:r>
+              <a:rPr lang="en-US" sz="2400" b="true">
+                <a:solidFill>
+                  <a:srgbClr val="003CD3"/>
+                </a:solidFill>
+                <a:latin typeface="Frutiger for ZKB Light"/>
+              </a:rPr>
+            </a:r>
+          </a:p>
+        </p:txBody>
+      </p:sp>
+      <p:sp>
+        <p:nvSpPr>
+          <p:cNvPr id="10038" name="Content Placeholder 2"/>
           <p:cNvSpPr>
             <a:spLocks noGrp="1"/>
           </p:cNvSpPr>
@@ -736,55 +1332,25 @@
             <p:ph idx="1"/>
           </p:nvPr>
         </p:nvSpPr>
-        <p:spPr>
-          <a:xfrm>
-            <a:off x="457199" y="1600200"/>
-            <a:ext cx="10533413" cy="4525963"/>
-          </a:xfrm>
-        </p:spPr>
-        <p:txBody>
-          <a:bodyPr/>
-          <a:lstStyle/>
-          <a:p>
-            <a:pPr lvl="0"/>
-            <a:r>
-              <a:rPr lang="en-US"/>
-              <a:t>Click to edit Master text styles</a:t>
-            </a:r>
-          </a:p>
-          <a:p>
-            <a:pPr lvl="1"/>
-            <a:r>
-              <a:rPr lang="en-US"/>
-              <a:t>Second level</a:t>
-            </a:r>
-          </a:p>
-          <a:p>
-            <a:pPr lvl="2"/>
-            <a:r>
-              <a:rPr lang="en-US"/>
-              <a:t>Third level</a:t>
-            </a:r>
-          </a:p>
-          <a:p>
-            <a:pPr lvl="3"/>
-            <a:r>
-              <a:rPr lang="en-US"/>
-              <a:t>Fourth level</a:t>
-            </a:r>
-          </a:p>
-          <a:p>
-            <a:pPr lvl="4"/>
-            <a:r>
-              <a:rPr lang="en-US"/>
-              <a:t>Fifth level</a:t>
-            </a:r>
-          </a:p>
-        </p:txBody>
-      </p:sp>
-      <p:sp>
-        <p:nvSpPr>
-          <p:cNvPr id="4" name="Date Placeholder 3"/>
+        <p:spPr/>
+        <p:txBody>
+          <a:bodyPr/>
+          <a:lstStyle/>
+          <a:p>
+            <a:r>
+              <a:rPr lang="en-US" sz="1800" b="false">
+                <a:solidFill>
+                  <a:srgbClr val="000000"/>
+                </a:solidFill>
+                <a:latin typeface="Frutiger for ZKB Light"/>
+              </a:rPr>
+            </a:r>
+          </a:p>
+        </p:txBody>
+      </p:sp>
+      <p:sp>
+        <p:nvSpPr>
+          <p:cNvPr id="10039" name="Date Placeholder 3"/>
           <p:cNvSpPr>
             <a:spLocks noGrp="1"/>
           </p:cNvSpPr>
@@ -797,9 +1363,9 @@
           <a:bodyPr/>
           <a:lstStyle/>
           <a:p>
-            <a:fld id="{5BCAD085-E8A6-8845-BD4E-CB4CCA059FC4}" type="datetimeFigureOut">
+            <a:fld id="{241EB5C9-1307-BA42-ABA2-0BC069CD8E7F}" type="datetimeFigureOut">
               <a:rPr lang="en-US" smtClean="0"/>
-              <a:t>1/19/2026</a:t>
+              <a:t>1/2/22</a:t>
             </a:fld>
             <a:endParaRPr lang="en-US"/>
           </a:p>
@@ -807,7 +1373,7 @@
       </p:sp>
       <p:sp>
         <p:nvSpPr>
-          <p:cNvPr id="5" name="Footer Placeholder 4"/>
+          <p:cNvPr id="10040" name="Footer Placeholder 4"/>
           <p:cNvSpPr>
             <a:spLocks noGrp="1"/>
           </p:cNvSpPr>
@@ -826,7 +1392,7 @@
       </p:sp>
       <p:sp>
         <p:nvSpPr>
-          <p:cNvPr id="6" name="Slide Number Placeholder 5"/>
+          <p:cNvPr id="10041" name="Slide Number Placeholder 5"/>
           <p:cNvSpPr>
             <a:spLocks noGrp="1"/>
           </p:cNvSpPr>
@@ -834,24 +1400,18 @@
             <p:ph type="sldNum" sz="quarter" idx="12"/>
           </p:nvPr>
         </p:nvSpPr>
-        <p:spPr>
-          <a:xfrm>
-            <a:off x="8857012" y="6356350"/>
-            <a:ext cx="2133600" cy="365125"/>
-          </a:xfrm>
-        </p:spPr>
-        <p:txBody>
-          <a:bodyPr/>
-          <a:lstStyle/>
-          <a:p>
-            <a:r>
-              <a:rPr lang="en-US" sz="900">
+        <p:spPr/>
+        <p:txBody>
+          <a:bodyPr/>
+          <a:lstStyle/>
+          <a:p>
+            <a:r>
+              <a:rPr lang="en-US" sz="900" b="false">
                 <a:solidFill>
-                  <a:srgbClr val="808080"/>
+                  <a:srgbClr val="003CD3"/>
                 </a:solidFill>
-                <a:latin typeface="Calibri"/>
+                <a:latin typeface="Frutiger for ZKB Light"/>
               </a:rPr>
-              <a:t>&lt;#&gt;</a:t>
             </a:r>
           </a:p>
         </p:txBody>
@@ -859,7 +1419,7 @@
     </p:spTree>
     <p:extLst>
       <p:ext uri="{BB962C8B-B14F-4D97-AF65-F5344CB8AC3E}">
-        <p14:creationId xmlns:p14="http://schemas.microsoft.com/office/powerpoint/2010/main" val="2614314258"/>
+        <p14:creationId xmlns:p14="http://schemas.microsoft.com/office/powerpoint/2010/main" val="338346009"/>
       </p:ext>
     </p:extLst>
   </p:cSld>
@@ -888,7 +1448,7 @@
       </p:grpSpPr>
       <p:sp>
         <p:nvSpPr>
-          <p:cNvPr id="2" name="Title 1"/>
+          <p:cNvPr id="10046" name="Title 1"/>
           <p:cNvSpPr>
             <a:spLocks noGrp="1"/>
           </p:cNvSpPr>
@@ -898,28 +1458,28 @@
         </p:nvSpPr>
         <p:spPr>
           <a:xfrm>
-            <a:off x="1371600" y="548640"/>
-            <a:ext cx="9418320" cy="1362075"/>
+            <a:off x="722313" y="3305176"/>
+            <a:ext cx="7772400" cy="1021556"/>
           </a:xfrm>
         </p:spPr>
         <p:txBody>
           <a:bodyPr anchor="t"/>
           <a:lstStyle>
             <a:lvl1pPr algn="l">
-              <a:defRPr sz="4000" b="1" cap="all"/>
+              <a:defRPr sz="3000" b="1" cap="all"/>
             </a:lvl1pPr>
           </a:lstStyle>
           <a:p>
-            <a:pPr>
-              <a:defRPr sz="2800"/>
-            </a:pPr>
-            <a:endParaRPr lang="en-US" dirty="0"/>
-          </a:p>
-        </p:txBody>
-      </p:sp>
-      <p:sp>
-        <p:nvSpPr>
-          <p:cNvPr id="3" name="Text Placeholder 2"/>
+            <a:r>
+              <a:rPr lang="en-US"/>
+              <a:t>Click to edit Master title style</a:t>
+            </a:r>
+          </a:p>
+        </p:txBody>
+      </p:sp>
+      <p:sp>
+        <p:nvSpPr>
+          <p:cNvPr id="10047" name="Text Placeholder 2"/>
           <p:cNvSpPr>
             <a:spLocks noGrp="1"/>
           </p:cNvSpPr>
@@ -929,16 +1489,16 @@
         </p:nvSpPr>
         <p:spPr>
           <a:xfrm>
-            <a:off x="1371600" y="1645920"/>
-            <a:ext cx="9418320" cy="4389120"/>
+            <a:off x="722313" y="2180035"/>
+            <a:ext cx="7772400" cy="1125140"/>
           </a:xfrm>
         </p:spPr>
         <p:txBody>
-          <a:bodyPr wrap="square" anchor="b"/>
+          <a:bodyPr anchor="b"/>
           <a:lstStyle>
             <a:lvl1pPr marL="0" indent="0">
               <a:buNone/>
-              <a:defRPr sz="2000">
+              <a:defRPr sz="1500">
                 <a:solidFill>
                   <a:schemeClr val="tx1">
                     <a:tint val="75000"/>
@@ -946,9 +1506,9 @@
                 </a:solidFill>
               </a:defRPr>
             </a:lvl1pPr>
-            <a:lvl2pPr marL="457200" indent="0">
-              <a:buNone/>
-              <a:defRPr sz="1800">
+            <a:lvl2pPr marL="342900" indent="0">
+              <a:buNone/>
+              <a:defRPr sz="1350">
                 <a:solidFill>
                   <a:schemeClr val="tx1">
                     <a:tint val="75000"/>
@@ -956,9 +1516,9 @@
                 </a:solidFill>
               </a:defRPr>
             </a:lvl2pPr>
-            <a:lvl3pPr marL="914400" indent="0">
-              <a:buNone/>
-              <a:defRPr sz="1600">
+            <a:lvl3pPr marL="685800" indent="0">
+              <a:buNone/>
+              <a:defRPr sz="1200">
                 <a:solidFill>
                   <a:schemeClr val="tx1">
                     <a:tint val="75000"/>
@@ -966,9 +1526,9 @@
                 </a:solidFill>
               </a:defRPr>
             </a:lvl3pPr>
-            <a:lvl4pPr marL="1371600" indent="0">
-              <a:buNone/>
-              <a:defRPr sz="1400">
+            <a:lvl4pPr marL="1028700" indent="0">
+              <a:buNone/>
+              <a:defRPr sz="1050">
                 <a:solidFill>
                   <a:schemeClr val="tx1">
                     <a:tint val="75000"/>
@@ -976,9 +1536,9 @@
                 </a:solidFill>
               </a:defRPr>
             </a:lvl4pPr>
-            <a:lvl5pPr marL="1828800" indent="0">
-              <a:buNone/>
-              <a:defRPr sz="1400">
+            <a:lvl5pPr marL="1371600" indent="0">
+              <a:buNone/>
+              <a:defRPr sz="1050">
                 <a:solidFill>
                   <a:schemeClr val="tx1">
                     <a:tint val="75000"/>
@@ -986,9 +1546,9 @@
                 </a:solidFill>
               </a:defRPr>
             </a:lvl5pPr>
-            <a:lvl6pPr marL="2286000" indent="0">
-              <a:buNone/>
-              <a:defRPr sz="1400">
+            <a:lvl6pPr marL="1714500" indent="0">
+              <a:buNone/>
+              <a:defRPr sz="1050">
                 <a:solidFill>
                   <a:schemeClr val="tx1">
                     <a:tint val="75000"/>
@@ -996,9 +1556,9 @@
                 </a:solidFill>
               </a:defRPr>
             </a:lvl6pPr>
-            <a:lvl7pPr marL="2743200" indent="0">
-              <a:buNone/>
-              <a:defRPr sz="1400">
+            <a:lvl7pPr marL="2057400" indent="0">
+              <a:buNone/>
+              <a:defRPr sz="1050">
                 <a:solidFill>
                   <a:schemeClr val="tx1">
                     <a:tint val="75000"/>
@@ -1006,9 +1566,9 @@
                 </a:solidFill>
               </a:defRPr>
             </a:lvl7pPr>
-            <a:lvl8pPr marL="3200400" indent="0">
-              <a:buNone/>
-              <a:defRPr sz="1400">
+            <a:lvl8pPr marL="2400300" indent="0">
+              <a:buNone/>
+              <a:defRPr sz="1050">
                 <a:solidFill>
                   <a:schemeClr val="tx1">
                     <a:tint val="75000"/>
@@ -1016,9 +1576,9 @@
                 </a:solidFill>
               </a:defRPr>
             </a:lvl8pPr>
-            <a:lvl9pPr marL="3657600" indent="0">
-              <a:buNone/>
-              <a:defRPr sz="1400">
+            <a:lvl9pPr marL="2743200" indent="0">
+              <a:buNone/>
+              <a:defRPr sz="1050">
                 <a:solidFill>
                   <a:schemeClr val="tx1">
                     <a:tint val="75000"/>
@@ -1028,16 +1588,17 @@
             </a:lvl9pPr>
           </a:lstStyle>
           <a:p>
-            <a:pPr lvl="0">
-              <a:defRPr sz="1800"/>
-            </a:pPr>
-            <a:endParaRPr/>
-          </a:p>
-        </p:txBody>
-      </p:sp>
-      <p:sp>
-        <p:nvSpPr>
-          <p:cNvPr id="4" name="Date Placeholder 3"/>
+            <a:pPr lvl="0"/>
+            <a:r>
+              <a:rPr lang="en-US"/>
+              <a:t>Click to edit Master text styles</a:t>
+            </a:r>
+          </a:p>
+        </p:txBody>
+      </p:sp>
+      <p:sp>
+        <p:nvSpPr>
+          <p:cNvPr id="10048" name="Date Placeholder 3"/>
           <p:cNvSpPr>
             <a:spLocks noGrp="1"/>
           </p:cNvSpPr>
@@ -1050,9 +1611,9 @@
           <a:bodyPr/>
           <a:lstStyle/>
           <a:p>
-            <a:fld id="{5BCAD085-E8A6-8845-BD4E-CB4CCA059FC4}" type="datetimeFigureOut">
+            <a:fld id="{241EB5C9-1307-BA42-ABA2-0BC069CD8E7F}" type="datetimeFigureOut">
               <a:rPr lang="en-US" smtClean="0"/>
-              <a:t>1/19/2026</a:t>
+              <a:t>1/2/22</a:t>
             </a:fld>
             <a:endParaRPr lang="en-US"/>
           </a:p>
@@ -1060,7 +1621,7 @@
       </p:sp>
       <p:sp>
         <p:nvSpPr>
-          <p:cNvPr id="5" name="Footer Placeholder 4"/>
+          <p:cNvPr id="10049" name="Footer Placeholder 4"/>
           <p:cNvSpPr>
             <a:spLocks noGrp="1"/>
           </p:cNvSpPr>
@@ -1079,7 +1640,7 @@
       </p:sp>
       <p:sp>
         <p:nvSpPr>
-          <p:cNvPr id="6" name="Slide Number Placeholder 5"/>
+          <p:cNvPr id="10050" name="Slide Number Placeholder 5"/>
           <p:cNvSpPr>
             <a:spLocks noGrp="1"/>
           </p:cNvSpPr>
@@ -1092,22 +1653,18 @@
           <a:bodyPr/>
           <a:lstStyle/>
           <a:p>
-            <a:r>
-              <a:rPr lang="en-US" sz="900">
-                <a:solidFill>
-                  <a:srgbClr val="808080"/>
-                </a:solidFill>
-                <a:latin typeface="Calibri"/>
-              </a:rPr>
-              <a:t>&lt;#&gt;</a:t>
-            </a:r>
+            <a:fld id="{C5EF2332-01BF-834F-8236-50238282D533}" type="slidenum">
+              <a:rPr lang="en-US" smtClean="0"/>
+              <a:t>‹#›</a:t>
+            </a:fld>
+            <a:endParaRPr lang="en-US"/>
           </a:p>
         </p:txBody>
       </p:sp>
     </p:spTree>
     <p:extLst>
       <p:ext uri="{BB962C8B-B14F-4D97-AF65-F5344CB8AC3E}">
-        <p14:creationId xmlns:p14="http://schemas.microsoft.com/office/powerpoint/2010/main" val="960648375"/>
+        <p14:creationId xmlns:p14="http://schemas.microsoft.com/office/powerpoint/2010/main" val="1073069076"/>
       </p:ext>
     </p:extLst>
   </p:cSld>
@@ -1136,202 +1693,151 @@
       </p:grpSpPr>
       <p:sp>
         <p:nvSpPr>
-          <p:cNvPr id="2" name="Title 1"/>
+          <p:cNvPr id="10051" name="Title 1"/>
           <p:cNvSpPr>
             <a:spLocks noGrp="1"/>
           </p:cNvSpPr>
           <p:nvPr>
             <p:ph type="title"/>
+          </p:nvPr>
+        </p:nvSpPr>
+        <p:spPr/>
+        <p:txBody>
+          <a:bodyPr/>
+          <a:lstStyle/>
+          <a:p>
+            <a:r>
+              <a:rPr lang="en-US" sz="2400" b="true">
+                <a:solidFill>
+                  <a:srgbClr val="003CD3"/>
+                </a:solidFill>
+                <a:latin typeface="Frutiger for ZKB Light"/>
+              </a:rPr>
+            </a:r>
+          </a:p>
+        </p:txBody>
+      </p:sp>
+      <p:sp>
+        <p:nvSpPr>
+          <p:cNvPr id="10052" name="Content Placeholder 2"/>
+          <p:cNvSpPr>
+            <a:spLocks noGrp="1"/>
+          </p:cNvSpPr>
+          <p:nvPr>
+            <p:ph sz="half" idx="1"/>
           </p:nvPr>
         </p:nvSpPr>
         <p:spPr>
           <a:xfrm>
-            <a:off x="1371600" y="548640"/>
-            <a:ext cx="9418320" cy="0"/>
+            <a:off x="304800" y="1879600"/>
+            <a:ext cx="4826000" cy="4749800"/>
           </a:xfrm>
         </p:spPr>
         <p:txBody>
           <a:bodyPr/>
-          <a:lstStyle/>
-          <a:p>
-            <a:pPr>
-              <a:defRPr sz="2800"/>
-            </a:pPr>
-            <a:endParaRPr lang="en-US" dirty="0"/>
-          </a:p>
-        </p:txBody>
-      </p:sp>
-      <p:sp>
-        <p:nvSpPr>
-          <p:cNvPr id="3" name="Content Placeholder 2"/>
-          <p:cNvSpPr>
-            <a:spLocks noGrp="1"/>
-          </p:cNvSpPr>
-          <p:nvPr>
-            <p:ph sz="half" idx="1"/>
+          <a:lstStyle>
+            <a:lvl1pPr>
+              <a:defRPr sz="2100"/>
+            </a:lvl1pPr>
+            <a:lvl2pPr>
+              <a:defRPr sz="1800"/>
+            </a:lvl2pPr>
+            <a:lvl3pPr>
+              <a:defRPr sz="1500"/>
+            </a:lvl3pPr>
+            <a:lvl4pPr>
+              <a:defRPr sz="1350"/>
+            </a:lvl4pPr>
+            <a:lvl5pPr>
+              <a:defRPr sz="1350"/>
+            </a:lvl5pPr>
+            <a:lvl6pPr>
+              <a:defRPr sz="1350"/>
+            </a:lvl6pPr>
+            <a:lvl7pPr>
+              <a:defRPr sz="1350"/>
+            </a:lvl7pPr>
+            <a:lvl8pPr>
+              <a:defRPr sz="1350"/>
+            </a:lvl8pPr>
+            <a:lvl9pPr>
+              <a:defRPr sz="1350"/>
+            </a:lvl9pPr>
+          </a:lstStyle>
+          <a:p>
+            <a:r>
+              <a:rPr lang="en-US" sz="1800" b="false">
+                <a:solidFill>
+                  <a:srgbClr val="000000"/>
+                </a:solidFill>
+                <a:latin typeface="Frutiger for ZKB Light"/>
+              </a:rPr>
+            </a:r>
+          </a:p>
+        </p:txBody>
+      </p:sp>
+      <p:sp>
+        <p:nvSpPr>
+          <p:cNvPr id="10053" name="Content Placeholder 3"/>
+          <p:cNvSpPr>
+            <a:spLocks noGrp="1"/>
+          </p:cNvSpPr>
+          <p:nvPr>
+            <p:ph sz="half" idx="2"/>
           </p:nvPr>
         </p:nvSpPr>
         <p:spPr>
           <a:xfrm>
-            <a:off x="457199" y="1600200"/>
-            <a:ext cx="5777345" cy="4525963"/>
+            <a:off x="5664200" y="1879600"/>
+            <a:ext cx="4826000" cy="4749800"/>
           </a:xfrm>
         </p:spPr>
         <p:txBody>
           <a:bodyPr/>
           <a:lstStyle>
             <a:lvl1pPr>
-              <a:defRPr sz="2800"/>
+              <a:defRPr sz="2100"/>
             </a:lvl1pPr>
             <a:lvl2pPr>
-              <a:defRPr sz="2400"/>
+              <a:defRPr sz="1800"/>
             </a:lvl2pPr>
             <a:lvl3pPr>
-              <a:defRPr sz="2000"/>
+              <a:defRPr sz="1500"/>
             </a:lvl3pPr>
             <a:lvl4pPr>
-              <a:defRPr sz="1800"/>
+              <a:defRPr sz="1350"/>
             </a:lvl4pPr>
             <a:lvl5pPr>
-              <a:defRPr sz="1800"/>
+              <a:defRPr sz="1350"/>
             </a:lvl5pPr>
             <a:lvl6pPr>
-              <a:defRPr sz="1800"/>
+              <a:defRPr sz="1350"/>
             </a:lvl6pPr>
             <a:lvl7pPr>
-              <a:defRPr sz="1800"/>
+              <a:defRPr sz="1350"/>
             </a:lvl7pPr>
             <a:lvl8pPr>
-              <a:defRPr sz="1800"/>
+              <a:defRPr sz="1350"/>
             </a:lvl8pPr>
             <a:lvl9pPr>
-              <a:defRPr sz="1800"/>
+              <a:defRPr sz="1350"/>
             </a:lvl9pPr>
           </a:lstStyle>
           <a:p>
-            <a:pPr lvl="0"/>
-            <a:r>
-              <a:rPr lang="en-US"/>
-              <a:t>Click to edit Master text styles</a:t>
-            </a:r>
-          </a:p>
-          <a:p>
-            <a:pPr lvl="1"/>
-            <a:r>
-              <a:rPr lang="en-US"/>
-              <a:t>Second level</a:t>
-            </a:r>
-          </a:p>
-          <a:p>
-            <a:pPr lvl="2"/>
-            <a:r>
-              <a:rPr lang="en-US"/>
-              <a:t>Third level</a:t>
-            </a:r>
-          </a:p>
-          <a:p>
-            <a:pPr lvl="3"/>
-            <a:r>
-              <a:rPr lang="en-US"/>
-              <a:t>Fourth level</a:t>
-            </a:r>
-          </a:p>
-          <a:p>
-            <a:pPr lvl="4"/>
-            <a:r>
-              <a:rPr lang="en-US"/>
-              <a:t>Fifth level</a:t>
-            </a:r>
-          </a:p>
-        </p:txBody>
-      </p:sp>
-      <p:sp>
-        <p:nvSpPr>
-          <p:cNvPr id="4" name="Content Placeholder 3"/>
-          <p:cNvSpPr>
-            <a:spLocks noGrp="1"/>
-          </p:cNvSpPr>
-          <p:nvPr>
-            <p:ph sz="half" idx="2"/>
-          </p:nvPr>
-        </p:nvSpPr>
-        <p:spPr>
-          <a:xfrm>
-            <a:off x="6411685" y="1549730"/>
-            <a:ext cx="5319939" cy="4576433"/>
-          </a:xfrm>
-        </p:spPr>
-        <p:txBody>
-          <a:bodyPr/>
-          <a:lstStyle>
-            <a:lvl1pPr>
-              <a:defRPr sz="2800"/>
-            </a:lvl1pPr>
-            <a:lvl2pPr>
-              <a:defRPr sz="2400"/>
-            </a:lvl2pPr>
-            <a:lvl3pPr>
-              <a:defRPr sz="2000"/>
-            </a:lvl3pPr>
-            <a:lvl4pPr>
-              <a:defRPr sz="1800"/>
-            </a:lvl4pPr>
-            <a:lvl5pPr>
-              <a:defRPr sz="1800"/>
-            </a:lvl5pPr>
-            <a:lvl6pPr>
-              <a:defRPr sz="1800"/>
-            </a:lvl6pPr>
-            <a:lvl7pPr>
-              <a:defRPr sz="1800"/>
-            </a:lvl7pPr>
-            <a:lvl8pPr>
-              <a:defRPr sz="1800"/>
-            </a:lvl8pPr>
-            <a:lvl9pPr>
-              <a:defRPr sz="1800"/>
-            </a:lvl9pPr>
-          </a:lstStyle>
-          <a:p>
-            <a:pPr lvl="0"/>
-            <a:r>
-              <a:rPr lang="en-US"/>
-              <a:t>Click to edit Master text styles</a:t>
-            </a:r>
-          </a:p>
-          <a:p>
-            <a:pPr lvl="1"/>
-            <a:r>
-              <a:rPr lang="en-US"/>
-              <a:t>Second level</a:t>
-            </a:r>
-          </a:p>
-          <a:p>
-            <a:pPr lvl="2"/>
-            <a:r>
-              <a:rPr lang="en-US"/>
-              <a:t>Third level</a:t>
-            </a:r>
-          </a:p>
-          <a:p>
-            <a:pPr lvl="3"/>
-            <a:r>
-              <a:rPr lang="en-US"/>
-              <a:t>Fourth level</a:t>
-            </a:r>
-          </a:p>
-          <a:p>
-            <a:pPr lvl="4"/>
-            <a:r>
-              <a:rPr lang="en-US"/>
-              <a:t>Fifth level</a:t>
-            </a:r>
-          </a:p>
-        </p:txBody>
-      </p:sp>
-      <p:sp>
-        <p:nvSpPr>
-          <p:cNvPr id="5" name="Date Placeholder 4"/>
+            <a:r>
+              <a:rPr lang="en-US" sz="1800" b="false">
+                <a:solidFill>
+                  <a:srgbClr val="000000"/>
+                </a:solidFill>
+                <a:latin typeface="Frutiger for ZKB Light"/>
+              </a:rPr>
+            </a:r>
+          </a:p>
+        </p:txBody>
+      </p:sp>
+      <p:sp>
+        <p:nvSpPr>
+          <p:cNvPr id="10054" name="Date Placeholder 4"/>
           <p:cNvSpPr>
             <a:spLocks noGrp="1"/>
           </p:cNvSpPr>
@@ -1344,9 +1850,9 @@
           <a:bodyPr/>
           <a:lstStyle/>
           <a:p>
-            <a:fld id="{5BCAD085-E8A6-8845-BD4E-CB4CCA059FC4}" type="datetimeFigureOut">
+            <a:fld id="{241EB5C9-1307-BA42-ABA2-0BC069CD8E7F}" type="datetimeFigureOut">
               <a:rPr lang="en-US" smtClean="0"/>
-              <a:t>1/19/2026</a:t>
+              <a:t>1/2/22</a:t>
             </a:fld>
             <a:endParaRPr lang="en-US"/>
           </a:p>
@@ -1354,7 +1860,7 @@
       </p:sp>
       <p:sp>
         <p:nvSpPr>
-          <p:cNvPr id="6" name="Footer Placeholder 5"/>
+          <p:cNvPr id="10055" name="Footer Placeholder 5"/>
           <p:cNvSpPr>
             <a:spLocks noGrp="1"/>
           </p:cNvSpPr>
@@ -1373,7 +1879,7 @@
       </p:sp>
       <p:sp>
         <p:nvSpPr>
-          <p:cNvPr id="7" name="Slide Number Placeholder 6"/>
+          <p:cNvPr id="10056" name="Slide Number Placeholder 6"/>
           <p:cNvSpPr>
             <a:spLocks noGrp="1"/>
           </p:cNvSpPr>
@@ -1387,13 +1893,12 @@
           <a:lstStyle/>
           <a:p>
             <a:r>
-              <a:rPr lang="en-US" sz="900">
+              <a:rPr lang="en-US" sz="900" b="false">
                 <a:solidFill>
-                  <a:srgbClr val="808080"/>
+                  <a:srgbClr val="003CD3"/>
                 </a:solidFill>
-                <a:latin typeface="Calibri"/>
+                <a:latin typeface="Frutiger for ZKB Light"/>
               </a:rPr>
-              <a:t>&lt;#&gt;</a:t>
             </a:r>
           </a:p>
         </p:txBody>
@@ -1401,7 +1906,7 @@
     </p:spTree>
     <p:extLst>
       <p:ext uri="{BB962C8B-B14F-4D97-AF65-F5344CB8AC3E}">
-        <p14:creationId xmlns:p14="http://schemas.microsoft.com/office/powerpoint/2010/main" val="2782244947"/>
+        <p14:creationId xmlns:p14="http://schemas.microsoft.com/office/powerpoint/2010/main" val="2619886245"/>
       </p:ext>
     </p:extLst>
   </p:cSld>
@@ -1430,7 +1935,7 @@
       </p:grpSpPr>
       <p:sp>
         <p:nvSpPr>
-          <p:cNvPr id="2" name="Title 1"/>
+          <p:cNvPr id="10021" name="Title 1"/>
           <p:cNvSpPr>
             <a:spLocks noGrp="1"/>
           </p:cNvSpPr>
@@ -1438,12 +1943,7 @@
             <p:ph type="title"/>
           </p:nvPr>
         </p:nvSpPr>
-        <p:spPr>
-          <a:xfrm>
-            <a:off x="1371600" y="548640"/>
-            <a:ext cx="9418320" cy="0"/>
-          </a:xfrm>
-        </p:spPr>
+        <p:spPr/>
         <p:txBody>
           <a:bodyPr/>
           <a:lstStyle>
@@ -1452,16 +1952,16 @@
             </a:lvl1pPr>
           </a:lstStyle>
           <a:p>
-            <a:pPr>
-              <a:defRPr sz="2800"/>
-            </a:pPr>
-            <a:endParaRPr lang="en-US"/>
-          </a:p>
-        </p:txBody>
-      </p:sp>
-      <p:sp>
-        <p:nvSpPr>
-          <p:cNvPr id="3" name="Text Placeholder 2"/>
+            <a:r>
+              <a:rPr lang="en-US"/>
+              <a:t>Click to edit Master title style</a:t>
+            </a:r>
+          </a:p>
+        </p:txBody>
+      </p:sp>
+      <p:sp>
+        <p:nvSpPr>
+          <p:cNvPr id="10022" name="Text Placeholder 2"/>
           <p:cNvSpPr>
             <a:spLocks noGrp="1"/>
           </p:cNvSpPr>
@@ -1471,61 +1971,62 @@
         </p:nvSpPr>
         <p:spPr>
           <a:xfrm>
-            <a:off x="1371600" y="1645920"/>
-            <a:ext cx="9418320" cy="4389120"/>
+            <a:off x="457200" y="1151335"/>
+            <a:ext cx="4040188" cy="479822"/>
           </a:xfrm>
         </p:spPr>
         <p:txBody>
-          <a:bodyPr wrap="square" anchor="b"/>
+          <a:bodyPr anchor="b"/>
           <a:lstStyle>
             <a:lvl1pPr marL="0" indent="0">
               <a:buNone/>
-              <a:defRPr sz="2400" b="1"/>
+              <a:defRPr sz="1800" b="1"/>
             </a:lvl1pPr>
-            <a:lvl2pPr marL="457200" indent="0">
-              <a:buNone/>
-              <a:defRPr sz="2000" b="1"/>
+            <a:lvl2pPr marL="342900" indent="0">
+              <a:buNone/>
+              <a:defRPr sz="1500" b="1"/>
             </a:lvl2pPr>
-            <a:lvl3pPr marL="914400" indent="0">
-              <a:buNone/>
-              <a:defRPr sz="1800" b="1"/>
+            <a:lvl3pPr marL="685800" indent="0">
+              <a:buNone/>
+              <a:defRPr sz="1350" b="1"/>
             </a:lvl3pPr>
-            <a:lvl4pPr marL="1371600" indent="0">
-              <a:buNone/>
-              <a:defRPr sz="1600" b="1"/>
+            <a:lvl4pPr marL="1028700" indent="0">
+              <a:buNone/>
+              <a:defRPr sz="1200" b="1"/>
             </a:lvl4pPr>
-            <a:lvl5pPr marL="1828800" indent="0">
-              <a:buNone/>
-              <a:defRPr sz="1600" b="1"/>
+            <a:lvl5pPr marL="1371600" indent="0">
+              <a:buNone/>
+              <a:defRPr sz="1200" b="1"/>
             </a:lvl5pPr>
-            <a:lvl6pPr marL="2286000" indent="0">
-              <a:buNone/>
-              <a:defRPr sz="1600" b="1"/>
+            <a:lvl6pPr marL="1714500" indent="0">
+              <a:buNone/>
+              <a:defRPr sz="1200" b="1"/>
             </a:lvl6pPr>
-            <a:lvl7pPr marL="2743200" indent="0">
-              <a:buNone/>
-              <a:defRPr sz="1600" b="1"/>
+            <a:lvl7pPr marL="2057400" indent="0">
+              <a:buNone/>
+              <a:defRPr sz="1200" b="1"/>
             </a:lvl7pPr>
-            <a:lvl8pPr marL="3200400" indent="0">
-              <a:buNone/>
-              <a:defRPr sz="1600" b="1"/>
+            <a:lvl8pPr marL="2400300" indent="0">
+              <a:buNone/>
+              <a:defRPr sz="1200" b="1"/>
             </a:lvl8pPr>
-            <a:lvl9pPr marL="3657600" indent="0">
-              <a:buNone/>
-              <a:defRPr sz="1600" b="1"/>
+            <a:lvl9pPr marL="2743200" indent="0">
+              <a:buNone/>
+              <a:defRPr sz="1200" b="1"/>
             </a:lvl9pPr>
           </a:lstStyle>
           <a:p>
-            <a:pPr lvl="0">
-              <a:defRPr sz="1800"/>
-            </a:pPr>
-            <a:endParaRPr/>
-          </a:p>
-        </p:txBody>
-      </p:sp>
-      <p:sp>
-        <p:nvSpPr>
-          <p:cNvPr id="4" name="Content Placeholder 3"/>
+            <a:pPr lvl="0"/>
+            <a:r>
+              <a:rPr lang="en-US"/>
+              <a:t>Click to edit Master text styles</a:t>
+            </a:r>
+          </a:p>
+        </p:txBody>
+      </p:sp>
+      <p:sp>
+        <p:nvSpPr>
+          <p:cNvPr id="10023" name="Content Placeholder 3"/>
           <p:cNvSpPr>
             <a:spLocks noGrp="1"/>
           </p:cNvSpPr>
@@ -1535,39 +2036,39 @@
         </p:nvSpPr>
         <p:spPr>
           <a:xfrm>
-            <a:off x="457199" y="2174875"/>
-            <a:ext cx="5741719" cy="3951288"/>
+            <a:off x="457200" y="1631156"/>
+            <a:ext cx="4040188" cy="2963466"/>
           </a:xfrm>
         </p:spPr>
         <p:txBody>
           <a:bodyPr/>
           <a:lstStyle>
             <a:lvl1pPr>
-              <a:defRPr sz="2400"/>
+              <a:defRPr sz="1800"/>
             </a:lvl1pPr>
             <a:lvl2pPr>
-              <a:defRPr sz="2000"/>
+              <a:defRPr sz="1500"/>
             </a:lvl2pPr>
             <a:lvl3pPr>
-              <a:defRPr sz="1800"/>
+              <a:defRPr sz="1350"/>
             </a:lvl3pPr>
             <a:lvl4pPr>
-              <a:defRPr sz="1600"/>
+              <a:defRPr sz="1200"/>
             </a:lvl4pPr>
             <a:lvl5pPr>
-              <a:defRPr sz="1600"/>
+              <a:defRPr sz="1200"/>
             </a:lvl5pPr>
             <a:lvl6pPr>
-              <a:defRPr sz="1600"/>
+              <a:defRPr sz="1200"/>
             </a:lvl6pPr>
             <a:lvl7pPr>
-              <a:defRPr sz="1600"/>
+              <a:defRPr sz="1200"/>
             </a:lvl7pPr>
             <a:lvl8pPr>
-              <a:defRPr sz="1600"/>
+              <a:defRPr sz="1200"/>
             </a:lvl8pPr>
             <a:lvl9pPr>
-              <a:defRPr sz="1600"/>
+              <a:defRPr sz="1200"/>
             </a:lvl9pPr>
           </a:lstStyle>
           <a:p>
@@ -1609,7 +2110,7 @@
       </p:sp>
       <p:sp>
         <p:nvSpPr>
-          <p:cNvPr id="5" name="Text Placeholder 4"/>
+          <p:cNvPr id="10024" name="Text Placeholder 4"/>
           <p:cNvSpPr>
             <a:spLocks noGrp="1"/>
           </p:cNvSpPr>
@@ -1619,61 +2120,62 @@
         </p:nvSpPr>
         <p:spPr>
           <a:xfrm>
-            <a:off x="1371600" y="1645920"/>
-            <a:ext cx="9418320" cy="4389120"/>
+            <a:off x="4645026" y="1151335"/>
+            <a:ext cx="4041775" cy="479822"/>
           </a:xfrm>
         </p:spPr>
         <p:txBody>
-          <a:bodyPr wrap="square" anchor="b"/>
+          <a:bodyPr anchor="b"/>
           <a:lstStyle>
             <a:lvl1pPr marL="0" indent="0">
               <a:buNone/>
-              <a:defRPr sz="2400" b="1"/>
+              <a:defRPr sz="1800" b="1"/>
             </a:lvl1pPr>
-            <a:lvl2pPr marL="457200" indent="0">
-              <a:buNone/>
-              <a:defRPr sz="2000" b="1"/>
+            <a:lvl2pPr marL="342900" indent="0">
+              <a:buNone/>
+              <a:defRPr sz="1500" b="1"/>
             </a:lvl2pPr>
-            <a:lvl3pPr marL="914400" indent="0">
-              <a:buNone/>
-              <a:defRPr sz="1800" b="1"/>
+            <a:lvl3pPr marL="685800" indent="0">
+              <a:buNone/>
+              <a:defRPr sz="1350" b="1"/>
             </a:lvl3pPr>
-            <a:lvl4pPr marL="1371600" indent="0">
-              <a:buNone/>
-              <a:defRPr sz="1600" b="1"/>
+            <a:lvl4pPr marL="1028700" indent="0">
+              <a:buNone/>
+              <a:defRPr sz="1200" b="1"/>
             </a:lvl4pPr>
-            <a:lvl5pPr marL="1828800" indent="0">
-              <a:buNone/>
-              <a:defRPr sz="1600" b="1"/>
+            <a:lvl5pPr marL="1371600" indent="0">
+              <a:buNone/>
+              <a:defRPr sz="1200" b="1"/>
             </a:lvl5pPr>
-            <a:lvl6pPr marL="2286000" indent="0">
-              <a:buNone/>
-              <a:defRPr sz="1600" b="1"/>
+            <a:lvl6pPr marL="1714500" indent="0">
+              <a:buNone/>
+              <a:defRPr sz="1200" b="1"/>
             </a:lvl6pPr>
-            <a:lvl7pPr marL="2743200" indent="0">
-              <a:buNone/>
-              <a:defRPr sz="1600" b="1"/>
+            <a:lvl7pPr marL="2057400" indent="0">
+              <a:buNone/>
+              <a:defRPr sz="1200" b="1"/>
             </a:lvl7pPr>
-            <a:lvl8pPr marL="3200400" indent="0">
-              <a:buNone/>
-              <a:defRPr sz="1600" b="1"/>
+            <a:lvl8pPr marL="2400300" indent="0">
+              <a:buNone/>
+              <a:defRPr sz="1200" b="1"/>
             </a:lvl8pPr>
-            <a:lvl9pPr marL="3657600" indent="0">
-              <a:buNone/>
-              <a:defRPr sz="1600" b="1"/>
+            <a:lvl9pPr marL="2743200" indent="0">
+              <a:buNone/>
+              <a:defRPr sz="1200" b="1"/>
             </a:lvl9pPr>
           </a:lstStyle>
           <a:p>
-            <a:pPr lvl="0">
-              <a:defRPr sz="1800"/>
-            </a:pPr>
-            <a:endParaRPr dirty="0"/>
-          </a:p>
-        </p:txBody>
-      </p:sp>
-      <p:sp>
-        <p:nvSpPr>
-          <p:cNvPr id="6" name="Content Placeholder 5"/>
+            <a:pPr lvl="0"/>
+            <a:r>
+              <a:rPr lang="en-US"/>
+              <a:t>Click to edit Master text styles</a:t>
+            </a:r>
+          </a:p>
+        </p:txBody>
+      </p:sp>
+      <p:sp>
+        <p:nvSpPr>
+          <p:cNvPr id="10025" name="Content Placeholder 5"/>
           <p:cNvSpPr>
             <a:spLocks noGrp="1"/>
           </p:cNvSpPr>
@@ -1683,39 +2185,39 @@
         </p:nvSpPr>
         <p:spPr>
           <a:xfrm>
-            <a:off x="6450075" y="2174875"/>
-            <a:ext cx="5110554" cy="3951288"/>
+            <a:off x="4645026" y="1631156"/>
+            <a:ext cx="4041775" cy="2963466"/>
           </a:xfrm>
         </p:spPr>
         <p:txBody>
           <a:bodyPr/>
           <a:lstStyle>
             <a:lvl1pPr>
-              <a:defRPr sz="2400"/>
+              <a:defRPr sz="1800"/>
             </a:lvl1pPr>
             <a:lvl2pPr>
-              <a:defRPr sz="2000"/>
+              <a:defRPr sz="1500"/>
             </a:lvl2pPr>
             <a:lvl3pPr>
-              <a:defRPr sz="1800"/>
+              <a:defRPr sz="1350"/>
             </a:lvl3pPr>
             <a:lvl4pPr>
-              <a:defRPr sz="1600"/>
+              <a:defRPr sz="1200"/>
             </a:lvl4pPr>
             <a:lvl5pPr>
-              <a:defRPr sz="1600"/>
+              <a:defRPr sz="1200"/>
             </a:lvl5pPr>
             <a:lvl6pPr>
-              <a:defRPr sz="1600"/>
+              <a:defRPr sz="1200"/>
             </a:lvl6pPr>
             <a:lvl7pPr>
-              <a:defRPr sz="1600"/>
+              <a:defRPr sz="1200"/>
             </a:lvl7pPr>
             <a:lvl8pPr>
-              <a:defRPr sz="1600"/>
+              <a:defRPr sz="1200"/>
             </a:lvl8pPr>
             <a:lvl9pPr>
-              <a:defRPr sz="1600"/>
+              <a:defRPr sz="1200"/>
             </a:lvl9pPr>
           </a:lstStyle>
           <a:p>
@@ -1757,7 +2259,7 @@
       </p:sp>
       <p:sp>
         <p:nvSpPr>
-          <p:cNvPr id="7" name="Date Placeholder 6"/>
+          <p:cNvPr id="10026" name="Date Placeholder 6"/>
           <p:cNvSpPr>
             <a:spLocks noGrp="1"/>
           </p:cNvSpPr>
@@ -1770,9 +2272,9 @@
           <a:bodyPr/>
           <a:lstStyle/>
           <a:p>
-            <a:fld id="{5BCAD085-E8A6-8845-BD4E-CB4CCA059FC4}" type="datetimeFigureOut">
+            <a:fld id="{241EB5C9-1307-BA42-ABA2-0BC069CD8E7F}" type="datetimeFigureOut">
               <a:rPr lang="en-US" smtClean="0"/>
-              <a:t>1/19/2026</a:t>
+              <a:t>1/2/22</a:t>
             </a:fld>
             <a:endParaRPr lang="en-US"/>
           </a:p>
@@ -1780,7 +2282,7 @@
       </p:sp>
       <p:sp>
         <p:nvSpPr>
-          <p:cNvPr id="8" name="Footer Placeholder 7"/>
+          <p:cNvPr id="10027" name="Footer Placeholder 7"/>
           <p:cNvSpPr>
             <a:spLocks noGrp="1"/>
           </p:cNvSpPr>
@@ -1799,7 +2301,7 @@
       </p:sp>
       <p:sp>
         <p:nvSpPr>
-          <p:cNvPr id="9" name="Slide Number Placeholder 8"/>
+          <p:cNvPr id="10028" name="Slide Number Placeholder 8"/>
           <p:cNvSpPr>
             <a:spLocks noGrp="1"/>
           </p:cNvSpPr>
@@ -1812,22 +2314,18 @@
           <a:bodyPr/>
           <a:lstStyle/>
           <a:p>
-            <a:r>
-              <a:rPr lang="en-US" sz="900">
-                <a:solidFill>
-                  <a:srgbClr val="808080"/>
-                </a:solidFill>
-                <a:latin typeface="Calibri"/>
-              </a:rPr>
-              <a:t>&lt;#&gt;</a:t>
-            </a:r>
+            <a:fld id="{C5EF2332-01BF-834F-8236-50238282D533}" type="slidenum">
+              <a:rPr lang="en-US" smtClean="0"/>
+              <a:t>‹#›</a:t>
+            </a:fld>
+            <a:endParaRPr lang="en-US"/>
           </a:p>
         </p:txBody>
       </p:sp>
     </p:spTree>
     <p:extLst>
       <p:ext uri="{BB962C8B-B14F-4D97-AF65-F5344CB8AC3E}">
-        <p14:creationId xmlns:p14="http://schemas.microsoft.com/office/powerpoint/2010/main" val="990158736"/>
+        <p14:creationId xmlns:p14="http://schemas.microsoft.com/office/powerpoint/2010/main" val="2535793967"/>
       </p:ext>
     </p:extLst>
   </p:cSld>
@@ -1856,7 +2354,7 @@
       </p:grpSpPr>
       <p:sp>
         <p:nvSpPr>
-          <p:cNvPr id="2" name="Title 1"/>
+          <p:cNvPr id="10042" name="Title 1"/>
           <p:cNvSpPr>
             <a:spLocks noGrp="1"/>
           </p:cNvSpPr>
@@ -1864,26 +2362,21 @@
             <p:ph type="title"/>
           </p:nvPr>
         </p:nvSpPr>
-        <p:spPr>
-          <a:xfrm>
-            <a:off x="1371600" y="548640"/>
-            <a:ext cx="9418320" cy="0"/>
-          </a:xfrm>
-        </p:spPr>
-        <p:txBody>
-          <a:bodyPr/>
-          <a:lstStyle/>
-          <a:p>
-            <a:pPr>
-              <a:defRPr sz="2800"/>
-            </a:pPr>
-            <a:endParaRPr lang="en-US"/>
-          </a:p>
-        </p:txBody>
-      </p:sp>
-      <p:sp>
-        <p:nvSpPr>
-          <p:cNvPr id="3" name="Date Placeholder 2"/>
+        <p:spPr/>
+        <p:txBody>
+          <a:bodyPr/>
+          <a:lstStyle/>
+          <a:p>
+            <a:r>
+              <a:rPr lang="en-US"/>
+              <a:t>Click to edit Master title style</a:t>
+            </a:r>
+          </a:p>
+        </p:txBody>
+      </p:sp>
+      <p:sp>
+        <p:nvSpPr>
+          <p:cNvPr id="10043" name="Date Placeholder 2"/>
           <p:cNvSpPr>
             <a:spLocks noGrp="1"/>
           </p:cNvSpPr>
@@ -1896,9 +2389,9 @@
           <a:bodyPr/>
           <a:lstStyle/>
           <a:p>
-            <a:fld id="{5BCAD085-E8A6-8845-BD4E-CB4CCA059FC4}" type="datetimeFigureOut">
+            <a:fld id="{241EB5C9-1307-BA42-ABA2-0BC069CD8E7F}" type="datetimeFigureOut">
               <a:rPr lang="en-US" smtClean="0"/>
-              <a:t>1/19/2026</a:t>
+              <a:t>1/2/22</a:t>
             </a:fld>
             <a:endParaRPr lang="en-US"/>
           </a:p>
@@ -1906,7 +2399,7 @@
       </p:sp>
       <p:sp>
         <p:nvSpPr>
-          <p:cNvPr id="4" name="Footer Placeholder 3"/>
+          <p:cNvPr id="10044" name="Footer Placeholder 3"/>
           <p:cNvSpPr>
             <a:spLocks noGrp="1"/>
           </p:cNvSpPr>
@@ -1925,7 +2418,7 @@
       </p:sp>
       <p:sp>
         <p:nvSpPr>
-          <p:cNvPr id="5" name="Slide Number Placeholder 4"/>
+          <p:cNvPr id="10045" name="Slide Number Placeholder 4"/>
           <p:cNvSpPr>
             <a:spLocks noGrp="1"/>
           </p:cNvSpPr>
@@ -1933,32 +2426,23 @@
             <p:ph type="sldNum" sz="quarter" idx="12"/>
           </p:nvPr>
         </p:nvSpPr>
-        <p:spPr>
-          <a:xfrm>
-            <a:off x="9723120" y="6267285"/>
-            <a:ext cx="2133600" cy="365125"/>
-          </a:xfrm>
-        </p:spPr>
-        <p:txBody>
-          <a:bodyPr/>
-          <a:lstStyle/>
-          <a:p>
-            <a:r>
-              <a:rPr lang="en-US" sz="900">
-                <a:solidFill>
-                  <a:srgbClr val="808080"/>
-                </a:solidFill>
-                <a:latin typeface="Calibri"/>
-              </a:rPr>
-              <a:t>&lt;#&gt;</a:t>
-            </a:r>
+        <p:spPr/>
+        <p:txBody>
+          <a:bodyPr/>
+          <a:lstStyle/>
+          <a:p>
+            <a:fld id="{C5EF2332-01BF-834F-8236-50238282D533}" type="slidenum">
+              <a:rPr lang="en-US" smtClean="0"/>
+              <a:t>‹#›</a:t>
+            </a:fld>
+            <a:endParaRPr lang="en-US"/>
           </a:p>
         </p:txBody>
       </p:sp>
     </p:spTree>
     <p:extLst>
       <p:ext uri="{BB962C8B-B14F-4D97-AF65-F5344CB8AC3E}">
-        <p14:creationId xmlns:p14="http://schemas.microsoft.com/office/powerpoint/2010/main" val="727027711"/>
+        <p14:creationId xmlns:p14="http://schemas.microsoft.com/office/powerpoint/2010/main" val="3472721253"/>
       </p:ext>
     </p:extLst>
   </p:cSld>
@@ -1987,7 +2471,7 @@
       </p:grpSpPr>
       <p:sp>
         <p:nvSpPr>
-          <p:cNvPr id="2" name="Date Placeholder 1"/>
+          <p:cNvPr id="10029" name="Date Placeholder 1"/>
           <p:cNvSpPr>
             <a:spLocks noGrp="1"/>
           </p:cNvSpPr>
@@ -2000,9 +2484,9 @@
           <a:bodyPr/>
           <a:lstStyle/>
           <a:p>
-            <a:fld id="{5BCAD085-E8A6-8845-BD4E-CB4CCA059FC4}" type="datetimeFigureOut">
+            <a:fld id="{241EB5C9-1307-BA42-ABA2-0BC069CD8E7F}" type="datetimeFigureOut">
               <a:rPr lang="en-US" smtClean="0"/>
-              <a:t>1/19/2026</a:t>
+              <a:t>1/2/22</a:t>
             </a:fld>
             <a:endParaRPr lang="en-US"/>
           </a:p>
@@ -2010,7 +2494,7 @@
       </p:sp>
       <p:sp>
         <p:nvSpPr>
-          <p:cNvPr id="3" name="Footer Placeholder 2"/>
+          <p:cNvPr id="10030" name="Footer Placeholder 2"/>
           <p:cNvSpPr>
             <a:spLocks noGrp="1"/>
           </p:cNvSpPr>
@@ -2029,7 +2513,7 @@
       </p:sp>
       <p:sp>
         <p:nvSpPr>
-          <p:cNvPr id="4" name="Slide Number Placeholder 3"/>
+          <p:cNvPr id="10031" name="Slide Number Placeholder 3"/>
           <p:cNvSpPr>
             <a:spLocks noGrp="1"/>
           </p:cNvSpPr>
@@ -2037,32 +2521,23 @@
             <p:ph type="sldNum" sz="quarter" idx="12"/>
           </p:nvPr>
         </p:nvSpPr>
-        <p:spPr>
-          <a:xfrm>
-            <a:off x="9860478" y="6353464"/>
-            <a:ext cx="2133600" cy="365125"/>
-          </a:xfrm>
-        </p:spPr>
-        <p:txBody>
-          <a:bodyPr/>
-          <a:lstStyle/>
-          <a:p>
-            <a:r>
-              <a:rPr lang="en-US" sz="900">
-                <a:solidFill>
-                  <a:srgbClr val="808080"/>
-                </a:solidFill>
-                <a:latin typeface="Calibri"/>
-              </a:rPr>
-              <a:t>&lt;#&gt;</a:t>
-            </a:r>
+        <p:spPr/>
+        <p:txBody>
+          <a:bodyPr/>
+          <a:lstStyle/>
+          <a:p>
+            <a:fld id="{C5EF2332-01BF-834F-8236-50238282D533}" type="slidenum">
+              <a:rPr lang="en-US" smtClean="0"/>
+              <a:t>‹#›</a:t>
+            </a:fld>
+            <a:endParaRPr lang="en-US"/>
           </a:p>
         </p:txBody>
       </p:sp>
     </p:spTree>
     <p:extLst>
       <p:ext uri="{BB962C8B-B14F-4D97-AF65-F5344CB8AC3E}">
-        <p14:creationId xmlns:p14="http://schemas.microsoft.com/office/powerpoint/2010/main" val="1212999818"/>
+        <p14:creationId xmlns:p14="http://schemas.microsoft.com/office/powerpoint/2010/main" val="2130901097"/>
       </p:ext>
     </p:extLst>
   </p:cSld>
@@ -2091,7 +2566,7 @@
       </p:grpSpPr>
       <p:sp>
         <p:nvSpPr>
-          <p:cNvPr id="2" name="Title 1"/>
+          <p:cNvPr id="10057" name="Title 1"/>
           <p:cNvSpPr>
             <a:spLocks noGrp="1"/>
           </p:cNvSpPr>
@@ -2101,28 +2576,28 @@
         </p:nvSpPr>
         <p:spPr>
           <a:xfrm>
-            <a:off x="1371600" y="548640"/>
-            <a:ext cx="9418320" cy="1162050"/>
+            <a:off x="457201" y="204787"/>
+            <a:ext cx="3008313" cy="871538"/>
           </a:xfrm>
         </p:spPr>
         <p:txBody>
           <a:bodyPr anchor="b"/>
           <a:lstStyle>
             <a:lvl1pPr algn="l">
-              <a:defRPr sz="2000" b="1"/>
+              <a:defRPr sz="1500" b="1"/>
             </a:lvl1pPr>
           </a:lstStyle>
           <a:p>
-            <a:pPr>
-              <a:defRPr sz="2800"/>
-            </a:pPr>
-            <a:endParaRPr lang="en-US"/>
-          </a:p>
-        </p:txBody>
-      </p:sp>
-      <p:sp>
-        <p:nvSpPr>
-          <p:cNvPr id="3" name="Content Placeholder 2"/>
+            <a:r>
+              <a:rPr lang="en-US"/>
+              <a:t>Click to edit Master title style</a:t>
+            </a:r>
+          </a:p>
+        </p:txBody>
+      </p:sp>
+      <p:sp>
+        <p:nvSpPr>
+          <p:cNvPr id="10058" name="Content Placeholder 2"/>
           <p:cNvSpPr>
             <a:spLocks noGrp="1"/>
           </p:cNvSpPr>
@@ -2132,39 +2607,39 @@
         </p:nvSpPr>
         <p:spPr>
           <a:xfrm>
-            <a:off x="3575050" y="273050"/>
-            <a:ext cx="5111750" cy="5853113"/>
+            <a:off x="3575050" y="204788"/>
+            <a:ext cx="5111750" cy="4389835"/>
           </a:xfrm>
         </p:spPr>
         <p:txBody>
           <a:bodyPr/>
           <a:lstStyle>
             <a:lvl1pPr>
-              <a:defRPr sz="3200"/>
+              <a:defRPr sz="2400"/>
             </a:lvl1pPr>
             <a:lvl2pPr>
-              <a:defRPr sz="2800"/>
+              <a:defRPr sz="2100"/>
             </a:lvl2pPr>
             <a:lvl3pPr>
-              <a:defRPr sz="2400"/>
+              <a:defRPr sz="1800"/>
             </a:lvl3pPr>
             <a:lvl4pPr>
-              <a:defRPr sz="2000"/>
+              <a:defRPr sz="1500"/>
             </a:lvl4pPr>
             <a:lvl5pPr>
-              <a:defRPr sz="2000"/>
+              <a:defRPr sz="1500"/>
             </a:lvl5pPr>
             <a:lvl6pPr>
-              <a:defRPr sz="2000"/>
+              <a:defRPr sz="1500"/>
             </a:lvl6pPr>
             <a:lvl7pPr>
-              <a:defRPr sz="2000"/>
+              <a:defRPr sz="1500"/>
             </a:lvl7pPr>
             <a:lvl8pPr>
-              <a:defRPr sz="2000"/>
+              <a:defRPr sz="1500"/>
             </a:lvl8pPr>
             <a:lvl9pPr>
-              <a:defRPr sz="2000"/>
+              <a:defRPr sz="1500"/>
             </a:lvl9pPr>
           </a:lstStyle>
           <a:p>
@@ -2206,7 +2681,7 @@
       </p:sp>
       <p:sp>
         <p:nvSpPr>
-          <p:cNvPr id="4" name="Text Placeholder 3"/>
+          <p:cNvPr id="10059" name="Text Placeholder 3"/>
           <p:cNvSpPr>
             <a:spLocks noGrp="1"/>
           </p:cNvSpPr>
@@ -2216,61 +2691,62 @@
         </p:nvSpPr>
         <p:spPr>
           <a:xfrm>
-            <a:off x="1371600" y="1645920"/>
-            <a:ext cx="9418320" cy="4389120"/>
+            <a:off x="457201" y="1076326"/>
+            <a:ext cx="3008313" cy="3518297"/>
           </a:xfrm>
         </p:spPr>
         <p:txBody>
-          <a:bodyPr wrap="square"/>
+          <a:bodyPr/>
           <a:lstStyle>
             <a:lvl1pPr marL="0" indent="0">
               <a:buNone/>
-              <a:defRPr sz="1400"/>
+              <a:defRPr sz="1050"/>
             </a:lvl1pPr>
-            <a:lvl2pPr marL="457200" indent="0">
-              <a:buNone/>
-              <a:defRPr sz="1200"/>
+            <a:lvl2pPr marL="342900" indent="0">
+              <a:buNone/>
+              <a:defRPr sz="900"/>
             </a:lvl2pPr>
-            <a:lvl3pPr marL="914400" indent="0">
-              <a:buNone/>
-              <a:defRPr sz="1000"/>
+            <a:lvl3pPr marL="685800" indent="0">
+              <a:buNone/>
+              <a:defRPr sz="750"/>
             </a:lvl3pPr>
-            <a:lvl4pPr marL="1371600" indent="0">
-              <a:buNone/>
-              <a:defRPr sz="900"/>
+            <a:lvl4pPr marL="1028700" indent="0">
+              <a:buNone/>
+              <a:defRPr sz="675"/>
             </a:lvl4pPr>
-            <a:lvl5pPr marL="1828800" indent="0">
-              <a:buNone/>
-              <a:defRPr sz="900"/>
+            <a:lvl5pPr marL="1371600" indent="0">
+              <a:buNone/>
+              <a:defRPr sz="675"/>
             </a:lvl5pPr>
-            <a:lvl6pPr marL="2286000" indent="0">
-              <a:buNone/>
-              <a:defRPr sz="900"/>
+            <a:lvl6pPr marL="1714500" indent="0">
+              <a:buNone/>
+              <a:defRPr sz="675"/>
             </a:lvl6pPr>
-            <a:lvl7pPr marL="2743200" indent="0">
-              <a:buNone/>
-              <a:defRPr sz="900"/>
+            <a:lvl7pPr marL="2057400" indent="0">
+              <a:buNone/>
+              <a:defRPr sz="675"/>
             </a:lvl7pPr>
-            <a:lvl8pPr marL="3200400" indent="0">
-              <a:buNone/>
-              <a:defRPr sz="900"/>
+            <a:lvl8pPr marL="2400300" indent="0">
+              <a:buNone/>
+              <a:defRPr sz="675"/>
             </a:lvl8pPr>
-            <a:lvl9pPr marL="3657600" indent="0">
-              <a:buNone/>
-              <a:defRPr sz="900"/>
+            <a:lvl9pPr marL="2743200" indent="0">
+              <a:buNone/>
+              <a:defRPr sz="675"/>
             </a:lvl9pPr>
           </a:lstStyle>
           <a:p>
-            <a:pPr lvl="0">
-              <a:defRPr sz="1800"/>
-            </a:pPr>
-            <a:endParaRPr/>
-          </a:p>
-        </p:txBody>
-      </p:sp>
-      <p:sp>
-        <p:nvSpPr>
-          <p:cNvPr id="5" name="Date Placeholder 4"/>
+            <a:pPr lvl="0"/>
+            <a:r>
+              <a:rPr lang="en-US"/>
+              <a:t>Click to edit Master text styles</a:t>
+            </a:r>
+          </a:p>
+        </p:txBody>
+      </p:sp>
+      <p:sp>
+        <p:nvSpPr>
+          <p:cNvPr id="10060" name="Date Placeholder 4"/>
           <p:cNvSpPr>
             <a:spLocks noGrp="1"/>
           </p:cNvSpPr>
@@ -2283,9 +2759,9 @@
           <a:bodyPr/>
           <a:lstStyle/>
           <a:p>
-            <a:fld id="{5BCAD085-E8A6-8845-BD4E-CB4CCA059FC4}" type="datetimeFigureOut">
+            <a:fld id="{241EB5C9-1307-BA42-ABA2-0BC069CD8E7F}" type="datetimeFigureOut">
               <a:rPr lang="en-US" smtClean="0"/>
-              <a:t>1/19/2026</a:t>
+              <a:t>1/2/22</a:t>
             </a:fld>
             <a:endParaRPr lang="en-US"/>
           </a:p>
@@ -2293,7 +2769,7 @@
       </p:sp>
       <p:sp>
         <p:nvSpPr>
-          <p:cNvPr id="6" name="Footer Placeholder 5"/>
+          <p:cNvPr id="10061" name="Footer Placeholder 5"/>
           <p:cNvSpPr>
             <a:spLocks noGrp="1"/>
           </p:cNvSpPr>
@@ -2312,7 +2788,7 @@
       </p:sp>
       <p:sp>
         <p:nvSpPr>
-          <p:cNvPr id="7" name="Slide Number Placeholder 6"/>
+          <p:cNvPr id="10062" name="Slide Number Placeholder 6"/>
           <p:cNvSpPr>
             <a:spLocks noGrp="1"/>
           </p:cNvSpPr>
@@ -2325,22 +2801,18 @@
           <a:bodyPr/>
           <a:lstStyle/>
           <a:p>
-            <a:r>
-              <a:rPr lang="en-US" sz="900">
-                <a:solidFill>
-                  <a:srgbClr val="808080"/>
-                </a:solidFill>
-                <a:latin typeface="Calibri"/>
-              </a:rPr>
-              <a:t>&lt;#&gt;</a:t>
-            </a:r>
+            <a:fld id="{C5EF2332-01BF-834F-8236-50238282D533}" type="slidenum">
+              <a:rPr lang="en-US" smtClean="0"/>
+              <a:t>‹#›</a:t>
+            </a:fld>
+            <a:endParaRPr lang="en-US"/>
           </a:p>
         </p:txBody>
       </p:sp>
     </p:spTree>
     <p:extLst>
       <p:ext uri="{BB962C8B-B14F-4D97-AF65-F5344CB8AC3E}">
-        <p14:creationId xmlns:p14="http://schemas.microsoft.com/office/powerpoint/2010/main" val="1840726560"/>
+        <p14:creationId xmlns:p14="http://schemas.microsoft.com/office/powerpoint/2010/main" val="3540895647"/>
       </p:ext>
     </p:extLst>
   </p:cSld>
@@ -2369,7 +2841,7 @@
       </p:grpSpPr>
       <p:sp>
         <p:nvSpPr>
-          <p:cNvPr id="2" name="Title 1"/>
+          <p:cNvPr id="10010" name="Title 1"/>
           <p:cNvSpPr>
             <a:spLocks noGrp="1"/>
           </p:cNvSpPr>
@@ -2379,28 +2851,28 @@
         </p:nvSpPr>
         <p:spPr>
           <a:xfrm>
-            <a:off x="1371600" y="548640"/>
-            <a:ext cx="9418320" cy="566738"/>
+            <a:off x="1792288" y="3600450"/>
+            <a:ext cx="5486400" cy="425054"/>
           </a:xfrm>
         </p:spPr>
         <p:txBody>
           <a:bodyPr anchor="b"/>
           <a:lstStyle>
             <a:lvl1pPr algn="l">
-              <a:defRPr sz="2000" b="1"/>
+              <a:defRPr sz="1500" b="1"/>
             </a:lvl1pPr>
           </a:lstStyle>
           <a:p>
-            <a:pPr>
-              <a:defRPr sz="2800"/>
-            </a:pPr>
-            <a:endParaRPr lang="en-US"/>
-          </a:p>
-        </p:txBody>
-      </p:sp>
-      <p:sp>
-        <p:nvSpPr>
-          <p:cNvPr id="3" name="Picture Placeholder 2"/>
+            <a:r>
+              <a:rPr lang="en-US"/>
+              <a:t>Click to edit Master title style</a:t>
+            </a:r>
+          </a:p>
+        </p:txBody>
+      </p:sp>
+      <p:sp>
+        <p:nvSpPr>
+          <p:cNvPr id="10011" name="Picture Placeholder 2"/>
           <p:cNvSpPr>
             <a:spLocks noGrp="1"/>
           </p:cNvSpPr>
@@ -2410,8 +2882,8 @@
         </p:nvSpPr>
         <p:spPr>
           <a:xfrm>
-            <a:off x="1792288" y="612775"/>
-            <a:ext cx="5486400" cy="4114800"/>
+            <a:off x="1792288" y="459581"/>
+            <a:ext cx="5486400" cy="3086100"/>
           </a:xfrm>
         </p:spPr>
         <p:txBody>
@@ -2419,39 +2891,39 @@
           <a:lstStyle>
             <a:lvl1pPr marL="0" indent="0">
               <a:buNone/>
-              <a:defRPr sz="3200"/>
+              <a:defRPr sz="2400"/>
             </a:lvl1pPr>
-            <a:lvl2pPr marL="457200" indent="0">
-              <a:buNone/>
-              <a:defRPr sz="2800"/>
+            <a:lvl2pPr marL="342900" indent="0">
+              <a:buNone/>
+              <a:defRPr sz="2100"/>
             </a:lvl2pPr>
-            <a:lvl3pPr marL="914400" indent="0">
-              <a:buNone/>
-              <a:defRPr sz="2400"/>
+            <a:lvl3pPr marL="685800" indent="0">
+              <a:buNone/>
+              <a:defRPr sz="1800"/>
             </a:lvl3pPr>
-            <a:lvl4pPr marL="1371600" indent="0">
-              <a:buNone/>
-              <a:defRPr sz="2000"/>
+            <a:lvl4pPr marL="1028700" indent="0">
+              <a:buNone/>
+              <a:defRPr sz="1500"/>
             </a:lvl4pPr>
-            <a:lvl5pPr marL="1828800" indent="0">
-              <a:buNone/>
-              <a:defRPr sz="2000"/>
+            <a:lvl5pPr marL="1371600" indent="0">
+              <a:buNone/>
+              <a:defRPr sz="1500"/>
             </a:lvl5pPr>
-            <a:lvl6pPr marL="2286000" indent="0">
-              <a:buNone/>
-              <a:defRPr sz="2000"/>
+            <a:lvl6pPr marL="1714500" indent="0">
+              <a:buNone/>
+              <a:defRPr sz="1500"/>
             </a:lvl6pPr>
-            <a:lvl7pPr marL="2743200" indent="0">
-              <a:buNone/>
-              <a:defRPr sz="2000"/>
+            <a:lvl7pPr marL="2057400" indent="0">
+              <a:buNone/>
+              <a:defRPr sz="1500"/>
             </a:lvl7pPr>
-            <a:lvl8pPr marL="3200400" indent="0">
-              <a:buNone/>
-              <a:defRPr sz="2000"/>
+            <a:lvl8pPr marL="2400300" indent="0">
+              <a:buNone/>
+              <a:defRPr sz="1500"/>
             </a:lvl8pPr>
-            <a:lvl9pPr marL="3657600" indent="0">
-              <a:buNone/>
-              <a:defRPr sz="2000"/>
+            <a:lvl9pPr marL="2743200" indent="0">
+              <a:buNone/>
+              <a:defRPr sz="1500"/>
             </a:lvl9pPr>
           </a:lstStyle>
           <a:p>
@@ -2461,7 +2933,7 @@
       </p:sp>
       <p:sp>
         <p:nvSpPr>
-          <p:cNvPr id="4" name="Text Placeholder 3"/>
+          <p:cNvPr id="10012" name="Text Placeholder 3"/>
           <p:cNvSpPr>
             <a:spLocks noGrp="1"/>
           </p:cNvSpPr>
@@ -2471,61 +2943,62 @@
         </p:nvSpPr>
         <p:spPr>
           <a:xfrm>
-            <a:off x="1371600" y="1645920"/>
-            <a:ext cx="9418320" cy="4389120"/>
+            <a:off x="1792288" y="4025503"/>
+            <a:ext cx="5486400" cy="603647"/>
           </a:xfrm>
         </p:spPr>
         <p:txBody>
-          <a:bodyPr wrap="square"/>
+          <a:bodyPr/>
           <a:lstStyle>
             <a:lvl1pPr marL="0" indent="0">
               <a:buNone/>
-              <a:defRPr sz="1400"/>
+              <a:defRPr sz="1050"/>
             </a:lvl1pPr>
-            <a:lvl2pPr marL="457200" indent="0">
-              <a:buNone/>
-              <a:defRPr sz="1200"/>
+            <a:lvl2pPr marL="342900" indent="0">
+              <a:buNone/>
+              <a:defRPr sz="900"/>
             </a:lvl2pPr>
-            <a:lvl3pPr marL="914400" indent="0">
-              <a:buNone/>
-              <a:defRPr sz="1000"/>
+            <a:lvl3pPr marL="685800" indent="0">
+              <a:buNone/>
+              <a:defRPr sz="750"/>
             </a:lvl3pPr>
-            <a:lvl4pPr marL="1371600" indent="0">
-              <a:buNone/>
-              <a:defRPr sz="900"/>
+            <a:lvl4pPr marL="1028700" indent="0">
+              <a:buNone/>
+              <a:defRPr sz="675"/>
             </a:lvl4pPr>
-            <a:lvl5pPr marL="1828800" indent="0">
-              <a:buNone/>
-              <a:defRPr sz="900"/>
+            <a:lvl5pPr marL="1371600" indent="0">
+              <a:buNone/>
+              <a:defRPr sz="675"/>
             </a:lvl5pPr>
-            <a:lvl6pPr marL="2286000" indent="0">
-              <a:buNone/>
-              <a:defRPr sz="900"/>
+            <a:lvl6pPr marL="1714500" indent="0">
+              <a:buNone/>
+              <a:defRPr sz="675"/>
             </a:lvl6pPr>
-            <a:lvl7pPr marL="2743200" indent="0">
-              <a:buNone/>
-              <a:defRPr sz="900"/>
+            <a:lvl7pPr marL="2057400" indent="0">
+              <a:buNone/>
+              <a:defRPr sz="675"/>
             </a:lvl7pPr>
-            <a:lvl8pPr marL="3200400" indent="0">
-              <a:buNone/>
-              <a:defRPr sz="900"/>
+            <a:lvl8pPr marL="2400300" indent="0">
+              <a:buNone/>
+              <a:defRPr sz="675"/>
             </a:lvl8pPr>
-            <a:lvl9pPr marL="3657600" indent="0">
-              <a:buNone/>
-              <a:defRPr sz="900"/>
+            <a:lvl9pPr marL="2743200" indent="0">
+              <a:buNone/>
+              <a:defRPr sz="675"/>
             </a:lvl9pPr>
           </a:lstStyle>
           <a:p>
-            <a:pPr lvl="0">
-              <a:defRPr sz="1800"/>
-            </a:pPr>
-            <a:endParaRPr/>
-          </a:p>
-        </p:txBody>
-      </p:sp>
-      <p:sp>
-        <p:nvSpPr>
-          <p:cNvPr id="5" name="Date Placeholder 4"/>
+            <a:pPr lvl="0"/>
+            <a:r>
+              <a:rPr lang="en-US"/>
+              <a:t>Click to edit Master text styles</a:t>
+            </a:r>
+          </a:p>
+        </p:txBody>
+      </p:sp>
+      <p:sp>
+        <p:nvSpPr>
+          <p:cNvPr id="10013" name="Date Placeholder 4"/>
           <p:cNvSpPr>
             <a:spLocks noGrp="1"/>
           </p:cNvSpPr>
@@ -2538,9 +3011,9 @@
           <a:bodyPr/>
           <a:lstStyle/>
           <a:p>
-            <a:fld id="{5BCAD085-E8A6-8845-BD4E-CB4CCA059FC4}" type="datetimeFigureOut">
+            <a:fld id="{241EB5C9-1307-BA42-ABA2-0BC069CD8E7F}" type="datetimeFigureOut">
               <a:rPr lang="en-US" smtClean="0"/>
-              <a:t>1/19/2026</a:t>
+              <a:t>1/2/22</a:t>
             </a:fld>
             <a:endParaRPr lang="en-US"/>
           </a:p>
@@ -2548,7 +3021,7 @@
       </p:sp>
       <p:sp>
         <p:nvSpPr>
-          <p:cNvPr id="6" name="Footer Placeholder 5"/>
+          <p:cNvPr id="10014" name="Footer Placeholder 5"/>
           <p:cNvSpPr>
             <a:spLocks noGrp="1"/>
           </p:cNvSpPr>
@@ -2567,7 +3040,7 @@
       </p:sp>
       <p:sp>
         <p:nvSpPr>
-          <p:cNvPr id="7" name="Slide Number Placeholder 6"/>
+          <p:cNvPr id="10015" name="Slide Number Placeholder 6"/>
           <p:cNvSpPr>
             <a:spLocks noGrp="1"/>
           </p:cNvSpPr>
@@ -2580,22 +3053,18 @@
           <a:bodyPr/>
           <a:lstStyle/>
           <a:p>
-            <a:r>
-              <a:rPr lang="en-US" sz="900">
-                <a:solidFill>
-                  <a:srgbClr val="808080"/>
-                </a:solidFill>
-                <a:latin typeface="Calibri"/>
-              </a:rPr>
-              <a:t>&lt;#&gt;</a:t>
-            </a:r>
+            <a:fld id="{C5EF2332-01BF-834F-8236-50238282D533}" type="slidenum">
+              <a:rPr lang="en-US" smtClean="0"/>
+              <a:t>‹#›</a:t>
+            </a:fld>
+            <a:endParaRPr lang="en-US"/>
           </a:p>
         </p:txBody>
       </p:sp>
     </p:spTree>
     <p:extLst>
       <p:ext uri="{BB962C8B-B14F-4D97-AF65-F5344CB8AC3E}">
-        <p14:creationId xmlns:p14="http://schemas.microsoft.com/office/powerpoint/2010/main" val="3889236939"/>
+        <p14:creationId xmlns:p14="http://schemas.microsoft.com/office/powerpoint/2010/main" val="3566899855"/>
       </p:ext>
     </p:extLst>
   </p:cSld>
@@ -2629,7 +3098,7 @@
       </p:grpSpPr>
       <p:sp>
         <p:nvSpPr>
-          <p:cNvPr id="2" name="Title Placeholder 1"/>
+          <p:cNvPr id="10000" name="Title Placeholder 1"/>
           <p:cNvSpPr>
             <a:spLocks noGrp="1"/>
           </p:cNvSpPr>
@@ -2639,8 +3108,8 @@
         </p:nvSpPr>
         <p:spPr>
           <a:xfrm>
-            <a:off x="457200" y="274638"/>
-            <a:ext cx="11323122" cy="1143000"/>
+            <a:off x="304800" y="292100"/>
+            <a:ext cx="10185400" cy="863600"/>
           </a:xfrm>
           <a:prstGeom prst="rect">
             <a:avLst/>
@@ -2653,7 +3122,7 @@
           <a:lstStyle/>
           <a:p>
             <a:r>
-              <a:rPr lang="en-US" dirty="0"/>
+              <a:rPr lang="en-US"/>
               <a:t>Click to edit Master title style</a:t>
             </a:r>
           </a:p>
@@ -2661,7 +3130,7 @@
       </p:sp>
       <p:sp>
         <p:nvSpPr>
-          <p:cNvPr id="3" name="Text Placeholder 2"/>
+          <p:cNvPr id="10001" name="Text Placeholder 2"/>
           <p:cNvSpPr>
             <a:spLocks noGrp="1"/>
           </p:cNvSpPr>
@@ -2671,8 +3140,8 @@
         </p:nvSpPr>
         <p:spPr>
           <a:xfrm>
-            <a:off x="457199" y="1600200"/>
-            <a:ext cx="11513127" cy="4525963"/>
+            <a:off x="304800" y="1879600"/>
+            <a:ext cx="10185400" cy="4749800"/>
           </a:xfrm>
           <a:prstGeom prst="rect">
             <a:avLst/>
@@ -2686,35 +3155,35 @@
           <a:p>
             <a:pPr lvl="0"/>
             <a:r>
-              <a:rPr lang="en-US" dirty="0"/>
+              <a:rPr lang="en-US"/>
               <a:t>Click to edit Master text styles</a:t>
             </a:r>
           </a:p>
           <a:p>
             <a:pPr lvl="1"/>
             <a:r>
-              <a:rPr lang="en-US" dirty="0"/>
+              <a:rPr lang="en-US"/>
               <a:t>Second level</a:t>
             </a:r>
           </a:p>
           <a:p>
             <a:pPr lvl="2"/>
             <a:r>
-              <a:rPr lang="en-US" dirty="0"/>
+              <a:rPr lang="en-US"/>
               <a:t>Third level</a:t>
             </a:r>
           </a:p>
           <a:p>
             <a:pPr lvl="3"/>
             <a:r>
-              <a:rPr lang="en-US" dirty="0"/>
+              <a:rPr lang="en-US"/>
               <a:t>Fourth level</a:t>
             </a:r>
           </a:p>
           <a:p>
             <a:pPr lvl="4"/>
             <a:r>
-              <a:rPr lang="en-US" dirty="0"/>
+              <a:rPr lang="en-US"/>
               <a:t>Fifth level</a:t>
             </a:r>
           </a:p>
@@ -2722,7 +3191,7 @@
       </p:sp>
       <p:sp>
         <p:nvSpPr>
-          <p:cNvPr id="4" name="Date Placeholder 3"/>
+          <p:cNvPr id="10002" name="Date Placeholder 3"/>
           <p:cNvSpPr>
             <a:spLocks noGrp="1"/>
           </p:cNvSpPr>
@@ -2732,8 +3201,8 @@
         </p:nvSpPr>
         <p:spPr>
           <a:xfrm>
-            <a:off x="457200" y="6356350"/>
-            <a:ext cx="2133600" cy="365125"/>
+            <a:off x="457200" y="4767263"/>
+            <a:ext cx="2133600" cy="273844"/>
           </a:xfrm>
           <a:prstGeom prst="rect">
             <a:avLst/>
@@ -2743,7 +3212,7 @@
           <a:bodyPr vert="horz" lIns="91440" tIns="45720" rIns="91440" bIns="45720" rtlCol="0" anchor="ctr"/>
           <a:lstStyle>
             <a:lvl1pPr algn="l">
-              <a:defRPr sz="1200">
+              <a:defRPr sz="900">
                 <a:solidFill>
                   <a:schemeClr val="tx1">
                     <a:tint val="75000"/>
@@ -2753,9 +3222,9 @@
             </a:lvl1pPr>
           </a:lstStyle>
           <a:p>
-            <a:fld id="{5BCAD085-E8A6-8845-BD4E-CB4CCA059FC4}" type="datetimeFigureOut">
+            <a:fld id="{241EB5C9-1307-BA42-ABA2-0BC069CD8E7F}" type="datetimeFigureOut">
               <a:rPr lang="en-US" smtClean="0"/>
-              <a:t>1/19/2026</a:t>
+              <a:t>1/2/22</a:t>
             </a:fld>
             <a:endParaRPr lang="en-US"/>
           </a:p>
@@ -2763,7 +3232,7 @@
       </p:sp>
       <p:sp>
         <p:nvSpPr>
-          <p:cNvPr id="5" name="Footer Placeholder 4"/>
+          <p:cNvPr id="10003" name="Footer Placeholder 4"/>
           <p:cNvSpPr>
             <a:spLocks noGrp="1"/>
           </p:cNvSpPr>
@@ -2773,8 +3242,8 @@
         </p:nvSpPr>
         <p:spPr>
           <a:xfrm>
-            <a:off x="3124200" y="6356350"/>
-            <a:ext cx="2895600" cy="365125"/>
+            <a:off x="3124200" y="4767263"/>
+            <a:ext cx="2895600" cy="273844"/>
           </a:xfrm>
           <a:prstGeom prst="rect">
             <a:avLst/>
@@ -2784,7 +3253,7 @@
           <a:bodyPr vert="horz" lIns="91440" tIns="45720" rIns="91440" bIns="45720" rtlCol="0" anchor="ctr"/>
           <a:lstStyle>
             <a:lvl1pPr algn="ctr">
-              <a:defRPr sz="1200">
+              <a:defRPr sz="900">
                 <a:solidFill>
                   <a:schemeClr val="tx1">
                     <a:tint val="75000"/>
@@ -2800,7 +3269,7 @@
       </p:sp>
       <p:sp>
         <p:nvSpPr>
-          <p:cNvPr id="6" name="Slide Number Placeholder 5"/>
+          <p:cNvPr id="10004" name="Slide Number Placeholder 5"/>
           <p:cNvSpPr>
             <a:spLocks noGrp="1"/>
           </p:cNvSpPr>
@@ -2810,8 +3279,8 @@
         </p:nvSpPr>
         <p:spPr>
           <a:xfrm>
-            <a:off x="6553200" y="6356350"/>
-            <a:ext cx="2133600" cy="365125"/>
+            <a:off x="304800" y="6794500"/>
+            <a:ext cx="1270000" cy="254000"/>
           </a:xfrm>
           <a:prstGeom prst="rect">
             <a:avLst/>
@@ -2821,7 +3290,7 @@
           <a:bodyPr vert="horz" lIns="91440" tIns="45720" rIns="91440" bIns="45720" rtlCol="0" anchor="ctr"/>
           <a:lstStyle>
             <a:lvl1pPr algn="r">
-              <a:defRPr sz="1200">
+              <a:defRPr sz="900">
                 <a:solidFill>
                   <a:schemeClr val="tx1">
                     <a:tint val="75000"/>
@@ -2831,187 +3300,18 @@
             </a:lvl1pPr>
           </a:lstStyle>
           <a:p>
-            <a:r>
-              <a:rPr lang="en-US" sz="900">
-                <a:solidFill>
-                  <a:srgbClr val="808080"/>
-                </a:solidFill>
-                <a:latin typeface="Calibri"/>
-              </a:rPr>
-              <a:t>&lt;#&gt;</a:t>
-            </a:r>
-          </a:p>
-        </p:txBody>
-      </p:sp>
-      <p:sp>
-        <p:nvSpPr>
-          <p:cNvPr name="TextBox 7" id="7"/>
-          <p:cNvSpPr txBox="true"/>
-          <p:nvPr/>
-        </p:nvSpPr>
-        <p:spPr>
-          <a:xfrm>
-            <a:off x="8255000" y="6350000"/>
-            <a:ext cx="635000" cy="381000"/>
-          </a:xfrm>
-          <a:prstGeom prst="rect">
-            <a:avLst/>
-          </a:prstGeom>
-        </p:spPr>
-        <p:txBody>
-          <a:bodyPr anchor="t" rtlCol="false"/>
-          <a:lstStyle/>
-          <a:p>
-            <a:pPr algn="l">
-              <a:defRPr/>
-            </a:pPr>
-            <a:r>
-              <a:rPr lang="en-US"/>
-              <a:t/>
-            </a:r>
-            <a:endParaRPr lang="en-US" sz="1100"/>
-          </a:p>
-          <a:p>
-            <a:r>
-              <a:rPr lang="en-US" sz="1000">
-                <a:solidFill>
-                  <a:srgbClr val="808080"/>
-                </a:solidFill>
-                <a:latin typeface="Arial"/>
-              </a:rPr>
-              <a:t>&lt;#&gt;</a:t>
-            </a:r>
-          </a:p>
-        </p:txBody>
-      </p:sp>
-      <p:sp>
-        <p:nvSpPr>
-          <p:cNvPr name="TextBox 8" id="8"/>
-          <p:cNvSpPr txBox="true"/>
-          <p:nvPr/>
-        </p:nvSpPr>
-        <p:spPr>
-          <a:xfrm>
-            <a:off x="635000" y="6350000"/>
-            <a:ext cx="5080000" cy="381000"/>
-          </a:xfrm>
-          <a:prstGeom prst="rect">
-            <a:avLst/>
-          </a:prstGeom>
-        </p:spPr>
-        <p:txBody>
-          <a:bodyPr anchor="t" rtlCol="false"/>
-          <a:lstStyle/>
-          <a:p>
-            <a:pPr algn="l">
-              <a:defRPr/>
-            </a:pPr>
-            <a:r>
-              <a:rPr lang="en-US"/>
-              <a:t/>
-            </a:r>
-            <a:endParaRPr lang="en-US" sz="1100"/>
-          </a:p>
-          <a:p>
-            <a:r>
-              <a:rPr lang="en-US" sz="1000">
-                <a:solidFill>
-                  <a:srgbClr val="808080"/>
-                </a:solidFill>
-                <a:latin typeface="Arial"/>
-              </a:rPr>
-              <a:t>AngularAI Project</a:t>
-            </a:r>
-          </a:p>
-        </p:txBody>
-      </p:sp>
-      <p:sp>
-        <p:nvSpPr>
-          <p:cNvPr name="TextBox 9" id="9"/>
-          <p:cNvSpPr txBox="true"/>
-          <p:nvPr/>
-        </p:nvSpPr>
-        <p:spPr>
-          <a:xfrm>
-            <a:off x="8255000" y="6477000"/>
-            <a:ext cx="635000" cy="254000"/>
-          </a:xfrm>
-          <a:prstGeom prst="rect">
-            <a:avLst/>
-          </a:prstGeom>
-        </p:spPr>
-        <p:txBody>
-          <a:bodyPr anchor="t" rtlCol="false"/>
-          <a:lstStyle/>
-          <a:p>
-            <a:pPr algn="l">
-              <a:defRPr/>
-            </a:pPr>
-            <a:r>
-              <a:rPr lang="en-US"/>
-              <a:t/>
-            </a:r>
-            <a:endParaRPr lang="en-US" sz="1100"/>
-          </a:p>
-          <a:p>
-            <a:pPr algn="r"/>
-            <a:r>
-              <a:rPr lang="en-US" sz="900">
-                <a:solidFill>
-                  <a:srgbClr val="808080"/>
-                </a:solidFill>
-                <a:latin typeface="Calibri"/>
-              </a:rPr>
-              <a:t>&lt;#&gt;</a:t>
-            </a:r>
-          </a:p>
-        </p:txBody>
-      </p:sp>
-      <p:sp>
-        <p:nvSpPr>
-          <p:cNvPr name="TextBox 10" id="10"/>
-          <p:cNvSpPr txBox="true"/>
-          <p:nvPr/>
-        </p:nvSpPr>
-        <p:spPr>
-          <a:xfrm>
-            <a:off x="508000" y="6477000"/>
-            <a:ext cx="5080000" cy="254000"/>
-          </a:xfrm>
-          <a:prstGeom prst="rect">
-            <a:avLst/>
-          </a:prstGeom>
-        </p:spPr>
-        <p:txBody>
-          <a:bodyPr anchor="t" rtlCol="false"/>
-          <a:lstStyle/>
-          <a:p>
-            <a:pPr algn="l">
-              <a:defRPr/>
-            </a:pPr>
-            <a:r>
-              <a:rPr lang="en-US"/>
-              <a:t/>
-            </a:r>
-            <a:endParaRPr lang="en-US" sz="1100"/>
-          </a:p>
-          <a:p>
-            <a:r>
-              <a:rPr lang="en-US" sz="900">
-                <a:solidFill>
-                  <a:srgbClr val="808080"/>
-                </a:solidFill>
-                <a:latin typeface="Calibri"/>
-              </a:rPr>
-              <a:t>AngularAI - Softwareentwicklung mit AI</a:t>
-            </a:r>
+            <a:fld id="{C5EF2332-01BF-834F-8236-50238282D533}" type="slidenum">
+              <a:rPr lang="en-US" smtClean="0"/>
+              <a:t>‹#›</a:t>
+            </a:fld>
+            <a:endParaRPr lang="en-US"/>
           </a:p>
         </p:txBody>
       </p:sp>
     </p:spTree>
     <p:extLst>
       <p:ext uri="{BB962C8B-B14F-4D97-AF65-F5344CB8AC3E}">
-        <p14:creationId xmlns:p14="http://schemas.microsoft.com/office/powerpoint/2010/main" val="2209977519"/>
+        <p14:creationId xmlns:p14="http://schemas.microsoft.com/office/powerpoint/2010/main" val="3676200875"/>
       </p:ext>
     </p:extLst>
   </p:cSld>
@@ -3031,12 +3331,12 @@
   </p:sldLayoutIdLst>
   <p:txStyles>
     <p:titleStyle>
-      <a:lvl1pPr algn="ctr" defTabSz="457200" rtl="0" eaLnBrk="1" latinLnBrk="0" hangingPunct="1">
+      <a:lvl1pPr algn="ctr" defTabSz="342900" rtl="0" eaLnBrk="1" latinLnBrk="0" hangingPunct="1">
         <a:spcBef>
           <a:spcPct val="0"/>
         </a:spcBef>
         <a:buNone/>
-        <a:defRPr sz="3800" kern="1200">
+        <a:defRPr sz="3300" kern="1200">
           <a:solidFill>
             <a:schemeClr val="tx1"/>
           </a:solidFill>
@@ -3047,13 +3347,13 @@
       </a:lvl1pPr>
     </p:titleStyle>
     <p:bodyStyle>
-      <a:lvl1pPr marL="342900" indent="-342900" algn="l" defTabSz="457200" rtl="0" eaLnBrk="1" latinLnBrk="0" hangingPunct="1">
+      <a:lvl1pPr marL="342900" indent="-342900" algn="l" defTabSz="342900" rtl="0" eaLnBrk="1" latinLnBrk="0" hangingPunct="1">
         <a:spcBef>
           <a:spcPct val="20000"/>
         </a:spcBef>
         <a:buFont typeface="Arial"/>
         <a:buChar char="•"/>
-        <a:defRPr sz="2800" kern="1200">
+        <a:defRPr sz="2400" kern="1200">
           <a:solidFill>
             <a:schemeClr val="tx1"/>
           </a:solidFill>
@@ -3062,13 +3362,13 @@
           <a:cs typeface="+mn-cs"/>
         </a:defRPr>
       </a:lvl1pPr>
-      <a:lvl2pPr marL="742950" indent="-285750" algn="l" defTabSz="457200" rtl="0" eaLnBrk="1" latinLnBrk="0" hangingPunct="1">
+      <a:lvl2pPr marL="685800" indent="-342900" algn="l" defTabSz="342900" rtl="0" eaLnBrk="1" latinLnBrk="0" hangingPunct="1">
         <a:spcBef>
           <a:spcPct val="20000"/>
         </a:spcBef>
         <a:buFont typeface="Arial"/>
         <a:buChar char="–"/>
-        <a:defRPr sz="2400" kern="1200">
+        <a:defRPr sz="2100" kern="1200">
           <a:solidFill>
             <a:schemeClr val="tx1"/>
           </a:solidFill>
@@ -3077,13 +3377,13 @@
           <a:cs typeface="+mn-cs"/>
         </a:defRPr>
       </a:lvl2pPr>
-      <a:lvl3pPr marL="1143000" indent="-228600" algn="l" defTabSz="457200" rtl="0" eaLnBrk="1" latinLnBrk="0" hangingPunct="1">
+      <a:lvl3pPr marL="1028700" indent="-342900" algn="l" defTabSz="342900" rtl="0" eaLnBrk="1" latinLnBrk="0" hangingPunct="1">
         <a:spcBef>
           <a:spcPct val="20000"/>
         </a:spcBef>
         <a:buFont typeface="Arial"/>
         <a:buChar char="•"/>
-        <a:defRPr sz="2000" kern="1200">
+        <a:defRPr sz="1800" kern="1200">
           <a:solidFill>
             <a:schemeClr val="tx1"/>
           </a:solidFill>
@@ -3092,13 +3392,13 @@
           <a:cs typeface="+mn-cs"/>
         </a:defRPr>
       </a:lvl3pPr>
-      <a:lvl4pPr marL="1600200" indent="-228600" algn="l" defTabSz="457200" rtl="0" eaLnBrk="1" latinLnBrk="0" hangingPunct="1">
+      <a:lvl4pPr marL="1371600" indent="-342900" algn="l" defTabSz="342900" rtl="0" eaLnBrk="1" latinLnBrk="0" hangingPunct="1">
         <a:spcBef>
           <a:spcPct val="20000"/>
         </a:spcBef>
         <a:buFont typeface="Arial"/>
         <a:buChar char="–"/>
-        <a:defRPr sz="2000" kern="1200">
+        <a:defRPr sz="1500" kern="1200">
           <a:solidFill>
             <a:schemeClr val="tx1"/>
           </a:solidFill>
@@ -3107,13 +3407,13 @@
           <a:cs typeface="+mn-cs"/>
         </a:defRPr>
       </a:lvl4pPr>
-      <a:lvl5pPr marL="2057400" indent="-228600" algn="l" defTabSz="457200" rtl="0" eaLnBrk="1" latinLnBrk="0" hangingPunct="1">
+      <a:lvl5pPr marL="1714500" indent="-342900" algn="l" defTabSz="342900" rtl="0" eaLnBrk="1" latinLnBrk="0" hangingPunct="1">
         <a:spcBef>
           <a:spcPct val="20000"/>
         </a:spcBef>
         <a:buFont typeface="Arial"/>
         <a:buChar char="»"/>
-        <a:defRPr sz="2000" kern="1200">
+        <a:defRPr sz="1500" kern="1200">
           <a:solidFill>
             <a:schemeClr val="tx1"/>
           </a:solidFill>
@@ -3122,13 +3422,13 @@
           <a:cs typeface="+mn-cs"/>
         </a:defRPr>
       </a:lvl5pPr>
-      <a:lvl6pPr marL="2514600" indent="-228600" algn="l" defTabSz="457200" rtl="0" eaLnBrk="1" latinLnBrk="0" hangingPunct="1">
+      <a:lvl6pPr marL="2057400" indent="-342900" algn="l" defTabSz="342900" rtl="0" eaLnBrk="1" latinLnBrk="0" hangingPunct="1">
         <a:spcBef>
           <a:spcPct val="20000"/>
         </a:spcBef>
         <a:buFont typeface="Arial"/>
         <a:buChar char="•"/>
-        <a:defRPr sz="2000" kern="1200">
+        <a:defRPr sz="1500" kern="1200">
           <a:solidFill>
             <a:schemeClr val="tx1"/>
           </a:solidFill>
@@ -3137,13 +3437,13 @@
           <a:cs typeface="+mn-cs"/>
         </a:defRPr>
       </a:lvl6pPr>
-      <a:lvl7pPr marL="2971800" indent="-228600" algn="l" defTabSz="457200" rtl="0" eaLnBrk="1" latinLnBrk="0" hangingPunct="1">
+      <a:lvl7pPr marL="2400300" indent="-342900" algn="l" defTabSz="342900" rtl="0" eaLnBrk="1" latinLnBrk="0" hangingPunct="1">
         <a:spcBef>
           <a:spcPct val="20000"/>
         </a:spcBef>
         <a:buFont typeface="Arial"/>
         <a:buChar char="•"/>
-        <a:defRPr sz="2000" kern="1200">
+        <a:defRPr sz="1500" kern="1200">
           <a:solidFill>
             <a:schemeClr val="tx1"/>
           </a:solidFill>
@@ -3152,13 +3452,13 @@
           <a:cs typeface="+mn-cs"/>
         </a:defRPr>
       </a:lvl7pPr>
-      <a:lvl8pPr marL="3429000" indent="-228600" algn="l" defTabSz="457200" rtl="0" eaLnBrk="1" latinLnBrk="0" hangingPunct="1">
+      <a:lvl8pPr marL="2743200" indent="-342900" algn="l" defTabSz="342900" rtl="0" eaLnBrk="1" latinLnBrk="0" hangingPunct="1">
         <a:spcBef>
           <a:spcPct val="20000"/>
         </a:spcBef>
         <a:buFont typeface="Arial"/>
         <a:buChar char="•"/>
-        <a:defRPr sz="2000" kern="1200">
+        <a:defRPr sz="1500" kern="1200">
           <a:solidFill>
             <a:schemeClr val="tx1"/>
           </a:solidFill>
@@ -3167,13 +3467,13 @@
           <a:cs typeface="+mn-cs"/>
         </a:defRPr>
       </a:lvl8pPr>
-      <a:lvl9pPr marL="3886200" indent="-228600" algn="l" defTabSz="457200" rtl="0" eaLnBrk="1" latinLnBrk="0" hangingPunct="1">
+      <a:lvl9pPr marL="3086100" indent="-342900" algn="l" defTabSz="342900" rtl="0" eaLnBrk="1" latinLnBrk="0" hangingPunct="1">
         <a:spcBef>
           <a:spcPct val="20000"/>
         </a:spcBef>
         <a:buFont typeface="Arial"/>
         <a:buChar char="•"/>
-        <a:defRPr sz="2000" kern="1200">
+        <a:defRPr sz="1500" kern="1200">
           <a:solidFill>
             <a:schemeClr val="tx1"/>
           </a:solidFill>
@@ -3187,8 +3487,8 @@
       <a:defPPr>
         <a:defRPr lang="en-US"/>
       </a:defPPr>
-      <a:lvl1pPr marL="0" algn="l" defTabSz="457200" rtl="0" eaLnBrk="1" latinLnBrk="0" hangingPunct="1">
-        <a:defRPr sz="1800" kern="1200">
+      <a:lvl1pPr marL="0" algn="l" defTabSz="342900" rtl="0" eaLnBrk="1" latinLnBrk="0" hangingPunct="1">
+        <a:defRPr sz="1350" kern="1200">
           <a:solidFill>
             <a:schemeClr val="tx1"/>
           </a:solidFill>
@@ -3197,8 +3497,8 @@
           <a:cs typeface="+mn-cs"/>
         </a:defRPr>
       </a:lvl1pPr>
-      <a:lvl2pPr marL="457200" algn="l" defTabSz="457200" rtl="0" eaLnBrk="1" latinLnBrk="0" hangingPunct="1">
-        <a:defRPr sz="1800" kern="1200">
+      <a:lvl2pPr marL="342900" algn="l" defTabSz="342900" rtl="0" eaLnBrk="1" latinLnBrk="0" hangingPunct="1">
+        <a:defRPr sz="1350" kern="1200">
           <a:solidFill>
             <a:schemeClr val="tx1"/>
           </a:solidFill>
@@ -3207,8 +3507,8 @@
           <a:cs typeface="+mn-cs"/>
         </a:defRPr>
       </a:lvl2pPr>
-      <a:lvl3pPr marL="914400" algn="l" defTabSz="457200" rtl="0" eaLnBrk="1" latinLnBrk="0" hangingPunct="1">
-        <a:defRPr sz="1800" kern="1200">
+      <a:lvl3pPr marL="685800" algn="l" defTabSz="342900" rtl="0" eaLnBrk="1" latinLnBrk="0" hangingPunct="1">
+        <a:defRPr sz="1350" kern="1200">
           <a:solidFill>
             <a:schemeClr val="tx1"/>
           </a:solidFill>
@@ -3217,8 +3517,8 @@
           <a:cs typeface="+mn-cs"/>
         </a:defRPr>
       </a:lvl3pPr>
-      <a:lvl4pPr marL="1371600" algn="l" defTabSz="457200" rtl="0" eaLnBrk="1" latinLnBrk="0" hangingPunct="1">
-        <a:defRPr sz="1800" kern="1200">
+      <a:lvl4pPr marL="1028700" algn="l" defTabSz="342900" rtl="0" eaLnBrk="1" latinLnBrk="0" hangingPunct="1">
+        <a:defRPr sz="1350" kern="1200">
           <a:solidFill>
             <a:schemeClr val="tx1"/>
           </a:solidFill>
@@ -3227,8 +3527,8 @@
           <a:cs typeface="+mn-cs"/>
         </a:defRPr>
       </a:lvl4pPr>
-      <a:lvl5pPr marL="1828800" algn="l" defTabSz="457200" rtl="0" eaLnBrk="1" latinLnBrk="0" hangingPunct="1">
-        <a:defRPr sz="1800" kern="1200">
+      <a:lvl5pPr marL="1371600" algn="l" defTabSz="342900" rtl="0" eaLnBrk="1" latinLnBrk="0" hangingPunct="1">
+        <a:defRPr sz="1350" kern="1200">
           <a:solidFill>
             <a:schemeClr val="tx1"/>
           </a:solidFill>
@@ -3237,8 +3537,8 @@
           <a:cs typeface="+mn-cs"/>
         </a:defRPr>
       </a:lvl5pPr>
-      <a:lvl6pPr marL="2286000" algn="l" defTabSz="457200" rtl="0" eaLnBrk="1" latinLnBrk="0" hangingPunct="1">
-        <a:defRPr sz="1800" kern="1200">
+      <a:lvl6pPr marL="1714500" algn="l" defTabSz="342900" rtl="0" eaLnBrk="1" latinLnBrk="0" hangingPunct="1">
+        <a:defRPr sz="1350" kern="1200">
           <a:solidFill>
             <a:schemeClr val="tx1"/>
           </a:solidFill>
@@ -3247,8 +3547,8 @@
           <a:cs typeface="+mn-cs"/>
         </a:defRPr>
       </a:lvl6pPr>
-      <a:lvl7pPr marL="2743200" algn="l" defTabSz="457200" rtl="0" eaLnBrk="1" latinLnBrk="0" hangingPunct="1">
-        <a:defRPr sz="1800" kern="1200">
+      <a:lvl7pPr marL="2057400" algn="l" defTabSz="342900" rtl="0" eaLnBrk="1" latinLnBrk="0" hangingPunct="1">
+        <a:defRPr sz="1350" kern="1200">
           <a:solidFill>
             <a:schemeClr val="tx1"/>
           </a:solidFill>
@@ -3257,8 +3557,8 @@
           <a:cs typeface="+mn-cs"/>
         </a:defRPr>
       </a:lvl7pPr>
-      <a:lvl8pPr marL="3200400" algn="l" defTabSz="457200" rtl="0" eaLnBrk="1" latinLnBrk="0" hangingPunct="1">
-        <a:defRPr sz="1800" kern="1200">
+      <a:lvl8pPr marL="2400300" algn="l" defTabSz="342900" rtl="0" eaLnBrk="1" latinLnBrk="0" hangingPunct="1">
+        <a:defRPr sz="1350" kern="1200">
           <a:solidFill>
             <a:schemeClr val="tx1"/>
           </a:solidFill>
@@ -3267,8 +3567,8 @@
           <a:cs typeface="+mn-cs"/>
         </a:defRPr>
       </a:lvl8pPr>
-      <a:lvl9pPr marL="3657600" algn="l" defTabSz="457200" rtl="0" eaLnBrk="1" latinLnBrk="0" hangingPunct="1">
-        <a:defRPr sz="1800" kern="1200">
+      <a:lvl9pPr marL="2743200" algn="l" defTabSz="342900" rtl="0" eaLnBrk="1" latinLnBrk="0" hangingPunct="1">
+        <a:defRPr sz="1350" kern="1200">
           <a:solidFill>
             <a:schemeClr val="tx1"/>
           </a:solidFill>
@@ -3284,7 +3584,7 @@
 
 <file path=ppt/slides/slide1.xml><?xml version="1.0" encoding="utf-8"?>
 <p:sld xmlns:a="http://schemas.openxmlformats.org/drawingml/2006/main" xmlns:p="http://schemas.openxmlformats.org/presentationml/2006/main" xmlns:r="http://schemas.openxmlformats.org/officeDocument/2006/relationships">
-  <p:cSld name="Title Slide">
+  <p:cSld>
     <p:spTree>
       <p:nvGrpSpPr>
         <p:cNvPr id="1" name=""/>
@@ -3301,36 +3601,54 @@
       </p:grpSpPr>
       <p:sp>
         <p:nvSpPr>
-          <p:cNvPr id="2" name="AutoShape 2"/>
-          <p:cNvSpPr/>
-          <p:nvPr>
-            <p:ph type="sldNum"/>
-          </p:nvPr>
-        </p:nvSpPr>
-        <p:spPr>
-          <a:xfrm>
-            <a:off x="7620000" y="6350000"/>
-            <a:ext cx="1270000" cy="381000"/>
-          </a:xfrm>
-          <a:prstGeom prst="rect">
-            <a:avLst/>
-          </a:prstGeom>
-        </p:spPr>
-        <p:txBody>
-          <a:p>
-            <a:r>
-              <a:rPr lang="en-US" sz="900">
-                <a:solidFill>
-                  <a:srgbClr val="808080"/>
-                </a:solidFill>
-                <a:latin typeface="Calibri"/>
-              </a:rPr>
-              <a:t>&lt;#&gt;</a:t>
+          <p:cNvPr id="10063" name="Title 1"/>
+          <p:cNvSpPr>
+            <a:spLocks noGrp="1"/>
+          </p:cNvSpPr>
+          <p:nvPr>
+            <p:ph type="ctrTitle"/>
+          </p:nvPr>
+        </p:nvSpPr>
+        <p:spPr/>
+        <p:txBody>
+          <a:bodyPr/>
+          <a:lstStyle/>
+          <a:p>
+            <a:r>
+              <a:rPr dirty="0" lang="en-US"/>
+              <a:t>Presentation Title</a:t>
+            </a:r>
+          </a:p>
+        </p:txBody>
+      </p:sp>
+      <p:sp>
+        <p:nvSpPr>
+          <p:cNvPr id="10064" name="Subtitle 2"/>
+          <p:cNvSpPr>
+            <a:spLocks noGrp="1"/>
+          </p:cNvSpPr>
+          <p:nvPr>
+            <p:ph idx="1" type="subTitle"/>
+          </p:nvPr>
+        </p:nvSpPr>
+        <p:spPr/>
+        <p:txBody>
+          <a:bodyPr/>
+          <a:lstStyle/>
+          <a:p>
+            <a:r>
+              <a:rPr dirty="0" lang="en-US"/>
+              <a:t>Presentation Subtitle</a:t>
             </a:r>
           </a:p>
         </p:txBody>
       </p:sp>
     </p:spTree>
+    <p:extLst>
+      <p:ext uri="{BB962C8B-B14F-4D97-AF65-F5344CB8AC3E}">
+        <p14:creationId xmlns:p14="http://schemas.microsoft.com/office/powerpoint/2010/main" val="392669009"/>
+      </p:ext>
+    </p:extLst>
   </p:cSld>
   <p:clrMapOvr>
     <a:masterClrMapping/>
@@ -3338,9 +3656,9 @@
 </p:sld>
 </file>
 
-<file path=ppt/slides/slide10.xml><?xml version="1.0" encoding="utf-8"?>
+<file path=ppt/slides/slide2.xml><?xml version="1.0" encoding="utf-8"?>
 <p:sld xmlns:a="http://schemas.openxmlformats.org/drawingml/2006/main" xmlns:p="http://schemas.openxmlformats.org/presentationml/2006/main" xmlns:r="http://schemas.openxmlformats.org/officeDocument/2006/relationships">
-  <p:cSld name="Appendix">
+  <p:cSld>
     <p:spTree>
       <p:nvGrpSpPr>
         <p:cNvPr id="1" name=""/>
@@ -3357,62 +3675,61 @@
       </p:grpSpPr>
       <p:sp>
         <p:nvSpPr>
-          <p:cNvPr id="2" name="TextBox 1"/>
-          <p:cNvSpPr txBox="1"/>
-          <p:nvPr/>
-        </p:nvSpPr>
-        <p:spPr>
-          <a:xfrm>
-            <a:off x="1371600" y="1828800"/>
-            <a:ext cx="9144000" cy="3657600"/>
-          </a:xfrm>
-          <a:prstGeom prst="rect">
-            <a:avLst/>
-          </a:prstGeom>
-          <a:noFill/>
-        </p:spPr>
-        <p:txBody>
-          <a:bodyPr wrap="none">
-            <a:spAutoFit/>
-          </a:bodyPr>
-          <a:lstStyle/>
-          <a:p>
-            <a:endParaRPr/>
-          </a:p>
-        </p:txBody>
-      </p:sp>
-      <p:sp>
-        <p:nvSpPr>
-          <p:cNvPr id="3" name="AutoShape 3"/>
-          <p:cNvSpPr/>
-          <p:nvPr>
-            <p:ph type="sldNum"/>
-          </p:nvPr>
-        </p:nvSpPr>
-        <p:spPr>
-          <a:xfrm>
-            <a:off x="7620000" y="6350000"/>
-            <a:ext cx="1270000" cy="381000"/>
-          </a:xfrm>
-          <a:prstGeom prst="rect">
-            <a:avLst/>
-          </a:prstGeom>
-        </p:spPr>
-        <p:txBody>
-          <a:p>
-            <a:r>
-              <a:rPr lang="en-US" sz="900">
-                <a:solidFill>
-                  <a:srgbClr val="808080"/>
-                </a:solidFill>
-                <a:latin typeface="Calibri"/>
-              </a:rPr>
-              <a:t>&lt;#&gt;</a:t>
+          <p:cNvPr id="10065" name="Title 1"/>
+          <p:cNvSpPr>
+            <a:spLocks noGrp="1"/>
+          </p:cNvSpPr>
+          <p:nvPr>
+            <p:ph type="title"/>
+          </p:nvPr>
+        </p:nvSpPr>
+        <p:spPr/>
+        <p:txBody>
+          <a:bodyPr/>
+          <a:lstStyle/>
+          <a:p>
+            <a:r>
+              <a:rPr dirty="0" lang="en-US"/>
+              <a:t>Slide Title</a:t>
+            </a:r>
+          </a:p>
+        </p:txBody>
+      </p:sp>
+      <p:sp>
+        <p:nvSpPr>
+          <p:cNvPr id="10066" name="Content Placeholder 2"/>
+          <p:cNvSpPr>
+            <a:spLocks noGrp="1"/>
+          </p:cNvSpPr>
+          <p:nvPr>
+            <p:ph idx="1"/>
+          </p:nvPr>
+        </p:nvSpPr>
+        <p:spPr/>
+        <p:txBody>
+          <a:bodyPr/>
+          <a:lstStyle/>
+          <a:p>
+            <a:pPr indent="0" marL="0">
+              <a:buNone/>
+            </a:pPr>
+            <a:r>
+              <a:rPr dirty="0" lang="en-US"/>
+              <a:t>Hello</a:t>
+            </a:r>
+            <a:r>
+              <a:rPr lang="en-US"/>
+              <a:t>, world.</a:t>
             </a:r>
           </a:p>
         </p:txBody>
       </p:sp>
     </p:spTree>
+    <p:extLst>
+      <p:ext uri="{BB962C8B-B14F-4D97-AF65-F5344CB8AC3E}">
+        <p14:creationId xmlns:p14="http://schemas.microsoft.com/office/powerpoint/2010/main" val="572707455"/>
+      </p:ext>
+    </p:extLst>
   </p:cSld>
   <p:clrMapOvr>
     <a:masterClrMapping/>
@@ -3420,9 +3737,9 @@
 </p:sld>
 </file>
 
-<file path=ppt/slides/slide2.xml><?xml version="1.0" encoding="utf-8"?>
+<file path=ppt/slides/slide3.xml><?xml version="1.0" encoding="utf-8"?>
 <p:sld xmlns:a="http://schemas.openxmlformats.org/drawingml/2006/main" xmlns:p="http://schemas.openxmlformats.org/presentationml/2006/main" xmlns:r="http://schemas.openxmlformats.org/officeDocument/2006/relationships">
-  <p:cSld name="Section Header">
+  <p:cSld>
     <p:spTree>
       <p:nvGrpSpPr>
         <p:cNvPr id="1" name=""/>
@@ -3439,36 +3756,44 @@
       </p:grpSpPr>
       <p:sp>
         <p:nvSpPr>
-          <p:cNvPr id="2" name="AutoShape 2"/>
-          <p:cNvSpPr/>
-          <p:nvPr>
-            <p:ph type="sldNum"/>
-          </p:nvPr>
-        </p:nvSpPr>
-        <p:spPr>
-          <a:xfrm>
-            <a:off x="7620000" y="6350000"/>
-            <a:ext cx="1270000" cy="381000"/>
-          </a:xfrm>
-          <a:prstGeom prst="rect">
-            <a:avLst/>
-          </a:prstGeom>
-        </p:spPr>
-        <p:txBody>
-          <a:p>
-            <a:r>
-              <a:rPr lang="en-US" sz="900">
-                <a:solidFill>
-                  <a:srgbClr val="808080"/>
-                </a:solidFill>
-                <a:latin typeface="Calibri"/>
-              </a:rPr>
-              <a:t>&lt;#&gt;</a:t>
-            </a:r>
-          </a:p>
-        </p:txBody>
+          <p:cNvPr id="10067" name="Title 1"/>
+          <p:cNvSpPr>
+            <a:spLocks noGrp="1"/>
+          </p:cNvSpPr>
+          <p:nvPr>
+            <p:ph type="title"/>
+          </p:nvPr>
+        </p:nvSpPr>
+        <p:spPr/>
+        <p:txBody>
+          <a:bodyPr/>
+          <a:lstStyle/>
+          <a:p>
+            <a:r>
+              <a:rPr dirty="0" lang="en-US"/>
+              <a:t>Section header</a:t>
+            </a:r>
+          </a:p>
+        </p:txBody>
+      </p:sp>
+      <p:sp>
+        <p:nvSpPr>
+          <p:cNvPr id="10068" name="Text Placeholder 2"/>
+          <p:cNvSpPr>
+            <a:spLocks noGrp="1"/>
+          </p:cNvSpPr>
+          <p:nvPr>
+            <p:ph idx="1" type="body"/>
+          </p:nvPr>
+        </p:nvSpPr>
+        <p:spPr/>
       </p:sp>
     </p:spTree>
+    <p:extLst>
+      <p:ext uri="{BB962C8B-B14F-4D97-AF65-F5344CB8AC3E}">
+        <p14:creationId xmlns:p14="http://schemas.microsoft.com/office/powerpoint/2010/main" val="3996781534"/>
+      </p:ext>
+    </p:extLst>
   </p:cSld>
   <p:clrMapOvr>
     <a:masterClrMapping/>
@@ -3476,9 +3801,9 @@
 </p:sld>
 </file>
 
-<file path=ppt/slides/slide3.xml><?xml version="1.0" encoding="utf-8"?>
+<file path=ppt/slides/slide4.xml><?xml version="1.0" encoding="utf-8"?>
 <p:sld xmlns:a="http://schemas.openxmlformats.org/drawingml/2006/main" xmlns:p="http://schemas.openxmlformats.org/presentationml/2006/main" xmlns:r="http://schemas.openxmlformats.org/officeDocument/2006/relationships">
-  <p:cSld name="Title and Content">
+  <p:cSld>
     <p:spTree>
       <p:nvGrpSpPr>
         <p:cNvPr id="1" name=""/>
@@ -3495,606 +3820,87 @@
       </p:grpSpPr>
       <p:sp>
         <p:nvSpPr>
-          <p:cNvPr id="2" name="TextBox 1"/>
-          <p:cNvSpPr txBox="1"/>
-          <p:nvPr/>
-        </p:nvSpPr>
-        <p:spPr>
-          <a:xfrm>
-            <a:off x="1371600" y="1828800"/>
-            <a:ext cx="9144000" cy="3657600"/>
-          </a:xfrm>
-          <a:prstGeom prst="rect">
-            <a:avLst/>
-          </a:prstGeom>
-          <a:noFill/>
-        </p:spPr>
-        <p:txBody>
-          <a:bodyPr wrap="none">
-            <a:spAutoFit/>
-          </a:bodyPr>
-          <a:lstStyle/>
-          <a:p>
-            <a:endParaRPr/>
-          </a:p>
-        </p:txBody>
-      </p:sp>
-      <p:sp>
-        <p:nvSpPr>
-          <p:cNvPr id="3" name="AutoShape 3"/>
-          <p:cNvSpPr/>
-          <p:nvPr>
-            <p:ph type="sldNum"/>
-          </p:nvPr>
-        </p:nvSpPr>
-        <p:spPr>
-          <a:xfrm>
-            <a:off x="7620000" y="6350000"/>
-            <a:ext cx="1270000" cy="381000"/>
-          </a:xfrm>
-          <a:prstGeom prst="rect">
-            <a:avLst/>
-          </a:prstGeom>
-        </p:spPr>
-        <p:txBody>
-          <a:p>
-            <a:r>
-              <a:rPr lang="en-US" sz="900">
-                <a:solidFill>
-                  <a:srgbClr val="808080"/>
-                </a:solidFill>
-                <a:latin typeface="Calibri"/>
-              </a:rPr>
-              <a:t>&lt;#&gt;</a:t>
+          <p:cNvPr id="10069" name="Title 3"/>
+          <p:cNvSpPr>
+            <a:spLocks noGrp="1"/>
+          </p:cNvSpPr>
+          <p:nvPr>
+            <p:ph type="title"/>
+          </p:nvPr>
+        </p:nvSpPr>
+        <p:spPr/>
+        <p:txBody>
+          <a:bodyPr/>
+          <a:lstStyle/>
+          <a:p>
+            <a:r>
+              <a:rPr dirty="0" lang="en-US"/>
+              <a:t>Slide Title for Two-Content</a:t>
+            </a:r>
+          </a:p>
+        </p:txBody>
+      </p:sp>
+      <p:sp>
+        <p:nvSpPr>
+          <p:cNvPr id="10070" name="Content Placeholder 4"/>
+          <p:cNvSpPr>
+            <a:spLocks noGrp="1"/>
+          </p:cNvSpPr>
+          <p:nvPr>
+            <p:ph idx="1" sz="half"/>
+          </p:nvPr>
+        </p:nvSpPr>
+        <p:spPr/>
+        <p:txBody>
+          <a:bodyPr/>
+          <a:lstStyle/>
+          <a:p>
+            <a:r>
+              <a:rPr dirty="0" lang="en-US"/>
+              <a:t>Some content on </a:t>
+            </a:r>
+            <a:r>
+              <a:rPr lang="en-US"/>
+              <a:t>the left.</a:t>
+            </a:r>
+            <a:endParaRPr dirty="0" lang="en-US"/>
+          </a:p>
+          <a:p>
+            <a:pPr indent="0" marL="0">
+              <a:buNone/>
+            </a:pPr>
+            <a:endParaRPr dirty="0" lang="en-US"/>
+          </a:p>
+        </p:txBody>
+      </p:sp>
+      <p:sp>
+        <p:nvSpPr>
+          <p:cNvPr id="10071" name="Content Placeholder 5"/>
+          <p:cNvSpPr>
+            <a:spLocks noGrp="1"/>
+          </p:cNvSpPr>
+          <p:nvPr>
+            <p:ph idx="2" sz="half"/>
+          </p:nvPr>
+        </p:nvSpPr>
+        <p:spPr/>
+        <p:txBody>
+          <a:bodyPr/>
+          <a:lstStyle/>
+          <a:p>
+            <a:r>
+              <a:rPr dirty="0" lang="en-US"/>
+              <a:t>Some content on the right.</a:t>
             </a:r>
           </a:p>
         </p:txBody>
       </p:sp>
     </p:spTree>
-  </p:cSld>
-  <p:clrMapOvr>
-    <a:masterClrMapping/>
-  </p:clrMapOvr>
-</p:sld>
-</file>
-
-<file path=ppt/slides/slide4.xml><?xml version="1.0" encoding="utf-8"?>
-<p:sld xmlns:a="http://schemas.openxmlformats.org/drawingml/2006/main" xmlns:p="http://schemas.openxmlformats.org/presentationml/2006/main" xmlns:r="http://schemas.openxmlformats.org/officeDocument/2006/relationships">
-  <p:cSld name="Title and Two Content">
-    <p:spTree>
-      <p:nvGrpSpPr>
-        <p:cNvPr id="1" name=""/>
-        <p:cNvGrpSpPr/>
-        <p:nvPr/>
-      </p:nvGrpSpPr>
-      <p:grpSpPr>
-        <a:xfrm>
-          <a:off x="0" y="0"/>
-          <a:ext cx="0" cy="0"/>
-          <a:chOff x="0" y="0"/>
-          <a:chExt cx="0" cy="0"/>
-        </a:xfrm>
-      </p:grpSpPr>
-      <p:sp>
-        <p:nvSpPr>
-          <p:cNvPr id="2" name="TextBox 1"/>
-          <p:cNvSpPr txBox="1"/>
-          <p:nvPr/>
-        </p:nvSpPr>
-        <p:spPr>
-          <a:xfrm>
-            <a:off x="1371600" y="1828800"/>
-            <a:ext cx="9144000" cy="3657600"/>
-          </a:xfrm>
-          <a:prstGeom prst="rect">
-            <a:avLst/>
-          </a:prstGeom>
-          <a:noFill/>
-        </p:spPr>
-        <p:txBody>
-          <a:bodyPr wrap="none">
-            <a:spAutoFit/>
-          </a:bodyPr>
-          <a:lstStyle/>
-          <a:p>
-            <a:endParaRPr/>
-          </a:p>
-        </p:txBody>
-      </p:sp>
-      <p:sp>
-        <p:nvSpPr>
-          <p:cNvPr id="3" name="TextBox 2"/>
-          <p:cNvSpPr txBox="1"/>
-          <p:nvPr/>
-        </p:nvSpPr>
-        <p:spPr>
-          <a:xfrm>
-            <a:off x="1371600" y="1828800"/>
-            <a:ext cx="9144000" cy="3657600"/>
-          </a:xfrm>
-          <a:prstGeom prst="rect">
-            <a:avLst/>
-          </a:prstGeom>
-          <a:noFill/>
-        </p:spPr>
-        <p:txBody>
-          <a:bodyPr wrap="none">
-            <a:spAutoFit/>
-          </a:bodyPr>
-          <a:lstStyle/>
-          <a:p>
-            <a:endParaRPr/>
-          </a:p>
-        </p:txBody>
-      </p:sp>
-      <p:sp>
-        <p:nvSpPr>
-          <p:cNvPr id="4" name="AutoShape 4"/>
-          <p:cNvSpPr/>
-          <p:nvPr>
-            <p:ph type="sldNum"/>
-          </p:nvPr>
-        </p:nvSpPr>
-        <p:spPr>
-          <a:xfrm>
-            <a:off x="7620000" y="6350000"/>
-            <a:ext cx="1270000" cy="381000"/>
-          </a:xfrm>
-          <a:prstGeom prst="rect">
-            <a:avLst/>
-          </a:prstGeom>
-        </p:spPr>
-        <p:txBody>
-          <a:p>
-            <a:r>
-              <a:rPr lang="en-US" sz="900">
-                <a:solidFill>
-                  <a:srgbClr val="808080"/>
-                </a:solidFill>
-                <a:latin typeface="Calibri"/>
-              </a:rPr>
-              <a:t>&lt;#&gt;</a:t>
-            </a:r>
-          </a:p>
-        </p:txBody>
-      </p:sp>
-    </p:spTree>
-  </p:cSld>
-  <p:clrMapOvr>
-    <a:masterClrMapping/>
-  </p:clrMapOvr>
-</p:sld>
-</file>
-
-<file path=ppt/slides/slide5.xml><?xml version="1.0" encoding="utf-8"?>
-<p:sld xmlns:a="http://schemas.openxmlformats.org/drawingml/2006/main" xmlns:p="http://schemas.openxmlformats.org/presentationml/2006/main" xmlns:r="http://schemas.openxmlformats.org/officeDocument/2006/relationships">
-  <p:cSld name="Title and Table">
-    <p:spTree>
-      <p:nvGrpSpPr>
-        <p:cNvPr id="1" name=""/>
-        <p:cNvGrpSpPr/>
-        <p:nvPr/>
-      </p:nvGrpSpPr>
-      <p:grpSpPr>
-        <a:xfrm>
-          <a:off x="0" y="0"/>
-          <a:ext cx="0" cy="0"/>
-          <a:chOff x="0" y="0"/>
-          <a:chExt cx="0" cy="0"/>
-        </a:xfrm>
-      </p:grpSpPr>
-      <p:sp>
-        <p:nvSpPr>
-          <p:cNvPr id="2" name="TextBox 1"/>
-          <p:cNvSpPr txBox="1"/>
-          <p:nvPr/>
-        </p:nvSpPr>
-        <p:spPr>
-          <a:xfrm>
-            <a:off x="1371600" y="1828800"/>
-            <a:ext cx="9144000" cy="3657600"/>
-          </a:xfrm>
-          <a:prstGeom prst="rect">
-            <a:avLst/>
-          </a:prstGeom>
-          <a:noFill/>
-        </p:spPr>
-        <p:txBody>
-          <a:bodyPr wrap="none">
-            <a:spAutoFit/>
-          </a:bodyPr>
-          <a:lstStyle/>
-          <a:p>
-            <a:endParaRPr/>
-          </a:p>
-        </p:txBody>
-      </p:sp>
-      <p:sp>
-        <p:nvSpPr>
-          <p:cNvPr id="3" name="AutoShape 3"/>
-          <p:cNvSpPr/>
-          <p:nvPr>
-            <p:ph type="sldNum"/>
-          </p:nvPr>
-        </p:nvSpPr>
-        <p:spPr>
-          <a:xfrm>
-            <a:off x="7620000" y="6350000"/>
-            <a:ext cx="1270000" cy="381000"/>
-          </a:xfrm>
-          <a:prstGeom prst="rect">
-            <a:avLst/>
-          </a:prstGeom>
-        </p:spPr>
-        <p:txBody>
-          <a:p>
-            <a:r>
-              <a:rPr lang="en-US" sz="900">
-                <a:solidFill>
-                  <a:srgbClr val="808080"/>
-                </a:solidFill>
-                <a:latin typeface="Calibri"/>
-              </a:rPr>
-              <a:t>&lt;#&gt;</a:t>
-            </a:r>
-          </a:p>
-        </p:txBody>
-      </p:sp>
-    </p:spTree>
-  </p:cSld>
-  <p:clrMapOvr>
-    <a:masterClrMapping/>
-  </p:clrMapOvr>
-</p:sld>
-</file>
-
-<file path=ppt/slides/slide6.xml><?xml version="1.0" encoding="utf-8"?>
-<p:sld xmlns:a="http://schemas.openxmlformats.org/drawingml/2006/main" xmlns:p="http://schemas.openxmlformats.org/presentationml/2006/main" xmlns:r="http://schemas.openxmlformats.org/officeDocument/2006/relationships">
-  <p:cSld name="Two Content">
-    <p:spTree>
-      <p:nvGrpSpPr>
-        <p:cNvPr id="1" name=""/>
-        <p:cNvGrpSpPr/>
-        <p:nvPr/>
-      </p:nvGrpSpPr>
-      <p:grpSpPr>
-        <a:xfrm>
-          <a:off x="0" y="0"/>
-          <a:ext cx="0" cy="0"/>
-          <a:chOff x="0" y="0"/>
-          <a:chExt cx="0" cy="0"/>
-        </a:xfrm>
-      </p:grpSpPr>
-      <p:sp>
-        <p:nvSpPr>
-          <p:cNvPr id="2" name="TextBox 1"/>
-          <p:cNvSpPr txBox="1"/>
-          <p:nvPr/>
-        </p:nvSpPr>
-        <p:spPr>
-          <a:xfrm>
-            <a:off x="1371600" y="1828800"/>
-            <a:ext cx="9144000" cy="3657600"/>
-          </a:xfrm>
-          <a:prstGeom prst="rect">
-            <a:avLst/>
-          </a:prstGeom>
-          <a:noFill/>
-        </p:spPr>
-        <p:txBody>
-          <a:bodyPr wrap="none">
-            <a:spAutoFit/>
-          </a:bodyPr>
-          <a:lstStyle/>
-          <a:p>
-            <a:endParaRPr/>
-          </a:p>
-        </p:txBody>
-      </p:sp>
-      <p:sp>
-        <p:nvSpPr>
-          <p:cNvPr id="3" name="TextBox 2"/>
-          <p:cNvSpPr txBox="1"/>
-          <p:nvPr/>
-        </p:nvSpPr>
-        <p:spPr>
-          <a:xfrm>
-            <a:off x="1371600" y="1828800"/>
-            <a:ext cx="9144000" cy="3657600"/>
-          </a:xfrm>
-          <a:prstGeom prst="rect">
-            <a:avLst/>
-          </a:prstGeom>
-          <a:noFill/>
-        </p:spPr>
-        <p:txBody>
-          <a:bodyPr wrap="none">
-            <a:spAutoFit/>
-          </a:bodyPr>
-          <a:lstStyle/>
-          <a:p>
-            <a:endParaRPr/>
-          </a:p>
-        </p:txBody>
-      </p:sp>
-      <p:sp>
-        <p:nvSpPr>
-          <p:cNvPr id="4" name="AutoShape 4"/>
-          <p:cNvSpPr/>
-          <p:nvPr>
-            <p:ph type="sldNum"/>
-          </p:nvPr>
-        </p:nvSpPr>
-        <p:spPr>
-          <a:xfrm>
-            <a:off x="7620000" y="6350000"/>
-            <a:ext cx="1270000" cy="381000"/>
-          </a:xfrm>
-          <a:prstGeom prst="rect">
-            <a:avLst/>
-          </a:prstGeom>
-        </p:spPr>
-        <p:txBody>
-          <a:p>
-            <a:r>
-              <a:rPr lang="en-US" sz="900">
-                <a:solidFill>
-                  <a:srgbClr val="808080"/>
-                </a:solidFill>
-                <a:latin typeface="Calibri"/>
-              </a:rPr>
-              <a:t>&lt;#&gt;</a:t>
-            </a:r>
-          </a:p>
-        </p:txBody>
-      </p:sp>
-    </p:spTree>
-  </p:cSld>
-  <p:clrMapOvr>
-    <a:masterClrMapping/>
-  </p:clrMapOvr>
-</p:sld>
-</file>
-
-<file path=ppt/slides/slide7.xml><?xml version="1.0" encoding="utf-8"?>
-<p:sld xmlns:a="http://schemas.openxmlformats.org/drawingml/2006/main" xmlns:p="http://schemas.openxmlformats.org/presentationml/2006/main" xmlns:r="http://schemas.openxmlformats.org/officeDocument/2006/relationships">
-  <p:cSld name="Comparison">
-    <p:spTree>
-      <p:nvGrpSpPr>
-        <p:cNvPr id="1" name=""/>
-        <p:cNvGrpSpPr/>
-        <p:nvPr/>
-      </p:nvGrpSpPr>
-      <p:grpSpPr>
-        <a:xfrm>
-          <a:off x="0" y="0"/>
-          <a:ext cx="0" cy="0"/>
-          <a:chOff x="0" y="0"/>
-          <a:chExt cx="0" cy="0"/>
-        </a:xfrm>
-      </p:grpSpPr>
-      <p:sp>
-        <p:nvSpPr>
-          <p:cNvPr id="2" name="TextBox 1"/>
-          <p:cNvSpPr txBox="1"/>
-          <p:nvPr/>
-        </p:nvSpPr>
-        <p:spPr>
-          <a:xfrm>
-            <a:off x="1371600" y="1828800"/>
-            <a:ext cx="9144000" cy="3657600"/>
-          </a:xfrm>
-          <a:prstGeom prst="rect">
-            <a:avLst/>
-          </a:prstGeom>
-          <a:noFill/>
-        </p:spPr>
-        <p:txBody>
-          <a:bodyPr wrap="none">
-            <a:spAutoFit/>
-          </a:bodyPr>
-          <a:lstStyle/>
-          <a:p>
-            <a:endParaRPr/>
-          </a:p>
-        </p:txBody>
-      </p:sp>
-      <p:sp>
-        <p:nvSpPr>
-          <p:cNvPr id="3" name="TextBox 2"/>
-          <p:cNvSpPr txBox="1"/>
-          <p:nvPr/>
-        </p:nvSpPr>
-        <p:spPr>
-          <a:xfrm>
-            <a:off x="1371600" y="1828800"/>
-            <a:ext cx="9144000" cy="3657600"/>
-          </a:xfrm>
-          <a:prstGeom prst="rect">
-            <a:avLst/>
-          </a:prstGeom>
-          <a:noFill/>
-        </p:spPr>
-        <p:txBody>
-          <a:bodyPr wrap="none">
-            <a:spAutoFit/>
-          </a:bodyPr>
-          <a:lstStyle/>
-          <a:p>
-            <a:endParaRPr/>
-          </a:p>
-        </p:txBody>
-      </p:sp>
-      <p:sp>
-        <p:nvSpPr>
-          <p:cNvPr id="4" name="AutoShape 4"/>
-          <p:cNvSpPr/>
-          <p:nvPr>
-            <p:ph type="sldNum"/>
-          </p:nvPr>
-        </p:nvSpPr>
-        <p:spPr>
-          <a:xfrm>
-            <a:off x="7620000" y="6350000"/>
-            <a:ext cx="1270000" cy="381000"/>
-          </a:xfrm>
-          <a:prstGeom prst="rect">
-            <a:avLst/>
-          </a:prstGeom>
-        </p:spPr>
-        <p:txBody>
-          <a:p>
-            <a:r>
-              <a:rPr lang="en-US" sz="900">
-                <a:solidFill>
-                  <a:srgbClr val="808080"/>
-                </a:solidFill>
-                <a:latin typeface="Calibri"/>
-              </a:rPr>
-              <a:t>&lt;#&gt;</a:t>
-            </a:r>
-          </a:p>
-        </p:txBody>
-      </p:sp>
-    </p:spTree>
-  </p:cSld>
-  <p:clrMapOvr>
-    <a:masterClrMapping/>
-  </p:clrMapOvr>
-</p:sld>
-</file>
-
-<file path=ppt/slides/slide8.xml><?xml version="1.0" encoding="utf-8"?>
-<p:sld xmlns:a="http://schemas.openxmlformats.org/drawingml/2006/main" xmlns:p="http://schemas.openxmlformats.org/presentationml/2006/main" xmlns:r="http://schemas.openxmlformats.org/officeDocument/2006/relationships">
-  <p:cSld name="Content with Caption">
-    <p:spTree>
-      <p:nvGrpSpPr>
-        <p:cNvPr id="1" name=""/>
-        <p:cNvGrpSpPr/>
-        <p:nvPr/>
-      </p:nvGrpSpPr>
-      <p:grpSpPr>
-        <a:xfrm>
-          <a:off x="0" y="0"/>
-          <a:ext cx="0" cy="0"/>
-          <a:chOff x="0" y="0"/>
-          <a:chExt cx="0" cy="0"/>
-        </a:xfrm>
-      </p:grpSpPr>
-      <p:sp>
-        <p:nvSpPr>
-          <p:cNvPr id="2" name="TextBox 1"/>
-          <p:cNvSpPr txBox="1"/>
-          <p:nvPr/>
-        </p:nvSpPr>
-        <p:spPr>
-          <a:xfrm>
-            <a:off x="1371600" y="1828800"/>
-            <a:ext cx="9144000" cy="3657600"/>
-          </a:xfrm>
-          <a:prstGeom prst="rect">
-            <a:avLst/>
-          </a:prstGeom>
-          <a:noFill/>
-        </p:spPr>
-        <p:txBody>
-          <a:bodyPr wrap="none">
-            <a:spAutoFit/>
-          </a:bodyPr>
-          <a:lstStyle/>
-          <a:p>
-            <a:endParaRPr/>
-          </a:p>
-        </p:txBody>
-      </p:sp>
-      <p:sp>
-        <p:nvSpPr>
-          <p:cNvPr id="3" name="AutoShape 3"/>
-          <p:cNvSpPr/>
-          <p:nvPr>
-            <p:ph type="sldNum"/>
-          </p:nvPr>
-        </p:nvSpPr>
-        <p:spPr>
-          <a:xfrm>
-            <a:off x="7620000" y="6350000"/>
-            <a:ext cx="1270000" cy="381000"/>
-          </a:xfrm>
-          <a:prstGeom prst="rect">
-            <a:avLst/>
-          </a:prstGeom>
-        </p:spPr>
-        <p:txBody>
-          <a:p>
-            <a:r>
-              <a:rPr lang="en-US" sz="900">
-                <a:solidFill>
-                  <a:srgbClr val="808080"/>
-                </a:solidFill>
-                <a:latin typeface="Calibri"/>
-              </a:rPr>
-              <a:t>&lt;#&gt;</a:t>
-            </a:r>
-          </a:p>
-        </p:txBody>
-      </p:sp>
-    </p:spTree>
-  </p:cSld>
-  <p:clrMapOvr>
-    <a:masterClrMapping/>
-  </p:clrMapOvr>
-</p:sld>
-</file>
-
-<file path=ppt/slides/slide9.xml><?xml version="1.0" encoding="utf-8"?>
-<p:sld xmlns:a="http://schemas.openxmlformats.org/drawingml/2006/main" xmlns:p="http://schemas.openxmlformats.org/presentationml/2006/main" xmlns:r="http://schemas.openxmlformats.org/officeDocument/2006/relationships">
-  <p:cSld name="Blank">
-    <p:spTree>
-      <p:nvGrpSpPr>
-        <p:cNvPr id="1" name=""/>
-        <p:cNvGrpSpPr/>
-        <p:nvPr/>
-      </p:nvGrpSpPr>
-      <p:grpSpPr>
-        <a:xfrm>
-          <a:off x="0" y="0"/>
-          <a:ext cx="0" cy="0"/>
-          <a:chOff x="0" y="0"/>
-          <a:chExt cx="0" cy="0"/>
-        </a:xfrm>
-      </p:grpSpPr>
-      <p:sp>
-        <p:nvSpPr>
-          <p:cNvPr id="2" name="AutoShape 2"/>
-          <p:cNvSpPr/>
-          <p:nvPr>
-            <p:ph type="sldNum"/>
-          </p:nvPr>
-        </p:nvSpPr>
-        <p:spPr>
-          <a:xfrm>
-            <a:off x="7620000" y="6350000"/>
-            <a:ext cx="1270000" cy="381000"/>
-          </a:xfrm>
-          <a:prstGeom prst="rect">
-            <a:avLst/>
-          </a:prstGeom>
-        </p:spPr>
-        <p:txBody>
-          <a:p>
-            <a:r>
-              <a:rPr lang="en-US" sz="900">
-                <a:solidFill>
-                  <a:srgbClr val="808080"/>
-                </a:solidFill>
-                <a:latin typeface="Calibri"/>
-              </a:rPr>
-              <a:t>&lt;#&gt;</a:t>
-            </a:r>
-          </a:p>
-        </p:txBody>
-      </p:sp>
-    </p:spTree>
+    <p:extLst>
+      <p:ext uri="{BB962C8B-B14F-4D97-AF65-F5344CB8AC3E}">
+        <p14:creationId xmlns:p14="http://schemas.microsoft.com/office/powerpoint/2010/main" val="1324621109"/>
+      </p:ext>
+    </p:extLst>
   </p:cSld>
   <p:clrMapOvr>
     <a:masterClrMapping/>
@@ -4145,9 +3951,9 @@
     </a:clrScheme>
     <a:fontScheme name="Office">
       <a:majorFont>
-        <a:latin typeface="Calibri"/>
-        <a:ea typeface=""/>
-        <a:cs typeface=""/>
+        <a:latin typeface="Frutiger for ZKB Light"/>
+        <a:ea typeface="Frutiger for ZKB Light"/>
+        <a:cs typeface="Frutiger for ZKB Light"/>
         <a:font script="Jpan" typeface="ＭＳ Ｐゴシック"/>
         <a:font script="Hang" typeface="맑은 고딕"/>
         <a:font script="Hans" typeface="宋体"/>
@@ -4180,9 +3986,9 @@
         <a:font script="Geor" typeface="Sylfaen"/>
       </a:majorFont>
       <a:minorFont>
-        <a:latin typeface="Calibri"/>
-        <a:ea typeface=""/>
-        <a:cs typeface=""/>
+        <a:latin typeface="Frutiger for ZKB Light"/>
+        <a:ea typeface="Frutiger for ZKB Light"/>
+        <a:cs typeface="Frutiger for ZKB Light"/>
         <a:font script="Jpan" typeface="ＭＳ Ｐゴシック"/>
         <a:font script="Hang" typeface="맑은 고딕"/>
         <a:font script="Hans" typeface="宋体"/>
@@ -4420,4 +4226,265 @@
   </a:objectDefaults>
   <a:extraClrSchemeLst/>
 </a:theme>
+</file>
+
+<file path=ppt/theme/theme2.xml><?xml version="1.0" encoding="utf-8"?>
+<a:theme xmlns:a="http://schemas.openxmlformats.org/drawingml/2006/main" name="Office Theme">
+  <a:themeElements>
+    <a:clrScheme name="Office">
+      <a:dk1>
+        <a:sysClr val="windowText" lastClr="000000"/>
+      </a:dk1>
+      <a:lt1>
+        <a:sysClr val="window" lastClr="FFFFFF"/>
+      </a:lt1>
+      <a:dk2>
+        <a:srgbClr val="44546A"/>
+      </a:dk2>
+      <a:lt2>
+        <a:srgbClr val="E7E6E6"/>
+      </a:lt2>
+      <a:accent1>
+        <a:srgbClr val="5B9BD5"/>
+      </a:accent1>
+      <a:accent2>
+        <a:srgbClr val="ED7D31"/>
+      </a:accent2>
+      <a:accent3>
+        <a:srgbClr val="A5A5A5"/>
+      </a:accent3>
+      <a:accent4>
+        <a:srgbClr val="FFC000"/>
+      </a:accent4>
+      <a:accent5>
+        <a:srgbClr val="4472C4"/>
+      </a:accent5>
+      <a:accent6>
+        <a:srgbClr val="70AD47"/>
+      </a:accent6>
+      <a:hlink>
+        <a:srgbClr val="0563C1"/>
+      </a:hlink>
+      <a:folHlink>
+        <a:srgbClr val="954F72"/>
+      </a:folHlink>
+    </a:clrScheme>
+    <a:fontScheme name="Office">
+      <a:majorFont>
+        <a:latin typeface="Calibri Light" panose="020F0302020204030204"/>
+        <a:ea typeface=""/>
+        <a:cs typeface=""/>
+        <a:font script="Jpan" typeface="ＭＳ Ｐゴシック"/>
+        <a:font script="Hang" typeface="맑은 고딕"/>
+        <a:font script="Hans" typeface="宋体"/>
+        <a:font script="Hant" typeface="新細明體"/>
+        <a:font script="Arab" typeface="Times New Roman"/>
+        <a:font script="Hebr" typeface="Times New Roman"/>
+        <a:font script="Thai" typeface="Angsana New"/>
+        <a:font script="Ethi" typeface="Nyala"/>
+        <a:font script="Beng" typeface="Vrinda"/>
+        <a:font script="Gujr" typeface="Shruti"/>
+        <a:font script="Khmr" typeface="MoolBoran"/>
+        <a:font script="Knda" typeface="Tunga"/>
+        <a:font script="Guru" typeface="Raavi"/>
+        <a:font script="Cans" typeface="Euphemia"/>
+        <a:font script="Cher" typeface="Plantagenet Cherokee"/>
+        <a:font script="Yiii" typeface="Microsoft Yi Baiti"/>
+        <a:font script="Tibt" typeface="Microsoft Himalaya"/>
+        <a:font script="Thaa" typeface="MV Boli"/>
+        <a:font script="Deva" typeface="Mangal"/>
+        <a:font script="Telu" typeface="Gautami"/>
+        <a:font script="Taml" typeface="Latha"/>
+        <a:font script="Syrc" typeface="Estrangelo Edessa"/>
+        <a:font script="Orya" typeface="Kalinga"/>
+        <a:font script="Mlym" typeface="Kartika"/>
+        <a:font script="Laoo" typeface="DokChampa"/>
+        <a:font script="Sinh" typeface="Iskoola Pota"/>
+        <a:font script="Mong" typeface="Mongolian Baiti"/>
+        <a:font script="Viet" typeface="Times New Roman"/>
+        <a:font script="Uigh" typeface="Microsoft Uighur"/>
+        <a:font script="Geor" typeface="Sylfaen"/>
+      </a:majorFont>
+      <a:minorFont>
+        <a:latin typeface="Calibri" panose="020F0502020204030204"/>
+        <a:ea typeface=""/>
+        <a:cs typeface=""/>
+        <a:font script="Jpan" typeface="ＭＳ Ｐゴシック"/>
+        <a:font script="Hang" typeface="맑은 고딕"/>
+        <a:font script="Hans" typeface="宋体"/>
+        <a:font script="Hant" typeface="新細明體"/>
+        <a:font script="Arab" typeface="Arial"/>
+        <a:font script="Hebr" typeface="Arial"/>
+        <a:font script="Thai" typeface="Cordia New"/>
+        <a:font script="Ethi" typeface="Nyala"/>
+        <a:font script="Beng" typeface="Vrinda"/>
+        <a:font script="Gujr" typeface="Shruti"/>
+        <a:font script="Khmr" typeface="DaunPenh"/>
+        <a:font script="Knda" typeface="Tunga"/>
+        <a:font script="Guru" typeface="Raavi"/>
+        <a:font script="Cans" typeface="Euphemia"/>
+        <a:font script="Cher" typeface="Plantagenet Cherokee"/>
+        <a:font script="Yiii" typeface="Microsoft Yi Baiti"/>
+        <a:font script="Tibt" typeface="Microsoft Himalaya"/>
+        <a:font script="Thaa" typeface="MV Boli"/>
+        <a:font script="Deva" typeface="Mangal"/>
+        <a:font script="Telu" typeface="Gautami"/>
+        <a:font script="Taml" typeface="Latha"/>
+        <a:font script="Syrc" typeface="Estrangelo Edessa"/>
+        <a:font script="Orya" typeface="Kalinga"/>
+        <a:font script="Mlym" typeface="Kartika"/>
+        <a:font script="Laoo" typeface="DokChampa"/>
+        <a:font script="Sinh" typeface="Iskoola Pota"/>
+        <a:font script="Mong" typeface="Mongolian Baiti"/>
+        <a:font script="Viet" typeface="Arial"/>
+        <a:font script="Uigh" typeface="Microsoft Uighur"/>
+        <a:font script="Geor" typeface="Sylfaen"/>
+      </a:minorFont>
+    </a:fontScheme>
+    <a:fmtScheme name="Office">
+      <a:fillStyleLst>
+        <a:solidFill>
+          <a:schemeClr val="phClr"/>
+        </a:solidFill>
+        <a:gradFill rotWithShape="1">
+          <a:gsLst>
+            <a:gs pos="0">
+              <a:schemeClr val="phClr">
+                <a:lumMod val="110000"/>
+                <a:satMod val="105000"/>
+                <a:tint val="67000"/>
+              </a:schemeClr>
+            </a:gs>
+            <a:gs pos="50000">
+              <a:schemeClr val="phClr">
+                <a:lumMod val="105000"/>
+                <a:satMod val="103000"/>
+                <a:tint val="73000"/>
+              </a:schemeClr>
+            </a:gs>
+            <a:gs pos="100000">
+              <a:schemeClr val="phClr">
+                <a:lumMod val="105000"/>
+                <a:satMod val="109000"/>
+                <a:tint val="81000"/>
+              </a:schemeClr>
+            </a:gs>
+          </a:gsLst>
+          <a:lin ang="5400000" scaled="0"/>
+        </a:gradFill>
+        <a:gradFill rotWithShape="1">
+          <a:gsLst>
+            <a:gs pos="0">
+              <a:schemeClr val="phClr">
+                <a:satMod val="103000"/>
+                <a:lumMod val="102000"/>
+                <a:tint val="94000"/>
+              </a:schemeClr>
+            </a:gs>
+            <a:gs pos="50000">
+              <a:schemeClr val="phClr">
+                <a:satMod val="110000"/>
+                <a:lumMod val="100000"/>
+                <a:shade val="100000"/>
+              </a:schemeClr>
+            </a:gs>
+            <a:gs pos="100000">
+              <a:schemeClr val="phClr">
+                <a:lumMod val="99000"/>
+                <a:satMod val="120000"/>
+                <a:shade val="78000"/>
+              </a:schemeClr>
+            </a:gs>
+          </a:gsLst>
+          <a:lin ang="5400000" scaled="0"/>
+        </a:gradFill>
+      </a:fillStyleLst>
+      <a:lnStyleLst>
+        <a:ln w="6350" cap="flat" cmpd="sng" algn="ctr">
+          <a:solidFill>
+            <a:schemeClr val="phClr"/>
+          </a:solidFill>
+          <a:prstDash val="solid"/>
+          <a:miter lim="800000"/>
+        </a:ln>
+        <a:ln w="12700" cap="flat" cmpd="sng" algn="ctr">
+          <a:solidFill>
+            <a:schemeClr val="phClr"/>
+          </a:solidFill>
+          <a:prstDash val="solid"/>
+          <a:miter lim="800000"/>
+        </a:ln>
+        <a:ln w="19050" cap="flat" cmpd="sng" algn="ctr">
+          <a:solidFill>
+            <a:schemeClr val="phClr"/>
+          </a:solidFill>
+          <a:prstDash val="solid"/>
+          <a:miter lim="800000"/>
+        </a:ln>
+      </a:lnStyleLst>
+      <a:effectStyleLst>
+        <a:effectStyle>
+          <a:effectLst/>
+        </a:effectStyle>
+        <a:effectStyle>
+          <a:effectLst/>
+        </a:effectStyle>
+        <a:effectStyle>
+          <a:effectLst>
+            <a:outerShdw blurRad="57150" dist="19050" dir="5400000" algn="ctr" rotWithShape="0">
+              <a:srgbClr val="000000">
+                <a:alpha val="63000"/>
+              </a:srgbClr>
+            </a:outerShdw>
+          </a:effectLst>
+        </a:effectStyle>
+      </a:effectStyleLst>
+      <a:bgFillStyleLst>
+        <a:solidFill>
+          <a:schemeClr val="phClr"/>
+        </a:solidFill>
+        <a:solidFill>
+          <a:schemeClr val="phClr">
+            <a:tint val="95000"/>
+            <a:satMod val="170000"/>
+          </a:schemeClr>
+        </a:solidFill>
+        <a:gradFill rotWithShape="1">
+          <a:gsLst>
+            <a:gs pos="0">
+              <a:schemeClr val="phClr">
+                <a:tint val="93000"/>
+                <a:satMod val="150000"/>
+                <a:shade val="98000"/>
+                <a:lumMod val="102000"/>
+              </a:schemeClr>
+            </a:gs>
+            <a:gs pos="50000">
+              <a:schemeClr val="phClr">
+                <a:tint val="98000"/>
+                <a:satMod val="130000"/>
+                <a:shade val="90000"/>
+                <a:lumMod val="103000"/>
+              </a:schemeClr>
+            </a:gs>
+            <a:gs pos="100000">
+              <a:schemeClr val="phClr">
+                <a:shade val="63000"/>
+                <a:satMod val="120000"/>
+              </a:schemeClr>
+            </a:gs>
+          </a:gsLst>
+          <a:lin ang="5400000" scaled="0"/>
+        </a:gradFill>
+      </a:bgFillStyleLst>
+    </a:fmtScheme>
+  </a:themeElements>
+  <a:objectDefaults/>
+  <a:extraClrSchemeLst/>
+  <a:extLst>
+    <a:ext uri="{05A4C25C-085E-4340-85A3-A5531E510DB2}">
+      <thm15:themeFamily xmlns:thm15="http://schemas.microsoft.com/office/thememl/2012/main" name="Office Theme" id="{62F939B6-93AF-4DB8-9C6B-D6C7DFDC589F}" vid="{4A3C46E8-61CC-4603-A589-7422A47A8E4A}"/>
+    </a:ext>
+  </a:extLst>
+</a:theme>
 </file>
--- a/doc/history/presentations/template.pptx
+++ b/doc/history/presentations/template.pptx
@@ -1,25 +1,16 @@
 
 <file path=ppt/presentation.xml><?xml version="1.0" encoding="utf-8"?>
-<p:presentation xmlns:a="http://schemas.openxmlformats.org/drawingml/2006/main" xmlns:r="http://schemas.openxmlformats.org/officeDocument/2006/relationships" xmlns:p="http://schemas.openxmlformats.org/presentationml/2006/main" saveSubsetFonts="1" autoCompressPictures="0">
+<p:presentation xmlns:a="http://schemas.openxmlformats.org/drawingml/2006/main" xmlns:r="http://schemas.openxmlformats.org/officeDocument/2006/relationships" xmlns:p="http://schemas.openxmlformats.org/presentationml/2006/main" saveSubsetFonts="1">
   <p:sldMasterIdLst>
     <p:sldMasterId id="2147483648" r:id="rId1"/>
   </p:sldMasterIdLst>
-  <p:notesMasterIdLst>
-    <p:notesMasterId r:id="rId6"/>
-  </p:notesMasterIdLst>
-  <p:sldIdLst>
-    <p:sldId id="256" r:id="rId2"/>
-    <p:sldId id="257" r:id="rId3"/>
-    <p:sldId id="258" r:id="rId4"/>
-    <p:sldId id="259" r:id="rId5"/>
-  </p:sldIdLst>
-  <p:sldSz cx="9144000" cy="5143500" type="screen16x9"/>
+  <p:sldSz cx="9144000" cy="6858000" type="screen4x3"/>
   <p:notesSz cx="6858000" cy="9144000"/>
   <p:defaultTextStyle>
     <a:defPPr>
       <a:defRPr lang="en-US"/>
     </a:defPPr>
-    <a:lvl1pPr marL="0" algn="l" defTabSz="457200" rtl="0" eaLnBrk="1" latinLnBrk="0" hangingPunct="1">
+    <a:lvl1pPr marL="0" algn="l" defTabSz="914400" rtl="0" eaLnBrk="1" latinLnBrk="0" hangingPunct="1">
       <a:defRPr sz="1800" kern="1200">
         <a:solidFill>
           <a:schemeClr val="tx1"/>
@@ -29,7 +20,7 @@
         <a:cs typeface="+mn-cs"/>
       </a:defRPr>
     </a:lvl1pPr>
-    <a:lvl2pPr marL="457200" algn="l" defTabSz="457200" rtl="0" eaLnBrk="1" latinLnBrk="0" hangingPunct="1">
+    <a:lvl2pPr marL="457200" algn="l" defTabSz="914400" rtl="0" eaLnBrk="1" latinLnBrk="0" hangingPunct="1">
       <a:defRPr sz="1800" kern="1200">
         <a:solidFill>
           <a:schemeClr val="tx1"/>
@@ -39,7 +30,7 @@
         <a:cs typeface="+mn-cs"/>
       </a:defRPr>
     </a:lvl2pPr>
-    <a:lvl3pPr marL="914400" algn="l" defTabSz="457200" rtl="0" eaLnBrk="1" latinLnBrk="0" hangingPunct="1">
+    <a:lvl3pPr marL="914400" algn="l" defTabSz="914400" rtl="0" eaLnBrk="1" latinLnBrk="0" hangingPunct="1">
       <a:defRPr sz="1800" kern="1200">
         <a:solidFill>
           <a:schemeClr val="tx1"/>
@@ -49,7 +40,7 @@
         <a:cs typeface="+mn-cs"/>
       </a:defRPr>
     </a:lvl3pPr>
-    <a:lvl4pPr marL="1371600" algn="l" defTabSz="457200" rtl="0" eaLnBrk="1" latinLnBrk="0" hangingPunct="1">
+    <a:lvl4pPr marL="1371600" algn="l" defTabSz="914400" rtl="0" eaLnBrk="1" latinLnBrk="0" hangingPunct="1">
       <a:defRPr sz="1800" kern="1200">
         <a:solidFill>
           <a:schemeClr val="tx1"/>
@@ -59,7 +50,7 @@
         <a:cs typeface="+mn-cs"/>
       </a:defRPr>
     </a:lvl4pPr>
-    <a:lvl5pPr marL="1828800" algn="l" defTabSz="457200" rtl="0" eaLnBrk="1" latinLnBrk="0" hangingPunct="1">
+    <a:lvl5pPr marL="1828800" algn="l" defTabSz="914400" rtl="0" eaLnBrk="1" latinLnBrk="0" hangingPunct="1">
       <a:defRPr sz="1800" kern="1200">
         <a:solidFill>
           <a:schemeClr val="tx1"/>
@@ -69,7 +60,7 @@
         <a:cs typeface="+mn-cs"/>
       </a:defRPr>
     </a:lvl5pPr>
-    <a:lvl6pPr marL="2286000" algn="l" defTabSz="457200" rtl="0" eaLnBrk="1" latinLnBrk="0" hangingPunct="1">
+    <a:lvl6pPr marL="2286000" algn="l" defTabSz="914400" rtl="0" eaLnBrk="1" latinLnBrk="0" hangingPunct="1">
       <a:defRPr sz="1800" kern="1200">
         <a:solidFill>
           <a:schemeClr val="tx1"/>
@@ -79,7 +70,7 @@
         <a:cs typeface="+mn-cs"/>
       </a:defRPr>
     </a:lvl6pPr>
-    <a:lvl7pPr marL="2743200" algn="l" defTabSz="457200" rtl="0" eaLnBrk="1" latinLnBrk="0" hangingPunct="1">
+    <a:lvl7pPr marL="2743200" algn="l" defTabSz="914400" rtl="0" eaLnBrk="1" latinLnBrk="0" hangingPunct="1">
       <a:defRPr sz="1800" kern="1200">
         <a:solidFill>
           <a:schemeClr val="tx1"/>
@@ -89,7 +80,7 @@
         <a:cs typeface="+mn-cs"/>
       </a:defRPr>
     </a:lvl7pPr>
-    <a:lvl8pPr marL="3200400" algn="l" defTabSz="457200" rtl="0" eaLnBrk="1" latinLnBrk="0" hangingPunct="1">
+    <a:lvl8pPr marL="3200400" algn="l" defTabSz="914400" rtl="0" eaLnBrk="1" latinLnBrk="0" hangingPunct="1">
       <a:defRPr sz="1800" kern="1200">
         <a:solidFill>
           <a:schemeClr val="tx1"/>
@@ -99,7 +90,7 @@
         <a:cs typeface="+mn-cs"/>
       </a:defRPr>
     </a:lvl8pPr>
-    <a:lvl9pPr marL="3657600" algn="l" defTabSz="457200" rtl="0" eaLnBrk="1" latinLnBrk="0" hangingPunct="1">
+    <a:lvl9pPr marL="3657600" algn="l" defTabSz="914400" rtl="0" eaLnBrk="1" latinLnBrk="0" hangingPunct="1">
       <a:defRPr sz="1800" kern="1200">
         <a:solidFill>
           <a:schemeClr val="tx1"/>
@@ -110,579 +101,7 @@
       </a:defRPr>
     </a:lvl9pPr>
   </p:defaultTextStyle>
-  <p:extLst>
-    <p:ext uri="{EFAFB233-063F-42B5-8137-9DF3F51BA10A}">
-      <p15:sldGuideLst xmlns:p15="http://schemas.microsoft.com/office/powerpoint/2012/main">
-        <p15:guide id="1" orient="horz" pos="1620" userDrawn="1">
-          <p15:clr>
-            <a:srgbClr val="A4A3A4"/>
-          </p15:clr>
-        </p15:guide>
-        <p15:guide id="2" pos="2880" userDrawn="1">
-          <p15:clr>
-            <a:srgbClr val="A4A3A4"/>
-          </p15:clr>
-        </p15:guide>
-      </p15:sldGuideLst>
-    </p:ext>
-  </p:extLst>
 </p:presentation>
-</file>
-
-<file path=ppt/notesMasters/notesMaster1.xml><?xml version="1.0" encoding="utf-8"?>
-<p:notesMaster xmlns:a="http://schemas.openxmlformats.org/drawingml/2006/main" xmlns:r="http://schemas.openxmlformats.org/officeDocument/2006/relationships" xmlns:p="http://schemas.openxmlformats.org/presentationml/2006/main">
-  <p:cSld>
-    <p:bg>
-      <p:bgRef idx="1001">
-        <a:schemeClr val="bg1"/>
-      </p:bgRef>
-    </p:bg>
-    <p:spTree>
-      <p:nvGrpSpPr>
-        <p:cNvPr id="1" name=""/>
-        <p:cNvGrpSpPr/>
-        <p:nvPr/>
-      </p:nvGrpSpPr>
-      <p:grpSpPr>
-        <a:xfrm>
-          <a:off x="0" y="0"/>
-          <a:ext cx="0" cy="0"/>
-          <a:chOff x="0" y="0"/>
-          <a:chExt cx="0" cy="0"/>
-        </a:xfrm>
-      </p:grpSpPr>
-      <p:sp>
-        <p:nvSpPr>
-          <p:cNvPr id="2" name="Header Placeholder 1"/>
-          <p:cNvSpPr>
-            <a:spLocks noGrp="1"/>
-          </p:cNvSpPr>
-          <p:nvPr>
-            <p:ph type="hdr" sz="quarter"/>
-          </p:nvPr>
-        </p:nvSpPr>
-        <p:spPr>
-          <a:xfrm>
-            <a:off x="0" y="0"/>
-            <a:ext cx="2971800" cy="458788"/>
-          </a:xfrm>
-          <a:prstGeom prst="rect">
-            <a:avLst/>
-          </a:prstGeom>
-        </p:spPr>
-        <p:txBody>
-          <a:bodyPr vert="horz" lIns="91440" tIns="45720" rIns="91440" bIns="45720" rtlCol="0"/>
-          <a:lstStyle>
-            <a:lvl1pPr algn="l">
-              <a:defRPr sz="1200"/>
-            </a:lvl1pPr>
-          </a:lstStyle>
-          <a:p>
-            <a:endParaRPr lang="en-US"/>
-          </a:p>
-        </p:txBody>
-      </p:sp>
-      <p:sp>
-        <p:nvSpPr>
-          <p:cNvPr id="3" name="Date Placeholder 2"/>
-          <p:cNvSpPr>
-            <a:spLocks noGrp="1"/>
-          </p:cNvSpPr>
-          <p:nvPr>
-            <p:ph type="dt" idx="1"/>
-          </p:nvPr>
-        </p:nvSpPr>
-        <p:spPr>
-          <a:xfrm>
-            <a:off x="3884613" y="0"/>
-            <a:ext cx="2971800" cy="458788"/>
-          </a:xfrm>
-          <a:prstGeom prst="rect">
-            <a:avLst/>
-          </a:prstGeom>
-        </p:spPr>
-        <p:txBody>
-          <a:bodyPr vert="horz" lIns="91440" tIns="45720" rIns="91440" bIns="45720" rtlCol="0"/>
-          <a:lstStyle>
-            <a:lvl1pPr algn="r">
-              <a:defRPr sz="1200"/>
-            </a:lvl1pPr>
-          </a:lstStyle>
-          <a:p>
-            <a:fld id="{0F9C1CCF-B725-44A7-AA57-5E433BD85C9F}" type="datetimeFigureOut">
-              <a:rPr lang="en-US" smtClean="0"/>
-              <a:t>1/2/22</a:t>
-            </a:fld>
-            <a:endParaRPr lang="en-US"/>
-          </a:p>
-        </p:txBody>
-      </p:sp>
-      <p:sp>
-        <p:nvSpPr>
-          <p:cNvPr id="4" name="Slide Image Placeholder 3"/>
-          <p:cNvSpPr>
-            <a:spLocks noGrp="1" noRot="1" noChangeAspect="1"/>
-          </p:cNvSpPr>
-          <p:nvPr>
-            <p:ph type="sldImg" idx="2"/>
-          </p:nvPr>
-        </p:nvSpPr>
-        <p:spPr>
-          <a:xfrm>
-            <a:off x="685800" y="1143000"/>
-            <a:ext cx="5486400" cy="3086100"/>
-          </a:xfrm>
-          <a:prstGeom prst="rect">
-            <a:avLst/>
-          </a:prstGeom>
-          <a:noFill/>
-          <a:ln w="12700">
-            <a:solidFill>
-              <a:prstClr val="black"/>
-            </a:solidFill>
-          </a:ln>
-        </p:spPr>
-        <p:txBody>
-          <a:bodyPr vert="horz" lIns="91440" tIns="45720" rIns="91440" bIns="45720" rtlCol="0" anchor="ctr"/>
-          <a:lstStyle/>
-          <a:p>
-            <a:endParaRPr lang="en-US"/>
-          </a:p>
-        </p:txBody>
-      </p:sp>
-      <p:sp>
-        <p:nvSpPr>
-          <p:cNvPr id="5" name="Notes Placeholder 4"/>
-          <p:cNvSpPr>
-            <a:spLocks noGrp="1"/>
-          </p:cNvSpPr>
-          <p:nvPr>
-            <p:ph type="body" sz="quarter" idx="3"/>
-          </p:nvPr>
-        </p:nvSpPr>
-        <p:spPr>
-          <a:xfrm>
-            <a:off x="685800" y="4400550"/>
-            <a:ext cx="5486400" cy="3600450"/>
-          </a:xfrm>
-          <a:prstGeom prst="rect">
-            <a:avLst/>
-          </a:prstGeom>
-        </p:spPr>
-        <p:txBody>
-          <a:bodyPr vert="horz" lIns="91440" tIns="45720" rIns="91440" bIns="45720" rtlCol="0"/>
-          <a:lstStyle/>
-          <a:p>
-            <a:pPr lvl="0"/>
-            <a:r>
-              <a:rPr lang="en-US"/>
-              <a:t>Click to edit Master text styles</a:t>
-            </a:r>
-          </a:p>
-          <a:p>
-            <a:pPr lvl="1"/>
-            <a:r>
-              <a:rPr lang="en-US"/>
-              <a:t>Second level</a:t>
-            </a:r>
-          </a:p>
-          <a:p>
-            <a:pPr lvl="2"/>
-            <a:r>
-              <a:rPr lang="en-US"/>
-              <a:t>Third level</a:t>
-            </a:r>
-          </a:p>
-          <a:p>
-            <a:pPr lvl="3"/>
-            <a:r>
-              <a:rPr lang="en-US"/>
-              <a:t>Fourth level</a:t>
-            </a:r>
-          </a:p>
-          <a:p>
-            <a:pPr lvl="4"/>
-            <a:r>
-              <a:rPr lang="en-US"/>
-              <a:t>Fifth level</a:t>
-            </a:r>
-          </a:p>
-        </p:txBody>
-      </p:sp>
-      <p:sp>
-        <p:nvSpPr>
-          <p:cNvPr id="6" name="Footer Placeholder 5"/>
-          <p:cNvSpPr>
-            <a:spLocks noGrp="1"/>
-          </p:cNvSpPr>
-          <p:nvPr>
-            <p:ph type="ftr" sz="quarter" idx="4"/>
-          </p:nvPr>
-        </p:nvSpPr>
-        <p:spPr>
-          <a:xfrm>
-            <a:off x="0" y="8685213"/>
-            <a:ext cx="2971800" cy="458787"/>
-          </a:xfrm>
-          <a:prstGeom prst="rect">
-            <a:avLst/>
-          </a:prstGeom>
-        </p:spPr>
-        <p:txBody>
-          <a:bodyPr vert="horz" lIns="91440" tIns="45720" rIns="91440" bIns="45720" rtlCol="0" anchor="b"/>
-          <a:lstStyle>
-            <a:lvl1pPr algn="l">
-              <a:defRPr sz="1200"/>
-            </a:lvl1pPr>
-          </a:lstStyle>
-          <a:p>
-            <a:endParaRPr lang="en-US"/>
-          </a:p>
-        </p:txBody>
-      </p:sp>
-      <p:sp>
-        <p:nvSpPr>
-          <p:cNvPr id="7" name="Slide Number Placeholder 6"/>
-          <p:cNvSpPr>
-            <a:spLocks noGrp="1"/>
-          </p:cNvSpPr>
-          <p:nvPr>
-            <p:ph type="sldNum" sz="quarter" idx="5"/>
-          </p:nvPr>
-        </p:nvSpPr>
-        <p:spPr>
-          <a:xfrm>
-            <a:off x="3884613" y="8685213"/>
-            <a:ext cx="2971800" cy="458787"/>
-          </a:xfrm>
-          <a:prstGeom prst="rect">
-            <a:avLst/>
-          </a:prstGeom>
-        </p:spPr>
-        <p:txBody>
-          <a:bodyPr vert="horz" lIns="91440" tIns="45720" rIns="91440" bIns="45720" rtlCol="0" anchor="b"/>
-          <a:lstStyle>
-            <a:lvl1pPr algn="r">
-              <a:defRPr sz="1200"/>
-            </a:lvl1pPr>
-          </a:lstStyle>
-          <a:p>
-            <a:fld id="{18BDFEC3-8487-43E8-A154-7C12CBC1FFF2}" type="slidenum">
-              <a:rPr lang="en-US" smtClean="0"/>
-              <a:t>‹#›</a:t>
-            </a:fld>
-            <a:endParaRPr lang="en-US"/>
-          </a:p>
-        </p:txBody>
-      </p:sp>
-    </p:spTree>
-    <p:extLst>
-      <p:ext uri="{BB962C8B-B14F-4D97-AF65-F5344CB8AC3E}">
-        <p14:creationId xmlns:p14="http://schemas.microsoft.com/office/powerpoint/2010/main" val="3782709779"/>
-      </p:ext>
-    </p:extLst>
-  </p:cSld>
-  <p:clrMap bg1="lt1" tx1="dk1" bg2="lt2" tx2="dk2" accent1="accent1" accent2="accent2" accent3="accent3" accent4="accent4" accent5="accent5" accent6="accent6" hlink="hlink" folHlink="folHlink"/>
-  <p:notesStyle>
-    <a:lvl1pPr marL="0" algn="l" defTabSz="914400" rtl="0" eaLnBrk="1" latinLnBrk="0" hangingPunct="1">
-      <a:defRPr sz="1200" kern="1200">
-        <a:solidFill>
-          <a:schemeClr val="tx1"/>
-        </a:solidFill>
-        <a:latin typeface="+mn-lt"/>
-        <a:ea typeface="+mn-ea"/>
-        <a:cs typeface="+mn-cs"/>
-      </a:defRPr>
-    </a:lvl1pPr>
-    <a:lvl2pPr marL="457200" algn="l" defTabSz="914400" rtl="0" eaLnBrk="1" latinLnBrk="0" hangingPunct="1">
-      <a:defRPr sz="1200" kern="1200">
-        <a:solidFill>
-          <a:schemeClr val="tx1"/>
-        </a:solidFill>
-        <a:latin typeface="+mn-lt"/>
-        <a:ea typeface="+mn-ea"/>
-        <a:cs typeface="+mn-cs"/>
-      </a:defRPr>
-    </a:lvl2pPr>
-    <a:lvl3pPr marL="914400" algn="l" defTabSz="914400" rtl="0" eaLnBrk="1" latinLnBrk="0" hangingPunct="1">
-      <a:defRPr sz="1200" kern="1200">
-        <a:solidFill>
-          <a:schemeClr val="tx1"/>
-        </a:solidFill>
-        <a:latin typeface="+mn-lt"/>
-        <a:ea typeface="+mn-ea"/>
-        <a:cs typeface="+mn-cs"/>
-      </a:defRPr>
-    </a:lvl3pPr>
-    <a:lvl4pPr marL="1371600" algn="l" defTabSz="914400" rtl="0" eaLnBrk="1" latinLnBrk="0" hangingPunct="1">
-      <a:defRPr sz="1200" kern="1200">
-        <a:solidFill>
-          <a:schemeClr val="tx1"/>
-        </a:solidFill>
-        <a:latin typeface="+mn-lt"/>
-        <a:ea typeface="+mn-ea"/>
-        <a:cs typeface="+mn-cs"/>
-      </a:defRPr>
-    </a:lvl4pPr>
-    <a:lvl5pPr marL="1828800" algn="l" defTabSz="914400" rtl="0" eaLnBrk="1" latinLnBrk="0" hangingPunct="1">
-      <a:defRPr sz="1200" kern="1200">
-        <a:solidFill>
-          <a:schemeClr val="tx1"/>
-        </a:solidFill>
-        <a:latin typeface="+mn-lt"/>
-        <a:ea typeface="+mn-ea"/>
-        <a:cs typeface="+mn-cs"/>
-      </a:defRPr>
-    </a:lvl5pPr>
-    <a:lvl6pPr marL="2286000" algn="l" defTabSz="914400" rtl="0" eaLnBrk="1" latinLnBrk="0" hangingPunct="1">
-      <a:defRPr sz="1200" kern="1200">
-        <a:solidFill>
-          <a:schemeClr val="tx1"/>
-        </a:solidFill>
-        <a:latin typeface="+mn-lt"/>
-        <a:ea typeface="+mn-ea"/>
-        <a:cs typeface="+mn-cs"/>
-      </a:defRPr>
-    </a:lvl6pPr>
-    <a:lvl7pPr marL="2743200" algn="l" defTabSz="914400" rtl="0" eaLnBrk="1" latinLnBrk="0" hangingPunct="1">
-      <a:defRPr sz="1200" kern="1200">
-        <a:solidFill>
-          <a:schemeClr val="tx1"/>
-        </a:solidFill>
-        <a:latin typeface="+mn-lt"/>
-        <a:ea typeface="+mn-ea"/>
-        <a:cs typeface="+mn-cs"/>
-      </a:defRPr>
-    </a:lvl7pPr>
-    <a:lvl8pPr marL="3200400" algn="l" defTabSz="914400" rtl="0" eaLnBrk="1" latinLnBrk="0" hangingPunct="1">
-      <a:defRPr sz="1200" kern="1200">
-        <a:solidFill>
-          <a:schemeClr val="tx1"/>
-        </a:solidFill>
-        <a:latin typeface="+mn-lt"/>
-        <a:ea typeface="+mn-ea"/>
-        <a:cs typeface="+mn-cs"/>
-      </a:defRPr>
-    </a:lvl8pPr>
-    <a:lvl9pPr marL="3657600" algn="l" defTabSz="914400" rtl="0" eaLnBrk="1" latinLnBrk="0" hangingPunct="1">
-      <a:defRPr sz="1200" kern="1200">
-        <a:solidFill>
-          <a:schemeClr val="tx1"/>
-        </a:solidFill>
-        <a:latin typeface="+mn-lt"/>
-        <a:ea typeface="+mn-ea"/>
-        <a:cs typeface="+mn-cs"/>
-      </a:defRPr>
-    </a:lvl9pPr>
-  </p:notesStyle>
-</p:notesMaster>
-</file>
-
-<file path=ppt/notesSlides/notesSlide1.xml><?xml version="1.0" encoding="utf-8"?>
-<p:notes xmlns:a="http://schemas.openxmlformats.org/drawingml/2006/main" xmlns:r="http://schemas.openxmlformats.org/officeDocument/2006/relationships" xmlns:p="http://schemas.openxmlformats.org/presentationml/2006/main">
-  <p:cSld>
-    <p:spTree>
-      <p:nvGrpSpPr>
-        <p:cNvPr id="1" name=""/>
-        <p:cNvGrpSpPr/>
-        <p:nvPr/>
-      </p:nvGrpSpPr>
-      <p:grpSpPr>
-        <a:xfrm>
-          <a:off x="0" y="0"/>
-          <a:ext cx="0" cy="0"/>
-          <a:chOff x="0" y="0"/>
-          <a:chExt cx="0" cy="0"/>
-        </a:xfrm>
-      </p:grpSpPr>
-      <p:sp>
-        <p:nvSpPr>
-          <p:cNvPr id="2" name="Slide Image Placeholder 1"/>
-          <p:cNvSpPr>
-            <a:spLocks noGrp="1" noRot="1" noChangeAspect="1"/>
-          </p:cNvSpPr>
-          <p:nvPr>
-            <p:ph type="sldImg"/>
-          </p:nvPr>
-        </p:nvSpPr>
-        <p:spPr>
-          <a:xfrm>
-            <a:off x="685800" y="1143000"/>
-            <a:ext cx="5486400" cy="3086100"/>
-          </a:xfrm>
-        </p:spPr>
-      </p:sp>
-      <p:sp>
-        <p:nvSpPr>
-          <p:cNvPr id="3" name="Notes Placeholder 2"/>
-          <p:cNvSpPr>
-            <a:spLocks noGrp="1"/>
-          </p:cNvSpPr>
-          <p:nvPr>
-            <p:ph type="body" idx="1"/>
-          </p:nvPr>
-        </p:nvSpPr>
-        <p:spPr/>
-        <p:txBody>
-          <a:bodyPr/>
-          <a:lstStyle/>
-          <a:p>
-            <a:r>
-              <a:rPr lang="en-US" dirty="0"/>
-              <a:t>Here</a:t>
-            </a:r>
-            <a:r>
-              <a:rPr lang="en-US" baseline="0" dirty="0"/>
-              <a:t> is a note</a:t>
-            </a:r>
-          </a:p>
-          <a:p>
-            <a:endParaRPr lang="en-US" baseline="0" dirty="0"/>
-          </a:p>
-          <a:p>
-            <a:r>
-              <a:rPr lang="en-US" baseline="0" dirty="0"/>
-              <a:t>With another paragraph.</a:t>
-            </a:r>
-            <a:endParaRPr lang="en-US" dirty="0"/>
-          </a:p>
-        </p:txBody>
-      </p:sp>
-      <p:sp>
-        <p:nvSpPr>
-          <p:cNvPr id="4" name="Slide Number Placeholder 3"/>
-          <p:cNvSpPr>
-            <a:spLocks noGrp="1"/>
-          </p:cNvSpPr>
-          <p:nvPr>
-            <p:ph type="sldNum" sz="quarter" idx="10"/>
-          </p:nvPr>
-        </p:nvSpPr>
-        <p:spPr/>
-        <p:txBody>
-          <a:bodyPr/>
-          <a:lstStyle/>
-          <a:p>
-            <a:fld id="{18BDFEC3-8487-43E8-A154-7C12CBC1FFF2}" type="slidenum">
-              <a:rPr lang="en-US" smtClean="0"/>
-              <a:t>1</a:t>
-            </a:fld>
-            <a:endParaRPr lang="en-US"/>
-          </a:p>
-        </p:txBody>
-      </p:sp>
-    </p:spTree>
-    <p:extLst>
-      <p:ext uri="{BB962C8B-B14F-4D97-AF65-F5344CB8AC3E}">
-        <p14:creationId xmlns:p14="http://schemas.microsoft.com/office/powerpoint/2010/main" val="3171319170"/>
-      </p:ext>
-    </p:extLst>
-  </p:cSld>
-  <p:clrMapOvr>
-    <a:masterClrMapping/>
-  </p:clrMapOvr>
-</p:notes>
-</file>
-
-<file path=ppt/notesSlides/notesSlide2.xml><?xml version="1.0" encoding="utf-8"?>
-<p:notes xmlns:a="http://schemas.openxmlformats.org/drawingml/2006/main" xmlns:r="http://schemas.openxmlformats.org/officeDocument/2006/relationships" xmlns:p="http://schemas.openxmlformats.org/presentationml/2006/main">
-  <p:cSld>
-    <p:spTree>
-      <p:nvGrpSpPr>
-        <p:cNvPr id="1" name=""/>
-        <p:cNvGrpSpPr/>
-        <p:nvPr/>
-      </p:nvGrpSpPr>
-      <p:grpSpPr>
-        <a:xfrm>
-          <a:off x="0" y="0"/>
-          <a:ext cx="0" cy="0"/>
-          <a:chOff x="0" y="0"/>
-          <a:chExt cx="0" cy="0"/>
-        </a:xfrm>
-      </p:grpSpPr>
-      <p:sp>
-        <p:nvSpPr>
-          <p:cNvPr id="2" name="Slide Image Placeholder 1"/>
-          <p:cNvSpPr>
-            <a:spLocks noGrp="1" noRot="1" noChangeAspect="1"/>
-          </p:cNvSpPr>
-          <p:nvPr>
-            <p:ph type="sldImg"/>
-          </p:nvPr>
-        </p:nvSpPr>
-        <p:spPr>
-          <a:xfrm>
-            <a:off x="685800" y="1143000"/>
-            <a:ext cx="5486400" cy="3086100"/>
-          </a:xfrm>
-        </p:spPr>
-      </p:sp>
-      <p:sp>
-        <p:nvSpPr>
-          <p:cNvPr id="3" name="Notes Placeholder 2"/>
-          <p:cNvSpPr>
-            <a:spLocks noGrp="1"/>
-          </p:cNvSpPr>
-          <p:nvPr>
-            <p:ph type="body" idx="1"/>
-          </p:nvPr>
-        </p:nvSpPr>
-        <p:spPr/>
-        <p:txBody>
-          <a:bodyPr/>
-          <a:lstStyle/>
-          <a:p>
-            <a:r>
-              <a:rPr lang="en-US" dirty="0"/>
-              <a:t>A</a:t>
-            </a:r>
-            <a:r>
-              <a:rPr lang="en-US" baseline="0" dirty="0"/>
-              <a:t> speaker note on </a:t>
-            </a:r>
-            <a:r>
-              <a:rPr lang="en-US" baseline="0"/>
-              <a:t>this slide too.</a:t>
-            </a:r>
-            <a:endParaRPr lang="en-US"/>
-          </a:p>
-        </p:txBody>
-      </p:sp>
-      <p:sp>
-        <p:nvSpPr>
-          <p:cNvPr id="4" name="Slide Number Placeholder 3"/>
-          <p:cNvSpPr>
-            <a:spLocks noGrp="1"/>
-          </p:cNvSpPr>
-          <p:nvPr>
-            <p:ph type="sldNum" sz="quarter" idx="10"/>
-          </p:nvPr>
-        </p:nvSpPr>
-        <p:spPr/>
-        <p:txBody>
-          <a:bodyPr/>
-          <a:lstStyle/>
-          <a:p>
-            <a:fld id="{18BDFEC3-8487-43E8-A154-7C12CBC1FFF2}" type="slidenum">
-              <a:rPr lang="en-US" smtClean="0"/>
-              <a:t>2</a:t>
-            </a:fld>
-            <a:endParaRPr lang="en-US"/>
-          </a:p>
-        </p:txBody>
-      </p:sp>
-    </p:spTree>
-    <p:extLst>
-      <p:ext uri="{BB962C8B-B14F-4D97-AF65-F5344CB8AC3E}">
-        <p14:creationId xmlns:p14="http://schemas.microsoft.com/office/powerpoint/2010/main" val="3016900036"/>
-      </p:ext>
-    </p:extLst>
-  </p:cSld>
-  <p:clrMapOvr>
-    <a:masterClrMapping/>
-  </p:clrMapOvr>
-</p:notes>
 </file>
 
 <file path=ppt/slideLayouts/slideLayout1.xml><?xml version="1.0" encoding="utf-8"?>
@@ -729,6 +148,7 @@
                 </a:solidFill>
                 <a:latin typeface="Frutiger for ZKB Light"/>
               </a:rPr>
+              <a:t/>
             </a:r>
           </a:p>
         </p:txBody>
@@ -762,7 +182,7 @@
                 </a:solidFill>
               </a:defRPr>
             </a:lvl1pPr>
-            <a:lvl2pPr marL="342900" indent="0" algn="ctr">
+            <a:lvl2pPr marL="457200" indent="0" algn="ctr">
               <a:buNone/>
               <a:defRPr>
                 <a:solidFill>
@@ -772,7 +192,7 @@
                 </a:solidFill>
               </a:defRPr>
             </a:lvl2pPr>
-            <a:lvl3pPr marL="685800" indent="0" algn="ctr">
+            <a:lvl3pPr marL="914400" indent="0" algn="ctr">
               <a:buNone/>
               <a:defRPr>
                 <a:solidFill>
@@ -782,7 +202,7 @@
                 </a:solidFill>
               </a:defRPr>
             </a:lvl3pPr>
-            <a:lvl4pPr marL="1028700" indent="0" algn="ctr">
+            <a:lvl4pPr marL="1371600" indent="0" algn="ctr">
               <a:buNone/>
               <a:defRPr>
                 <a:solidFill>
@@ -792,7 +212,7 @@
                 </a:solidFill>
               </a:defRPr>
             </a:lvl4pPr>
-            <a:lvl5pPr marL="1371600" indent="0" algn="ctr">
+            <a:lvl5pPr marL="1828800" indent="0" algn="ctr">
               <a:buNone/>
               <a:defRPr>
                 <a:solidFill>
@@ -802,7 +222,7 @@
                 </a:solidFill>
               </a:defRPr>
             </a:lvl5pPr>
-            <a:lvl6pPr marL="1714500" indent="0" algn="ctr">
+            <a:lvl6pPr marL="2286000" indent="0" algn="ctr">
               <a:buNone/>
               <a:defRPr>
                 <a:solidFill>
@@ -812,7 +232,7 @@
                 </a:solidFill>
               </a:defRPr>
             </a:lvl6pPr>
-            <a:lvl7pPr marL="2057400" indent="0" algn="ctr">
+            <a:lvl7pPr marL="2743200" indent="0" algn="ctr">
               <a:buNone/>
               <a:defRPr>
                 <a:solidFill>
@@ -822,7 +242,7 @@
                 </a:solidFill>
               </a:defRPr>
             </a:lvl7pPr>
-            <a:lvl8pPr marL="2400300" indent="0" algn="ctr">
+            <a:lvl8pPr marL="3200400" indent="0" algn="ctr">
               <a:buNone/>
               <a:defRPr>
                 <a:solidFill>
@@ -832,7 +252,7 @@
                 </a:solidFill>
               </a:defRPr>
             </a:lvl8pPr>
-            <a:lvl9pPr marL="2743200" indent="0" algn="ctr">
+            <a:lvl9pPr marL="3657600" indent="0" algn="ctr">
               <a:buNone/>
               <a:defRPr>
                 <a:solidFill>
@@ -845,12 +265,13 @@
           </a:lstStyle>
           <a:p>
             <a:r>
-              <a:rPr lang="en-US" sz="1400" b="false">
+              <a:rPr lang="en-US" sz="1400">
                 <a:solidFill>
                   <a:srgbClr val="003CD3"/>
                 </a:solidFill>
                 <a:latin typeface="Frutiger for ZKB Light"/>
               </a:rPr>
+              <a:t/>
             </a:r>
           </a:p>
         </p:txBody>
@@ -870,9 +291,10 @@
           <a:bodyPr/>
           <a:lstStyle/>
           <a:p>
-            <a:fld id="{241EB5C9-1307-BA42-ABA2-0BC069CD8E7F}" type="datetimeFigureOut">
-              <a:rPr lang="en-US" smtClean="0"/>
-              <a:t>1/2/22</a:t>
+            <a:fld id="{1D8BD707-D9CF-40AE-B4C6-C98DA3205C09}" type="datetimeFigureOut">
+              <a:rPr lang="en-US" smtClean="0"/>
+              <a:pPr/>
+              <a:t>8/1/2011</a:t>
             </a:fld>
             <a:endParaRPr lang="en-US"/>
           </a:p>
@@ -912,20 +334,102 @@
           <a:bodyPr/>
           <a:lstStyle/>
           <a:p>
-            <a:fld id="{C5EF2332-01BF-834F-8236-50238282D533}" type="slidenum">
-              <a:rPr lang="en-US" smtClean="0"/>
+            <a:fld id="{B6F15528-21DE-4FAA-801E-634DDDAF4B2B}" type="slidenum">
+              <a:rPr lang="en-US" smtClean="0"/>
+              <a:pPr/>
               <a:t>‹#›</a:t>
             </a:fld>
             <a:endParaRPr lang="en-US"/>
           </a:p>
         </p:txBody>
       </p:sp>
+      <p:pic>
+        <p:nvPicPr>
+          <p:cNvPr name="Picture 7" id="10010"/>
+          <p:cNvPicPr>
+            <a:picLocks noChangeAspect="true"/>
+          </p:cNvPicPr>
+          <p:nvPr/>
+        </p:nvPicPr>
+        <p:blipFill>
+          <a:blip r:embed="rId2"/>
+          <a:stretch>
+            <a:fillRect/>
+          </a:stretch>
+        </p:blipFill>
+        <p:spPr>
+          <a:xfrm>
+            <a:off x="0" y="0"/>
+            <a:ext cx="9144000" cy="6858000"/>
+          </a:xfrm>
+          <a:prstGeom prst="rect">
+            <a:avLst/>
+          </a:prstGeom>
+        </p:spPr>
+      </p:pic>
+      <p:sp>
+        <p:nvSpPr>
+          <p:cNvPr name="AutoShape 8" id="10011"/>
+          <p:cNvSpPr/>
+          <p:nvPr>
+            <p:ph type="sldNum"/>
+          </p:nvPr>
+        </p:nvSpPr>
+        <p:spPr>
+          <a:xfrm>
+            <a:off x="304800" y="6794500"/>
+            <a:ext cx="1270000" cy="254000"/>
+          </a:xfrm>
+          <a:prstGeom prst="rect">
+            <a:avLst/>
+          </a:prstGeom>
+        </p:spPr>
+        <p:txBody>
+          <a:p>
+            <a:fld type="slidenum">
+              <a:rPr sz="900">
+                <a:solidFill>
+                  <a:srgbClr val="003CD3"/>
+                </a:solidFill>
+                <a:latin typeface="Frutiger for ZKB Light"/>
+              </a:rPr>
+              <a:t>&lt;#&gt;</a:t>
+            </a:fld>
+          </a:p>
+        </p:txBody>
+      </p:sp>
+      <p:sp>
+        <p:nvSpPr>
+          <p:cNvPr name="AutoShape 9" id="10012"/>
+          <p:cNvSpPr/>
+          <p:nvPr>
+            <p:ph type="ftr"/>
+          </p:nvPr>
+        </p:nvSpPr>
+        <p:spPr>
+          <a:xfrm>
+            <a:off x="1905000" y="6794500"/>
+            <a:ext cx="7620000" cy="254000"/>
+          </a:xfrm>
+          <a:prstGeom prst="rect">
+            <a:avLst/>
+          </a:prstGeom>
+        </p:spPr>
+        <p:txBody>
+          <a:p>
+            <a:r>
+              <a:rPr lang="en-US" sz="900">
+                <a:solidFill>
+                  <a:srgbClr val="808080"/>
+                </a:solidFill>
+                <a:latin typeface="Frutiger for ZKB Light"/>
+              </a:rPr>
+              <a:t/>
+            </a:r>
+          </a:p>
+        </p:txBody>
+      </p:sp>
     </p:spTree>
-    <p:extLst>
-      <p:ext uri="{BB962C8B-B14F-4D97-AF65-F5344CB8AC3E}">
-        <p14:creationId xmlns:p14="http://schemas.microsoft.com/office/powerpoint/2010/main" val="1444357513"/>
-      </p:ext>
-    </p:extLst>
   </p:cSld>
   <p:clrMapOvr>
     <a:masterClrMapping/>
@@ -952,7 +456,7 @@
       </p:grpSpPr>
       <p:sp>
         <p:nvSpPr>
-          <p:cNvPr id="10016" name="Title 1"/>
+          <p:cNvPr id="10021" name="Title 1"/>
           <p:cNvSpPr>
             <a:spLocks noGrp="1"/>
           </p:cNvSpPr>
@@ -966,15 +470,16 @@
           <a:lstStyle/>
           <a:p>
             <a:r>
-              <a:rPr lang="en-US"/>
+              <a:rPr lang="en-US" smtClean="0"/>
               <a:t>Click to edit Master title style</a:t>
             </a:r>
-          </a:p>
-        </p:txBody>
-      </p:sp>
-      <p:sp>
-        <p:nvSpPr>
-          <p:cNvPr id="10017" name="Vertical Text Placeholder 2"/>
+            <a:endParaRPr lang="en-US"/>
+          </a:p>
+        </p:txBody>
+      </p:sp>
+      <p:sp>
+        <p:nvSpPr>
+          <p:cNvPr id="10022" name="Vertical Text Placeholder 2"/>
           <p:cNvSpPr>
             <a:spLocks noGrp="1"/>
           </p:cNvSpPr>
@@ -989,43 +494,44 @@
           <a:p>
             <a:pPr lvl="0"/>
             <a:r>
-              <a:rPr lang="en-US"/>
+              <a:rPr lang="en-US" smtClean="0"/>
               <a:t>Click to edit Master text styles</a:t>
             </a:r>
           </a:p>
           <a:p>
             <a:pPr lvl="1"/>
             <a:r>
-              <a:rPr lang="en-US"/>
+              <a:rPr lang="en-US" smtClean="0"/>
               <a:t>Second level</a:t>
             </a:r>
           </a:p>
           <a:p>
             <a:pPr lvl="2"/>
             <a:r>
-              <a:rPr lang="en-US"/>
+              <a:rPr lang="en-US" smtClean="0"/>
               <a:t>Third level</a:t>
             </a:r>
           </a:p>
           <a:p>
             <a:pPr lvl="3"/>
             <a:r>
-              <a:rPr lang="en-US"/>
+              <a:rPr lang="en-US" smtClean="0"/>
               <a:t>Fourth level</a:t>
             </a:r>
           </a:p>
           <a:p>
             <a:pPr lvl="4"/>
             <a:r>
-              <a:rPr lang="en-US"/>
+              <a:rPr lang="en-US" smtClean="0"/>
               <a:t>Fifth level</a:t>
             </a:r>
-          </a:p>
-        </p:txBody>
-      </p:sp>
-      <p:sp>
-        <p:nvSpPr>
-          <p:cNvPr id="10018" name="Date Placeholder 3"/>
+            <a:endParaRPr lang="en-US"/>
+          </a:p>
+        </p:txBody>
+      </p:sp>
+      <p:sp>
+        <p:nvSpPr>
+          <p:cNvPr id="10023" name="Date Placeholder 3"/>
           <p:cNvSpPr>
             <a:spLocks noGrp="1"/>
           </p:cNvSpPr>
@@ -1038,9 +544,10 @@
           <a:bodyPr/>
           <a:lstStyle/>
           <a:p>
-            <a:fld id="{241EB5C9-1307-BA42-ABA2-0BC069CD8E7F}" type="datetimeFigureOut">
-              <a:rPr lang="en-US" smtClean="0"/>
-              <a:t>1/2/22</a:t>
+            <a:fld id="{1D8BD707-D9CF-40AE-B4C6-C98DA3205C09}" type="datetimeFigureOut">
+              <a:rPr lang="en-US" smtClean="0"/>
+              <a:pPr/>
+              <a:t>8/1/2011</a:t>
             </a:fld>
             <a:endParaRPr lang="en-US"/>
           </a:p>
@@ -1048,7 +555,7 @@
       </p:sp>
       <p:sp>
         <p:nvSpPr>
-          <p:cNvPr id="10019" name="Footer Placeholder 4"/>
+          <p:cNvPr id="10024" name="Footer Placeholder 4"/>
           <p:cNvSpPr>
             <a:spLocks noGrp="1"/>
           </p:cNvSpPr>
@@ -1067,7 +574,7 @@
       </p:sp>
       <p:sp>
         <p:nvSpPr>
-          <p:cNvPr id="10020" name="Slide Number Placeholder 5"/>
+          <p:cNvPr id="10025" name="Slide Number Placeholder 5"/>
           <p:cNvSpPr>
             <a:spLocks noGrp="1"/>
           </p:cNvSpPr>
@@ -1080,20 +587,78 @@
           <a:bodyPr/>
           <a:lstStyle/>
           <a:p>
-            <a:fld id="{C5EF2332-01BF-834F-8236-50238282D533}" type="slidenum">
-              <a:rPr lang="en-US" smtClean="0"/>
+            <a:fld id="{B6F15528-21DE-4FAA-801E-634DDDAF4B2B}" type="slidenum">
+              <a:rPr lang="en-US" smtClean="0"/>
+              <a:pPr/>
               <a:t>‹#›</a:t>
             </a:fld>
             <a:endParaRPr lang="en-US"/>
           </a:p>
         </p:txBody>
       </p:sp>
+      <p:sp>
+        <p:nvSpPr>
+          <p:cNvPr name="AutoShape 7" id="10026"/>
+          <p:cNvSpPr/>
+          <p:nvPr>
+            <p:ph type="sldNum"/>
+          </p:nvPr>
+        </p:nvSpPr>
+        <p:spPr>
+          <a:xfrm>
+            <a:off x="304800" y="6794500"/>
+            <a:ext cx="1270000" cy="254000"/>
+          </a:xfrm>
+          <a:prstGeom prst="rect">
+            <a:avLst/>
+          </a:prstGeom>
+        </p:spPr>
+        <p:txBody>
+          <a:p>
+            <a:fld type="slidenum">
+              <a:rPr sz="900">
+                <a:solidFill>
+                  <a:srgbClr val="003CD3"/>
+                </a:solidFill>
+                <a:latin typeface="Frutiger for ZKB Light"/>
+              </a:rPr>
+              <a:t>&lt;#&gt;</a:t>
+            </a:fld>
+          </a:p>
+        </p:txBody>
+      </p:sp>
+      <p:sp>
+        <p:nvSpPr>
+          <p:cNvPr name="AutoShape 8" id="10027"/>
+          <p:cNvSpPr/>
+          <p:nvPr>
+            <p:ph type="ftr"/>
+          </p:nvPr>
+        </p:nvSpPr>
+        <p:spPr>
+          <a:xfrm>
+            <a:off x="1905000" y="6794500"/>
+            <a:ext cx="7620000" cy="254000"/>
+          </a:xfrm>
+          <a:prstGeom prst="rect">
+            <a:avLst/>
+          </a:prstGeom>
+        </p:spPr>
+        <p:txBody>
+          <a:p>
+            <a:r>
+              <a:rPr lang="en-US" sz="900">
+                <a:solidFill>
+                  <a:srgbClr val="808080"/>
+                </a:solidFill>
+                <a:latin typeface="Frutiger for ZKB Light"/>
+              </a:rPr>
+              <a:t/>
+            </a:r>
+          </a:p>
+        </p:txBody>
+      </p:sp>
     </p:spTree>
-    <p:extLst>
-      <p:ext uri="{BB962C8B-B14F-4D97-AF65-F5344CB8AC3E}">
-        <p14:creationId xmlns:p14="http://schemas.microsoft.com/office/powerpoint/2010/main" val="313914798"/>
-      </p:ext>
-    </p:extLst>
   </p:cSld>
   <p:clrMapOvr>
     <a:masterClrMapping/>
@@ -1120,7 +685,7 @@
       </p:grpSpPr>
       <p:sp>
         <p:nvSpPr>
-          <p:cNvPr id="10032" name="Vertical Title 1"/>
+          <p:cNvPr id="10043" name="Vertical Title 1"/>
           <p:cNvSpPr>
             <a:spLocks noGrp="1"/>
           </p:cNvSpPr>
@@ -1130,8 +695,8 @@
         </p:nvSpPr>
         <p:spPr>
           <a:xfrm>
-            <a:off x="6629400" y="205979"/>
-            <a:ext cx="2057400" cy="4388644"/>
+            <a:off x="6629400" y="274638"/>
+            <a:ext cx="2057400" cy="5851525"/>
           </a:xfrm>
         </p:spPr>
         <p:txBody>
@@ -1139,15 +704,16 @@
           <a:lstStyle/>
           <a:p>
             <a:r>
-              <a:rPr lang="en-US"/>
+              <a:rPr lang="en-US" smtClean="0"/>
               <a:t>Click to edit Master title style</a:t>
             </a:r>
-          </a:p>
-        </p:txBody>
-      </p:sp>
-      <p:sp>
-        <p:nvSpPr>
-          <p:cNvPr id="10033" name="Vertical Text Placeholder 2"/>
+            <a:endParaRPr lang="en-US"/>
+          </a:p>
+        </p:txBody>
+      </p:sp>
+      <p:sp>
+        <p:nvSpPr>
+          <p:cNvPr id="10044" name="Vertical Text Placeholder 2"/>
           <p:cNvSpPr>
             <a:spLocks noGrp="1"/>
           </p:cNvSpPr>
@@ -1157,8 +723,8 @@
         </p:nvSpPr>
         <p:spPr>
           <a:xfrm>
-            <a:off x="457200" y="205979"/>
-            <a:ext cx="6019800" cy="4388644"/>
+            <a:off x="457200" y="274638"/>
+            <a:ext cx="6019800" cy="5851525"/>
           </a:xfrm>
         </p:spPr>
         <p:txBody>
@@ -1167,43 +733,44 @@
           <a:p>
             <a:pPr lvl="0"/>
             <a:r>
-              <a:rPr lang="en-US"/>
+              <a:rPr lang="en-US" smtClean="0"/>
               <a:t>Click to edit Master text styles</a:t>
             </a:r>
           </a:p>
           <a:p>
             <a:pPr lvl="1"/>
             <a:r>
-              <a:rPr lang="en-US"/>
+              <a:rPr lang="en-US" smtClean="0"/>
               <a:t>Second level</a:t>
             </a:r>
           </a:p>
           <a:p>
             <a:pPr lvl="2"/>
             <a:r>
-              <a:rPr lang="en-US"/>
+              <a:rPr lang="en-US" smtClean="0"/>
               <a:t>Third level</a:t>
             </a:r>
           </a:p>
           <a:p>
             <a:pPr lvl="3"/>
             <a:r>
-              <a:rPr lang="en-US"/>
+              <a:rPr lang="en-US" smtClean="0"/>
               <a:t>Fourth level</a:t>
             </a:r>
           </a:p>
           <a:p>
             <a:pPr lvl="4"/>
             <a:r>
-              <a:rPr lang="en-US"/>
+              <a:rPr lang="en-US" smtClean="0"/>
               <a:t>Fifth level</a:t>
             </a:r>
-          </a:p>
-        </p:txBody>
-      </p:sp>
-      <p:sp>
-        <p:nvSpPr>
-          <p:cNvPr id="10034" name="Date Placeholder 3"/>
+            <a:endParaRPr lang="en-US"/>
+          </a:p>
+        </p:txBody>
+      </p:sp>
+      <p:sp>
+        <p:nvSpPr>
+          <p:cNvPr id="10045" name="Date Placeholder 3"/>
           <p:cNvSpPr>
             <a:spLocks noGrp="1"/>
           </p:cNvSpPr>
@@ -1216,9 +783,10 @@
           <a:bodyPr/>
           <a:lstStyle/>
           <a:p>
-            <a:fld id="{241EB5C9-1307-BA42-ABA2-0BC069CD8E7F}" type="datetimeFigureOut">
-              <a:rPr lang="en-US" smtClean="0"/>
-              <a:t>1/2/22</a:t>
+            <a:fld id="{1D8BD707-D9CF-40AE-B4C6-C98DA3205C09}" type="datetimeFigureOut">
+              <a:rPr lang="en-US" smtClean="0"/>
+              <a:pPr/>
+              <a:t>8/1/2011</a:t>
             </a:fld>
             <a:endParaRPr lang="en-US"/>
           </a:p>
@@ -1226,7 +794,7 @@
       </p:sp>
       <p:sp>
         <p:nvSpPr>
-          <p:cNvPr id="10035" name="Footer Placeholder 4"/>
+          <p:cNvPr id="10046" name="Footer Placeholder 4"/>
           <p:cNvSpPr>
             <a:spLocks noGrp="1"/>
           </p:cNvSpPr>
@@ -1245,7 +813,7 @@
       </p:sp>
       <p:sp>
         <p:nvSpPr>
-          <p:cNvPr id="10036" name="Slide Number Placeholder 5"/>
+          <p:cNvPr id="10047" name="Slide Number Placeholder 5"/>
           <p:cNvSpPr>
             <a:spLocks noGrp="1"/>
           </p:cNvSpPr>
@@ -1258,20 +826,78 @@
           <a:bodyPr/>
           <a:lstStyle/>
           <a:p>
-            <a:fld id="{C5EF2332-01BF-834F-8236-50238282D533}" type="slidenum">
-              <a:rPr lang="en-US" smtClean="0"/>
+            <a:fld id="{B6F15528-21DE-4FAA-801E-634DDDAF4B2B}" type="slidenum">
+              <a:rPr lang="en-US" smtClean="0"/>
+              <a:pPr/>
               <a:t>‹#›</a:t>
             </a:fld>
             <a:endParaRPr lang="en-US"/>
           </a:p>
         </p:txBody>
       </p:sp>
+      <p:sp>
+        <p:nvSpPr>
+          <p:cNvPr name="AutoShape 7" id="10048"/>
+          <p:cNvSpPr/>
+          <p:nvPr>
+            <p:ph type="sldNum"/>
+          </p:nvPr>
+        </p:nvSpPr>
+        <p:spPr>
+          <a:xfrm>
+            <a:off x="304800" y="6794500"/>
+            <a:ext cx="1270000" cy="254000"/>
+          </a:xfrm>
+          <a:prstGeom prst="rect">
+            <a:avLst/>
+          </a:prstGeom>
+        </p:spPr>
+        <p:txBody>
+          <a:p>
+            <a:fld type="slidenum">
+              <a:rPr sz="900">
+                <a:solidFill>
+                  <a:srgbClr val="003CD3"/>
+                </a:solidFill>
+                <a:latin typeface="Frutiger for ZKB Light"/>
+              </a:rPr>
+              <a:t>&lt;#&gt;</a:t>
+            </a:fld>
+          </a:p>
+        </p:txBody>
+      </p:sp>
+      <p:sp>
+        <p:nvSpPr>
+          <p:cNvPr name="AutoShape 8" id="10049"/>
+          <p:cNvSpPr/>
+          <p:nvPr>
+            <p:ph type="ftr"/>
+          </p:nvPr>
+        </p:nvSpPr>
+        <p:spPr>
+          <a:xfrm>
+            <a:off x="1905000" y="6794500"/>
+            <a:ext cx="7620000" cy="254000"/>
+          </a:xfrm>
+          <a:prstGeom prst="rect">
+            <a:avLst/>
+          </a:prstGeom>
+        </p:spPr>
+        <p:txBody>
+          <a:p>
+            <a:r>
+              <a:rPr lang="en-US" sz="900">
+                <a:solidFill>
+                  <a:srgbClr val="808080"/>
+                </a:solidFill>
+                <a:latin typeface="Frutiger for ZKB Light"/>
+              </a:rPr>
+              <a:t/>
+            </a:r>
+          </a:p>
+        </p:txBody>
+      </p:sp>
     </p:spTree>
-    <p:extLst>
-      <p:ext uri="{BB962C8B-B14F-4D97-AF65-F5344CB8AC3E}">
-        <p14:creationId xmlns:p14="http://schemas.microsoft.com/office/powerpoint/2010/main" val="2581529045"/>
-      </p:ext>
-    </p:extLst>
   </p:cSld>
   <p:clrMapOvr>
     <a:masterClrMapping/>
@@ -1298,7 +924,7 @@
       </p:grpSpPr>
       <p:sp>
         <p:nvSpPr>
-          <p:cNvPr id="10037" name="Title 1"/>
+          <p:cNvPr id="10050" name="Title 1"/>
           <p:cNvSpPr>
             <a:spLocks noGrp="1"/>
           </p:cNvSpPr>
@@ -1318,13 +944,14 @@
                 </a:solidFill>
                 <a:latin typeface="Frutiger for ZKB Light"/>
               </a:rPr>
-            </a:r>
-          </a:p>
-        </p:txBody>
-      </p:sp>
-      <p:sp>
-        <p:nvSpPr>
-          <p:cNvPr id="10038" name="Content Placeholder 2"/>
+              <a:t/>
+            </a:r>
+          </a:p>
+        </p:txBody>
+      </p:sp>
+      <p:sp>
+        <p:nvSpPr>
+          <p:cNvPr id="10051" name="Content Placeholder 2"/>
           <p:cNvSpPr>
             <a:spLocks noGrp="1"/>
           </p:cNvSpPr>
@@ -1338,19 +965,20 @@
           <a:lstStyle/>
           <a:p>
             <a:r>
-              <a:rPr lang="en-US" sz="1800" b="false">
+              <a:rPr lang="en-US" sz="1800">
                 <a:solidFill>
                   <a:srgbClr val="000000"/>
                 </a:solidFill>
                 <a:latin typeface="Frutiger for ZKB Light"/>
               </a:rPr>
-            </a:r>
-          </a:p>
-        </p:txBody>
-      </p:sp>
-      <p:sp>
-        <p:nvSpPr>
-          <p:cNvPr id="10039" name="Date Placeholder 3"/>
+              <a:t/>
+            </a:r>
+          </a:p>
+        </p:txBody>
+      </p:sp>
+      <p:sp>
+        <p:nvSpPr>
+          <p:cNvPr id="10052" name="Date Placeholder 3"/>
           <p:cNvSpPr>
             <a:spLocks noGrp="1"/>
           </p:cNvSpPr>
@@ -1363,9 +991,10 @@
           <a:bodyPr/>
           <a:lstStyle/>
           <a:p>
-            <a:fld id="{241EB5C9-1307-BA42-ABA2-0BC069CD8E7F}" type="datetimeFigureOut">
-              <a:rPr lang="en-US" smtClean="0"/>
-              <a:t>1/2/22</a:t>
+            <a:fld id="{1D8BD707-D9CF-40AE-B4C6-C98DA3205C09}" type="datetimeFigureOut">
+              <a:rPr lang="en-US" smtClean="0"/>
+              <a:pPr/>
+              <a:t>8/1/2011</a:t>
             </a:fld>
             <a:endParaRPr lang="en-US"/>
           </a:p>
@@ -1373,7 +1002,7 @@
       </p:sp>
       <p:sp>
         <p:nvSpPr>
-          <p:cNvPr id="10040" name="Footer Placeholder 4"/>
+          <p:cNvPr id="10053" name="Footer Placeholder 4"/>
           <p:cNvSpPr>
             <a:spLocks noGrp="1"/>
           </p:cNvSpPr>
@@ -1392,7 +1021,7 @@
       </p:sp>
       <p:sp>
         <p:nvSpPr>
-          <p:cNvPr id="10041" name="Slide Number Placeholder 5"/>
+          <p:cNvPr id="10054" name="Slide Number Placeholder 5"/>
           <p:cNvSpPr>
             <a:spLocks noGrp="1"/>
           </p:cNvSpPr>
@@ -1416,12 +1045,69 @@
           </a:p>
         </p:txBody>
       </p:sp>
+      <p:sp>
+        <p:nvSpPr>
+          <p:cNvPr name="AutoShape 7" id="10055"/>
+          <p:cNvSpPr/>
+          <p:nvPr>
+            <p:ph type="sldNum"/>
+          </p:nvPr>
+        </p:nvSpPr>
+        <p:spPr>
+          <a:xfrm>
+            <a:off x="304800" y="6794500"/>
+            <a:ext cx="1270000" cy="254000"/>
+          </a:xfrm>
+          <a:prstGeom prst="rect">
+            <a:avLst/>
+          </a:prstGeom>
+        </p:spPr>
+        <p:txBody>
+          <a:p>
+            <a:fld type="slidenum">
+              <a:rPr sz="900">
+                <a:solidFill>
+                  <a:srgbClr val="003CD3"/>
+                </a:solidFill>
+                <a:latin typeface="Frutiger for ZKB Light"/>
+              </a:rPr>
+              <a:t>&lt;#&gt;</a:t>
+            </a:fld>
+          </a:p>
+        </p:txBody>
+      </p:sp>
+      <p:sp>
+        <p:nvSpPr>
+          <p:cNvPr name="AutoShape 8" id="10056"/>
+          <p:cNvSpPr/>
+          <p:nvPr>
+            <p:ph type="ftr"/>
+          </p:nvPr>
+        </p:nvSpPr>
+        <p:spPr>
+          <a:xfrm>
+            <a:off x="1905000" y="6794500"/>
+            <a:ext cx="7620000" cy="254000"/>
+          </a:xfrm>
+          <a:prstGeom prst="rect">
+            <a:avLst/>
+          </a:prstGeom>
+        </p:spPr>
+        <p:txBody>
+          <a:p>
+            <a:r>
+              <a:rPr lang="en-US" sz="900">
+                <a:solidFill>
+                  <a:srgbClr val="808080"/>
+                </a:solidFill>
+                <a:latin typeface="Frutiger for ZKB Light"/>
+              </a:rPr>
+              <a:t/>
+            </a:r>
+          </a:p>
+        </p:txBody>
+      </p:sp>
     </p:spTree>
-    <p:extLst>
-      <p:ext uri="{BB962C8B-B14F-4D97-AF65-F5344CB8AC3E}">
-        <p14:creationId xmlns:p14="http://schemas.microsoft.com/office/powerpoint/2010/main" val="338346009"/>
-      </p:ext>
-    </p:extLst>
   </p:cSld>
   <p:clrMapOvr>
     <a:masterClrMapping/>
@@ -1448,7 +1134,7 @@
       </p:grpSpPr>
       <p:sp>
         <p:nvSpPr>
-          <p:cNvPr id="10046" name="Title 1"/>
+          <p:cNvPr id="10063" name="Title 1"/>
           <p:cNvSpPr>
             <a:spLocks noGrp="1"/>
           </p:cNvSpPr>
@@ -1458,28 +1144,29 @@
         </p:nvSpPr>
         <p:spPr>
           <a:xfrm>
-            <a:off x="722313" y="3305176"/>
-            <a:ext cx="7772400" cy="1021556"/>
+            <a:off x="722313" y="4406900"/>
+            <a:ext cx="7772400" cy="1362075"/>
           </a:xfrm>
         </p:spPr>
         <p:txBody>
           <a:bodyPr anchor="t"/>
           <a:lstStyle>
             <a:lvl1pPr algn="l">
-              <a:defRPr sz="3000" b="1" cap="all"/>
+              <a:defRPr sz="4000" b="1" cap="all"/>
             </a:lvl1pPr>
           </a:lstStyle>
           <a:p>
             <a:r>
-              <a:rPr lang="en-US"/>
+              <a:rPr lang="en-US" smtClean="0"/>
               <a:t>Click to edit Master title style</a:t>
             </a:r>
-          </a:p>
-        </p:txBody>
-      </p:sp>
-      <p:sp>
-        <p:nvSpPr>
-          <p:cNvPr id="10047" name="Text Placeholder 2"/>
+            <a:endParaRPr lang="en-US"/>
+          </a:p>
+        </p:txBody>
+      </p:sp>
+      <p:sp>
+        <p:nvSpPr>
+          <p:cNvPr id="10064" name="Text Placeholder 2"/>
           <p:cNvSpPr>
             <a:spLocks noGrp="1"/>
           </p:cNvSpPr>
@@ -1489,8 +1176,8 @@
         </p:nvSpPr>
         <p:spPr>
           <a:xfrm>
-            <a:off x="722313" y="2180035"/>
-            <a:ext cx="7772400" cy="1125140"/>
+            <a:off x="722313" y="2906713"/>
+            <a:ext cx="7772400" cy="1500187"/>
           </a:xfrm>
         </p:spPr>
         <p:txBody>
@@ -1498,7 +1185,7 @@
           <a:lstStyle>
             <a:lvl1pPr marL="0" indent="0">
               <a:buNone/>
-              <a:defRPr sz="1500">
+              <a:defRPr sz="2000">
                 <a:solidFill>
                   <a:schemeClr val="tx1">
                     <a:tint val="75000"/>
@@ -1506,9 +1193,9 @@
                 </a:solidFill>
               </a:defRPr>
             </a:lvl1pPr>
-            <a:lvl2pPr marL="342900" indent="0">
-              <a:buNone/>
-              <a:defRPr sz="1350">
+            <a:lvl2pPr marL="457200" indent="0">
+              <a:buNone/>
+              <a:defRPr sz="1800">
                 <a:solidFill>
                   <a:schemeClr val="tx1">
                     <a:tint val="75000"/>
@@ -1516,9 +1203,9 @@
                 </a:solidFill>
               </a:defRPr>
             </a:lvl2pPr>
-            <a:lvl3pPr marL="685800" indent="0">
-              <a:buNone/>
-              <a:defRPr sz="1200">
+            <a:lvl3pPr marL="914400" indent="0">
+              <a:buNone/>
+              <a:defRPr sz="1600">
                 <a:solidFill>
                   <a:schemeClr val="tx1">
                     <a:tint val="75000"/>
@@ -1526,9 +1213,9 @@
                 </a:solidFill>
               </a:defRPr>
             </a:lvl3pPr>
-            <a:lvl4pPr marL="1028700" indent="0">
-              <a:buNone/>
-              <a:defRPr sz="1050">
+            <a:lvl4pPr marL="1371600" indent="0">
+              <a:buNone/>
+              <a:defRPr sz="1400">
                 <a:solidFill>
                   <a:schemeClr val="tx1">
                     <a:tint val="75000"/>
@@ -1536,9 +1223,9 @@
                 </a:solidFill>
               </a:defRPr>
             </a:lvl4pPr>
-            <a:lvl5pPr marL="1371600" indent="0">
-              <a:buNone/>
-              <a:defRPr sz="1050">
+            <a:lvl5pPr marL="1828800" indent="0">
+              <a:buNone/>
+              <a:defRPr sz="1400">
                 <a:solidFill>
                   <a:schemeClr val="tx1">
                     <a:tint val="75000"/>
@@ -1546,9 +1233,9 @@
                 </a:solidFill>
               </a:defRPr>
             </a:lvl5pPr>
-            <a:lvl6pPr marL="1714500" indent="0">
-              <a:buNone/>
-              <a:defRPr sz="1050">
+            <a:lvl6pPr marL="2286000" indent="0">
+              <a:buNone/>
+              <a:defRPr sz="1400">
                 <a:solidFill>
                   <a:schemeClr val="tx1">
                     <a:tint val="75000"/>
@@ -1556,9 +1243,9 @@
                 </a:solidFill>
               </a:defRPr>
             </a:lvl6pPr>
-            <a:lvl7pPr marL="2057400" indent="0">
-              <a:buNone/>
-              <a:defRPr sz="1050">
+            <a:lvl7pPr marL="2743200" indent="0">
+              <a:buNone/>
+              <a:defRPr sz="1400">
                 <a:solidFill>
                   <a:schemeClr val="tx1">
                     <a:tint val="75000"/>
@@ -1566,9 +1253,9 @@
                 </a:solidFill>
               </a:defRPr>
             </a:lvl7pPr>
-            <a:lvl8pPr marL="2400300" indent="0">
-              <a:buNone/>
-              <a:defRPr sz="1050">
+            <a:lvl8pPr marL="3200400" indent="0">
+              <a:buNone/>
+              <a:defRPr sz="1400">
                 <a:solidFill>
                   <a:schemeClr val="tx1">
                     <a:tint val="75000"/>
@@ -1576,9 +1263,9 @@
                 </a:solidFill>
               </a:defRPr>
             </a:lvl8pPr>
-            <a:lvl9pPr marL="2743200" indent="0">
-              <a:buNone/>
-              <a:defRPr sz="1050">
+            <a:lvl9pPr marL="3657600" indent="0">
+              <a:buNone/>
+              <a:defRPr sz="1400">
                 <a:solidFill>
                   <a:schemeClr val="tx1">
                     <a:tint val="75000"/>
@@ -1590,7 +1277,7 @@
           <a:p>
             <a:pPr lvl="0"/>
             <a:r>
-              <a:rPr lang="en-US"/>
+              <a:rPr lang="en-US" smtClean="0"/>
               <a:t>Click to edit Master text styles</a:t>
             </a:r>
           </a:p>
@@ -1598,7 +1285,7 @@
       </p:sp>
       <p:sp>
         <p:nvSpPr>
-          <p:cNvPr id="10048" name="Date Placeholder 3"/>
+          <p:cNvPr id="10065" name="Date Placeholder 3"/>
           <p:cNvSpPr>
             <a:spLocks noGrp="1"/>
           </p:cNvSpPr>
@@ -1611,9 +1298,10 @@
           <a:bodyPr/>
           <a:lstStyle/>
           <a:p>
-            <a:fld id="{241EB5C9-1307-BA42-ABA2-0BC069CD8E7F}" type="datetimeFigureOut">
-              <a:rPr lang="en-US" smtClean="0"/>
-              <a:t>1/2/22</a:t>
+            <a:fld id="{1D8BD707-D9CF-40AE-B4C6-C98DA3205C09}" type="datetimeFigureOut">
+              <a:rPr lang="en-US" smtClean="0"/>
+              <a:pPr/>
+              <a:t>8/1/2011</a:t>
             </a:fld>
             <a:endParaRPr lang="en-US"/>
           </a:p>
@@ -1621,7 +1309,7 @@
       </p:sp>
       <p:sp>
         <p:nvSpPr>
-          <p:cNvPr id="10049" name="Footer Placeholder 4"/>
+          <p:cNvPr id="10066" name="Footer Placeholder 4"/>
           <p:cNvSpPr>
             <a:spLocks noGrp="1"/>
           </p:cNvSpPr>
@@ -1640,7 +1328,7 @@
       </p:sp>
       <p:sp>
         <p:nvSpPr>
-          <p:cNvPr id="10050" name="Slide Number Placeholder 5"/>
+          <p:cNvPr id="10067" name="Slide Number Placeholder 5"/>
           <p:cNvSpPr>
             <a:spLocks noGrp="1"/>
           </p:cNvSpPr>
@@ -1653,20 +1341,78 @@
           <a:bodyPr/>
           <a:lstStyle/>
           <a:p>
-            <a:fld id="{C5EF2332-01BF-834F-8236-50238282D533}" type="slidenum">
-              <a:rPr lang="en-US" smtClean="0"/>
+            <a:fld id="{B6F15528-21DE-4FAA-801E-634DDDAF4B2B}" type="slidenum">
+              <a:rPr lang="en-US" smtClean="0"/>
+              <a:pPr/>
               <a:t>‹#›</a:t>
             </a:fld>
             <a:endParaRPr lang="en-US"/>
           </a:p>
         </p:txBody>
       </p:sp>
+      <p:sp>
+        <p:nvSpPr>
+          <p:cNvPr name="AutoShape 7" id="10068"/>
+          <p:cNvSpPr/>
+          <p:nvPr>
+            <p:ph type="sldNum"/>
+          </p:nvPr>
+        </p:nvSpPr>
+        <p:spPr>
+          <a:xfrm>
+            <a:off x="304800" y="6794500"/>
+            <a:ext cx="1270000" cy="254000"/>
+          </a:xfrm>
+          <a:prstGeom prst="rect">
+            <a:avLst/>
+          </a:prstGeom>
+        </p:spPr>
+        <p:txBody>
+          <a:p>
+            <a:fld type="slidenum">
+              <a:rPr sz="900">
+                <a:solidFill>
+                  <a:srgbClr val="003CD3"/>
+                </a:solidFill>
+                <a:latin typeface="Frutiger for ZKB Light"/>
+              </a:rPr>
+              <a:t>&lt;#&gt;</a:t>
+            </a:fld>
+          </a:p>
+        </p:txBody>
+      </p:sp>
+      <p:sp>
+        <p:nvSpPr>
+          <p:cNvPr name="AutoShape 8" id="10069"/>
+          <p:cNvSpPr/>
+          <p:nvPr>
+            <p:ph type="ftr"/>
+          </p:nvPr>
+        </p:nvSpPr>
+        <p:spPr>
+          <a:xfrm>
+            <a:off x="1905000" y="6794500"/>
+            <a:ext cx="7620000" cy="254000"/>
+          </a:xfrm>
+          <a:prstGeom prst="rect">
+            <a:avLst/>
+          </a:prstGeom>
+        </p:spPr>
+        <p:txBody>
+          <a:p>
+            <a:r>
+              <a:rPr lang="en-US" sz="900">
+                <a:solidFill>
+                  <a:srgbClr val="808080"/>
+                </a:solidFill>
+                <a:latin typeface="Frutiger for ZKB Light"/>
+              </a:rPr>
+              <a:t/>
+            </a:r>
+          </a:p>
+        </p:txBody>
+      </p:sp>
     </p:spTree>
-    <p:extLst>
-      <p:ext uri="{BB962C8B-B14F-4D97-AF65-F5344CB8AC3E}">
-        <p14:creationId xmlns:p14="http://schemas.microsoft.com/office/powerpoint/2010/main" val="1073069076"/>
-      </p:ext>
-    </p:extLst>
   </p:cSld>
   <p:clrMapOvr>
     <a:masterClrMapping/>
@@ -1693,7 +1439,7 @@
       </p:grpSpPr>
       <p:sp>
         <p:nvSpPr>
-          <p:cNvPr id="10051" name="Title 1"/>
+          <p:cNvPr id="10070" name="Title 1"/>
           <p:cNvSpPr>
             <a:spLocks noGrp="1"/>
           </p:cNvSpPr>
@@ -1713,13 +1459,14 @@
                 </a:solidFill>
                 <a:latin typeface="Frutiger for ZKB Light"/>
               </a:rPr>
-            </a:r>
-          </a:p>
-        </p:txBody>
-      </p:sp>
-      <p:sp>
-        <p:nvSpPr>
-          <p:cNvPr id="10052" name="Content Placeholder 2"/>
+              <a:t/>
+            </a:r>
+          </a:p>
+        </p:txBody>
+      </p:sp>
+      <p:sp>
+        <p:nvSpPr>
+          <p:cNvPr id="10071" name="Content Placeholder 2"/>
           <p:cNvSpPr>
             <a:spLocks noGrp="1"/>
           </p:cNvSpPr>
@@ -1737,48 +1484,49 @@
           <a:bodyPr/>
           <a:lstStyle>
             <a:lvl1pPr>
-              <a:defRPr sz="2100"/>
+              <a:defRPr sz="2800"/>
             </a:lvl1pPr>
             <a:lvl2pPr>
-              <a:defRPr sz="1800"/>
+              <a:defRPr sz="2400"/>
             </a:lvl2pPr>
             <a:lvl3pPr>
-              <a:defRPr sz="1500"/>
+              <a:defRPr sz="2000"/>
             </a:lvl3pPr>
             <a:lvl4pPr>
-              <a:defRPr sz="1350"/>
+              <a:defRPr sz="1800"/>
             </a:lvl4pPr>
             <a:lvl5pPr>
-              <a:defRPr sz="1350"/>
+              <a:defRPr sz="1800"/>
             </a:lvl5pPr>
             <a:lvl6pPr>
-              <a:defRPr sz="1350"/>
+              <a:defRPr sz="1800"/>
             </a:lvl6pPr>
             <a:lvl7pPr>
-              <a:defRPr sz="1350"/>
+              <a:defRPr sz="1800"/>
             </a:lvl7pPr>
             <a:lvl8pPr>
-              <a:defRPr sz="1350"/>
+              <a:defRPr sz="1800"/>
             </a:lvl8pPr>
             <a:lvl9pPr>
-              <a:defRPr sz="1350"/>
+              <a:defRPr sz="1800"/>
             </a:lvl9pPr>
           </a:lstStyle>
           <a:p>
             <a:r>
-              <a:rPr lang="en-US" sz="1800" b="false">
+              <a:rPr lang="en-US" sz="1800">
                 <a:solidFill>
                   <a:srgbClr val="000000"/>
                 </a:solidFill>
                 <a:latin typeface="Frutiger for ZKB Light"/>
               </a:rPr>
-            </a:r>
-          </a:p>
-        </p:txBody>
-      </p:sp>
-      <p:sp>
-        <p:nvSpPr>
-          <p:cNvPr id="10053" name="Content Placeholder 3"/>
+              <a:t/>
+            </a:r>
+          </a:p>
+        </p:txBody>
+      </p:sp>
+      <p:sp>
+        <p:nvSpPr>
+          <p:cNvPr id="10072" name="Content Placeholder 3"/>
           <p:cNvSpPr>
             <a:spLocks noGrp="1"/>
           </p:cNvSpPr>
@@ -1796,48 +1544,49 @@
           <a:bodyPr/>
           <a:lstStyle>
             <a:lvl1pPr>
-              <a:defRPr sz="2100"/>
+              <a:defRPr sz="2800"/>
             </a:lvl1pPr>
             <a:lvl2pPr>
-              <a:defRPr sz="1800"/>
+              <a:defRPr sz="2400"/>
             </a:lvl2pPr>
             <a:lvl3pPr>
-              <a:defRPr sz="1500"/>
+              <a:defRPr sz="2000"/>
             </a:lvl3pPr>
             <a:lvl4pPr>
-              <a:defRPr sz="1350"/>
+              <a:defRPr sz="1800"/>
             </a:lvl4pPr>
             <a:lvl5pPr>
-              <a:defRPr sz="1350"/>
+              <a:defRPr sz="1800"/>
             </a:lvl5pPr>
             <a:lvl6pPr>
-              <a:defRPr sz="1350"/>
+              <a:defRPr sz="1800"/>
             </a:lvl6pPr>
             <a:lvl7pPr>
-              <a:defRPr sz="1350"/>
+              <a:defRPr sz="1800"/>
             </a:lvl7pPr>
             <a:lvl8pPr>
-              <a:defRPr sz="1350"/>
+              <a:defRPr sz="1800"/>
             </a:lvl8pPr>
             <a:lvl9pPr>
-              <a:defRPr sz="1350"/>
+              <a:defRPr sz="1800"/>
             </a:lvl9pPr>
           </a:lstStyle>
           <a:p>
             <a:r>
-              <a:rPr lang="en-US" sz="1800" b="false">
+              <a:rPr lang="en-US" sz="1800">
                 <a:solidFill>
                   <a:srgbClr val="000000"/>
                 </a:solidFill>
                 <a:latin typeface="Frutiger for ZKB Light"/>
               </a:rPr>
-            </a:r>
-          </a:p>
-        </p:txBody>
-      </p:sp>
-      <p:sp>
-        <p:nvSpPr>
-          <p:cNvPr id="10054" name="Date Placeholder 4"/>
+              <a:t/>
+            </a:r>
+          </a:p>
+        </p:txBody>
+      </p:sp>
+      <p:sp>
+        <p:nvSpPr>
+          <p:cNvPr id="10073" name="Date Placeholder 4"/>
           <p:cNvSpPr>
             <a:spLocks noGrp="1"/>
           </p:cNvSpPr>
@@ -1850,9 +1599,10 @@
           <a:bodyPr/>
           <a:lstStyle/>
           <a:p>
-            <a:fld id="{241EB5C9-1307-BA42-ABA2-0BC069CD8E7F}" type="datetimeFigureOut">
-              <a:rPr lang="en-US" smtClean="0"/>
-              <a:t>1/2/22</a:t>
+            <a:fld id="{1D8BD707-D9CF-40AE-B4C6-C98DA3205C09}" type="datetimeFigureOut">
+              <a:rPr lang="en-US" smtClean="0"/>
+              <a:pPr/>
+              <a:t>8/1/2011</a:t>
             </a:fld>
             <a:endParaRPr lang="en-US"/>
           </a:p>
@@ -1860,7 +1610,7 @@
       </p:sp>
       <p:sp>
         <p:nvSpPr>
-          <p:cNvPr id="10055" name="Footer Placeholder 5"/>
+          <p:cNvPr id="10074" name="Footer Placeholder 5"/>
           <p:cNvSpPr>
             <a:spLocks noGrp="1"/>
           </p:cNvSpPr>
@@ -1879,7 +1629,7 @@
       </p:sp>
       <p:sp>
         <p:nvSpPr>
-          <p:cNvPr id="10056" name="Slide Number Placeholder 6"/>
+          <p:cNvPr id="10075" name="Slide Number Placeholder 6"/>
           <p:cNvSpPr>
             <a:spLocks noGrp="1"/>
           </p:cNvSpPr>
@@ -1903,12 +1653,69 @@
           </a:p>
         </p:txBody>
       </p:sp>
+      <p:sp>
+        <p:nvSpPr>
+          <p:cNvPr name="AutoShape 8" id="10076"/>
+          <p:cNvSpPr/>
+          <p:nvPr>
+            <p:ph type="sldNum"/>
+          </p:nvPr>
+        </p:nvSpPr>
+        <p:spPr>
+          <a:xfrm>
+            <a:off x="304800" y="6794500"/>
+            <a:ext cx="1270000" cy="254000"/>
+          </a:xfrm>
+          <a:prstGeom prst="rect">
+            <a:avLst/>
+          </a:prstGeom>
+        </p:spPr>
+        <p:txBody>
+          <a:p>
+            <a:fld type="slidenum">
+              <a:rPr sz="900">
+                <a:solidFill>
+                  <a:srgbClr val="003CD3"/>
+                </a:solidFill>
+                <a:latin typeface="Frutiger for ZKB Light"/>
+              </a:rPr>
+              <a:t>&lt;#&gt;</a:t>
+            </a:fld>
+          </a:p>
+        </p:txBody>
+      </p:sp>
+      <p:sp>
+        <p:nvSpPr>
+          <p:cNvPr name="AutoShape 9" id="10077"/>
+          <p:cNvSpPr/>
+          <p:nvPr>
+            <p:ph type="ftr"/>
+          </p:nvPr>
+        </p:nvSpPr>
+        <p:spPr>
+          <a:xfrm>
+            <a:off x="1905000" y="6794500"/>
+            <a:ext cx="7620000" cy="254000"/>
+          </a:xfrm>
+          <a:prstGeom prst="rect">
+            <a:avLst/>
+          </a:prstGeom>
+        </p:spPr>
+        <p:txBody>
+          <a:p>
+            <a:r>
+              <a:rPr lang="en-US" sz="900">
+                <a:solidFill>
+                  <a:srgbClr val="808080"/>
+                </a:solidFill>
+                <a:latin typeface="Frutiger for ZKB Light"/>
+              </a:rPr>
+              <a:t/>
+            </a:r>
+          </a:p>
+        </p:txBody>
+      </p:sp>
     </p:spTree>
-    <p:extLst>
-      <p:ext uri="{BB962C8B-B14F-4D97-AF65-F5344CB8AC3E}">
-        <p14:creationId xmlns:p14="http://schemas.microsoft.com/office/powerpoint/2010/main" val="2619886245"/>
-      </p:ext>
-    </p:extLst>
   </p:cSld>
   <p:clrMapOvr>
     <a:masterClrMapping/>
@@ -1935,7 +1742,7 @@
       </p:grpSpPr>
       <p:sp>
         <p:nvSpPr>
-          <p:cNvPr id="10021" name="Title 1"/>
+          <p:cNvPr id="10028" name="Title 1"/>
           <p:cNvSpPr>
             <a:spLocks noGrp="1"/>
           </p:cNvSpPr>
@@ -1953,15 +1760,16 @@
           </a:lstStyle>
           <a:p>
             <a:r>
-              <a:rPr lang="en-US"/>
+              <a:rPr lang="en-US" smtClean="0"/>
               <a:t>Click to edit Master title style</a:t>
             </a:r>
-          </a:p>
-        </p:txBody>
-      </p:sp>
-      <p:sp>
-        <p:nvSpPr>
-          <p:cNvPr id="10022" name="Text Placeholder 2"/>
+            <a:endParaRPr lang="en-US"/>
+          </a:p>
+        </p:txBody>
+      </p:sp>
+      <p:sp>
+        <p:nvSpPr>
+          <p:cNvPr id="10029" name="Text Placeholder 2"/>
           <p:cNvSpPr>
             <a:spLocks noGrp="1"/>
           </p:cNvSpPr>
@@ -1971,8 +1779,8 @@
         </p:nvSpPr>
         <p:spPr>
           <a:xfrm>
-            <a:off x="457200" y="1151335"/>
-            <a:ext cx="4040188" cy="479822"/>
+            <a:off x="457200" y="1535113"/>
+            <a:ext cx="4040188" cy="639762"/>
           </a:xfrm>
         </p:spPr>
         <p:txBody>
@@ -1980,45 +1788,45 @@
           <a:lstStyle>
             <a:lvl1pPr marL="0" indent="0">
               <a:buNone/>
+              <a:defRPr sz="2400" b="1"/>
+            </a:lvl1pPr>
+            <a:lvl2pPr marL="457200" indent="0">
+              <a:buNone/>
+              <a:defRPr sz="2000" b="1"/>
+            </a:lvl2pPr>
+            <a:lvl3pPr marL="914400" indent="0">
+              <a:buNone/>
               <a:defRPr sz="1800" b="1"/>
-            </a:lvl1pPr>
-            <a:lvl2pPr marL="342900" indent="0">
-              <a:buNone/>
-              <a:defRPr sz="1500" b="1"/>
-            </a:lvl2pPr>
-            <a:lvl3pPr marL="685800" indent="0">
-              <a:buNone/>
-              <a:defRPr sz="1350" b="1"/>
             </a:lvl3pPr>
-            <a:lvl4pPr marL="1028700" indent="0">
-              <a:buNone/>
-              <a:defRPr sz="1200" b="1"/>
+            <a:lvl4pPr marL="1371600" indent="0">
+              <a:buNone/>
+              <a:defRPr sz="1600" b="1"/>
             </a:lvl4pPr>
-            <a:lvl5pPr marL="1371600" indent="0">
-              <a:buNone/>
-              <a:defRPr sz="1200" b="1"/>
+            <a:lvl5pPr marL="1828800" indent="0">
+              <a:buNone/>
+              <a:defRPr sz="1600" b="1"/>
             </a:lvl5pPr>
-            <a:lvl6pPr marL="1714500" indent="0">
-              <a:buNone/>
-              <a:defRPr sz="1200" b="1"/>
+            <a:lvl6pPr marL="2286000" indent="0">
+              <a:buNone/>
+              <a:defRPr sz="1600" b="1"/>
             </a:lvl6pPr>
-            <a:lvl7pPr marL="2057400" indent="0">
-              <a:buNone/>
-              <a:defRPr sz="1200" b="1"/>
+            <a:lvl7pPr marL="2743200" indent="0">
+              <a:buNone/>
+              <a:defRPr sz="1600" b="1"/>
             </a:lvl7pPr>
-            <a:lvl8pPr marL="2400300" indent="0">
-              <a:buNone/>
-              <a:defRPr sz="1200" b="1"/>
+            <a:lvl8pPr marL="3200400" indent="0">
+              <a:buNone/>
+              <a:defRPr sz="1600" b="1"/>
             </a:lvl8pPr>
-            <a:lvl9pPr marL="2743200" indent="0">
-              <a:buNone/>
-              <a:defRPr sz="1200" b="1"/>
+            <a:lvl9pPr marL="3657600" indent="0">
+              <a:buNone/>
+              <a:defRPr sz="1600" b="1"/>
             </a:lvl9pPr>
           </a:lstStyle>
           <a:p>
             <a:pPr lvl="0"/>
             <a:r>
-              <a:rPr lang="en-US"/>
+              <a:rPr lang="en-US" smtClean="0"/>
               <a:t>Click to edit Master text styles</a:t>
             </a:r>
           </a:p>
@@ -2026,7 +1834,7 @@
       </p:sp>
       <p:sp>
         <p:nvSpPr>
-          <p:cNvPr id="10023" name="Content Placeholder 3"/>
+          <p:cNvPr id="10030" name="Content Placeholder 3"/>
           <p:cNvSpPr>
             <a:spLocks noGrp="1"/>
           </p:cNvSpPr>
@@ -2036,81 +1844,82 @@
         </p:nvSpPr>
         <p:spPr>
           <a:xfrm>
-            <a:off x="457200" y="1631156"/>
-            <a:ext cx="4040188" cy="2963466"/>
+            <a:off x="457200" y="2174875"/>
+            <a:ext cx="4040188" cy="3951288"/>
           </a:xfrm>
         </p:spPr>
         <p:txBody>
           <a:bodyPr/>
           <a:lstStyle>
             <a:lvl1pPr>
-              <a:defRPr sz="1800"/>
+              <a:defRPr sz="2400"/>
             </a:lvl1pPr>
             <a:lvl2pPr>
-              <a:defRPr sz="1500"/>
+              <a:defRPr sz="2000"/>
             </a:lvl2pPr>
             <a:lvl3pPr>
-              <a:defRPr sz="1350"/>
+              <a:defRPr sz="1800"/>
             </a:lvl3pPr>
             <a:lvl4pPr>
-              <a:defRPr sz="1200"/>
+              <a:defRPr sz="1600"/>
             </a:lvl4pPr>
             <a:lvl5pPr>
-              <a:defRPr sz="1200"/>
+              <a:defRPr sz="1600"/>
             </a:lvl5pPr>
             <a:lvl6pPr>
-              <a:defRPr sz="1200"/>
+              <a:defRPr sz="1600"/>
             </a:lvl6pPr>
             <a:lvl7pPr>
-              <a:defRPr sz="1200"/>
+              <a:defRPr sz="1600"/>
             </a:lvl7pPr>
             <a:lvl8pPr>
-              <a:defRPr sz="1200"/>
+              <a:defRPr sz="1600"/>
             </a:lvl8pPr>
             <a:lvl9pPr>
-              <a:defRPr sz="1200"/>
+              <a:defRPr sz="1600"/>
             </a:lvl9pPr>
           </a:lstStyle>
           <a:p>
             <a:pPr lvl="0"/>
             <a:r>
-              <a:rPr lang="en-US"/>
+              <a:rPr lang="en-US" smtClean="0"/>
               <a:t>Click to edit Master text styles</a:t>
             </a:r>
           </a:p>
           <a:p>
             <a:pPr lvl="1"/>
             <a:r>
-              <a:rPr lang="en-US"/>
+              <a:rPr lang="en-US" smtClean="0"/>
               <a:t>Second level</a:t>
             </a:r>
           </a:p>
           <a:p>
             <a:pPr lvl="2"/>
             <a:r>
-              <a:rPr lang="en-US"/>
+              <a:rPr lang="en-US" smtClean="0"/>
               <a:t>Third level</a:t>
             </a:r>
           </a:p>
           <a:p>
             <a:pPr lvl="3"/>
             <a:r>
-              <a:rPr lang="en-US"/>
+              <a:rPr lang="en-US" smtClean="0"/>
               <a:t>Fourth level</a:t>
             </a:r>
           </a:p>
           <a:p>
             <a:pPr lvl="4"/>
             <a:r>
-              <a:rPr lang="en-US"/>
+              <a:rPr lang="en-US" smtClean="0"/>
               <a:t>Fifth level</a:t>
             </a:r>
-          </a:p>
-        </p:txBody>
-      </p:sp>
-      <p:sp>
-        <p:nvSpPr>
-          <p:cNvPr id="10024" name="Text Placeholder 4"/>
+            <a:endParaRPr lang="en-US"/>
+          </a:p>
+        </p:txBody>
+      </p:sp>
+      <p:sp>
+        <p:nvSpPr>
+          <p:cNvPr id="10031" name="Text Placeholder 4"/>
           <p:cNvSpPr>
             <a:spLocks noGrp="1"/>
           </p:cNvSpPr>
@@ -2120,8 +1929,8 @@
         </p:nvSpPr>
         <p:spPr>
           <a:xfrm>
-            <a:off x="4645026" y="1151335"/>
-            <a:ext cx="4041775" cy="479822"/>
+            <a:off x="4645025" y="1535113"/>
+            <a:ext cx="4041775" cy="639762"/>
           </a:xfrm>
         </p:spPr>
         <p:txBody>
@@ -2129,45 +1938,45 @@
           <a:lstStyle>
             <a:lvl1pPr marL="0" indent="0">
               <a:buNone/>
+              <a:defRPr sz="2400" b="1"/>
+            </a:lvl1pPr>
+            <a:lvl2pPr marL="457200" indent="0">
+              <a:buNone/>
+              <a:defRPr sz="2000" b="1"/>
+            </a:lvl2pPr>
+            <a:lvl3pPr marL="914400" indent="0">
+              <a:buNone/>
               <a:defRPr sz="1800" b="1"/>
-            </a:lvl1pPr>
-            <a:lvl2pPr marL="342900" indent="0">
-              <a:buNone/>
-              <a:defRPr sz="1500" b="1"/>
-            </a:lvl2pPr>
-            <a:lvl3pPr marL="685800" indent="0">
-              <a:buNone/>
-              <a:defRPr sz="1350" b="1"/>
             </a:lvl3pPr>
-            <a:lvl4pPr marL="1028700" indent="0">
-              <a:buNone/>
-              <a:defRPr sz="1200" b="1"/>
+            <a:lvl4pPr marL="1371600" indent="0">
+              <a:buNone/>
+              <a:defRPr sz="1600" b="1"/>
             </a:lvl4pPr>
-            <a:lvl5pPr marL="1371600" indent="0">
-              <a:buNone/>
-              <a:defRPr sz="1200" b="1"/>
+            <a:lvl5pPr marL="1828800" indent="0">
+              <a:buNone/>
+              <a:defRPr sz="1600" b="1"/>
             </a:lvl5pPr>
-            <a:lvl6pPr marL="1714500" indent="0">
-              <a:buNone/>
-              <a:defRPr sz="1200" b="1"/>
+            <a:lvl6pPr marL="2286000" indent="0">
+              <a:buNone/>
+              <a:defRPr sz="1600" b="1"/>
             </a:lvl6pPr>
-            <a:lvl7pPr marL="2057400" indent="0">
-              <a:buNone/>
-              <a:defRPr sz="1200" b="1"/>
+            <a:lvl7pPr marL="2743200" indent="0">
+              <a:buNone/>
+              <a:defRPr sz="1600" b="1"/>
             </a:lvl7pPr>
-            <a:lvl8pPr marL="2400300" indent="0">
-              <a:buNone/>
-              <a:defRPr sz="1200" b="1"/>
+            <a:lvl8pPr marL="3200400" indent="0">
+              <a:buNone/>
+              <a:defRPr sz="1600" b="1"/>
             </a:lvl8pPr>
-            <a:lvl9pPr marL="2743200" indent="0">
-              <a:buNone/>
-              <a:defRPr sz="1200" b="1"/>
+            <a:lvl9pPr marL="3657600" indent="0">
+              <a:buNone/>
+              <a:defRPr sz="1600" b="1"/>
             </a:lvl9pPr>
           </a:lstStyle>
           <a:p>
             <a:pPr lvl="0"/>
             <a:r>
-              <a:rPr lang="en-US"/>
+              <a:rPr lang="en-US" smtClean="0"/>
               <a:t>Click to edit Master text styles</a:t>
             </a:r>
           </a:p>
@@ -2175,7 +1984,7 @@
       </p:sp>
       <p:sp>
         <p:nvSpPr>
-          <p:cNvPr id="10025" name="Content Placeholder 5"/>
+          <p:cNvPr id="10032" name="Content Placeholder 5"/>
           <p:cNvSpPr>
             <a:spLocks noGrp="1"/>
           </p:cNvSpPr>
@@ -2185,81 +1994,82 @@
         </p:nvSpPr>
         <p:spPr>
           <a:xfrm>
-            <a:off x="4645026" y="1631156"/>
-            <a:ext cx="4041775" cy="2963466"/>
+            <a:off x="4645025" y="2174875"/>
+            <a:ext cx="4041775" cy="3951288"/>
           </a:xfrm>
         </p:spPr>
         <p:txBody>
           <a:bodyPr/>
           <a:lstStyle>
             <a:lvl1pPr>
-              <a:defRPr sz="1800"/>
+              <a:defRPr sz="2400"/>
             </a:lvl1pPr>
             <a:lvl2pPr>
-              <a:defRPr sz="1500"/>
+              <a:defRPr sz="2000"/>
             </a:lvl2pPr>
             <a:lvl3pPr>
-              <a:defRPr sz="1350"/>
+              <a:defRPr sz="1800"/>
             </a:lvl3pPr>
             <a:lvl4pPr>
-              <a:defRPr sz="1200"/>
+              <a:defRPr sz="1600"/>
             </a:lvl4pPr>
             <a:lvl5pPr>
-              <a:defRPr sz="1200"/>
+              <a:defRPr sz="1600"/>
             </a:lvl5pPr>
             <a:lvl6pPr>
-              <a:defRPr sz="1200"/>
+              <a:defRPr sz="1600"/>
             </a:lvl6pPr>
             <a:lvl7pPr>
-              <a:defRPr sz="1200"/>
+              <a:defRPr sz="1600"/>
             </a:lvl7pPr>
             <a:lvl8pPr>
-              <a:defRPr sz="1200"/>
+              <a:defRPr sz="1600"/>
             </a:lvl8pPr>
             <a:lvl9pPr>
-              <a:defRPr sz="1200"/>
+              <a:defRPr sz="1600"/>
             </a:lvl9pPr>
           </a:lstStyle>
           <a:p>
             <a:pPr lvl="0"/>
             <a:r>
-              <a:rPr lang="en-US"/>
+              <a:rPr lang="en-US" smtClean="0"/>
               <a:t>Click to edit Master text styles</a:t>
             </a:r>
           </a:p>
           <a:p>
             <a:pPr lvl="1"/>
             <a:r>
-              <a:rPr lang="en-US"/>
+              <a:rPr lang="en-US" smtClean="0"/>
               <a:t>Second level</a:t>
             </a:r>
           </a:p>
           <a:p>
             <a:pPr lvl="2"/>
             <a:r>
-              <a:rPr lang="en-US"/>
+              <a:rPr lang="en-US" smtClean="0"/>
               <a:t>Third level</a:t>
             </a:r>
           </a:p>
           <a:p>
             <a:pPr lvl="3"/>
             <a:r>
-              <a:rPr lang="en-US"/>
+              <a:rPr lang="en-US" smtClean="0"/>
               <a:t>Fourth level</a:t>
             </a:r>
           </a:p>
           <a:p>
             <a:pPr lvl="4"/>
             <a:r>
-              <a:rPr lang="en-US"/>
+              <a:rPr lang="en-US" smtClean="0"/>
               <a:t>Fifth level</a:t>
             </a:r>
-          </a:p>
-        </p:txBody>
-      </p:sp>
-      <p:sp>
-        <p:nvSpPr>
-          <p:cNvPr id="10026" name="Date Placeholder 6"/>
+            <a:endParaRPr lang="en-US"/>
+          </a:p>
+        </p:txBody>
+      </p:sp>
+      <p:sp>
+        <p:nvSpPr>
+          <p:cNvPr id="10033" name="Date Placeholder 6"/>
           <p:cNvSpPr>
             <a:spLocks noGrp="1"/>
           </p:cNvSpPr>
@@ -2272,9 +2082,10 @@
           <a:bodyPr/>
           <a:lstStyle/>
           <a:p>
-            <a:fld id="{241EB5C9-1307-BA42-ABA2-0BC069CD8E7F}" type="datetimeFigureOut">
-              <a:rPr lang="en-US" smtClean="0"/>
-              <a:t>1/2/22</a:t>
+            <a:fld id="{1D8BD707-D9CF-40AE-B4C6-C98DA3205C09}" type="datetimeFigureOut">
+              <a:rPr lang="en-US" smtClean="0"/>
+              <a:pPr/>
+              <a:t>8/1/2011</a:t>
             </a:fld>
             <a:endParaRPr lang="en-US"/>
           </a:p>
@@ -2282,7 +2093,7 @@
       </p:sp>
       <p:sp>
         <p:nvSpPr>
-          <p:cNvPr id="10027" name="Footer Placeholder 7"/>
+          <p:cNvPr id="10034" name="Footer Placeholder 7"/>
           <p:cNvSpPr>
             <a:spLocks noGrp="1"/>
           </p:cNvSpPr>
@@ -2301,7 +2112,7 @@
       </p:sp>
       <p:sp>
         <p:nvSpPr>
-          <p:cNvPr id="10028" name="Slide Number Placeholder 8"/>
+          <p:cNvPr id="10035" name="Slide Number Placeholder 8"/>
           <p:cNvSpPr>
             <a:spLocks noGrp="1"/>
           </p:cNvSpPr>
@@ -2314,20 +2125,78 @@
           <a:bodyPr/>
           <a:lstStyle/>
           <a:p>
-            <a:fld id="{C5EF2332-01BF-834F-8236-50238282D533}" type="slidenum">
-              <a:rPr lang="en-US" smtClean="0"/>
+            <a:fld id="{B6F15528-21DE-4FAA-801E-634DDDAF4B2B}" type="slidenum">
+              <a:rPr lang="en-US" smtClean="0"/>
+              <a:pPr/>
               <a:t>‹#›</a:t>
             </a:fld>
             <a:endParaRPr lang="en-US"/>
           </a:p>
         </p:txBody>
       </p:sp>
+      <p:sp>
+        <p:nvSpPr>
+          <p:cNvPr name="AutoShape 10" id="10036"/>
+          <p:cNvSpPr/>
+          <p:nvPr>
+            <p:ph type="sldNum"/>
+          </p:nvPr>
+        </p:nvSpPr>
+        <p:spPr>
+          <a:xfrm>
+            <a:off x="304800" y="6794500"/>
+            <a:ext cx="1270000" cy="254000"/>
+          </a:xfrm>
+          <a:prstGeom prst="rect">
+            <a:avLst/>
+          </a:prstGeom>
+        </p:spPr>
+        <p:txBody>
+          <a:p>
+            <a:fld type="slidenum">
+              <a:rPr sz="900">
+                <a:solidFill>
+                  <a:srgbClr val="003CD3"/>
+                </a:solidFill>
+                <a:latin typeface="Frutiger for ZKB Light"/>
+              </a:rPr>
+              <a:t>&lt;#&gt;</a:t>
+            </a:fld>
+          </a:p>
+        </p:txBody>
+      </p:sp>
+      <p:sp>
+        <p:nvSpPr>
+          <p:cNvPr name="AutoShape 11" id="10037"/>
+          <p:cNvSpPr/>
+          <p:nvPr>
+            <p:ph type="ftr"/>
+          </p:nvPr>
+        </p:nvSpPr>
+        <p:spPr>
+          <a:xfrm>
+            <a:off x="1905000" y="6794500"/>
+            <a:ext cx="7620000" cy="254000"/>
+          </a:xfrm>
+          <a:prstGeom prst="rect">
+            <a:avLst/>
+          </a:prstGeom>
+        </p:spPr>
+        <p:txBody>
+          <a:p>
+            <a:r>
+              <a:rPr lang="en-US" sz="900">
+                <a:solidFill>
+                  <a:srgbClr val="808080"/>
+                </a:solidFill>
+                <a:latin typeface="Frutiger for ZKB Light"/>
+              </a:rPr>
+              <a:t/>
+            </a:r>
+          </a:p>
+        </p:txBody>
+      </p:sp>
     </p:spTree>
-    <p:extLst>
-      <p:ext uri="{BB962C8B-B14F-4D97-AF65-F5344CB8AC3E}">
-        <p14:creationId xmlns:p14="http://schemas.microsoft.com/office/powerpoint/2010/main" val="2535793967"/>
-      </p:ext>
-    </p:extLst>
   </p:cSld>
   <p:clrMapOvr>
     <a:masterClrMapping/>
@@ -2354,7 +2223,7 @@
       </p:grpSpPr>
       <p:sp>
         <p:nvSpPr>
-          <p:cNvPr id="10042" name="Title 1"/>
+          <p:cNvPr id="10057" name="Title 1"/>
           <p:cNvSpPr>
             <a:spLocks noGrp="1"/>
           </p:cNvSpPr>
@@ -2368,15 +2237,16 @@
           <a:lstStyle/>
           <a:p>
             <a:r>
-              <a:rPr lang="en-US"/>
+              <a:rPr lang="en-US" smtClean="0"/>
               <a:t>Click to edit Master title style</a:t>
             </a:r>
-          </a:p>
-        </p:txBody>
-      </p:sp>
-      <p:sp>
-        <p:nvSpPr>
-          <p:cNvPr id="10043" name="Date Placeholder 2"/>
+            <a:endParaRPr lang="en-US"/>
+          </a:p>
+        </p:txBody>
+      </p:sp>
+      <p:sp>
+        <p:nvSpPr>
+          <p:cNvPr id="10058" name="Date Placeholder 2"/>
           <p:cNvSpPr>
             <a:spLocks noGrp="1"/>
           </p:cNvSpPr>
@@ -2389,9 +2259,10 @@
           <a:bodyPr/>
           <a:lstStyle/>
           <a:p>
-            <a:fld id="{241EB5C9-1307-BA42-ABA2-0BC069CD8E7F}" type="datetimeFigureOut">
-              <a:rPr lang="en-US" smtClean="0"/>
-              <a:t>1/2/22</a:t>
+            <a:fld id="{1D8BD707-D9CF-40AE-B4C6-C98DA3205C09}" type="datetimeFigureOut">
+              <a:rPr lang="en-US" smtClean="0"/>
+              <a:pPr/>
+              <a:t>8/1/2011</a:t>
             </a:fld>
             <a:endParaRPr lang="en-US"/>
           </a:p>
@@ -2399,7 +2270,7 @@
       </p:sp>
       <p:sp>
         <p:nvSpPr>
-          <p:cNvPr id="10044" name="Footer Placeholder 3"/>
+          <p:cNvPr id="10059" name="Footer Placeholder 3"/>
           <p:cNvSpPr>
             <a:spLocks noGrp="1"/>
           </p:cNvSpPr>
@@ -2418,7 +2289,7 @@
       </p:sp>
       <p:sp>
         <p:nvSpPr>
-          <p:cNvPr id="10045" name="Slide Number Placeholder 4"/>
+          <p:cNvPr id="10060" name="Slide Number Placeholder 4"/>
           <p:cNvSpPr>
             <a:spLocks noGrp="1"/>
           </p:cNvSpPr>
@@ -2431,20 +2302,78 @@
           <a:bodyPr/>
           <a:lstStyle/>
           <a:p>
-            <a:fld id="{C5EF2332-01BF-834F-8236-50238282D533}" type="slidenum">
-              <a:rPr lang="en-US" smtClean="0"/>
+            <a:fld id="{B6F15528-21DE-4FAA-801E-634DDDAF4B2B}" type="slidenum">
+              <a:rPr lang="en-US" smtClean="0"/>
+              <a:pPr/>
               <a:t>‹#›</a:t>
             </a:fld>
             <a:endParaRPr lang="en-US"/>
           </a:p>
         </p:txBody>
       </p:sp>
+      <p:sp>
+        <p:nvSpPr>
+          <p:cNvPr name="AutoShape 6" id="10061"/>
+          <p:cNvSpPr/>
+          <p:nvPr>
+            <p:ph type="sldNum"/>
+          </p:nvPr>
+        </p:nvSpPr>
+        <p:spPr>
+          <a:xfrm>
+            <a:off x="304800" y="6794500"/>
+            <a:ext cx="1270000" cy="254000"/>
+          </a:xfrm>
+          <a:prstGeom prst="rect">
+            <a:avLst/>
+          </a:prstGeom>
+        </p:spPr>
+        <p:txBody>
+          <a:p>
+            <a:fld type="slidenum">
+              <a:rPr sz="900">
+                <a:solidFill>
+                  <a:srgbClr val="003CD3"/>
+                </a:solidFill>
+                <a:latin typeface="Frutiger for ZKB Light"/>
+              </a:rPr>
+              <a:t>&lt;#&gt;</a:t>
+            </a:fld>
+          </a:p>
+        </p:txBody>
+      </p:sp>
+      <p:sp>
+        <p:nvSpPr>
+          <p:cNvPr name="AutoShape 7" id="10062"/>
+          <p:cNvSpPr/>
+          <p:nvPr>
+            <p:ph type="ftr"/>
+          </p:nvPr>
+        </p:nvSpPr>
+        <p:spPr>
+          <a:xfrm>
+            <a:off x="1905000" y="6794500"/>
+            <a:ext cx="7620000" cy="254000"/>
+          </a:xfrm>
+          <a:prstGeom prst="rect">
+            <a:avLst/>
+          </a:prstGeom>
+        </p:spPr>
+        <p:txBody>
+          <a:p>
+            <a:r>
+              <a:rPr lang="en-US" sz="900">
+                <a:solidFill>
+                  <a:srgbClr val="808080"/>
+                </a:solidFill>
+                <a:latin typeface="Frutiger for ZKB Light"/>
+              </a:rPr>
+              <a:t/>
+            </a:r>
+          </a:p>
+        </p:txBody>
+      </p:sp>
     </p:spTree>
-    <p:extLst>
-      <p:ext uri="{BB962C8B-B14F-4D97-AF65-F5344CB8AC3E}">
-        <p14:creationId xmlns:p14="http://schemas.microsoft.com/office/powerpoint/2010/main" val="3472721253"/>
-      </p:ext>
-    </p:extLst>
   </p:cSld>
   <p:clrMapOvr>
     <a:masterClrMapping/>
@@ -2471,7 +2400,7 @@
       </p:grpSpPr>
       <p:sp>
         <p:nvSpPr>
-          <p:cNvPr id="10029" name="Date Placeholder 1"/>
+          <p:cNvPr id="10038" name="Date Placeholder 1"/>
           <p:cNvSpPr>
             <a:spLocks noGrp="1"/>
           </p:cNvSpPr>
@@ -2484,9 +2413,10 @@
           <a:bodyPr/>
           <a:lstStyle/>
           <a:p>
-            <a:fld id="{241EB5C9-1307-BA42-ABA2-0BC069CD8E7F}" type="datetimeFigureOut">
-              <a:rPr lang="en-US" smtClean="0"/>
-              <a:t>1/2/22</a:t>
+            <a:fld id="{1D8BD707-D9CF-40AE-B4C6-C98DA3205C09}" type="datetimeFigureOut">
+              <a:rPr lang="en-US" smtClean="0"/>
+              <a:pPr/>
+              <a:t>8/1/2011</a:t>
             </a:fld>
             <a:endParaRPr lang="en-US"/>
           </a:p>
@@ -2494,7 +2424,7 @@
       </p:sp>
       <p:sp>
         <p:nvSpPr>
-          <p:cNvPr id="10030" name="Footer Placeholder 2"/>
+          <p:cNvPr id="10039" name="Footer Placeholder 2"/>
           <p:cNvSpPr>
             <a:spLocks noGrp="1"/>
           </p:cNvSpPr>
@@ -2513,7 +2443,7 @@
       </p:sp>
       <p:sp>
         <p:nvSpPr>
-          <p:cNvPr id="10031" name="Slide Number Placeholder 3"/>
+          <p:cNvPr id="10040" name="Slide Number Placeholder 3"/>
           <p:cNvSpPr>
             <a:spLocks noGrp="1"/>
           </p:cNvSpPr>
@@ -2526,20 +2456,78 @@
           <a:bodyPr/>
           <a:lstStyle/>
           <a:p>
-            <a:fld id="{C5EF2332-01BF-834F-8236-50238282D533}" type="slidenum">
-              <a:rPr lang="en-US" smtClean="0"/>
+            <a:fld id="{B6F15528-21DE-4FAA-801E-634DDDAF4B2B}" type="slidenum">
+              <a:rPr lang="en-US" smtClean="0"/>
+              <a:pPr/>
               <a:t>‹#›</a:t>
             </a:fld>
             <a:endParaRPr lang="en-US"/>
           </a:p>
         </p:txBody>
       </p:sp>
+      <p:sp>
+        <p:nvSpPr>
+          <p:cNvPr name="AutoShape 5" id="10041"/>
+          <p:cNvSpPr/>
+          <p:nvPr>
+            <p:ph type="sldNum"/>
+          </p:nvPr>
+        </p:nvSpPr>
+        <p:spPr>
+          <a:xfrm>
+            <a:off x="304800" y="6794500"/>
+            <a:ext cx="1270000" cy="254000"/>
+          </a:xfrm>
+          <a:prstGeom prst="rect">
+            <a:avLst/>
+          </a:prstGeom>
+        </p:spPr>
+        <p:txBody>
+          <a:p>
+            <a:fld type="slidenum">
+              <a:rPr sz="900">
+                <a:solidFill>
+                  <a:srgbClr val="003CD3"/>
+                </a:solidFill>
+                <a:latin typeface="Frutiger for ZKB Light"/>
+              </a:rPr>
+              <a:t>&lt;#&gt;</a:t>
+            </a:fld>
+          </a:p>
+        </p:txBody>
+      </p:sp>
+      <p:sp>
+        <p:nvSpPr>
+          <p:cNvPr name="AutoShape 6" id="10042"/>
+          <p:cNvSpPr/>
+          <p:nvPr>
+            <p:ph type="ftr"/>
+          </p:nvPr>
+        </p:nvSpPr>
+        <p:spPr>
+          <a:xfrm>
+            <a:off x="1905000" y="6794500"/>
+            <a:ext cx="7620000" cy="254000"/>
+          </a:xfrm>
+          <a:prstGeom prst="rect">
+            <a:avLst/>
+          </a:prstGeom>
+        </p:spPr>
+        <p:txBody>
+          <a:p>
+            <a:r>
+              <a:rPr lang="en-US" sz="900">
+                <a:solidFill>
+                  <a:srgbClr val="808080"/>
+                </a:solidFill>
+                <a:latin typeface="Frutiger for ZKB Light"/>
+              </a:rPr>
+              <a:t/>
+            </a:r>
+          </a:p>
+        </p:txBody>
+      </p:sp>
     </p:spTree>
-    <p:extLst>
-      <p:ext uri="{BB962C8B-B14F-4D97-AF65-F5344CB8AC3E}">
-        <p14:creationId xmlns:p14="http://schemas.microsoft.com/office/powerpoint/2010/main" val="2130901097"/>
-      </p:ext>
-    </p:extLst>
   </p:cSld>
   <p:clrMapOvr>
     <a:masterClrMapping/>
@@ -2566,7 +2554,7 @@
       </p:grpSpPr>
       <p:sp>
         <p:nvSpPr>
-          <p:cNvPr id="10057" name="Title 1"/>
+          <p:cNvPr id="10078" name="Title 1"/>
           <p:cNvSpPr>
             <a:spLocks noGrp="1"/>
           </p:cNvSpPr>
@@ -2576,28 +2564,29 @@
         </p:nvSpPr>
         <p:spPr>
           <a:xfrm>
-            <a:off x="457201" y="204787"/>
-            <a:ext cx="3008313" cy="871538"/>
+            <a:off x="457200" y="273050"/>
+            <a:ext cx="3008313" cy="1162050"/>
           </a:xfrm>
         </p:spPr>
         <p:txBody>
           <a:bodyPr anchor="b"/>
           <a:lstStyle>
             <a:lvl1pPr algn="l">
-              <a:defRPr sz="1500" b="1"/>
+              <a:defRPr sz="2000" b="1"/>
             </a:lvl1pPr>
           </a:lstStyle>
           <a:p>
             <a:r>
-              <a:rPr lang="en-US"/>
+              <a:rPr lang="en-US" smtClean="0"/>
               <a:t>Click to edit Master title style</a:t>
             </a:r>
-          </a:p>
-        </p:txBody>
-      </p:sp>
-      <p:sp>
-        <p:nvSpPr>
-          <p:cNvPr id="10058" name="Content Placeholder 2"/>
+            <a:endParaRPr lang="en-US"/>
+          </a:p>
+        </p:txBody>
+      </p:sp>
+      <p:sp>
+        <p:nvSpPr>
+          <p:cNvPr id="10079" name="Content Placeholder 2"/>
           <p:cNvSpPr>
             <a:spLocks noGrp="1"/>
           </p:cNvSpPr>
@@ -2607,81 +2596,82 @@
         </p:nvSpPr>
         <p:spPr>
           <a:xfrm>
-            <a:off x="3575050" y="204788"/>
-            <a:ext cx="5111750" cy="4389835"/>
+            <a:off x="3575050" y="273050"/>
+            <a:ext cx="5111750" cy="5853113"/>
           </a:xfrm>
         </p:spPr>
         <p:txBody>
           <a:bodyPr/>
           <a:lstStyle>
             <a:lvl1pPr>
-              <a:defRPr sz="2400"/>
+              <a:defRPr sz="3200"/>
             </a:lvl1pPr>
             <a:lvl2pPr>
-              <a:defRPr sz="2100"/>
+              <a:defRPr sz="2800"/>
             </a:lvl2pPr>
             <a:lvl3pPr>
-              <a:defRPr sz="1800"/>
+              <a:defRPr sz="2400"/>
             </a:lvl3pPr>
             <a:lvl4pPr>
-              <a:defRPr sz="1500"/>
+              <a:defRPr sz="2000"/>
             </a:lvl4pPr>
             <a:lvl5pPr>
-              <a:defRPr sz="1500"/>
+              <a:defRPr sz="2000"/>
             </a:lvl5pPr>
             <a:lvl6pPr>
-              <a:defRPr sz="1500"/>
+              <a:defRPr sz="2000"/>
             </a:lvl6pPr>
             <a:lvl7pPr>
-              <a:defRPr sz="1500"/>
+              <a:defRPr sz="2000"/>
             </a:lvl7pPr>
             <a:lvl8pPr>
-              <a:defRPr sz="1500"/>
+              <a:defRPr sz="2000"/>
             </a:lvl8pPr>
             <a:lvl9pPr>
-              <a:defRPr sz="1500"/>
+              <a:defRPr sz="2000"/>
             </a:lvl9pPr>
           </a:lstStyle>
           <a:p>
             <a:pPr lvl="0"/>
             <a:r>
-              <a:rPr lang="en-US"/>
+              <a:rPr lang="en-US" smtClean="0"/>
               <a:t>Click to edit Master text styles</a:t>
             </a:r>
           </a:p>
           <a:p>
             <a:pPr lvl="1"/>
             <a:r>
-              <a:rPr lang="en-US"/>
+              <a:rPr lang="en-US" smtClean="0"/>
               <a:t>Second level</a:t>
             </a:r>
           </a:p>
           <a:p>
             <a:pPr lvl="2"/>
             <a:r>
-              <a:rPr lang="en-US"/>
+              <a:rPr lang="en-US" smtClean="0"/>
               <a:t>Third level</a:t>
             </a:r>
           </a:p>
           <a:p>
             <a:pPr lvl="3"/>
             <a:r>
-              <a:rPr lang="en-US"/>
+              <a:rPr lang="en-US" smtClean="0"/>
               <a:t>Fourth level</a:t>
             </a:r>
           </a:p>
           <a:p>
             <a:pPr lvl="4"/>
             <a:r>
-              <a:rPr lang="en-US"/>
+              <a:rPr lang="en-US" smtClean="0"/>
               <a:t>Fifth level</a:t>
             </a:r>
-          </a:p>
-        </p:txBody>
-      </p:sp>
-      <p:sp>
-        <p:nvSpPr>
-          <p:cNvPr id="10059" name="Text Placeholder 3"/>
+            <a:endParaRPr lang="en-US"/>
+          </a:p>
+        </p:txBody>
+      </p:sp>
+      <p:sp>
+        <p:nvSpPr>
+          <p:cNvPr id="10080" name="Text Placeholder 3"/>
           <p:cNvSpPr>
             <a:spLocks noGrp="1"/>
           </p:cNvSpPr>
@@ -2691,8 +2681,8 @@
         </p:nvSpPr>
         <p:spPr>
           <a:xfrm>
-            <a:off x="457201" y="1076326"/>
-            <a:ext cx="3008313" cy="3518297"/>
+            <a:off x="457200" y="1435100"/>
+            <a:ext cx="3008313" cy="4691063"/>
           </a:xfrm>
         </p:spPr>
         <p:txBody>
@@ -2700,45 +2690,45 @@
           <a:lstStyle>
             <a:lvl1pPr marL="0" indent="0">
               <a:buNone/>
-              <a:defRPr sz="1050"/>
+              <a:defRPr sz="1400"/>
             </a:lvl1pPr>
-            <a:lvl2pPr marL="342900" indent="0">
+            <a:lvl2pPr marL="457200" indent="0">
+              <a:buNone/>
+              <a:defRPr sz="1200"/>
+            </a:lvl2pPr>
+            <a:lvl3pPr marL="914400" indent="0">
+              <a:buNone/>
+              <a:defRPr sz="1000"/>
+            </a:lvl3pPr>
+            <a:lvl4pPr marL="1371600" indent="0">
               <a:buNone/>
               <a:defRPr sz="900"/>
-            </a:lvl2pPr>
-            <a:lvl3pPr marL="685800" indent="0">
-              <a:buNone/>
-              <a:defRPr sz="750"/>
-            </a:lvl3pPr>
-            <a:lvl4pPr marL="1028700" indent="0">
-              <a:buNone/>
-              <a:defRPr sz="675"/>
             </a:lvl4pPr>
-            <a:lvl5pPr marL="1371600" indent="0">
-              <a:buNone/>
-              <a:defRPr sz="675"/>
+            <a:lvl5pPr marL="1828800" indent="0">
+              <a:buNone/>
+              <a:defRPr sz="900"/>
             </a:lvl5pPr>
-            <a:lvl6pPr marL="1714500" indent="0">
-              <a:buNone/>
-              <a:defRPr sz="675"/>
+            <a:lvl6pPr marL="2286000" indent="0">
+              <a:buNone/>
+              <a:defRPr sz="900"/>
             </a:lvl6pPr>
-            <a:lvl7pPr marL="2057400" indent="0">
-              <a:buNone/>
-              <a:defRPr sz="675"/>
+            <a:lvl7pPr marL="2743200" indent="0">
+              <a:buNone/>
+              <a:defRPr sz="900"/>
             </a:lvl7pPr>
-            <a:lvl8pPr marL="2400300" indent="0">
-              <a:buNone/>
-              <a:defRPr sz="675"/>
+            <a:lvl8pPr marL="3200400" indent="0">
+              <a:buNone/>
+              <a:defRPr sz="900"/>
             </a:lvl8pPr>
-            <a:lvl9pPr marL="2743200" indent="0">
-              <a:buNone/>
-              <a:defRPr sz="675"/>
+            <a:lvl9pPr marL="3657600" indent="0">
+              <a:buNone/>
+              <a:defRPr sz="900"/>
             </a:lvl9pPr>
           </a:lstStyle>
           <a:p>
             <a:pPr lvl="0"/>
             <a:r>
-              <a:rPr lang="en-US"/>
+              <a:rPr lang="en-US" smtClean="0"/>
               <a:t>Click to edit Master text styles</a:t>
             </a:r>
           </a:p>
@@ -2746,7 +2736,7 @@
       </p:sp>
       <p:sp>
         <p:nvSpPr>
-          <p:cNvPr id="10060" name="Date Placeholder 4"/>
+          <p:cNvPr id="10081" name="Date Placeholder 4"/>
           <p:cNvSpPr>
             <a:spLocks noGrp="1"/>
           </p:cNvSpPr>
@@ -2759,9 +2749,10 @@
           <a:bodyPr/>
           <a:lstStyle/>
           <a:p>
-            <a:fld id="{241EB5C9-1307-BA42-ABA2-0BC069CD8E7F}" type="datetimeFigureOut">
-              <a:rPr lang="en-US" smtClean="0"/>
-              <a:t>1/2/22</a:t>
+            <a:fld id="{1D8BD707-D9CF-40AE-B4C6-C98DA3205C09}" type="datetimeFigureOut">
+              <a:rPr lang="en-US" smtClean="0"/>
+              <a:pPr/>
+              <a:t>8/1/2011</a:t>
             </a:fld>
             <a:endParaRPr lang="en-US"/>
           </a:p>
@@ -2769,7 +2760,7 @@
       </p:sp>
       <p:sp>
         <p:nvSpPr>
-          <p:cNvPr id="10061" name="Footer Placeholder 5"/>
+          <p:cNvPr id="10082" name="Footer Placeholder 5"/>
           <p:cNvSpPr>
             <a:spLocks noGrp="1"/>
           </p:cNvSpPr>
@@ -2788,7 +2779,7 @@
       </p:sp>
       <p:sp>
         <p:nvSpPr>
-          <p:cNvPr id="10062" name="Slide Number Placeholder 6"/>
+          <p:cNvPr id="10083" name="Slide Number Placeholder 6"/>
           <p:cNvSpPr>
             <a:spLocks noGrp="1"/>
           </p:cNvSpPr>
@@ -2801,20 +2792,78 @@
           <a:bodyPr/>
           <a:lstStyle/>
           <a:p>
-            <a:fld id="{C5EF2332-01BF-834F-8236-50238282D533}" type="slidenum">
-              <a:rPr lang="en-US" smtClean="0"/>
+            <a:fld id="{B6F15528-21DE-4FAA-801E-634DDDAF4B2B}" type="slidenum">
+              <a:rPr lang="en-US" smtClean="0"/>
+              <a:pPr/>
               <a:t>‹#›</a:t>
             </a:fld>
             <a:endParaRPr lang="en-US"/>
           </a:p>
         </p:txBody>
       </p:sp>
+      <p:sp>
+        <p:nvSpPr>
+          <p:cNvPr name="AutoShape 8" id="10084"/>
+          <p:cNvSpPr/>
+          <p:nvPr>
+            <p:ph type="sldNum"/>
+          </p:nvPr>
+        </p:nvSpPr>
+        <p:spPr>
+          <a:xfrm>
+            <a:off x="304800" y="6794500"/>
+            <a:ext cx="1270000" cy="254000"/>
+          </a:xfrm>
+          <a:prstGeom prst="rect">
+            <a:avLst/>
+          </a:prstGeom>
+        </p:spPr>
+        <p:txBody>
+          <a:p>
+            <a:fld type="slidenum">
+              <a:rPr sz="900">
+                <a:solidFill>
+                  <a:srgbClr val="003CD3"/>
+                </a:solidFill>
+                <a:latin typeface="Frutiger for ZKB Light"/>
+              </a:rPr>
+              <a:t>&lt;#&gt;</a:t>
+            </a:fld>
+          </a:p>
+        </p:txBody>
+      </p:sp>
+      <p:sp>
+        <p:nvSpPr>
+          <p:cNvPr name="AutoShape 9" id="10085"/>
+          <p:cNvSpPr/>
+          <p:nvPr>
+            <p:ph type="ftr"/>
+          </p:nvPr>
+        </p:nvSpPr>
+        <p:spPr>
+          <a:xfrm>
+            <a:off x="1905000" y="6794500"/>
+            <a:ext cx="7620000" cy="254000"/>
+          </a:xfrm>
+          <a:prstGeom prst="rect">
+            <a:avLst/>
+          </a:prstGeom>
+        </p:spPr>
+        <p:txBody>
+          <a:p>
+            <a:r>
+              <a:rPr lang="en-US" sz="900">
+                <a:solidFill>
+                  <a:srgbClr val="808080"/>
+                </a:solidFill>
+                <a:latin typeface="Frutiger for ZKB Light"/>
+              </a:rPr>
+              <a:t/>
+            </a:r>
+          </a:p>
+        </p:txBody>
+      </p:sp>
     </p:spTree>
-    <p:extLst>
-      <p:ext uri="{BB962C8B-B14F-4D97-AF65-F5344CB8AC3E}">
-        <p14:creationId xmlns:p14="http://schemas.microsoft.com/office/powerpoint/2010/main" val="3540895647"/>
-      </p:ext>
-    </p:extLst>
   </p:cSld>
   <p:clrMapOvr>
     <a:masterClrMapping/>
@@ -2841,7 +2890,7 @@
       </p:grpSpPr>
       <p:sp>
         <p:nvSpPr>
-          <p:cNvPr id="10010" name="Title 1"/>
+          <p:cNvPr id="10013" name="Title 1"/>
           <p:cNvSpPr>
             <a:spLocks noGrp="1"/>
           </p:cNvSpPr>
@@ -2851,28 +2900,29 @@
         </p:nvSpPr>
         <p:spPr>
           <a:xfrm>
-            <a:off x="1792288" y="3600450"/>
-            <a:ext cx="5486400" cy="425054"/>
+            <a:off x="1792288" y="4800600"/>
+            <a:ext cx="5486400" cy="566738"/>
           </a:xfrm>
         </p:spPr>
         <p:txBody>
           <a:bodyPr anchor="b"/>
           <a:lstStyle>
             <a:lvl1pPr algn="l">
-              <a:defRPr sz="1500" b="1"/>
+              <a:defRPr sz="2000" b="1"/>
             </a:lvl1pPr>
           </a:lstStyle>
           <a:p>
             <a:r>
-              <a:rPr lang="en-US"/>
+              <a:rPr lang="en-US" smtClean="0"/>
               <a:t>Click to edit Master title style</a:t>
             </a:r>
-          </a:p>
-        </p:txBody>
-      </p:sp>
-      <p:sp>
-        <p:nvSpPr>
-          <p:cNvPr id="10011" name="Picture Placeholder 2"/>
+            <a:endParaRPr lang="en-US"/>
+          </a:p>
+        </p:txBody>
+      </p:sp>
+      <p:sp>
+        <p:nvSpPr>
+          <p:cNvPr id="10014" name="Picture Placeholder 2"/>
           <p:cNvSpPr>
             <a:spLocks noGrp="1"/>
           </p:cNvSpPr>
@@ -2882,8 +2932,8 @@
         </p:nvSpPr>
         <p:spPr>
           <a:xfrm>
-            <a:off x="1792288" y="459581"/>
-            <a:ext cx="5486400" cy="3086100"/>
+            <a:off x="1792288" y="612775"/>
+            <a:ext cx="5486400" cy="4114800"/>
           </a:xfrm>
         </p:spPr>
         <p:txBody>
@@ -2891,39 +2941,39 @@
           <a:lstStyle>
             <a:lvl1pPr marL="0" indent="0">
               <a:buNone/>
+              <a:defRPr sz="3200"/>
+            </a:lvl1pPr>
+            <a:lvl2pPr marL="457200" indent="0">
+              <a:buNone/>
+              <a:defRPr sz="2800"/>
+            </a:lvl2pPr>
+            <a:lvl3pPr marL="914400" indent="0">
+              <a:buNone/>
               <a:defRPr sz="2400"/>
-            </a:lvl1pPr>
-            <a:lvl2pPr marL="342900" indent="0">
-              <a:buNone/>
-              <a:defRPr sz="2100"/>
-            </a:lvl2pPr>
-            <a:lvl3pPr marL="685800" indent="0">
-              <a:buNone/>
-              <a:defRPr sz="1800"/>
             </a:lvl3pPr>
-            <a:lvl4pPr marL="1028700" indent="0">
-              <a:buNone/>
-              <a:defRPr sz="1500"/>
+            <a:lvl4pPr marL="1371600" indent="0">
+              <a:buNone/>
+              <a:defRPr sz="2000"/>
             </a:lvl4pPr>
-            <a:lvl5pPr marL="1371600" indent="0">
-              <a:buNone/>
-              <a:defRPr sz="1500"/>
+            <a:lvl5pPr marL="1828800" indent="0">
+              <a:buNone/>
+              <a:defRPr sz="2000"/>
             </a:lvl5pPr>
-            <a:lvl6pPr marL="1714500" indent="0">
-              <a:buNone/>
-              <a:defRPr sz="1500"/>
+            <a:lvl6pPr marL="2286000" indent="0">
+              <a:buNone/>
+              <a:defRPr sz="2000"/>
             </a:lvl6pPr>
-            <a:lvl7pPr marL="2057400" indent="0">
-              <a:buNone/>
-              <a:defRPr sz="1500"/>
+            <a:lvl7pPr marL="2743200" indent="0">
+              <a:buNone/>
+              <a:defRPr sz="2000"/>
             </a:lvl7pPr>
-            <a:lvl8pPr marL="2400300" indent="0">
-              <a:buNone/>
-              <a:defRPr sz="1500"/>
+            <a:lvl8pPr marL="3200400" indent="0">
+              <a:buNone/>
+              <a:defRPr sz="2000"/>
             </a:lvl8pPr>
-            <a:lvl9pPr marL="2743200" indent="0">
-              <a:buNone/>
-              <a:defRPr sz="1500"/>
+            <a:lvl9pPr marL="3657600" indent="0">
+              <a:buNone/>
+              <a:defRPr sz="2000"/>
             </a:lvl9pPr>
           </a:lstStyle>
           <a:p>
@@ -2933,7 +2983,7 @@
       </p:sp>
       <p:sp>
         <p:nvSpPr>
-          <p:cNvPr id="10012" name="Text Placeholder 3"/>
+          <p:cNvPr id="10015" name="Text Placeholder 3"/>
           <p:cNvSpPr>
             <a:spLocks noGrp="1"/>
           </p:cNvSpPr>
@@ -2943,8 +2993,8 @@
         </p:nvSpPr>
         <p:spPr>
           <a:xfrm>
-            <a:off x="1792288" y="4025503"/>
-            <a:ext cx="5486400" cy="603647"/>
+            <a:off x="1792288" y="5367338"/>
+            <a:ext cx="5486400" cy="804862"/>
           </a:xfrm>
         </p:spPr>
         <p:txBody>
@@ -2952,45 +3002,45 @@
           <a:lstStyle>
             <a:lvl1pPr marL="0" indent="0">
               <a:buNone/>
-              <a:defRPr sz="1050"/>
+              <a:defRPr sz="1400"/>
             </a:lvl1pPr>
-            <a:lvl2pPr marL="342900" indent="0">
+            <a:lvl2pPr marL="457200" indent="0">
+              <a:buNone/>
+              <a:defRPr sz="1200"/>
+            </a:lvl2pPr>
+            <a:lvl3pPr marL="914400" indent="0">
+              <a:buNone/>
+              <a:defRPr sz="1000"/>
+            </a:lvl3pPr>
+            <a:lvl4pPr marL="1371600" indent="0">
               <a:buNone/>
               <a:defRPr sz="900"/>
-            </a:lvl2pPr>
-            <a:lvl3pPr marL="685800" indent="0">
-              <a:buNone/>
-              <a:defRPr sz="750"/>
-            </a:lvl3pPr>
-            <a:lvl4pPr marL="1028700" indent="0">
-              <a:buNone/>
-              <a:defRPr sz="675"/>
             </a:lvl4pPr>
-            <a:lvl5pPr marL="1371600" indent="0">
-              <a:buNone/>
-              <a:defRPr sz="675"/>
+            <a:lvl5pPr marL="1828800" indent="0">
+              <a:buNone/>
+              <a:defRPr sz="900"/>
             </a:lvl5pPr>
-            <a:lvl6pPr marL="1714500" indent="0">
-              <a:buNone/>
-              <a:defRPr sz="675"/>
+            <a:lvl6pPr marL="2286000" indent="0">
+              <a:buNone/>
+              <a:defRPr sz="900"/>
             </a:lvl6pPr>
-            <a:lvl7pPr marL="2057400" indent="0">
-              <a:buNone/>
-              <a:defRPr sz="675"/>
+            <a:lvl7pPr marL="2743200" indent="0">
+              <a:buNone/>
+              <a:defRPr sz="900"/>
             </a:lvl7pPr>
-            <a:lvl8pPr marL="2400300" indent="0">
-              <a:buNone/>
-              <a:defRPr sz="675"/>
+            <a:lvl8pPr marL="3200400" indent="0">
+              <a:buNone/>
+              <a:defRPr sz="900"/>
             </a:lvl8pPr>
-            <a:lvl9pPr marL="2743200" indent="0">
-              <a:buNone/>
-              <a:defRPr sz="675"/>
+            <a:lvl9pPr marL="3657600" indent="0">
+              <a:buNone/>
+              <a:defRPr sz="900"/>
             </a:lvl9pPr>
           </a:lstStyle>
           <a:p>
             <a:pPr lvl="0"/>
             <a:r>
-              <a:rPr lang="en-US"/>
+              <a:rPr lang="en-US" smtClean="0"/>
               <a:t>Click to edit Master text styles</a:t>
             </a:r>
           </a:p>
@@ -2998,7 +3048,7 @@
       </p:sp>
       <p:sp>
         <p:nvSpPr>
-          <p:cNvPr id="10013" name="Date Placeholder 4"/>
+          <p:cNvPr id="10016" name="Date Placeholder 4"/>
           <p:cNvSpPr>
             <a:spLocks noGrp="1"/>
           </p:cNvSpPr>
@@ -3011,9 +3061,10 @@
           <a:bodyPr/>
           <a:lstStyle/>
           <a:p>
-            <a:fld id="{241EB5C9-1307-BA42-ABA2-0BC069CD8E7F}" type="datetimeFigureOut">
-              <a:rPr lang="en-US" smtClean="0"/>
-              <a:t>1/2/22</a:t>
+            <a:fld id="{1D8BD707-D9CF-40AE-B4C6-C98DA3205C09}" type="datetimeFigureOut">
+              <a:rPr lang="en-US" smtClean="0"/>
+              <a:pPr/>
+              <a:t>8/1/2011</a:t>
             </a:fld>
             <a:endParaRPr lang="en-US"/>
           </a:p>
@@ -3021,7 +3072,7 @@
       </p:sp>
       <p:sp>
         <p:nvSpPr>
-          <p:cNvPr id="10014" name="Footer Placeholder 5"/>
+          <p:cNvPr id="10017" name="Footer Placeholder 5"/>
           <p:cNvSpPr>
             <a:spLocks noGrp="1"/>
           </p:cNvSpPr>
@@ -3040,7 +3091,7 @@
       </p:sp>
       <p:sp>
         <p:nvSpPr>
-          <p:cNvPr id="10015" name="Slide Number Placeholder 6"/>
+          <p:cNvPr id="10018" name="Slide Number Placeholder 6"/>
           <p:cNvSpPr>
             <a:spLocks noGrp="1"/>
           </p:cNvSpPr>
@@ -3053,20 +3104,78 @@
           <a:bodyPr/>
           <a:lstStyle/>
           <a:p>
-            <a:fld id="{C5EF2332-01BF-834F-8236-50238282D533}" type="slidenum">
-              <a:rPr lang="en-US" smtClean="0"/>
+            <a:fld id="{B6F15528-21DE-4FAA-801E-634DDDAF4B2B}" type="slidenum">
+              <a:rPr lang="en-US" smtClean="0"/>
+              <a:pPr/>
               <a:t>‹#›</a:t>
             </a:fld>
             <a:endParaRPr lang="en-US"/>
           </a:p>
         </p:txBody>
       </p:sp>
+      <p:sp>
+        <p:nvSpPr>
+          <p:cNvPr name="AutoShape 8" id="10019"/>
+          <p:cNvSpPr/>
+          <p:nvPr>
+            <p:ph type="sldNum"/>
+          </p:nvPr>
+        </p:nvSpPr>
+        <p:spPr>
+          <a:xfrm>
+            <a:off x="304800" y="6794500"/>
+            <a:ext cx="1270000" cy="254000"/>
+          </a:xfrm>
+          <a:prstGeom prst="rect">
+            <a:avLst/>
+          </a:prstGeom>
+        </p:spPr>
+        <p:txBody>
+          <a:p>
+            <a:fld type="slidenum">
+              <a:rPr sz="900">
+                <a:solidFill>
+                  <a:srgbClr val="003CD3"/>
+                </a:solidFill>
+                <a:latin typeface="Frutiger for ZKB Light"/>
+              </a:rPr>
+              <a:t>&lt;#&gt;</a:t>
+            </a:fld>
+          </a:p>
+        </p:txBody>
+      </p:sp>
+      <p:sp>
+        <p:nvSpPr>
+          <p:cNvPr name="AutoShape 9" id="10020"/>
+          <p:cNvSpPr/>
+          <p:nvPr>
+            <p:ph type="ftr"/>
+          </p:nvPr>
+        </p:nvSpPr>
+        <p:spPr>
+          <a:xfrm>
+            <a:off x="1905000" y="6794500"/>
+            <a:ext cx="7620000" cy="254000"/>
+          </a:xfrm>
+          <a:prstGeom prst="rect">
+            <a:avLst/>
+          </a:prstGeom>
+        </p:spPr>
+        <p:txBody>
+          <a:p>
+            <a:r>
+              <a:rPr lang="en-US" sz="900">
+                <a:solidFill>
+                  <a:srgbClr val="808080"/>
+                </a:solidFill>
+                <a:latin typeface="Frutiger for ZKB Light"/>
+              </a:rPr>
+              <a:t/>
+            </a:r>
+          </a:p>
+        </p:txBody>
+      </p:sp>
     </p:spTree>
-    <p:extLst>
-      <p:ext uri="{BB962C8B-B14F-4D97-AF65-F5344CB8AC3E}">
-        <p14:creationId xmlns:p14="http://schemas.microsoft.com/office/powerpoint/2010/main" val="3566899855"/>
-      </p:ext>
-    </p:extLst>
   </p:cSld>
   <p:clrMapOvr>
     <a:masterClrMapping/>
@@ -3122,9 +3231,10 @@
           <a:lstStyle/>
           <a:p>
             <a:r>
-              <a:rPr lang="en-US"/>
+              <a:rPr lang="en-US" smtClean="0"/>
               <a:t>Click to edit Master title style</a:t>
             </a:r>
+            <a:endParaRPr lang="en-US"/>
           </a:p>
         </p:txBody>
       </p:sp>
@@ -3155,37 +3265,38 @@
           <a:p>
             <a:pPr lvl="0"/>
             <a:r>
-              <a:rPr lang="en-US"/>
+              <a:rPr lang="en-US" smtClean="0"/>
               <a:t>Click to edit Master text styles</a:t>
             </a:r>
           </a:p>
           <a:p>
             <a:pPr lvl="1"/>
             <a:r>
-              <a:rPr lang="en-US"/>
+              <a:rPr lang="en-US" smtClean="0"/>
               <a:t>Second level</a:t>
             </a:r>
           </a:p>
           <a:p>
             <a:pPr lvl="2"/>
             <a:r>
-              <a:rPr lang="en-US"/>
+              <a:rPr lang="en-US" smtClean="0"/>
               <a:t>Third level</a:t>
             </a:r>
           </a:p>
           <a:p>
             <a:pPr lvl="3"/>
             <a:r>
-              <a:rPr lang="en-US"/>
+              <a:rPr lang="en-US" smtClean="0"/>
               <a:t>Fourth level</a:t>
             </a:r>
           </a:p>
           <a:p>
             <a:pPr lvl="4"/>
             <a:r>
-              <a:rPr lang="en-US"/>
+              <a:rPr lang="en-US" smtClean="0"/>
               <a:t>Fifth level</a:t>
             </a:r>
+            <a:endParaRPr lang="en-US"/>
           </a:p>
         </p:txBody>
       </p:sp>
@@ -3201,8 +3312,8 @@
         </p:nvSpPr>
         <p:spPr>
           <a:xfrm>
-            <a:off x="457200" y="4767263"/>
-            <a:ext cx="2133600" cy="273844"/>
+            <a:off x="457200" y="6356350"/>
+            <a:ext cx="2133600" cy="365125"/>
           </a:xfrm>
           <a:prstGeom prst="rect">
             <a:avLst/>
@@ -3212,7 +3323,7 @@
           <a:bodyPr vert="horz" lIns="91440" tIns="45720" rIns="91440" bIns="45720" rtlCol="0" anchor="ctr"/>
           <a:lstStyle>
             <a:lvl1pPr algn="l">
-              <a:defRPr sz="900">
+              <a:defRPr sz="1200">
                 <a:solidFill>
                   <a:schemeClr val="tx1">
                     <a:tint val="75000"/>
@@ -3222,9 +3333,10 @@
             </a:lvl1pPr>
           </a:lstStyle>
           <a:p>
-            <a:fld id="{241EB5C9-1307-BA42-ABA2-0BC069CD8E7F}" type="datetimeFigureOut">
-              <a:rPr lang="en-US" smtClean="0"/>
-              <a:t>1/2/22</a:t>
+            <a:fld id="{1D8BD707-D9CF-40AE-B4C6-C98DA3205C09}" type="datetimeFigureOut">
+              <a:rPr lang="en-US" smtClean="0"/>
+              <a:pPr/>
+              <a:t>8/1/2011</a:t>
             </a:fld>
             <a:endParaRPr lang="en-US"/>
           </a:p>
@@ -3242,8 +3354,8 @@
         </p:nvSpPr>
         <p:spPr>
           <a:xfrm>
-            <a:off x="3124200" y="4767263"/>
-            <a:ext cx="2895600" cy="273844"/>
+            <a:off x="3124200" y="6356350"/>
+            <a:ext cx="2895600" cy="365125"/>
           </a:xfrm>
           <a:prstGeom prst="rect">
             <a:avLst/>
@@ -3253,7 +3365,7 @@
           <a:bodyPr vert="horz" lIns="91440" tIns="45720" rIns="91440" bIns="45720" rtlCol="0" anchor="ctr"/>
           <a:lstStyle>
             <a:lvl1pPr algn="ctr">
-              <a:defRPr sz="900">
+              <a:defRPr sz="1200">
                 <a:solidFill>
                   <a:schemeClr val="tx1">
                     <a:tint val="75000"/>
@@ -3290,7 +3402,7 @@
           <a:bodyPr vert="horz" lIns="91440" tIns="45720" rIns="91440" bIns="45720" rtlCol="0" anchor="ctr"/>
           <a:lstStyle>
             <a:lvl1pPr algn="r">
-              <a:defRPr sz="900">
+              <a:defRPr sz="1200">
                 <a:solidFill>
                   <a:schemeClr val="tx1">
                     <a:tint val="75000"/>
@@ -3300,8 +3412,9 @@
             </a:lvl1pPr>
           </a:lstStyle>
           <a:p>
-            <a:fld id="{C5EF2332-01BF-834F-8236-50238282D533}" type="slidenum">
-              <a:rPr lang="en-US" smtClean="0"/>
+            <a:fld id="{B6F15528-21DE-4FAA-801E-634DDDAF4B2B}" type="slidenum">
+              <a:rPr lang="en-US" smtClean="0"/>
+              <a:pPr/>
               <a:t>‹#›</a:t>
             </a:fld>
             <a:endParaRPr lang="en-US"/>
@@ -3309,11 +3422,6 @@
         </p:txBody>
       </p:sp>
     </p:spTree>
-    <p:extLst>
-      <p:ext uri="{BB962C8B-B14F-4D97-AF65-F5344CB8AC3E}">
-        <p14:creationId xmlns:p14="http://schemas.microsoft.com/office/powerpoint/2010/main" val="3676200875"/>
-      </p:ext>
-    </p:extLst>
   </p:cSld>
   <p:clrMap bg1="lt1" tx1="dk1" bg2="lt2" tx2="dk2" accent1="accent1" accent2="accent2" accent3="accent3" accent4="accent4" accent5="accent5" accent6="accent6" hlink="hlink" folHlink="folHlink"/>
   <p:sldLayoutIdLst>
@@ -3331,12 +3439,12 @@
   </p:sldLayoutIdLst>
   <p:txStyles>
     <p:titleStyle>
-      <a:lvl1pPr algn="ctr" defTabSz="342900" rtl="0" eaLnBrk="1" latinLnBrk="0" hangingPunct="1">
+      <a:lvl1pPr algn="ctr" defTabSz="914400" rtl="0" eaLnBrk="1" latinLnBrk="0" hangingPunct="1">
         <a:spcBef>
           <a:spcPct val="0"/>
         </a:spcBef>
         <a:buNone/>
-        <a:defRPr sz="3300" kern="1200">
+        <a:defRPr sz="4400" kern="1200">
           <a:solidFill>
             <a:schemeClr val="tx1"/>
           </a:solidFill>
@@ -3347,11 +3455,41 @@
       </a:lvl1pPr>
     </p:titleStyle>
     <p:bodyStyle>
-      <a:lvl1pPr marL="342900" indent="-342900" algn="l" defTabSz="342900" rtl="0" eaLnBrk="1" latinLnBrk="0" hangingPunct="1">
+      <a:lvl1pPr marL="342900" indent="-342900" algn="l" defTabSz="914400" rtl="0" eaLnBrk="1" latinLnBrk="0" hangingPunct="1">
         <a:spcBef>
           <a:spcPct val="20000"/>
         </a:spcBef>
-        <a:buFont typeface="Arial"/>
+        <a:buFont typeface="Arial" pitchFamily="34" charset="0"/>
+        <a:buChar char="•"/>
+        <a:defRPr sz="3200" kern="1200">
+          <a:solidFill>
+            <a:schemeClr val="tx1"/>
+          </a:solidFill>
+          <a:latin typeface="+mn-lt"/>
+          <a:ea typeface="+mn-ea"/>
+          <a:cs typeface="+mn-cs"/>
+        </a:defRPr>
+      </a:lvl1pPr>
+      <a:lvl2pPr marL="742950" indent="-285750" algn="l" defTabSz="914400" rtl="0" eaLnBrk="1" latinLnBrk="0" hangingPunct="1">
+        <a:spcBef>
+          <a:spcPct val="20000"/>
+        </a:spcBef>
+        <a:buFont typeface="Arial" pitchFamily="34" charset="0"/>
+        <a:buChar char="–"/>
+        <a:defRPr sz="2800" kern="1200">
+          <a:solidFill>
+            <a:schemeClr val="tx1"/>
+          </a:solidFill>
+          <a:latin typeface="+mn-lt"/>
+          <a:ea typeface="+mn-ea"/>
+          <a:cs typeface="+mn-cs"/>
+        </a:defRPr>
+      </a:lvl2pPr>
+      <a:lvl3pPr marL="1143000" indent="-228600" algn="l" defTabSz="914400" rtl="0" eaLnBrk="1" latinLnBrk="0" hangingPunct="1">
+        <a:spcBef>
+          <a:spcPct val="20000"/>
+        </a:spcBef>
+        <a:buFont typeface="Arial" pitchFamily="34" charset="0"/>
         <a:buChar char="•"/>
         <a:defRPr sz="2400" kern="1200">
           <a:solidFill>
@@ -3361,44 +3499,14 @@
           <a:ea typeface="+mn-ea"/>
           <a:cs typeface="+mn-cs"/>
         </a:defRPr>
-      </a:lvl1pPr>
-      <a:lvl2pPr marL="685800" indent="-342900" algn="l" defTabSz="342900" rtl="0" eaLnBrk="1" latinLnBrk="0" hangingPunct="1">
+      </a:lvl3pPr>
+      <a:lvl4pPr marL="1600200" indent="-228600" algn="l" defTabSz="914400" rtl="0" eaLnBrk="1" latinLnBrk="0" hangingPunct="1">
         <a:spcBef>
           <a:spcPct val="20000"/>
         </a:spcBef>
-        <a:buFont typeface="Arial"/>
+        <a:buFont typeface="Arial" pitchFamily="34" charset="0"/>
         <a:buChar char="–"/>
-        <a:defRPr sz="2100" kern="1200">
-          <a:solidFill>
-            <a:schemeClr val="tx1"/>
-          </a:solidFill>
-          <a:latin typeface="+mn-lt"/>
-          <a:ea typeface="+mn-ea"/>
-          <a:cs typeface="+mn-cs"/>
-        </a:defRPr>
-      </a:lvl2pPr>
-      <a:lvl3pPr marL="1028700" indent="-342900" algn="l" defTabSz="342900" rtl="0" eaLnBrk="1" latinLnBrk="0" hangingPunct="1">
-        <a:spcBef>
-          <a:spcPct val="20000"/>
-        </a:spcBef>
-        <a:buFont typeface="Arial"/>
-        <a:buChar char="•"/>
-        <a:defRPr sz="1800" kern="1200">
-          <a:solidFill>
-            <a:schemeClr val="tx1"/>
-          </a:solidFill>
-          <a:latin typeface="+mn-lt"/>
-          <a:ea typeface="+mn-ea"/>
-          <a:cs typeface="+mn-cs"/>
-        </a:defRPr>
-      </a:lvl3pPr>
-      <a:lvl4pPr marL="1371600" indent="-342900" algn="l" defTabSz="342900" rtl="0" eaLnBrk="1" latinLnBrk="0" hangingPunct="1">
-        <a:spcBef>
-          <a:spcPct val="20000"/>
-        </a:spcBef>
-        <a:buFont typeface="Arial"/>
-        <a:buChar char="–"/>
-        <a:defRPr sz="1500" kern="1200">
+        <a:defRPr sz="2000" kern="1200">
           <a:solidFill>
             <a:schemeClr val="tx1"/>
           </a:solidFill>
@@ -3407,13 +3515,13 @@
           <a:cs typeface="+mn-cs"/>
         </a:defRPr>
       </a:lvl4pPr>
-      <a:lvl5pPr marL="1714500" indent="-342900" algn="l" defTabSz="342900" rtl="0" eaLnBrk="1" latinLnBrk="0" hangingPunct="1">
+      <a:lvl5pPr marL="2057400" indent="-228600" algn="l" defTabSz="914400" rtl="0" eaLnBrk="1" latinLnBrk="0" hangingPunct="1">
         <a:spcBef>
           <a:spcPct val="20000"/>
         </a:spcBef>
-        <a:buFont typeface="Arial"/>
+        <a:buFont typeface="Arial" pitchFamily="34" charset="0"/>
         <a:buChar char="»"/>
-        <a:defRPr sz="1500" kern="1200">
+        <a:defRPr sz="2000" kern="1200">
           <a:solidFill>
             <a:schemeClr val="tx1"/>
           </a:solidFill>
@@ -3422,13 +3530,13 @@
           <a:cs typeface="+mn-cs"/>
         </a:defRPr>
       </a:lvl5pPr>
-      <a:lvl6pPr marL="2057400" indent="-342900" algn="l" defTabSz="342900" rtl="0" eaLnBrk="1" latinLnBrk="0" hangingPunct="1">
+      <a:lvl6pPr marL="2514600" indent="-228600" algn="l" defTabSz="914400" rtl="0" eaLnBrk="1" latinLnBrk="0" hangingPunct="1">
         <a:spcBef>
           <a:spcPct val="20000"/>
         </a:spcBef>
-        <a:buFont typeface="Arial"/>
+        <a:buFont typeface="Arial" pitchFamily="34" charset="0"/>
         <a:buChar char="•"/>
-        <a:defRPr sz="1500" kern="1200">
+        <a:defRPr sz="2000" kern="1200">
           <a:solidFill>
             <a:schemeClr val="tx1"/>
           </a:solidFill>
@@ -3437,13 +3545,13 @@
           <a:cs typeface="+mn-cs"/>
         </a:defRPr>
       </a:lvl6pPr>
-      <a:lvl7pPr marL="2400300" indent="-342900" algn="l" defTabSz="342900" rtl="0" eaLnBrk="1" latinLnBrk="0" hangingPunct="1">
+      <a:lvl7pPr marL="2971800" indent="-228600" algn="l" defTabSz="914400" rtl="0" eaLnBrk="1" latinLnBrk="0" hangingPunct="1">
         <a:spcBef>
           <a:spcPct val="20000"/>
         </a:spcBef>
-        <a:buFont typeface="Arial"/>
+        <a:buFont typeface="Arial" pitchFamily="34" charset="0"/>
         <a:buChar char="•"/>
-        <a:defRPr sz="1500" kern="1200">
+        <a:defRPr sz="2000" kern="1200">
           <a:solidFill>
             <a:schemeClr val="tx1"/>
           </a:solidFill>
@@ -3452,13 +3560,13 @@
           <a:cs typeface="+mn-cs"/>
         </a:defRPr>
       </a:lvl7pPr>
-      <a:lvl8pPr marL="2743200" indent="-342900" algn="l" defTabSz="342900" rtl="0" eaLnBrk="1" latinLnBrk="0" hangingPunct="1">
+      <a:lvl8pPr marL="3429000" indent="-228600" algn="l" defTabSz="914400" rtl="0" eaLnBrk="1" latinLnBrk="0" hangingPunct="1">
         <a:spcBef>
           <a:spcPct val="20000"/>
         </a:spcBef>
-        <a:buFont typeface="Arial"/>
+        <a:buFont typeface="Arial" pitchFamily="34" charset="0"/>
         <a:buChar char="•"/>
-        <a:defRPr sz="1500" kern="1200">
+        <a:defRPr sz="2000" kern="1200">
           <a:solidFill>
             <a:schemeClr val="tx1"/>
           </a:solidFill>
@@ -3467,13 +3575,13 @@
           <a:cs typeface="+mn-cs"/>
         </a:defRPr>
       </a:lvl8pPr>
-      <a:lvl9pPr marL="3086100" indent="-342900" algn="l" defTabSz="342900" rtl="0" eaLnBrk="1" latinLnBrk="0" hangingPunct="1">
+      <a:lvl9pPr marL="3886200" indent="-228600" algn="l" defTabSz="914400" rtl="0" eaLnBrk="1" latinLnBrk="0" hangingPunct="1">
         <a:spcBef>
           <a:spcPct val="20000"/>
         </a:spcBef>
-        <a:buFont typeface="Arial"/>
+        <a:buFont typeface="Arial" pitchFamily="34" charset="0"/>
         <a:buChar char="•"/>
-        <a:defRPr sz="1500" kern="1200">
+        <a:defRPr sz="2000" kern="1200">
           <a:solidFill>
             <a:schemeClr val="tx1"/>
           </a:solidFill>
@@ -3487,8 +3595,8 @@
       <a:defPPr>
         <a:defRPr lang="en-US"/>
       </a:defPPr>
-      <a:lvl1pPr marL="0" algn="l" defTabSz="342900" rtl="0" eaLnBrk="1" latinLnBrk="0" hangingPunct="1">
-        <a:defRPr sz="1350" kern="1200">
+      <a:lvl1pPr marL="0" algn="l" defTabSz="914400" rtl="0" eaLnBrk="1" latinLnBrk="0" hangingPunct="1">
+        <a:defRPr sz="1800" kern="1200">
           <a:solidFill>
             <a:schemeClr val="tx1"/>
           </a:solidFill>
@@ -3497,8 +3605,8 @@
           <a:cs typeface="+mn-cs"/>
         </a:defRPr>
       </a:lvl1pPr>
-      <a:lvl2pPr marL="342900" algn="l" defTabSz="342900" rtl="0" eaLnBrk="1" latinLnBrk="0" hangingPunct="1">
-        <a:defRPr sz="1350" kern="1200">
+      <a:lvl2pPr marL="457200" algn="l" defTabSz="914400" rtl="0" eaLnBrk="1" latinLnBrk="0" hangingPunct="1">
+        <a:defRPr sz="1800" kern="1200">
           <a:solidFill>
             <a:schemeClr val="tx1"/>
           </a:solidFill>
@@ -3507,8 +3615,8 @@
           <a:cs typeface="+mn-cs"/>
         </a:defRPr>
       </a:lvl2pPr>
-      <a:lvl3pPr marL="685800" algn="l" defTabSz="342900" rtl="0" eaLnBrk="1" latinLnBrk="0" hangingPunct="1">
-        <a:defRPr sz="1350" kern="1200">
+      <a:lvl3pPr marL="914400" algn="l" defTabSz="914400" rtl="0" eaLnBrk="1" latinLnBrk="0" hangingPunct="1">
+        <a:defRPr sz="1800" kern="1200">
           <a:solidFill>
             <a:schemeClr val="tx1"/>
           </a:solidFill>
@@ -3517,8 +3625,8 @@
           <a:cs typeface="+mn-cs"/>
         </a:defRPr>
       </a:lvl3pPr>
-      <a:lvl4pPr marL="1028700" algn="l" defTabSz="342900" rtl="0" eaLnBrk="1" latinLnBrk="0" hangingPunct="1">
-        <a:defRPr sz="1350" kern="1200">
+      <a:lvl4pPr marL="1371600" algn="l" defTabSz="914400" rtl="0" eaLnBrk="1" latinLnBrk="0" hangingPunct="1">
+        <a:defRPr sz="1800" kern="1200">
           <a:solidFill>
             <a:schemeClr val="tx1"/>
           </a:solidFill>
@@ -3527,8 +3635,8 @@
           <a:cs typeface="+mn-cs"/>
         </a:defRPr>
       </a:lvl4pPr>
-      <a:lvl5pPr marL="1371600" algn="l" defTabSz="342900" rtl="0" eaLnBrk="1" latinLnBrk="0" hangingPunct="1">
-        <a:defRPr sz="1350" kern="1200">
+      <a:lvl5pPr marL="1828800" algn="l" defTabSz="914400" rtl="0" eaLnBrk="1" latinLnBrk="0" hangingPunct="1">
+        <a:defRPr sz="1800" kern="1200">
           <a:solidFill>
             <a:schemeClr val="tx1"/>
           </a:solidFill>
@@ -3537,8 +3645,8 @@
           <a:cs typeface="+mn-cs"/>
         </a:defRPr>
       </a:lvl5pPr>
-      <a:lvl6pPr marL="1714500" algn="l" defTabSz="342900" rtl="0" eaLnBrk="1" latinLnBrk="0" hangingPunct="1">
-        <a:defRPr sz="1350" kern="1200">
+      <a:lvl6pPr marL="2286000" algn="l" defTabSz="914400" rtl="0" eaLnBrk="1" latinLnBrk="0" hangingPunct="1">
+        <a:defRPr sz="1800" kern="1200">
           <a:solidFill>
             <a:schemeClr val="tx1"/>
           </a:solidFill>
@@ -3547,8 +3655,8 @@
           <a:cs typeface="+mn-cs"/>
         </a:defRPr>
       </a:lvl6pPr>
-      <a:lvl7pPr marL="2057400" algn="l" defTabSz="342900" rtl="0" eaLnBrk="1" latinLnBrk="0" hangingPunct="1">
-        <a:defRPr sz="1350" kern="1200">
+      <a:lvl7pPr marL="2743200" algn="l" defTabSz="914400" rtl="0" eaLnBrk="1" latinLnBrk="0" hangingPunct="1">
+        <a:defRPr sz="1800" kern="1200">
           <a:solidFill>
             <a:schemeClr val="tx1"/>
           </a:solidFill>
@@ -3557,8 +3665,8 @@
           <a:cs typeface="+mn-cs"/>
         </a:defRPr>
       </a:lvl7pPr>
-      <a:lvl8pPr marL="2400300" algn="l" defTabSz="342900" rtl="0" eaLnBrk="1" latinLnBrk="0" hangingPunct="1">
-        <a:defRPr sz="1350" kern="1200">
+      <a:lvl8pPr marL="3200400" algn="l" defTabSz="914400" rtl="0" eaLnBrk="1" latinLnBrk="0" hangingPunct="1">
+        <a:defRPr sz="1800" kern="1200">
           <a:solidFill>
             <a:schemeClr val="tx1"/>
           </a:solidFill>
@@ -3567,8 +3675,8 @@
           <a:cs typeface="+mn-cs"/>
         </a:defRPr>
       </a:lvl8pPr>
-      <a:lvl9pPr marL="2743200" algn="l" defTabSz="342900" rtl="0" eaLnBrk="1" latinLnBrk="0" hangingPunct="1">
-        <a:defRPr sz="1350" kern="1200">
+      <a:lvl9pPr marL="3657600" algn="l" defTabSz="914400" rtl="0" eaLnBrk="1" latinLnBrk="0" hangingPunct="1">
+        <a:defRPr sz="1800" kern="1200">
           <a:solidFill>
             <a:schemeClr val="tx1"/>
           </a:solidFill>
@@ -3580,332 +3688,6 @@
     </p:otherStyle>
   </p:txStyles>
 </p:sldMaster>
-</file>
-
-<file path=ppt/slides/slide1.xml><?xml version="1.0" encoding="utf-8"?>
-<p:sld xmlns:a="http://schemas.openxmlformats.org/drawingml/2006/main" xmlns:p="http://schemas.openxmlformats.org/presentationml/2006/main" xmlns:r="http://schemas.openxmlformats.org/officeDocument/2006/relationships">
-  <p:cSld>
-    <p:spTree>
-      <p:nvGrpSpPr>
-        <p:cNvPr id="1" name=""/>
-        <p:cNvGrpSpPr/>
-        <p:nvPr/>
-      </p:nvGrpSpPr>
-      <p:grpSpPr>
-        <a:xfrm>
-          <a:off x="0" y="0"/>
-          <a:ext cx="0" cy="0"/>
-          <a:chOff x="0" y="0"/>
-          <a:chExt cx="0" cy="0"/>
-        </a:xfrm>
-      </p:grpSpPr>
-      <p:sp>
-        <p:nvSpPr>
-          <p:cNvPr id="10063" name="Title 1"/>
-          <p:cNvSpPr>
-            <a:spLocks noGrp="1"/>
-          </p:cNvSpPr>
-          <p:nvPr>
-            <p:ph type="ctrTitle"/>
-          </p:nvPr>
-        </p:nvSpPr>
-        <p:spPr/>
-        <p:txBody>
-          <a:bodyPr/>
-          <a:lstStyle/>
-          <a:p>
-            <a:r>
-              <a:rPr dirty="0" lang="en-US"/>
-              <a:t>Presentation Title</a:t>
-            </a:r>
-          </a:p>
-        </p:txBody>
-      </p:sp>
-      <p:sp>
-        <p:nvSpPr>
-          <p:cNvPr id="10064" name="Subtitle 2"/>
-          <p:cNvSpPr>
-            <a:spLocks noGrp="1"/>
-          </p:cNvSpPr>
-          <p:nvPr>
-            <p:ph idx="1" type="subTitle"/>
-          </p:nvPr>
-        </p:nvSpPr>
-        <p:spPr/>
-        <p:txBody>
-          <a:bodyPr/>
-          <a:lstStyle/>
-          <a:p>
-            <a:r>
-              <a:rPr dirty="0" lang="en-US"/>
-              <a:t>Presentation Subtitle</a:t>
-            </a:r>
-          </a:p>
-        </p:txBody>
-      </p:sp>
-    </p:spTree>
-    <p:extLst>
-      <p:ext uri="{BB962C8B-B14F-4D97-AF65-F5344CB8AC3E}">
-        <p14:creationId xmlns:p14="http://schemas.microsoft.com/office/powerpoint/2010/main" val="392669009"/>
-      </p:ext>
-    </p:extLst>
-  </p:cSld>
-  <p:clrMapOvr>
-    <a:masterClrMapping/>
-  </p:clrMapOvr>
-</p:sld>
-</file>
-
-<file path=ppt/slides/slide2.xml><?xml version="1.0" encoding="utf-8"?>
-<p:sld xmlns:a="http://schemas.openxmlformats.org/drawingml/2006/main" xmlns:p="http://schemas.openxmlformats.org/presentationml/2006/main" xmlns:r="http://schemas.openxmlformats.org/officeDocument/2006/relationships">
-  <p:cSld>
-    <p:spTree>
-      <p:nvGrpSpPr>
-        <p:cNvPr id="1" name=""/>
-        <p:cNvGrpSpPr/>
-        <p:nvPr/>
-      </p:nvGrpSpPr>
-      <p:grpSpPr>
-        <a:xfrm>
-          <a:off x="0" y="0"/>
-          <a:ext cx="0" cy="0"/>
-          <a:chOff x="0" y="0"/>
-          <a:chExt cx="0" cy="0"/>
-        </a:xfrm>
-      </p:grpSpPr>
-      <p:sp>
-        <p:nvSpPr>
-          <p:cNvPr id="10065" name="Title 1"/>
-          <p:cNvSpPr>
-            <a:spLocks noGrp="1"/>
-          </p:cNvSpPr>
-          <p:nvPr>
-            <p:ph type="title"/>
-          </p:nvPr>
-        </p:nvSpPr>
-        <p:spPr/>
-        <p:txBody>
-          <a:bodyPr/>
-          <a:lstStyle/>
-          <a:p>
-            <a:r>
-              <a:rPr dirty="0" lang="en-US"/>
-              <a:t>Slide Title</a:t>
-            </a:r>
-          </a:p>
-        </p:txBody>
-      </p:sp>
-      <p:sp>
-        <p:nvSpPr>
-          <p:cNvPr id="10066" name="Content Placeholder 2"/>
-          <p:cNvSpPr>
-            <a:spLocks noGrp="1"/>
-          </p:cNvSpPr>
-          <p:nvPr>
-            <p:ph idx="1"/>
-          </p:nvPr>
-        </p:nvSpPr>
-        <p:spPr/>
-        <p:txBody>
-          <a:bodyPr/>
-          <a:lstStyle/>
-          <a:p>
-            <a:pPr indent="0" marL="0">
-              <a:buNone/>
-            </a:pPr>
-            <a:r>
-              <a:rPr dirty="0" lang="en-US"/>
-              <a:t>Hello</a:t>
-            </a:r>
-            <a:r>
-              <a:rPr lang="en-US"/>
-              <a:t>, world.</a:t>
-            </a:r>
-          </a:p>
-        </p:txBody>
-      </p:sp>
-    </p:spTree>
-    <p:extLst>
-      <p:ext uri="{BB962C8B-B14F-4D97-AF65-F5344CB8AC3E}">
-        <p14:creationId xmlns:p14="http://schemas.microsoft.com/office/powerpoint/2010/main" val="572707455"/>
-      </p:ext>
-    </p:extLst>
-  </p:cSld>
-  <p:clrMapOvr>
-    <a:masterClrMapping/>
-  </p:clrMapOvr>
-</p:sld>
-</file>
-
-<file path=ppt/slides/slide3.xml><?xml version="1.0" encoding="utf-8"?>
-<p:sld xmlns:a="http://schemas.openxmlformats.org/drawingml/2006/main" xmlns:p="http://schemas.openxmlformats.org/presentationml/2006/main" xmlns:r="http://schemas.openxmlformats.org/officeDocument/2006/relationships">
-  <p:cSld>
-    <p:spTree>
-      <p:nvGrpSpPr>
-        <p:cNvPr id="1" name=""/>
-        <p:cNvGrpSpPr/>
-        <p:nvPr/>
-      </p:nvGrpSpPr>
-      <p:grpSpPr>
-        <a:xfrm>
-          <a:off x="0" y="0"/>
-          <a:ext cx="0" cy="0"/>
-          <a:chOff x="0" y="0"/>
-          <a:chExt cx="0" cy="0"/>
-        </a:xfrm>
-      </p:grpSpPr>
-      <p:sp>
-        <p:nvSpPr>
-          <p:cNvPr id="10067" name="Title 1"/>
-          <p:cNvSpPr>
-            <a:spLocks noGrp="1"/>
-          </p:cNvSpPr>
-          <p:nvPr>
-            <p:ph type="title"/>
-          </p:nvPr>
-        </p:nvSpPr>
-        <p:spPr/>
-        <p:txBody>
-          <a:bodyPr/>
-          <a:lstStyle/>
-          <a:p>
-            <a:r>
-              <a:rPr dirty="0" lang="en-US"/>
-              <a:t>Section header</a:t>
-            </a:r>
-          </a:p>
-        </p:txBody>
-      </p:sp>
-      <p:sp>
-        <p:nvSpPr>
-          <p:cNvPr id="10068" name="Text Placeholder 2"/>
-          <p:cNvSpPr>
-            <a:spLocks noGrp="1"/>
-          </p:cNvSpPr>
-          <p:nvPr>
-            <p:ph idx="1" type="body"/>
-          </p:nvPr>
-        </p:nvSpPr>
-        <p:spPr/>
-      </p:sp>
-    </p:spTree>
-    <p:extLst>
-      <p:ext uri="{BB962C8B-B14F-4D97-AF65-F5344CB8AC3E}">
-        <p14:creationId xmlns:p14="http://schemas.microsoft.com/office/powerpoint/2010/main" val="3996781534"/>
-      </p:ext>
-    </p:extLst>
-  </p:cSld>
-  <p:clrMapOvr>
-    <a:masterClrMapping/>
-  </p:clrMapOvr>
-</p:sld>
-</file>
-
-<file path=ppt/slides/slide4.xml><?xml version="1.0" encoding="utf-8"?>
-<p:sld xmlns:a="http://schemas.openxmlformats.org/drawingml/2006/main" xmlns:p="http://schemas.openxmlformats.org/presentationml/2006/main" xmlns:r="http://schemas.openxmlformats.org/officeDocument/2006/relationships">
-  <p:cSld>
-    <p:spTree>
-      <p:nvGrpSpPr>
-        <p:cNvPr id="1" name=""/>
-        <p:cNvGrpSpPr/>
-        <p:nvPr/>
-      </p:nvGrpSpPr>
-      <p:grpSpPr>
-        <a:xfrm>
-          <a:off x="0" y="0"/>
-          <a:ext cx="0" cy="0"/>
-          <a:chOff x="0" y="0"/>
-          <a:chExt cx="0" cy="0"/>
-        </a:xfrm>
-      </p:grpSpPr>
-      <p:sp>
-        <p:nvSpPr>
-          <p:cNvPr id="10069" name="Title 3"/>
-          <p:cNvSpPr>
-            <a:spLocks noGrp="1"/>
-          </p:cNvSpPr>
-          <p:nvPr>
-            <p:ph type="title"/>
-          </p:nvPr>
-        </p:nvSpPr>
-        <p:spPr/>
-        <p:txBody>
-          <a:bodyPr/>
-          <a:lstStyle/>
-          <a:p>
-            <a:r>
-              <a:rPr dirty="0" lang="en-US"/>
-              <a:t>Slide Title for Two-Content</a:t>
-            </a:r>
-          </a:p>
-        </p:txBody>
-      </p:sp>
-      <p:sp>
-        <p:nvSpPr>
-          <p:cNvPr id="10070" name="Content Placeholder 4"/>
-          <p:cNvSpPr>
-            <a:spLocks noGrp="1"/>
-          </p:cNvSpPr>
-          <p:nvPr>
-            <p:ph idx="1" sz="half"/>
-          </p:nvPr>
-        </p:nvSpPr>
-        <p:spPr/>
-        <p:txBody>
-          <a:bodyPr/>
-          <a:lstStyle/>
-          <a:p>
-            <a:r>
-              <a:rPr dirty="0" lang="en-US"/>
-              <a:t>Some content on </a:t>
-            </a:r>
-            <a:r>
-              <a:rPr lang="en-US"/>
-              <a:t>the left.</a:t>
-            </a:r>
-            <a:endParaRPr dirty="0" lang="en-US"/>
-          </a:p>
-          <a:p>
-            <a:pPr indent="0" marL="0">
-              <a:buNone/>
-            </a:pPr>
-            <a:endParaRPr dirty="0" lang="en-US"/>
-          </a:p>
-        </p:txBody>
-      </p:sp>
-      <p:sp>
-        <p:nvSpPr>
-          <p:cNvPr id="10071" name="Content Placeholder 5"/>
-          <p:cNvSpPr>
-            <a:spLocks noGrp="1"/>
-          </p:cNvSpPr>
-          <p:nvPr>
-            <p:ph idx="2" sz="half"/>
-          </p:nvPr>
-        </p:nvSpPr>
-        <p:spPr/>
-        <p:txBody>
-          <a:bodyPr/>
-          <a:lstStyle/>
-          <a:p>
-            <a:r>
-              <a:rPr dirty="0" lang="en-US"/>
-              <a:t>Some content on the right.</a:t>
-            </a:r>
-          </a:p>
-        </p:txBody>
-      </p:sp>
-    </p:spTree>
-    <p:extLst>
-      <p:ext uri="{BB962C8B-B14F-4D97-AF65-F5344CB8AC3E}">
-        <p14:creationId xmlns:p14="http://schemas.microsoft.com/office/powerpoint/2010/main" val="1324621109"/>
-      </p:ext>
-    </p:extLst>
-  </p:cSld>
-  <p:clrMapOvr>
-    <a:masterClrMapping/>
-  </p:clrMapOvr>
-</p:sld>
 </file>
 
 <file path=ppt/theme/theme1.xml><?xml version="1.0" encoding="utf-8"?>
@@ -3983,7 +3765,6 @@
         <a:font script="Mong" typeface="Mongolian Baiti"/>
         <a:font script="Viet" typeface="Times New Roman"/>
         <a:font script="Uigh" typeface="Microsoft Uighur"/>
-        <a:font script="Geor" typeface="Sylfaen"/>
       </a:majorFont>
       <a:minorFont>
         <a:latin typeface="Frutiger for ZKB Light"/>
@@ -4018,7 +3799,6 @@
         <a:font script="Mong" typeface="Mongolian Baiti"/>
         <a:font script="Viet" typeface="Arial"/>
         <a:font script="Uigh" typeface="Microsoft Uighur"/>
-        <a:font script="Geor" typeface="Sylfaen"/>
       </a:minorFont>
     </a:fontScheme>
     <a:fmtScheme name="Office">
@@ -4053,16 +3833,20 @@
           <a:gsLst>
             <a:gs pos="0">
               <a:schemeClr val="phClr">
-                <a:tint val="100000"/>
-                <a:shade val="100000"/>
+                <a:shade val="51000"/>
+                <a:satMod val="130000"/>
+              </a:schemeClr>
+            </a:gs>
+            <a:gs pos="80000">
+              <a:schemeClr val="phClr">
+                <a:shade val="93000"/>
                 <a:satMod val="130000"/>
               </a:schemeClr>
             </a:gs>
             <a:gs pos="100000">
               <a:schemeClr val="phClr">
-                <a:tint val="50000"/>
-                <a:shade val="100000"/>
-                <a:satMod val="350000"/>
+                <a:shade val="94000"/>
+                <a:satMod val="135000"/>
               </a:schemeClr>
             </a:gs>
           </a:gsLst>
@@ -4184,307 +3968,7 @@
       </a:bgFillStyleLst>
     </a:fmtScheme>
   </a:themeElements>
-  <a:objectDefaults>
-    <a:spDef>
-      <a:spPr/>
-      <a:bodyPr/>
-      <a:lstStyle/>
-      <a:style>
-        <a:lnRef idx="1">
-          <a:schemeClr val="accent1"/>
-        </a:lnRef>
-        <a:fillRef idx="3">
-          <a:schemeClr val="accent1"/>
-        </a:fillRef>
-        <a:effectRef idx="2">
-          <a:schemeClr val="accent1"/>
-        </a:effectRef>
-        <a:fontRef idx="minor">
-          <a:schemeClr val="lt1"/>
-        </a:fontRef>
-      </a:style>
-    </a:spDef>
-    <a:lnDef>
-      <a:spPr/>
-      <a:bodyPr/>
-      <a:lstStyle/>
-      <a:style>
-        <a:lnRef idx="2">
-          <a:schemeClr val="accent1"/>
-        </a:lnRef>
-        <a:fillRef idx="0">
-          <a:schemeClr val="accent1"/>
-        </a:fillRef>
-        <a:effectRef idx="1">
-          <a:schemeClr val="accent1"/>
-        </a:effectRef>
-        <a:fontRef idx="minor">
-          <a:schemeClr val="tx1"/>
-        </a:fontRef>
-      </a:style>
-    </a:lnDef>
-  </a:objectDefaults>
+  <a:objectDefaults/>
   <a:extraClrSchemeLst/>
 </a:theme>
-</file>
-
-<file path=ppt/theme/theme2.xml><?xml version="1.0" encoding="utf-8"?>
-<a:theme xmlns:a="http://schemas.openxmlformats.org/drawingml/2006/main" name="Office Theme">
-  <a:themeElements>
-    <a:clrScheme name="Office">
-      <a:dk1>
-        <a:sysClr val="windowText" lastClr="000000"/>
-      </a:dk1>
-      <a:lt1>
-        <a:sysClr val="window" lastClr="FFFFFF"/>
-      </a:lt1>
-      <a:dk2>
-        <a:srgbClr val="44546A"/>
-      </a:dk2>
-      <a:lt2>
-        <a:srgbClr val="E7E6E6"/>
-      </a:lt2>
-      <a:accent1>
-        <a:srgbClr val="5B9BD5"/>
-      </a:accent1>
-      <a:accent2>
-        <a:srgbClr val="ED7D31"/>
-      </a:accent2>
-      <a:accent3>
-        <a:srgbClr val="A5A5A5"/>
-      </a:accent3>
-      <a:accent4>
-        <a:srgbClr val="FFC000"/>
-      </a:accent4>
-      <a:accent5>
-        <a:srgbClr val="4472C4"/>
-      </a:accent5>
-      <a:accent6>
-        <a:srgbClr val="70AD47"/>
-      </a:accent6>
-      <a:hlink>
-        <a:srgbClr val="0563C1"/>
-      </a:hlink>
-      <a:folHlink>
-        <a:srgbClr val="954F72"/>
-      </a:folHlink>
-    </a:clrScheme>
-    <a:fontScheme name="Office">
-      <a:majorFont>
-        <a:latin typeface="Calibri Light" panose="020F0302020204030204"/>
-        <a:ea typeface=""/>
-        <a:cs typeface=""/>
-        <a:font script="Jpan" typeface="ＭＳ Ｐゴシック"/>
-        <a:font script="Hang" typeface="맑은 고딕"/>
-        <a:font script="Hans" typeface="宋体"/>
-        <a:font script="Hant" typeface="新細明體"/>
-        <a:font script="Arab" typeface="Times New Roman"/>
-        <a:font script="Hebr" typeface="Times New Roman"/>
-        <a:font script="Thai" typeface="Angsana New"/>
-        <a:font script="Ethi" typeface="Nyala"/>
-        <a:font script="Beng" typeface="Vrinda"/>
-        <a:font script="Gujr" typeface="Shruti"/>
-        <a:font script="Khmr" typeface="MoolBoran"/>
-        <a:font script="Knda" typeface="Tunga"/>
-        <a:font script="Guru" typeface="Raavi"/>
-        <a:font script="Cans" typeface="Euphemia"/>
-        <a:font script="Cher" typeface="Plantagenet Cherokee"/>
-        <a:font script="Yiii" typeface="Microsoft Yi Baiti"/>
-        <a:font script="Tibt" typeface="Microsoft Himalaya"/>
-        <a:font script="Thaa" typeface="MV Boli"/>
-        <a:font script="Deva" typeface="Mangal"/>
-        <a:font script="Telu" typeface="Gautami"/>
-        <a:font script="Taml" typeface="Latha"/>
-        <a:font script="Syrc" typeface="Estrangelo Edessa"/>
-        <a:font script="Orya" typeface="Kalinga"/>
-        <a:font script="Mlym" typeface="Kartika"/>
-        <a:font script="Laoo" typeface="DokChampa"/>
-        <a:font script="Sinh" typeface="Iskoola Pota"/>
-        <a:font script="Mong" typeface="Mongolian Baiti"/>
-        <a:font script="Viet" typeface="Times New Roman"/>
-        <a:font script="Uigh" typeface="Microsoft Uighur"/>
-        <a:font script="Geor" typeface="Sylfaen"/>
-      </a:majorFont>
-      <a:minorFont>
-        <a:latin typeface="Calibri" panose="020F0502020204030204"/>
-        <a:ea typeface=""/>
-        <a:cs typeface=""/>
-        <a:font script="Jpan" typeface="ＭＳ Ｐゴシック"/>
-        <a:font script="Hang" typeface="맑은 고딕"/>
-        <a:font script="Hans" typeface="宋体"/>
-        <a:font script="Hant" typeface="新細明體"/>
-        <a:font script="Arab" typeface="Arial"/>
-        <a:font script="Hebr" typeface="Arial"/>
-        <a:font script="Thai" typeface="Cordia New"/>
-        <a:font script="Ethi" typeface="Nyala"/>
-        <a:font script="Beng" typeface="Vrinda"/>
-        <a:font script="Gujr" typeface="Shruti"/>
-        <a:font script="Khmr" typeface="DaunPenh"/>
-        <a:font script="Knda" typeface="Tunga"/>
-        <a:font script="Guru" typeface="Raavi"/>
-        <a:font script="Cans" typeface="Euphemia"/>
-        <a:font script="Cher" typeface="Plantagenet Cherokee"/>
-        <a:font script="Yiii" typeface="Microsoft Yi Baiti"/>
-        <a:font script="Tibt" typeface="Microsoft Himalaya"/>
-        <a:font script="Thaa" typeface="MV Boli"/>
-        <a:font script="Deva" typeface="Mangal"/>
-        <a:font script="Telu" typeface="Gautami"/>
-        <a:font script="Taml" typeface="Latha"/>
-        <a:font script="Syrc" typeface="Estrangelo Edessa"/>
-        <a:font script="Orya" typeface="Kalinga"/>
-        <a:font script="Mlym" typeface="Kartika"/>
-        <a:font script="Laoo" typeface="DokChampa"/>
-        <a:font script="Sinh" typeface="Iskoola Pota"/>
-        <a:font script="Mong" typeface="Mongolian Baiti"/>
-        <a:font script="Viet" typeface="Arial"/>
-        <a:font script="Uigh" typeface="Microsoft Uighur"/>
-        <a:font script="Geor" typeface="Sylfaen"/>
-      </a:minorFont>
-    </a:fontScheme>
-    <a:fmtScheme name="Office">
-      <a:fillStyleLst>
-        <a:solidFill>
-          <a:schemeClr val="phClr"/>
-        </a:solidFill>
-        <a:gradFill rotWithShape="1">
-          <a:gsLst>
-            <a:gs pos="0">
-              <a:schemeClr val="phClr">
-                <a:lumMod val="110000"/>
-                <a:satMod val="105000"/>
-                <a:tint val="67000"/>
-              </a:schemeClr>
-            </a:gs>
-            <a:gs pos="50000">
-              <a:schemeClr val="phClr">
-                <a:lumMod val="105000"/>
-                <a:satMod val="103000"/>
-                <a:tint val="73000"/>
-              </a:schemeClr>
-            </a:gs>
-            <a:gs pos="100000">
-              <a:schemeClr val="phClr">
-                <a:lumMod val="105000"/>
-                <a:satMod val="109000"/>
-                <a:tint val="81000"/>
-              </a:schemeClr>
-            </a:gs>
-          </a:gsLst>
-          <a:lin ang="5400000" scaled="0"/>
-        </a:gradFill>
-        <a:gradFill rotWithShape="1">
-          <a:gsLst>
-            <a:gs pos="0">
-              <a:schemeClr val="phClr">
-                <a:satMod val="103000"/>
-                <a:lumMod val="102000"/>
-                <a:tint val="94000"/>
-              </a:schemeClr>
-            </a:gs>
-            <a:gs pos="50000">
-              <a:schemeClr val="phClr">
-                <a:satMod val="110000"/>
-                <a:lumMod val="100000"/>
-                <a:shade val="100000"/>
-              </a:schemeClr>
-            </a:gs>
-            <a:gs pos="100000">
-              <a:schemeClr val="phClr">
-                <a:lumMod val="99000"/>
-                <a:satMod val="120000"/>
-                <a:shade val="78000"/>
-              </a:schemeClr>
-            </a:gs>
-          </a:gsLst>
-          <a:lin ang="5400000" scaled="0"/>
-        </a:gradFill>
-      </a:fillStyleLst>
-      <a:lnStyleLst>
-        <a:ln w="6350" cap="flat" cmpd="sng" algn="ctr">
-          <a:solidFill>
-            <a:schemeClr val="phClr"/>
-          </a:solidFill>
-          <a:prstDash val="solid"/>
-          <a:miter lim="800000"/>
-        </a:ln>
-        <a:ln w="12700" cap="flat" cmpd="sng" algn="ctr">
-          <a:solidFill>
-            <a:schemeClr val="phClr"/>
-          </a:solidFill>
-          <a:prstDash val="solid"/>
-          <a:miter lim="800000"/>
-        </a:ln>
-        <a:ln w="19050" cap="flat" cmpd="sng" algn="ctr">
-          <a:solidFill>
-            <a:schemeClr val="phClr"/>
-          </a:solidFill>
-          <a:prstDash val="solid"/>
-          <a:miter lim="800000"/>
-        </a:ln>
-      </a:lnStyleLst>
-      <a:effectStyleLst>
-        <a:effectStyle>
-          <a:effectLst/>
-        </a:effectStyle>
-        <a:effectStyle>
-          <a:effectLst/>
-        </a:effectStyle>
-        <a:effectStyle>
-          <a:effectLst>
-            <a:outerShdw blurRad="57150" dist="19050" dir="5400000" algn="ctr" rotWithShape="0">
-              <a:srgbClr val="000000">
-                <a:alpha val="63000"/>
-              </a:srgbClr>
-            </a:outerShdw>
-          </a:effectLst>
-        </a:effectStyle>
-      </a:effectStyleLst>
-      <a:bgFillStyleLst>
-        <a:solidFill>
-          <a:schemeClr val="phClr"/>
-        </a:solidFill>
-        <a:solidFill>
-          <a:schemeClr val="phClr">
-            <a:tint val="95000"/>
-            <a:satMod val="170000"/>
-          </a:schemeClr>
-        </a:solidFill>
-        <a:gradFill rotWithShape="1">
-          <a:gsLst>
-            <a:gs pos="0">
-              <a:schemeClr val="phClr">
-                <a:tint val="93000"/>
-                <a:satMod val="150000"/>
-                <a:shade val="98000"/>
-                <a:lumMod val="102000"/>
-              </a:schemeClr>
-            </a:gs>
-            <a:gs pos="50000">
-              <a:schemeClr val="phClr">
-                <a:tint val="98000"/>
-                <a:satMod val="130000"/>
-                <a:shade val="90000"/>
-                <a:lumMod val="103000"/>
-              </a:schemeClr>
-            </a:gs>
-            <a:gs pos="100000">
-              <a:schemeClr val="phClr">
-                <a:shade val="63000"/>
-                <a:satMod val="120000"/>
-              </a:schemeClr>
-            </a:gs>
-          </a:gsLst>
-          <a:lin ang="5400000" scaled="0"/>
-        </a:gradFill>
-      </a:bgFillStyleLst>
-    </a:fmtScheme>
-  </a:themeElements>
-  <a:objectDefaults/>
-  <a:extraClrSchemeLst/>
-  <a:extLst>
-    <a:ext uri="{05A4C25C-085E-4340-85A3-A5531E510DB2}">
-      <thm15:themeFamily xmlns:thm15="http://schemas.microsoft.com/office/thememl/2012/main" name="Office Theme" id="{62F939B6-93AF-4DB8-9C6B-D6C7DFDC589F}" vid="{4A3C46E8-61CC-4603-A589-7422A47A8E4A}"/>
-    </a:ext>
-  </a:extLst>
-</a:theme>
 </file>